--- a/Documents/Презентация.pptx
+++ b/Documents/Презентация.pptx
@@ -5,20 +5,21 @@
     <p:sldMasterId id="2147483648" r:id="rId1"/>
   </p:sldMasterIdLst>
   <p:notesMasterIdLst>
-    <p:notesMasterId r:id="rId13"/>
+    <p:notesMasterId r:id="rId14"/>
   </p:notesMasterIdLst>
   <p:sldIdLst>
     <p:sldId id="256" r:id="rId2"/>
     <p:sldId id="257" r:id="rId3"/>
-    <p:sldId id="258" r:id="rId4"/>
-    <p:sldId id="259" r:id="rId5"/>
-    <p:sldId id="260" r:id="rId6"/>
-    <p:sldId id="261" r:id="rId7"/>
-    <p:sldId id="262" r:id="rId8"/>
-    <p:sldId id="265" r:id="rId9"/>
-    <p:sldId id="266" r:id="rId10"/>
-    <p:sldId id="263" r:id="rId11"/>
-    <p:sldId id="264" r:id="rId12"/>
+    <p:sldId id="267" r:id="rId4"/>
+    <p:sldId id="258" r:id="rId5"/>
+    <p:sldId id="259" r:id="rId6"/>
+    <p:sldId id="260" r:id="rId7"/>
+    <p:sldId id="261" r:id="rId8"/>
+    <p:sldId id="262" r:id="rId9"/>
+    <p:sldId id="265" r:id="rId10"/>
+    <p:sldId id="266" r:id="rId11"/>
+    <p:sldId id="263" r:id="rId12"/>
+    <p:sldId id="264" r:id="rId13"/>
   </p:sldIdLst>
   <p:sldSz cx="12192000" cy="6858000"/>
   <p:notesSz cx="6858000" cy="9144000"/>
@@ -119,7 +120,7 @@
   </p:defaultTextStyle>
   <p:extLst>
     <p:ext uri="{EFAFB233-063F-42B5-8137-9DF3F51BA10A}">
-      <p15:sldGuideLst xmlns:p15="http://schemas.microsoft.com/office/powerpoint/2012/main" xmlns="">
+      <p15:sldGuideLst xmlns:p15="http://schemas.microsoft.com/office/powerpoint/2012/main">
         <p15:guide id="1" orient="horz" pos="2160">
           <p15:clr>
             <a:srgbClr val="A4A3A4"/>
@@ -218,7 +219,7 @@
           <a:p>
             <a:fld id="{3663DF09-AC2F-43C6-91CE-BE4504AB2E77}" type="datetimeFigureOut">
               <a:rPr lang="ru-RU" smtClean="0"/>
-              <a:t>30.03.2023</a:t>
+              <a:t>22.05.2023</a:t>
             </a:fld>
             <a:endParaRPr lang="ru-RU"/>
           </a:p>
@@ -617,7 +618,7 @@
           <a:p>
             <a:fld id="{431EBDBA-DF61-4264-B2E1-71F7D2D9639F}" type="datetime1">
               <a:rPr lang="ru-RU" smtClean="0"/>
-              <a:t>30.03.2023</a:t>
+              <a:t>22.05.2023</a:t>
             </a:fld>
             <a:endParaRPr lang="ru-RU"/>
           </a:p>
@@ -787,7 +788,7 @@
           <a:p>
             <a:fld id="{48D94E5C-DFBD-43D2-A4B2-35E0A1108B57}" type="datetime1">
               <a:rPr lang="ru-RU" smtClean="0"/>
-              <a:t>30.03.2023</a:t>
+              <a:t>22.05.2023</a:t>
             </a:fld>
             <a:endParaRPr lang="ru-RU"/>
           </a:p>
@@ -967,7 +968,7 @@
           <a:p>
             <a:fld id="{9AA17FCD-6540-4295-AFC5-9AA2AE518C45}" type="datetime1">
               <a:rPr lang="ru-RU" smtClean="0"/>
-              <a:t>30.03.2023</a:t>
+              <a:t>22.05.2023</a:t>
             </a:fld>
             <a:endParaRPr lang="ru-RU"/>
           </a:p>
@@ -1137,7 +1138,7 @@
           <a:p>
             <a:fld id="{B3D25BAC-ACA9-4D44-A789-D821B02D7173}" type="datetime1">
               <a:rPr lang="ru-RU" smtClean="0"/>
-              <a:t>30.03.2023</a:t>
+              <a:t>22.05.2023</a:t>
             </a:fld>
             <a:endParaRPr lang="ru-RU"/>
           </a:p>
@@ -1383,7 +1384,7 @@
           <a:p>
             <a:fld id="{F3A564F2-61EB-4DD9-81C9-C4B0D01ABAD2}" type="datetime1">
               <a:rPr lang="ru-RU" smtClean="0"/>
-              <a:t>30.03.2023</a:t>
+              <a:t>22.05.2023</a:t>
             </a:fld>
             <a:endParaRPr lang="ru-RU"/>
           </a:p>
@@ -1615,7 +1616,7 @@
           <a:p>
             <a:fld id="{ABD8FF38-248C-44F7-A3F8-A258B043B3E7}" type="datetime1">
               <a:rPr lang="ru-RU" smtClean="0"/>
-              <a:t>30.03.2023</a:t>
+              <a:t>22.05.2023</a:t>
             </a:fld>
             <a:endParaRPr lang="ru-RU"/>
           </a:p>
@@ -1982,7 +1983,7 @@
           <a:p>
             <a:fld id="{309F663A-6E03-4C5E-97DD-D7C03F71AD57}" type="datetime1">
               <a:rPr lang="ru-RU" smtClean="0"/>
-              <a:t>30.03.2023</a:t>
+              <a:t>22.05.2023</a:t>
             </a:fld>
             <a:endParaRPr lang="ru-RU"/>
           </a:p>
@@ -2100,7 +2101,7 @@
           <a:p>
             <a:fld id="{94DDDD82-0DB0-4F88-A95F-BB701E23C299}" type="datetime1">
               <a:rPr lang="ru-RU" smtClean="0"/>
-              <a:t>30.03.2023</a:t>
+              <a:t>22.05.2023</a:t>
             </a:fld>
             <a:endParaRPr lang="ru-RU"/>
           </a:p>
@@ -2195,7 +2196,7 @@
           <a:p>
             <a:fld id="{41E2698E-89B6-43AD-A268-5A9E521EA8D4}" type="datetime1">
               <a:rPr lang="ru-RU" smtClean="0"/>
-              <a:t>30.03.2023</a:t>
+              <a:t>22.05.2023</a:t>
             </a:fld>
             <a:endParaRPr lang="ru-RU"/>
           </a:p>
@@ -2472,7 +2473,7 @@
           <a:p>
             <a:fld id="{69F71997-CD63-4DAC-96E1-DB79AE0C30D4}" type="datetime1">
               <a:rPr lang="ru-RU" smtClean="0"/>
-              <a:t>30.03.2023</a:t>
+              <a:t>22.05.2023</a:t>
             </a:fld>
             <a:endParaRPr lang="ru-RU"/>
           </a:p>
@@ -2725,7 +2726,7 @@
           <a:p>
             <a:fld id="{3C50BA6E-4F1D-4020-A6FF-CC9A0BFE9F99}" type="datetime1">
               <a:rPr lang="ru-RU" smtClean="0"/>
-              <a:t>30.03.2023</a:t>
+              <a:t>22.05.2023</a:t>
             </a:fld>
             <a:endParaRPr lang="ru-RU"/>
           </a:p>
@@ -2938,7 +2939,7 @@
           <a:p>
             <a:fld id="{B1A6BC79-F07E-40C3-940F-06024C055BA9}" type="datetime1">
               <a:rPr lang="ru-RU" smtClean="0"/>
-              <a:t>30.03.2023</a:t>
+              <a:t>22.05.2023</a:t>
             </a:fld>
             <a:endParaRPr lang="ru-RU"/>
           </a:p>
@@ -3798,15 +3799,10 @@
             <p:ph type="title"/>
           </p:nvPr>
         </p:nvSpPr>
-        <p:spPr>
-          <a:xfrm>
-            <a:off x="258792" y="227103"/>
-            <a:ext cx="11809563" cy="1325563"/>
-          </a:xfrm>
-        </p:spPr>
+        <p:spPr/>
         <p:txBody>
           <a:bodyPr>
-            <a:noAutofit/>
+            <a:normAutofit/>
           </a:bodyPr>
           <a:lstStyle/>
           <a:p>
@@ -3815,7 +3811,7 @@
                 <a:latin typeface="Times New Roman" panose="02020603050405020304" pitchFamily="18" charset="0"/>
                 <a:cs typeface="Times New Roman" panose="02020603050405020304" pitchFamily="18" charset="0"/>
               </a:rPr>
-              <a:t>Перспективы развития приложения</a:t>
+              <a:t>Группы пользователей</a:t>
             </a:r>
             <a:endParaRPr lang="ru-RU" sz="6000" dirty="0">
               <a:latin typeface="Times New Roman" panose="02020603050405020304" pitchFamily="18" charset="0"/>
@@ -3834,12 +3830,7 @@
             <p:ph idx="1"/>
           </p:nvPr>
         </p:nvSpPr>
-        <p:spPr>
-          <a:xfrm>
-            <a:off x="258792" y="1975360"/>
-            <a:ext cx="11933208" cy="4351338"/>
-          </a:xfrm>
-        </p:spPr>
+        <p:spPr/>
         <p:txBody>
           <a:bodyPr>
             <a:normAutofit/>
@@ -3847,80 +3838,59 @@
           <a:lstStyle/>
           <a:p>
             <a:r>
-              <a:rPr lang="ru-RU" sz="3200" dirty="0">
-                <a:latin typeface="Times New Roman" panose="02020603050405020304" pitchFamily="18" charset="0"/>
-                <a:cs typeface="Times New Roman" panose="02020603050405020304" pitchFamily="18" charset="0"/>
-              </a:rPr>
-              <a:t>Д</a:t>
-            </a:r>
-            <a:r>
               <a:rPr lang="ru-RU" sz="3200" dirty="0" smtClean="0">
                 <a:latin typeface="Times New Roman" panose="02020603050405020304" pitchFamily="18" charset="0"/>
                 <a:cs typeface="Times New Roman" panose="02020603050405020304" pitchFamily="18" charset="0"/>
               </a:rPr>
-              <a:t>обавление </a:t>
-            </a:r>
+              <a:t>Неавторизованный пользователь</a:t>
+            </a:r>
+          </a:p>
+          <a:p>
             <a:r>
               <a:rPr lang="ru-RU" sz="3200" dirty="0" smtClean="0">
                 <a:latin typeface="Times New Roman" panose="02020603050405020304" pitchFamily="18" charset="0"/>
                 <a:cs typeface="Times New Roman" panose="02020603050405020304" pitchFamily="18" charset="0"/>
               </a:rPr>
-              <a:t>функций </a:t>
-            </a:r>
-            <a:r>
-              <a:rPr lang="ru-RU" sz="3200" dirty="0">
-                <a:latin typeface="Times New Roman" panose="02020603050405020304" pitchFamily="18" charset="0"/>
-                <a:cs typeface="Times New Roman" panose="02020603050405020304" pitchFamily="18" charset="0"/>
-              </a:rPr>
-              <a:t>для поиска и фильтрации </a:t>
-            </a:r>
+              <a:t>Авторизованный пользователь</a:t>
+            </a:r>
+          </a:p>
+          <a:p>
+            <a:pPr lvl="1">
+              <a:buFont typeface="Courier New" panose="02070309020205020404" pitchFamily="49" charset="0"/>
+              <a:buChar char="o"/>
+            </a:pPr>
             <a:r>
               <a:rPr lang="ru-RU" sz="3200" dirty="0" smtClean="0">
                 <a:latin typeface="Times New Roman" panose="02020603050405020304" pitchFamily="18" charset="0"/>
                 <a:cs typeface="Times New Roman" panose="02020603050405020304" pitchFamily="18" charset="0"/>
               </a:rPr>
-              <a:t>сообщений</a:t>
-            </a:r>
-          </a:p>
-          <a:p>
+              <a:t>Создатель канала</a:t>
+            </a:r>
+          </a:p>
+          <a:p>
+            <a:pPr lvl="1">
+              <a:buFont typeface="Courier New" panose="02070309020205020404" pitchFamily="49" charset="0"/>
+              <a:buChar char="o"/>
+            </a:pPr>
             <a:r>
               <a:rPr lang="ru-RU" sz="3200" dirty="0" smtClean="0">
                 <a:latin typeface="Times New Roman" panose="02020603050405020304" pitchFamily="18" charset="0"/>
                 <a:cs typeface="Times New Roman" panose="02020603050405020304" pitchFamily="18" charset="0"/>
               </a:rPr>
-              <a:t>Внедрения локальной </a:t>
-            </a:r>
-            <a:r>
-              <a:rPr lang="ru-RU" sz="3200" dirty="0" err="1" smtClean="0">
-                <a:latin typeface="Times New Roman" panose="02020603050405020304" pitchFamily="18" charset="0"/>
-                <a:cs typeface="Times New Roman" panose="02020603050405020304" pitchFamily="18" charset="0"/>
-              </a:rPr>
-              <a:t>модерации</a:t>
-            </a:r>
+              <a:t>Администратор канала</a:t>
+            </a:r>
+          </a:p>
+          <a:p>
+            <a:pPr lvl="1">
+              <a:buFont typeface="Courier New" panose="02070309020205020404" pitchFamily="49" charset="0"/>
+              <a:buChar char="o"/>
+            </a:pPr>
             <a:r>
               <a:rPr lang="ru-RU" sz="3200" dirty="0" smtClean="0">
                 <a:latin typeface="Times New Roman" panose="02020603050405020304" pitchFamily="18" charset="0"/>
                 <a:cs typeface="Times New Roman" panose="02020603050405020304" pitchFamily="18" charset="0"/>
               </a:rPr>
-              <a:t> контента и системы репортов для каналов</a:t>
-            </a:r>
-          </a:p>
-          <a:p>
-            <a:r>
-              <a:rPr lang="ru-RU" sz="3200" dirty="0" smtClean="0">
-                <a:latin typeface="Times New Roman" panose="02020603050405020304" pitchFamily="18" charset="0"/>
-                <a:cs typeface="Times New Roman" panose="02020603050405020304" pitchFamily="18" charset="0"/>
-              </a:rPr>
-              <a:t>Внедрение системы обмена медиа-файлами</a:t>
-            </a:r>
-          </a:p>
-          <a:p>
-            <a:r>
-              <a:rPr lang="ru-RU" sz="3200" dirty="0" smtClean="0">
-                <a:latin typeface="Times New Roman" panose="02020603050405020304" pitchFamily="18" charset="0"/>
-                <a:cs typeface="Times New Roman" panose="02020603050405020304" pitchFamily="18" charset="0"/>
-              </a:rPr>
-              <a:t>Перенос веб-архитектуры на мобильное устройство</a:t>
+              <a:t>Участника канала</a:t>
             </a:r>
             <a:endParaRPr lang="ru-RU" sz="3200" dirty="0">
               <a:latin typeface="Times New Roman" panose="02020603050405020304" pitchFamily="18" charset="0"/>
@@ -3931,7 +3901,7 @@
       </p:sp>
       <p:sp>
         <p:nvSpPr>
-          <p:cNvPr id="5" name="Номер слайда 4"/>
+          <p:cNvPr id="4" name="Номер слайда 3"/>
           <p:cNvSpPr>
             <a:spLocks noGrp="1"/>
           </p:cNvSpPr>
@@ -3945,23 +3915,17 @@
           <a:lstStyle/>
           <a:p>
             <a:fld id="{F057AEC9-9E52-4782-943C-911A5C934F5E}" type="slidenum">
-              <a:rPr lang="ru-RU" sz="3200" smtClean="0">
-                <a:latin typeface="Times New Roman" panose="02020603050405020304" pitchFamily="18" charset="0"/>
-                <a:cs typeface="Times New Roman" panose="02020603050405020304" pitchFamily="18" charset="0"/>
-              </a:rPr>
+              <a:rPr lang="ru-RU" smtClean="0"/>
               <a:t>10</a:t>
             </a:fld>
-            <a:endParaRPr lang="ru-RU" sz="3200" dirty="0">
-              <a:latin typeface="Times New Roman" panose="02020603050405020304" pitchFamily="18" charset="0"/>
-              <a:cs typeface="Times New Roman" panose="02020603050405020304" pitchFamily="18" charset="0"/>
-            </a:endParaRPr>
+            <a:endParaRPr lang="ru-RU"/>
           </a:p>
         </p:txBody>
       </p:sp>
     </p:spTree>
     <p:extLst>
       <p:ext uri="{BB962C8B-B14F-4D97-AF65-F5344CB8AC3E}">
-        <p14:creationId xmlns:p14="http://schemas.microsoft.com/office/powerpoint/2010/main" val="1634404106"/>
+        <p14:creationId xmlns:p14="http://schemas.microsoft.com/office/powerpoint/2010/main" val="2203334534"/>
       </p:ext>
     </p:extLst>
   </p:cSld>
@@ -4005,6 +3969,206 @@
             <p:ph type="title"/>
           </p:nvPr>
         </p:nvSpPr>
+        <p:spPr>
+          <a:xfrm>
+            <a:off x="258792" y="227103"/>
+            <a:ext cx="11809563" cy="1325563"/>
+          </a:xfrm>
+        </p:spPr>
+        <p:txBody>
+          <a:bodyPr>
+            <a:noAutofit/>
+          </a:bodyPr>
+          <a:lstStyle/>
+          <a:p>
+            <a:r>
+              <a:rPr lang="ru-RU" sz="6000" dirty="0" smtClean="0">
+                <a:latin typeface="Times New Roman" panose="02020603050405020304" pitchFamily="18" charset="0"/>
+                <a:cs typeface="Times New Roman" panose="02020603050405020304" pitchFamily="18" charset="0"/>
+              </a:rPr>
+              <a:t>Перспективы развития приложения</a:t>
+            </a:r>
+            <a:endParaRPr lang="ru-RU" sz="6000" dirty="0">
+              <a:latin typeface="Times New Roman" panose="02020603050405020304" pitchFamily="18" charset="0"/>
+              <a:cs typeface="Times New Roman" panose="02020603050405020304" pitchFamily="18" charset="0"/>
+            </a:endParaRPr>
+          </a:p>
+        </p:txBody>
+      </p:sp>
+      <p:sp>
+        <p:nvSpPr>
+          <p:cNvPr id="3" name="Объект 2"/>
+          <p:cNvSpPr>
+            <a:spLocks noGrp="1"/>
+          </p:cNvSpPr>
+          <p:nvPr>
+            <p:ph idx="1"/>
+          </p:nvPr>
+        </p:nvSpPr>
+        <p:spPr>
+          <a:xfrm>
+            <a:off x="258792" y="1975360"/>
+            <a:ext cx="11933208" cy="4351338"/>
+          </a:xfrm>
+        </p:spPr>
+        <p:txBody>
+          <a:bodyPr>
+            <a:normAutofit/>
+          </a:bodyPr>
+          <a:lstStyle/>
+          <a:p>
+            <a:r>
+              <a:rPr lang="ru-RU" sz="3200" dirty="0">
+                <a:latin typeface="Times New Roman" panose="02020603050405020304" pitchFamily="18" charset="0"/>
+                <a:cs typeface="Times New Roman" panose="02020603050405020304" pitchFamily="18" charset="0"/>
+              </a:rPr>
+              <a:t>Д</a:t>
+            </a:r>
+            <a:r>
+              <a:rPr lang="ru-RU" sz="3200" dirty="0" smtClean="0">
+                <a:latin typeface="Times New Roman" panose="02020603050405020304" pitchFamily="18" charset="0"/>
+                <a:cs typeface="Times New Roman" panose="02020603050405020304" pitchFamily="18" charset="0"/>
+              </a:rPr>
+              <a:t>обавление функций </a:t>
+            </a:r>
+            <a:r>
+              <a:rPr lang="ru-RU" sz="3200" dirty="0">
+                <a:latin typeface="Times New Roman" panose="02020603050405020304" pitchFamily="18" charset="0"/>
+                <a:cs typeface="Times New Roman" panose="02020603050405020304" pitchFamily="18" charset="0"/>
+              </a:rPr>
+              <a:t>для поиска и фильтрации </a:t>
+            </a:r>
+            <a:r>
+              <a:rPr lang="ru-RU" sz="3200" dirty="0" smtClean="0">
+                <a:latin typeface="Times New Roman" panose="02020603050405020304" pitchFamily="18" charset="0"/>
+                <a:cs typeface="Times New Roman" panose="02020603050405020304" pitchFamily="18" charset="0"/>
+              </a:rPr>
+              <a:t>сообщений</a:t>
+            </a:r>
+          </a:p>
+          <a:p>
+            <a:r>
+              <a:rPr lang="ru-RU" sz="3200" dirty="0" smtClean="0">
+                <a:latin typeface="Times New Roman" panose="02020603050405020304" pitchFamily="18" charset="0"/>
+                <a:cs typeface="Times New Roman" panose="02020603050405020304" pitchFamily="18" charset="0"/>
+              </a:rPr>
+              <a:t>Внедрения локальной </a:t>
+            </a:r>
+            <a:r>
+              <a:rPr lang="ru-RU" sz="3200" dirty="0" err="1" smtClean="0">
+                <a:latin typeface="Times New Roman" panose="02020603050405020304" pitchFamily="18" charset="0"/>
+                <a:cs typeface="Times New Roman" panose="02020603050405020304" pitchFamily="18" charset="0"/>
+              </a:rPr>
+              <a:t>модерации</a:t>
+            </a:r>
+            <a:r>
+              <a:rPr lang="ru-RU" sz="3200" dirty="0" smtClean="0">
+                <a:latin typeface="Times New Roman" panose="02020603050405020304" pitchFamily="18" charset="0"/>
+                <a:cs typeface="Times New Roman" panose="02020603050405020304" pitchFamily="18" charset="0"/>
+              </a:rPr>
+              <a:t> контента и системы репортов для каналов</a:t>
+            </a:r>
+          </a:p>
+          <a:p>
+            <a:r>
+              <a:rPr lang="ru-RU" sz="3200" dirty="0" smtClean="0">
+                <a:latin typeface="Times New Roman" panose="02020603050405020304" pitchFamily="18" charset="0"/>
+                <a:cs typeface="Times New Roman" panose="02020603050405020304" pitchFamily="18" charset="0"/>
+              </a:rPr>
+              <a:t>Внедрение системы обмена медиа-файлами</a:t>
+            </a:r>
+          </a:p>
+          <a:p>
+            <a:r>
+              <a:rPr lang="ru-RU" sz="3200" dirty="0" smtClean="0">
+                <a:latin typeface="Times New Roman" panose="02020603050405020304" pitchFamily="18" charset="0"/>
+                <a:cs typeface="Times New Roman" panose="02020603050405020304" pitchFamily="18" charset="0"/>
+              </a:rPr>
+              <a:t>Перенос веб-архитектуры на мобильное устройство</a:t>
+            </a:r>
+            <a:endParaRPr lang="ru-RU" sz="3200" dirty="0">
+              <a:latin typeface="Times New Roman" panose="02020603050405020304" pitchFamily="18" charset="0"/>
+              <a:cs typeface="Times New Roman" panose="02020603050405020304" pitchFamily="18" charset="0"/>
+            </a:endParaRPr>
+          </a:p>
+        </p:txBody>
+      </p:sp>
+      <p:sp>
+        <p:nvSpPr>
+          <p:cNvPr id="5" name="Номер слайда 4"/>
+          <p:cNvSpPr>
+            <a:spLocks noGrp="1"/>
+          </p:cNvSpPr>
+          <p:nvPr>
+            <p:ph type="sldNum" sz="quarter" idx="12"/>
+          </p:nvPr>
+        </p:nvSpPr>
+        <p:spPr/>
+        <p:txBody>
+          <a:bodyPr/>
+          <a:lstStyle/>
+          <a:p>
+            <a:fld id="{F057AEC9-9E52-4782-943C-911A5C934F5E}" type="slidenum">
+              <a:rPr lang="ru-RU" sz="3200" smtClean="0">
+                <a:latin typeface="Times New Roman" panose="02020603050405020304" pitchFamily="18" charset="0"/>
+                <a:cs typeface="Times New Roman" panose="02020603050405020304" pitchFamily="18" charset="0"/>
+              </a:rPr>
+              <a:t>11</a:t>
+            </a:fld>
+            <a:endParaRPr lang="ru-RU" sz="3200" dirty="0">
+              <a:latin typeface="Times New Roman" panose="02020603050405020304" pitchFamily="18" charset="0"/>
+              <a:cs typeface="Times New Roman" panose="02020603050405020304" pitchFamily="18" charset="0"/>
+            </a:endParaRPr>
+          </a:p>
+        </p:txBody>
+      </p:sp>
+    </p:spTree>
+    <p:extLst>
+      <p:ext uri="{BB962C8B-B14F-4D97-AF65-F5344CB8AC3E}">
+        <p14:creationId xmlns:p14="http://schemas.microsoft.com/office/powerpoint/2010/main" val="1634404106"/>
+      </p:ext>
+    </p:extLst>
+  </p:cSld>
+  <p:clrMapOvr>
+    <a:masterClrMapping/>
+  </p:clrMapOvr>
+  <p:timing>
+    <p:tnLst>
+      <p:par>
+        <p:cTn id="1" dur="indefinite" restart="never" nodeType="tmRoot"/>
+      </p:par>
+    </p:tnLst>
+  </p:timing>
+</p:sld>
+</file>
+
+<file path=ppt/slides/slide12.xml><?xml version="1.0" encoding="utf-8"?>
+<p:sld xmlns:a="http://schemas.openxmlformats.org/drawingml/2006/main" xmlns:r="http://schemas.openxmlformats.org/officeDocument/2006/relationships" xmlns:p="http://schemas.openxmlformats.org/presentationml/2006/main">
+  <p:cSld>
+    <p:spTree>
+      <p:nvGrpSpPr>
+        <p:cNvPr id="1" name=""/>
+        <p:cNvGrpSpPr/>
+        <p:nvPr/>
+      </p:nvGrpSpPr>
+      <p:grpSpPr>
+        <a:xfrm>
+          <a:off x="0" y="0"/>
+          <a:ext cx="0" cy="0"/>
+          <a:chOff x="0" y="0"/>
+          <a:chExt cx="0" cy="0"/>
+        </a:xfrm>
+      </p:grpSpPr>
+      <p:sp>
+        <p:nvSpPr>
+          <p:cNvPr id="2" name="Заголовок 1"/>
+          <p:cNvSpPr>
+            <a:spLocks noGrp="1"/>
+          </p:cNvSpPr>
+          <p:nvPr>
+            <p:ph type="title"/>
+          </p:nvPr>
+        </p:nvSpPr>
         <p:spPr/>
         <p:txBody>
           <a:bodyPr>
@@ -4148,7 +4312,7 @@
                 <a:latin typeface="Times New Roman" panose="02020603050405020304" pitchFamily="18" charset="0"/>
                 <a:cs typeface="Times New Roman" panose="02020603050405020304" pitchFamily="18" charset="0"/>
               </a:rPr>
-              <a:t>11</a:t>
+              <a:t>12</a:t>
             </a:fld>
             <a:endParaRPr lang="ru-RU" sz="3200" dirty="0">
               <a:latin typeface="Times New Roman" panose="02020603050405020304" pitchFamily="18" charset="0"/>
@@ -4374,12 +4538,7 @@
             <p:ph type="title"/>
           </p:nvPr>
         </p:nvSpPr>
-        <p:spPr>
-          <a:xfrm>
-            <a:off x="838200" y="391004"/>
-            <a:ext cx="10515600" cy="1325563"/>
-          </a:xfrm>
-        </p:spPr>
+        <p:spPr/>
         <p:txBody>
           <a:bodyPr>
             <a:normAutofit/>
@@ -4391,7 +4550,7 @@
                 <a:latin typeface="Times New Roman" panose="02020603050405020304" pitchFamily="18" charset="0"/>
                 <a:cs typeface="Times New Roman" panose="02020603050405020304" pitchFamily="18" charset="0"/>
               </a:rPr>
-              <a:t>Общие сведения</a:t>
+              <a:t>Цель и задачи</a:t>
             </a:r>
             <a:endParaRPr lang="ru-RU" sz="6000" dirty="0">
               <a:latin typeface="Times New Roman" panose="02020603050405020304" pitchFamily="18" charset="0"/>
@@ -4413,58 +4572,110 @@
         <p:spPr/>
         <p:txBody>
           <a:bodyPr>
-            <a:normAutofit/>
+            <a:normAutofit fontScale="92500"/>
           </a:bodyPr>
           <a:lstStyle/>
           <a:p>
-            <a:pPr marL="0" indent="0">
-              <a:buNone/>
-            </a:pPr>
-            <a:r>
-              <a:rPr lang="ru-RU" sz="3200" dirty="0" smtClean="0">
-                <a:latin typeface="Times New Roman" panose="02020603050405020304" pitchFamily="18" charset="0"/>
-                <a:cs typeface="Times New Roman" panose="02020603050405020304" pitchFamily="18" charset="0"/>
-              </a:rPr>
-              <a:t>«</a:t>
-            </a:r>
-            <a:r>
-              <a:rPr lang="en-US" sz="3200" dirty="0" smtClean="0">
-                <a:latin typeface="Times New Roman" panose="02020603050405020304" pitchFamily="18" charset="0"/>
-                <a:cs typeface="Times New Roman" panose="02020603050405020304" pitchFamily="18" charset="0"/>
-              </a:rPr>
-              <a:t>Linking</a:t>
-            </a:r>
-            <a:r>
-              <a:rPr lang="ru-RU" sz="3200" dirty="0" smtClean="0">
-                <a:latin typeface="Times New Roman" panose="02020603050405020304" pitchFamily="18" charset="0"/>
-                <a:cs typeface="Times New Roman" panose="02020603050405020304" pitchFamily="18" charset="0"/>
-              </a:rPr>
-              <a:t>»</a:t>
-            </a:r>
-            <a:r>
-              <a:rPr lang="en-US" sz="3200" dirty="0" smtClean="0">
-                <a:latin typeface="Times New Roman" panose="02020603050405020304" pitchFamily="18" charset="0"/>
-                <a:cs typeface="Times New Roman" panose="02020603050405020304" pitchFamily="18" charset="0"/>
-              </a:rPr>
-              <a:t>  -</a:t>
-            </a:r>
-            <a:r>
-              <a:rPr lang="ru-RU" sz="3200" dirty="0" smtClean="0">
-                <a:latin typeface="Times New Roman" panose="02020603050405020304" pitchFamily="18" charset="0"/>
-                <a:cs typeface="Times New Roman" panose="02020603050405020304" pitchFamily="18" charset="0"/>
-              </a:rPr>
-              <a:t> бесплатный веб-мессенджер для общения между друзьями и коллегами.</a:t>
-            </a:r>
-            <a:endParaRPr lang="ru-RU" sz="3200" dirty="0">
-              <a:latin typeface="Times New Roman" panose="02020603050405020304" pitchFamily="18" charset="0"/>
-              <a:cs typeface="Times New Roman" panose="02020603050405020304" pitchFamily="18" charset="0"/>
-            </a:endParaRPr>
-          </a:p>
-        </p:txBody>
-      </p:sp>
-      <p:sp>
-        <p:nvSpPr>
-          <p:cNvPr id="5" name="Номер слайда 4"/>
+            <a:r>
+              <a:rPr lang="ru-RU" sz="3500" dirty="0" smtClean="0">
+                <a:latin typeface="Times New Roman" panose="02020603050405020304" pitchFamily="18" charset="0"/>
+                <a:cs typeface="Times New Roman" panose="02020603050405020304" pitchFamily="18" charset="0"/>
+              </a:rPr>
+              <a:t>Цель - разработка </a:t>
+            </a:r>
+            <a:r>
+              <a:rPr lang="ru-RU" sz="3500" dirty="0">
+                <a:latin typeface="Times New Roman" panose="02020603050405020304" pitchFamily="18" charset="0"/>
+                <a:cs typeface="Times New Roman" panose="02020603050405020304" pitchFamily="18" charset="0"/>
+              </a:rPr>
+              <a:t>веб-приложения мессенджера для обеспечения удобной коммуникации пользователей.  </a:t>
+            </a:r>
+          </a:p>
+          <a:p>
+            <a:r>
+              <a:rPr lang="ru-RU" sz="3500" dirty="0" smtClean="0">
+                <a:latin typeface="Times New Roman" panose="02020603050405020304" pitchFamily="18" charset="0"/>
+                <a:cs typeface="Times New Roman" panose="02020603050405020304" pitchFamily="18" charset="0"/>
+              </a:rPr>
+              <a:t>Основные задачи</a:t>
+            </a:r>
+            <a:r>
+              <a:rPr lang="ru-RU" sz="3500" dirty="0">
+                <a:latin typeface="Times New Roman" panose="02020603050405020304" pitchFamily="18" charset="0"/>
+                <a:cs typeface="Times New Roman" panose="02020603050405020304" pitchFamily="18" charset="0"/>
+              </a:rPr>
+              <a:t>: </a:t>
+            </a:r>
+          </a:p>
+          <a:p>
+            <a:pPr lvl="0" fontAlgn="base"/>
+            <a:r>
+              <a:rPr lang="ru-RU" sz="3500" dirty="0">
+                <a:latin typeface="Times New Roman" panose="02020603050405020304" pitchFamily="18" charset="0"/>
+                <a:cs typeface="Times New Roman" panose="02020603050405020304" pitchFamily="18" charset="0"/>
+              </a:rPr>
+              <a:t>Изучить </a:t>
+            </a:r>
+            <a:r>
+              <a:rPr lang="ru-RU" sz="3500" dirty="0" smtClean="0">
+                <a:latin typeface="Times New Roman" panose="02020603050405020304" pitchFamily="18" charset="0"/>
+                <a:cs typeface="Times New Roman" panose="02020603050405020304" pitchFamily="18" charset="0"/>
+              </a:rPr>
+              <a:t>имеющиеся </a:t>
+            </a:r>
+            <a:r>
+              <a:rPr lang="ru-RU" sz="3500" dirty="0">
+                <a:latin typeface="Times New Roman" panose="02020603050405020304" pitchFamily="18" charset="0"/>
+                <a:cs typeface="Times New Roman" panose="02020603050405020304" pitchFamily="18" charset="0"/>
+              </a:rPr>
+              <a:t>наиболее популярные мессенджеры, выявить их достоинства и недостатки; </a:t>
+            </a:r>
+          </a:p>
+          <a:p>
+            <a:pPr lvl="0" fontAlgn="base"/>
+            <a:r>
+              <a:rPr lang="ru-RU" sz="3500" dirty="0">
+                <a:latin typeface="Times New Roman" panose="02020603050405020304" pitchFamily="18" charset="0"/>
+                <a:cs typeface="Times New Roman" panose="02020603050405020304" pitchFamily="18" charset="0"/>
+              </a:rPr>
+              <a:t>Определить требования к веб-приложению мессенджера; </a:t>
+            </a:r>
+          </a:p>
+          <a:p>
+            <a:pPr lvl="0" fontAlgn="base"/>
+            <a:r>
+              <a:rPr lang="ru-RU" sz="3500" dirty="0">
+                <a:latin typeface="Times New Roman" panose="02020603050405020304" pitchFamily="18" charset="0"/>
+                <a:cs typeface="Times New Roman" panose="02020603050405020304" pitchFamily="18" charset="0"/>
+              </a:rPr>
+              <a:t>Разработать мессенджер с визуальным интерфейсом; </a:t>
+            </a:r>
+          </a:p>
+          <a:p>
+            <a:pPr lvl="0" fontAlgn="base"/>
+            <a:r>
+              <a:rPr lang="ru-RU" sz="3500" dirty="0" smtClean="0">
+                <a:latin typeface="Times New Roman" panose="02020603050405020304" pitchFamily="18" charset="0"/>
+                <a:cs typeface="Times New Roman" panose="02020603050405020304" pitchFamily="18" charset="0"/>
+              </a:rPr>
+              <a:t>Произвести реализацию </a:t>
+            </a:r>
+            <a:r>
+              <a:rPr lang="ru-RU" sz="3500" dirty="0">
+                <a:latin typeface="Times New Roman" panose="02020603050405020304" pitchFamily="18" charset="0"/>
+                <a:cs typeface="Times New Roman" panose="02020603050405020304" pitchFamily="18" charset="0"/>
+              </a:rPr>
+              <a:t>мессенджера. </a:t>
+            </a:r>
+          </a:p>
+          <a:p>
+            <a:endParaRPr lang="ru-RU" dirty="0"/>
+          </a:p>
+        </p:txBody>
+      </p:sp>
+      <p:sp>
+        <p:nvSpPr>
+          <p:cNvPr id="4" name="Номер слайда 3"/>
           <p:cNvSpPr>
             <a:spLocks noGrp="1"/>
           </p:cNvSpPr>
@@ -4478,36 +4689,23 @@
           <a:lstStyle/>
           <a:p>
             <a:fld id="{F057AEC9-9E52-4782-943C-911A5C934F5E}" type="slidenum">
-              <a:rPr lang="ru-RU" sz="3200" smtClean="0">
-                <a:latin typeface="Times New Roman" panose="02020603050405020304" pitchFamily="18" charset="0"/>
-                <a:cs typeface="Times New Roman" panose="02020603050405020304" pitchFamily="18" charset="0"/>
-              </a:rPr>
+              <a:rPr lang="ru-RU" smtClean="0"/>
               <a:t>3</a:t>
             </a:fld>
-            <a:endParaRPr lang="ru-RU" sz="3200" dirty="0">
-              <a:latin typeface="Times New Roman" panose="02020603050405020304" pitchFamily="18" charset="0"/>
-              <a:cs typeface="Times New Roman" panose="02020603050405020304" pitchFamily="18" charset="0"/>
-            </a:endParaRPr>
+            <a:endParaRPr lang="ru-RU"/>
           </a:p>
         </p:txBody>
       </p:sp>
     </p:spTree>
     <p:extLst>
       <p:ext uri="{BB962C8B-B14F-4D97-AF65-F5344CB8AC3E}">
-        <p14:creationId xmlns:p14="http://schemas.microsoft.com/office/powerpoint/2010/main" val="2894799530"/>
+        <p14:creationId xmlns:p14="http://schemas.microsoft.com/office/powerpoint/2010/main" val="2236269782"/>
       </p:ext>
     </p:extLst>
   </p:cSld>
   <p:clrMapOvr>
     <a:masterClrMapping/>
   </p:clrMapOvr>
-  <p:timing>
-    <p:tnLst>
-      <p:par>
-        <p:cTn id="1" dur="indefinite" restart="never" nodeType="tmRoot"/>
-      </p:par>
-    </p:tnLst>
-  </p:timing>
 </p:sld>
 </file>
 
@@ -4540,7 +4738,7 @@
         </p:nvSpPr>
         <p:spPr>
           <a:xfrm>
-            <a:off x="189781" y="278861"/>
+            <a:off x="838200" y="391004"/>
             <a:ext cx="10515600" cy="1325563"/>
           </a:xfrm>
         </p:spPr>
@@ -4555,7 +4753,7 @@
                 <a:latin typeface="Times New Roman" panose="02020603050405020304" pitchFamily="18" charset="0"/>
                 <a:cs typeface="Times New Roman" panose="02020603050405020304" pitchFamily="18" charset="0"/>
               </a:rPr>
-              <a:t>Назначения приложения</a:t>
+              <a:t>Общие сведения</a:t>
             </a:r>
             <a:endParaRPr lang="ru-RU" sz="6000" dirty="0">
               <a:latin typeface="Times New Roman" panose="02020603050405020304" pitchFamily="18" charset="0"/>
@@ -4574,114 +4772,50 @@
             <p:ph idx="1"/>
           </p:nvPr>
         </p:nvSpPr>
-        <p:spPr>
-          <a:xfrm>
-            <a:off x="189781" y="1877382"/>
-            <a:ext cx="11812438" cy="4351338"/>
-          </a:xfrm>
-        </p:spPr>
+        <p:spPr/>
         <p:txBody>
           <a:bodyPr>
-            <a:noAutofit/>
+            <a:normAutofit/>
           </a:bodyPr>
           <a:lstStyle/>
           <a:p>
+            <a:pPr marL="0" indent="0">
+              <a:buNone/>
+            </a:pPr>
             <a:r>
               <a:rPr lang="ru-RU" sz="3200" dirty="0" smtClean="0">
                 <a:latin typeface="Times New Roman" panose="02020603050405020304" pitchFamily="18" charset="0"/>
                 <a:cs typeface="Times New Roman" panose="02020603050405020304" pitchFamily="18" charset="0"/>
               </a:rPr>
-              <a:t>Создание чатов/каналов</a:t>
-            </a:r>
-            <a:endParaRPr lang="ru-RU" sz="3200" dirty="0" smtClean="0">
-              <a:latin typeface="Times New Roman" panose="02020603050405020304" pitchFamily="18" charset="0"/>
-              <a:cs typeface="Times New Roman" panose="02020603050405020304" pitchFamily="18" charset="0"/>
-            </a:endParaRPr>
-          </a:p>
-          <a:p>
+              <a:t>«</a:t>
+            </a:r>
+            <a:r>
+              <a:rPr lang="en-US" sz="3200" dirty="0" smtClean="0">
+                <a:latin typeface="Times New Roman" panose="02020603050405020304" pitchFamily="18" charset="0"/>
+                <a:cs typeface="Times New Roman" panose="02020603050405020304" pitchFamily="18" charset="0"/>
+              </a:rPr>
+              <a:t>Linking</a:t>
+            </a:r>
             <a:r>
               <a:rPr lang="ru-RU" sz="3200" dirty="0" smtClean="0">
                 <a:latin typeface="Times New Roman" panose="02020603050405020304" pitchFamily="18" charset="0"/>
                 <a:cs typeface="Times New Roman" panose="02020603050405020304" pitchFamily="18" charset="0"/>
               </a:rPr>
-              <a:t>Обмен </a:t>
+              <a:t>»</a:t>
+            </a:r>
+            <a:r>
+              <a:rPr lang="en-US" sz="3200" dirty="0" smtClean="0">
+                <a:latin typeface="Times New Roman" panose="02020603050405020304" pitchFamily="18" charset="0"/>
+                <a:cs typeface="Times New Roman" panose="02020603050405020304" pitchFamily="18" charset="0"/>
+              </a:rPr>
+              <a:t>  -</a:t>
             </a:r>
             <a:r>
               <a:rPr lang="ru-RU" sz="3200" dirty="0" smtClean="0">
                 <a:latin typeface="Times New Roman" panose="02020603050405020304" pitchFamily="18" charset="0"/>
                 <a:cs typeface="Times New Roman" panose="02020603050405020304" pitchFamily="18" charset="0"/>
               </a:rPr>
-              <a:t>сообщениями </a:t>
-            </a:r>
-            <a:endParaRPr lang="ru-RU" sz="3200" dirty="0" smtClean="0">
-              <a:latin typeface="Times New Roman" panose="02020603050405020304" pitchFamily="18" charset="0"/>
-              <a:cs typeface="Times New Roman" panose="02020603050405020304" pitchFamily="18" charset="0"/>
-            </a:endParaRPr>
-          </a:p>
-          <a:p>
-            <a:r>
-              <a:rPr lang="ru-RU" sz="3200" dirty="0" err="1">
-                <a:latin typeface="Times New Roman" panose="02020603050405020304" pitchFamily="18" charset="0"/>
-                <a:cs typeface="Times New Roman" panose="02020603050405020304" pitchFamily="18" charset="0"/>
-              </a:rPr>
-              <a:t>Кастомизация</a:t>
-            </a:r>
-            <a:r>
-              <a:rPr lang="ru-RU" sz="3200" dirty="0">
-                <a:latin typeface="Times New Roman" panose="02020603050405020304" pitchFamily="18" charset="0"/>
-                <a:cs typeface="Times New Roman" panose="02020603050405020304" pitchFamily="18" charset="0"/>
-              </a:rPr>
-              <a:t> </a:t>
-            </a:r>
-            <a:r>
-              <a:rPr lang="ru-RU" sz="3200" dirty="0" smtClean="0">
-                <a:latin typeface="Times New Roman" panose="02020603050405020304" pitchFamily="18" charset="0"/>
-                <a:cs typeface="Times New Roman" panose="02020603050405020304" pitchFamily="18" charset="0"/>
-              </a:rPr>
-              <a:t>канала (добавление различных ролей для участников)</a:t>
-            </a:r>
-            <a:endParaRPr lang="ru-RU" sz="3200" dirty="0" smtClean="0">
-              <a:latin typeface="Times New Roman" panose="02020603050405020304" pitchFamily="18" charset="0"/>
-              <a:cs typeface="Times New Roman" panose="02020603050405020304" pitchFamily="18" charset="0"/>
-            </a:endParaRPr>
-          </a:p>
-          <a:p>
-            <a:r>
-              <a:rPr lang="ru-RU" sz="3200" dirty="0" smtClean="0">
-                <a:latin typeface="Times New Roman" panose="02020603050405020304" pitchFamily="18" charset="0"/>
-                <a:cs typeface="Times New Roman" panose="02020603050405020304" pitchFamily="18" charset="0"/>
-              </a:rPr>
-              <a:t>Возможность </a:t>
-            </a:r>
-            <a:r>
-              <a:rPr lang="ru-RU" sz="3200" dirty="0" smtClean="0">
-                <a:latin typeface="Times New Roman" panose="02020603050405020304" pitchFamily="18" charset="0"/>
-                <a:cs typeface="Times New Roman" panose="02020603050405020304" pitchFamily="18" charset="0"/>
-              </a:rPr>
-              <a:t>добавить сообщение в раздел «Избранное» в один </a:t>
-            </a:r>
-            <a:r>
-              <a:rPr lang="ru-RU" sz="3200" dirty="0" smtClean="0">
-                <a:latin typeface="Times New Roman" panose="02020603050405020304" pitchFamily="18" charset="0"/>
-                <a:cs typeface="Times New Roman" panose="02020603050405020304" pitchFamily="18" charset="0"/>
-              </a:rPr>
-              <a:t>клик</a:t>
-            </a:r>
-          </a:p>
-          <a:p>
-            <a:r>
-              <a:rPr lang="ru-RU" sz="3200" dirty="0" smtClean="0">
-                <a:latin typeface="Times New Roman" panose="02020603050405020304" pitchFamily="18" charset="0"/>
-                <a:cs typeface="Times New Roman" panose="02020603050405020304" pitchFamily="18" charset="0"/>
-              </a:rPr>
-              <a:t>Возможность просматривать историю сообщений канала без регистрации</a:t>
-            </a:r>
-            <a:r>
-              <a:rPr lang="ru-RU" sz="3200" dirty="0" smtClean="0">
-                <a:latin typeface="Times New Roman" panose="02020603050405020304" pitchFamily="18" charset="0"/>
-                <a:cs typeface="Times New Roman" panose="02020603050405020304" pitchFamily="18" charset="0"/>
-              </a:rPr>
-              <a:t> </a:t>
+              <a:t> бесплатный веб-мессенджер для общения между друзьями и коллегами.</a:t>
             </a:r>
             <a:endParaRPr lang="ru-RU" sz="3200" dirty="0">
               <a:latin typeface="Times New Roman" panose="02020603050405020304" pitchFamily="18" charset="0"/>
@@ -4722,7 +4856,7 @@
     </p:spTree>
     <p:extLst>
       <p:ext uri="{BB962C8B-B14F-4D97-AF65-F5344CB8AC3E}">
-        <p14:creationId xmlns:p14="http://schemas.microsoft.com/office/powerpoint/2010/main" val="735405478"/>
+        <p14:creationId xmlns:p14="http://schemas.microsoft.com/office/powerpoint/2010/main" val="2894799530"/>
       </p:ext>
     </p:extLst>
   </p:cSld>
@@ -4768,6 +4902,208 @@
         </p:nvSpPr>
         <p:spPr>
           <a:xfrm>
+            <a:off x="189781" y="278861"/>
+            <a:ext cx="10515600" cy="1325563"/>
+          </a:xfrm>
+        </p:spPr>
+        <p:txBody>
+          <a:bodyPr>
+            <a:normAutofit/>
+          </a:bodyPr>
+          <a:lstStyle/>
+          <a:p>
+            <a:r>
+              <a:rPr lang="ru-RU" sz="6000" dirty="0" smtClean="0">
+                <a:latin typeface="Times New Roman" panose="02020603050405020304" pitchFamily="18" charset="0"/>
+                <a:cs typeface="Times New Roman" panose="02020603050405020304" pitchFamily="18" charset="0"/>
+              </a:rPr>
+              <a:t>Назначение</a:t>
+            </a:r>
+            <a:r>
+              <a:rPr lang="ru-RU" sz="6000" dirty="0" smtClean="0">
+                <a:latin typeface="Times New Roman" panose="02020603050405020304" pitchFamily="18" charset="0"/>
+                <a:cs typeface="Times New Roman" panose="02020603050405020304" pitchFamily="18" charset="0"/>
+              </a:rPr>
+              <a:t> </a:t>
+            </a:r>
+            <a:r>
+              <a:rPr lang="ru-RU" sz="6000" dirty="0" smtClean="0">
+                <a:latin typeface="Times New Roman" panose="02020603050405020304" pitchFamily="18" charset="0"/>
+                <a:cs typeface="Times New Roman" panose="02020603050405020304" pitchFamily="18" charset="0"/>
+              </a:rPr>
+              <a:t>приложения</a:t>
+            </a:r>
+            <a:endParaRPr lang="ru-RU" sz="6000" dirty="0">
+              <a:latin typeface="Times New Roman" panose="02020603050405020304" pitchFamily="18" charset="0"/>
+              <a:cs typeface="Times New Roman" panose="02020603050405020304" pitchFamily="18" charset="0"/>
+            </a:endParaRPr>
+          </a:p>
+        </p:txBody>
+      </p:sp>
+      <p:sp>
+        <p:nvSpPr>
+          <p:cNvPr id="3" name="Объект 2"/>
+          <p:cNvSpPr>
+            <a:spLocks noGrp="1"/>
+          </p:cNvSpPr>
+          <p:nvPr>
+            <p:ph idx="1"/>
+          </p:nvPr>
+        </p:nvSpPr>
+        <p:spPr>
+          <a:xfrm>
+            <a:off x="189781" y="1877382"/>
+            <a:ext cx="11812438" cy="4351338"/>
+          </a:xfrm>
+        </p:spPr>
+        <p:txBody>
+          <a:bodyPr>
+            <a:noAutofit/>
+          </a:bodyPr>
+          <a:lstStyle/>
+          <a:p>
+            <a:r>
+              <a:rPr lang="ru-RU" sz="3200" dirty="0" smtClean="0">
+                <a:latin typeface="Times New Roman" panose="02020603050405020304" pitchFamily="18" charset="0"/>
+                <a:cs typeface="Times New Roman" panose="02020603050405020304" pitchFamily="18" charset="0"/>
+              </a:rPr>
+              <a:t>Создание чатов/каналов</a:t>
+            </a:r>
+          </a:p>
+          <a:p>
+            <a:r>
+              <a:rPr lang="ru-RU" sz="3200" dirty="0" smtClean="0">
+                <a:latin typeface="Times New Roman" panose="02020603050405020304" pitchFamily="18" charset="0"/>
+                <a:cs typeface="Times New Roman" panose="02020603050405020304" pitchFamily="18" charset="0"/>
+              </a:rPr>
+              <a:t>Обмен сообщениями </a:t>
+            </a:r>
+          </a:p>
+          <a:p>
+            <a:r>
+              <a:rPr lang="ru-RU" sz="3200" dirty="0" err="1">
+                <a:latin typeface="Times New Roman" panose="02020603050405020304" pitchFamily="18" charset="0"/>
+                <a:cs typeface="Times New Roman" panose="02020603050405020304" pitchFamily="18" charset="0"/>
+              </a:rPr>
+              <a:t>Кастомизация</a:t>
+            </a:r>
+            <a:r>
+              <a:rPr lang="ru-RU" sz="3200" dirty="0">
+                <a:latin typeface="Times New Roman" panose="02020603050405020304" pitchFamily="18" charset="0"/>
+                <a:cs typeface="Times New Roman" panose="02020603050405020304" pitchFamily="18" charset="0"/>
+              </a:rPr>
+              <a:t> </a:t>
+            </a:r>
+            <a:r>
+              <a:rPr lang="ru-RU" sz="3200" dirty="0" smtClean="0">
+                <a:latin typeface="Times New Roman" panose="02020603050405020304" pitchFamily="18" charset="0"/>
+                <a:cs typeface="Times New Roman" panose="02020603050405020304" pitchFamily="18" charset="0"/>
+              </a:rPr>
+              <a:t>канала (добавление различных ролей для участников)</a:t>
+            </a:r>
+          </a:p>
+          <a:p>
+            <a:r>
+              <a:rPr lang="ru-RU" sz="3200" dirty="0" smtClean="0">
+                <a:latin typeface="Times New Roman" panose="02020603050405020304" pitchFamily="18" charset="0"/>
+                <a:cs typeface="Times New Roman" panose="02020603050405020304" pitchFamily="18" charset="0"/>
+              </a:rPr>
+              <a:t>Возможность добавить сообщение в раздел «Избранное» в один клик</a:t>
+            </a:r>
+          </a:p>
+          <a:p>
+            <a:r>
+              <a:rPr lang="ru-RU" sz="3200" dirty="0" smtClean="0">
+                <a:latin typeface="Times New Roman" panose="02020603050405020304" pitchFamily="18" charset="0"/>
+                <a:cs typeface="Times New Roman" panose="02020603050405020304" pitchFamily="18" charset="0"/>
+              </a:rPr>
+              <a:t>Возможность просматривать историю сообщений канала без регистрации </a:t>
+            </a:r>
+            <a:endParaRPr lang="ru-RU" sz="3200" dirty="0">
+              <a:latin typeface="Times New Roman" panose="02020603050405020304" pitchFamily="18" charset="0"/>
+              <a:cs typeface="Times New Roman" panose="02020603050405020304" pitchFamily="18" charset="0"/>
+            </a:endParaRPr>
+          </a:p>
+        </p:txBody>
+      </p:sp>
+      <p:sp>
+        <p:nvSpPr>
+          <p:cNvPr id="5" name="Номер слайда 4"/>
+          <p:cNvSpPr>
+            <a:spLocks noGrp="1"/>
+          </p:cNvSpPr>
+          <p:nvPr>
+            <p:ph type="sldNum" sz="quarter" idx="12"/>
+          </p:nvPr>
+        </p:nvSpPr>
+        <p:spPr/>
+        <p:txBody>
+          <a:bodyPr/>
+          <a:lstStyle/>
+          <a:p>
+            <a:fld id="{F057AEC9-9E52-4782-943C-911A5C934F5E}" type="slidenum">
+              <a:rPr lang="ru-RU" sz="3200" smtClean="0">
+                <a:latin typeface="Times New Roman" panose="02020603050405020304" pitchFamily="18" charset="0"/>
+                <a:cs typeface="Times New Roman" panose="02020603050405020304" pitchFamily="18" charset="0"/>
+              </a:rPr>
+              <a:t>5</a:t>
+            </a:fld>
+            <a:endParaRPr lang="ru-RU" sz="3200" dirty="0">
+              <a:latin typeface="Times New Roman" panose="02020603050405020304" pitchFamily="18" charset="0"/>
+              <a:cs typeface="Times New Roman" panose="02020603050405020304" pitchFamily="18" charset="0"/>
+            </a:endParaRPr>
+          </a:p>
+        </p:txBody>
+      </p:sp>
+    </p:spTree>
+    <p:extLst>
+      <p:ext uri="{BB962C8B-B14F-4D97-AF65-F5344CB8AC3E}">
+        <p14:creationId xmlns:p14="http://schemas.microsoft.com/office/powerpoint/2010/main" val="735405478"/>
+      </p:ext>
+    </p:extLst>
+  </p:cSld>
+  <p:clrMapOvr>
+    <a:masterClrMapping/>
+  </p:clrMapOvr>
+  <p:timing>
+    <p:tnLst>
+      <p:par>
+        <p:cTn id="1" dur="indefinite" restart="never" nodeType="tmRoot"/>
+      </p:par>
+    </p:tnLst>
+  </p:timing>
+</p:sld>
+</file>
+
+<file path=ppt/slides/slide6.xml><?xml version="1.0" encoding="utf-8"?>
+<p:sld xmlns:a="http://schemas.openxmlformats.org/drawingml/2006/main" xmlns:r="http://schemas.openxmlformats.org/officeDocument/2006/relationships" xmlns:p="http://schemas.openxmlformats.org/presentationml/2006/main">
+  <p:cSld>
+    <p:spTree>
+      <p:nvGrpSpPr>
+        <p:cNvPr id="1" name=""/>
+        <p:cNvGrpSpPr/>
+        <p:nvPr/>
+      </p:nvGrpSpPr>
+      <p:grpSpPr>
+        <a:xfrm>
+          <a:off x="0" y="0"/>
+          <a:ext cx="0" cy="0"/>
+          <a:chOff x="0" y="0"/>
+          <a:chExt cx="0" cy="0"/>
+        </a:xfrm>
+      </p:grpSpPr>
+      <p:sp>
+        <p:nvSpPr>
+          <p:cNvPr id="2" name="Заголовок 1"/>
+          <p:cNvSpPr>
+            <a:spLocks noGrp="1"/>
+          </p:cNvSpPr>
+          <p:nvPr>
+            <p:ph type="title"/>
+          </p:nvPr>
+        </p:nvSpPr>
+        <p:spPr>
+          <a:xfrm>
             <a:off x="838200" y="416884"/>
             <a:ext cx="10515600" cy="1325563"/>
           </a:xfrm>
@@ -4873,7 +5209,7 @@
                 <a:latin typeface="Times New Roman" panose="02020603050405020304" pitchFamily="18" charset="0"/>
                 <a:cs typeface="Times New Roman" panose="02020603050405020304" pitchFamily="18" charset="0"/>
               </a:rPr>
-              <a:t>5</a:t>
+              <a:t>6</a:t>
             </a:fld>
             <a:endParaRPr lang="ru-RU" sz="3200" dirty="0">
               <a:latin typeface="Times New Roman" panose="02020603050405020304" pitchFamily="18" charset="0"/>
@@ -4902,7 +5238,7 @@
 </p:sld>
 </file>
 
-<file path=ppt/slides/slide6.xml><?xml version="1.0" encoding="utf-8"?>
+<file path=ppt/slides/slide7.xml><?xml version="1.0" encoding="utf-8"?>
 <p:sld xmlns:a="http://schemas.openxmlformats.org/drawingml/2006/main" xmlns:r="http://schemas.openxmlformats.org/officeDocument/2006/relationships" xmlns:p="http://schemas.openxmlformats.org/presentationml/2006/main">
   <p:cSld>
     <p:spTree>
@@ -5765,184 +6101,6 @@
                 <a:latin typeface="Times New Roman" panose="02020603050405020304" pitchFamily="18" charset="0"/>
                 <a:cs typeface="Times New Roman" panose="02020603050405020304" pitchFamily="18" charset="0"/>
               </a:rPr>
-              <a:t>6</a:t>
-            </a:fld>
-            <a:endParaRPr lang="ru-RU" sz="3200" dirty="0">
-              <a:latin typeface="Times New Roman" panose="02020603050405020304" pitchFamily="18" charset="0"/>
-              <a:cs typeface="Times New Roman" panose="02020603050405020304" pitchFamily="18" charset="0"/>
-            </a:endParaRPr>
-          </a:p>
-        </p:txBody>
-      </p:sp>
-    </p:spTree>
-    <p:extLst>
-      <p:ext uri="{BB962C8B-B14F-4D97-AF65-F5344CB8AC3E}">
-        <p14:creationId xmlns:p14="http://schemas.microsoft.com/office/powerpoint/2010/main" val="4167707269"/>
-      </p:ext>
-    </p:extLst>
-  </p:cSld>
-  <p:clrMapOvr>
-    <a:masterClrMapping/>
-  </p:clrMapOvr>
-  <p:timing>
-    <p:tnLst>
-      <p:par>
-        <p:cTn id="1" dur="indefinite" restart="never" nodeType="tmRoot"/>
-      </p:par>
-    </p:tnLst>
-  </p:timing>
-</p:sld>
-</file>
-
-<file path=ppt/slides/slide7.xml><?xml version="1.0" encoding="utf-8"?>
-<p:sld xmlns:a="http://schemas.openxmlformats.org/drawingml/2006/main" xmlns:r="http://schemas.openxmlformats.org/officeDocument/2006/relationships" xmlns:p="http://schemas.openxmlformats.org/presentationml/2006/main">
-  <p:cSld>
-    <p:spTree>
-      <p:nvGrpSpPr>
-        <p:cNvPr id="1" name=""/>
-        <p:cNvGrpSpPr/>
-        <p:nvPr/>
-      </p:nvGrpSpPr>
-      <p:grpSpPr>
-        <a:xfrm>
-          <a:off x="0" y="0"/>
-          <a:ext cx="0" cy="0"/>
-          <a:chOff x="0" y="0"/>
-          <a:chExt cx="0" cy="0"/>
-        </a:xfrm>
-      </p:grpSpPr>
-      <p:sp>
-        <p:nvSpPr>
-          <p:cNvPr id="2" name="Заголовок 1"/>
-          <p:cNvSpPr>
-            <a:spLocks noGrp="1"/>
-          </p:cNvSpPr>
-          <p:nvPr>
-            <p:ph type="title"/>
-          </p:nvPr>
-        </p:nvSpPr>
-        <p:spPr/>
-        <p:txBody>
-          <a:bodyPr>
-            <a:normAutofit/>
-          </a:bodyPr>
-          <a:lstStyle/>
-          <a:p>
-            <a:r>
-              <a:rPr lang="ru-RU" sz="6000" dirty="0">
-                <a:latin typeface="Times New Roman" panose="02020603050405020304" pitchFamily="18" charset="0"/>
-                <a:cs typeface="Times New Roman" panose="02020603050405020304" pitchFamily="18" charset="0"/>
-              </a:rPr>
-              <a:t>Требования к приложению</a:t>
-            </a:r>
-            <a:endParaRPr lang="ru-RU" sz="6000" dirty="0"/>
-          </a:p>
-        </p:txBody>
-      </p:sp>
-      <p:sp>
-        <p:nvSpPr>
-          <p:cNvPr id="3" name="Объект 2"/>
-          <p:cNvSpPr>
-            <a:spLocks noGrp="1"/>
-          </p:cNvSpPr>
-          <p:nvPr>
-            <p:ph idx="1"/>
-          </p:nvPr>
-        </p:nvSpPr>
-        <p:spPr/>
-        <p:txBody>
-          <a:bodyPr>
-            <a:normAutofit/>
-          </a:bodyPr>
-          <a:lstStyle/>
-          <a:p>
-            <a:pPr marL="0" indent="0">
-              <a:buNone/>
-            </a:pPr>
-            <a:r>
-              <a:rPr lang="ru-RU" sz="3200" i="1" dirty="0" smtClean="0">
-                <a:latin typeface="Times New Roman" panose="02020603050405020304" pitchFamily="18" charset="0"/>
-                <a:cs typeface="Times New Roman" panose="02020603050405020304" pitchFamily="18" charset="0"/>
-              </a:rPr>
-              <a:t>Функциональные требования</a:t>
-            </a:r>
-          </a:p>
-          <a:p>
-            <a:r>
-              <a:rPr lang="ru-RU" sz="3200" dirty="0" smtClean="0">
-                <a:latin typeface="Times New Roman" panose="02020603050405020304" pitchFamily="18" charset="0"/>
-                <a:cs typeface="Times New Roman" panose="02020603050405020304" pitchFamily="18" charset="0"/>
-              </a:rPr>
-              <a:t>Система регистрации/авторизации</a:t>
-            </a:r>
-          </a:p>
-          <a:p>
-            <a:r>
-              <a:rPr lang="ru-RU" sz="3200" dirty="0" smtClean="0">
-                <a:latin typeface="Times New Roman" panose="02020603050405020304" pitchFamily="18" charset="0"/>
-                <a:cs typeface="Times New Roman" panose="02020603050405020304" pitchFamily="18" charset="0"/>
-              </a:rPr>
-              <a:t>Подтверждение электронной почты</a:t>
-            </a:r>
-          </a:p>
-          <a:p>
-            <a:r>
-              <a:rPr lang="ru-RU" sz="3200" dirty="0" smtClean="0">
-                <a:latin typeface="Times New Roman" panose="02020603050405020304" pitchFamily="18" charset="0"/>
-                <a:cs typeface="Times New Roman" panose="02020603050405020304" pitchFamily="18" charset="0"/>
-              </a:rPr>
-              <a:t>Настройка аккаунта пользователя</a:t>
-            </a:r>
-          </a:p>
-          <a:p>
-            <a:r>
-              <a:rPr lang="ru-RU" sz="3200" dirty="0" smtClean="0">
-                <a:latin typeface="Times New Roman" panose="02020603050405020304" pitchFamily="18" charset="0"/>
-                <a:cs typeface="Times New Roman" panose="02020603050405020304" pitchFamily="18" charset="0"/>
-              </a:rPr>
-              <a:t>Создание чата</a:t>
-            </a:r>
-            <a:r>
-              <a:rPr lang="en-US" sz="3200" dirty="0" smtClean="0">
-                <a:latin typeface="Times New Roman" panose="02020603050405020304" pitchFamily="18" charset="0"/>
-                <a:cs typeface="Times New Roman" panose="02020603050405020304" pitchFamily="18" charset="0"/>
-              </a:rPr>
-              <a:t>/</a:t>
-            </a:r>
-            <a:r>
-              <a:rPr lang="ru-RU" sz="3200" dirty="0" smtClean="0">
-                <a:latin typeface="Times New Roman" panose="02020603050405020304" pitchFamily="18" charset="0"/>
-                <a:cs typeface="Times New Roman" panose="02020603050405020304" pitchFamily="18" charset="0"/>
-              </a:rPr>
-              <a:t>канала</a:t>
-            </a:r>
-            <a:endParaRPr lang="en-US" sz="3200" dirty="0" smtClean="0">
-              <a:latin typeface="Times New Roman" panose="02020603050405020304" pitchFamily="18" charset="0"/>
-              <a:cs typeface="Times New Roman" panose="02020603050405020304" pitchFamily="18" charset="0"/>
-            </a:endParaRPr>
-          </a:p>
-        </p:txBody>
-      </p:sp>
-      <p:sp>
-        <p:nvSpPr>
-          <p:cNvPr id="5" name="Номер слайда 4"/>
-          <p:cNvSpPr>
-            <a:spLocks noGrp="1"/>
-          </p:cNvSpPr>
-          <p:nvPr>
-            <p:ph type="sldNum" sz="quarter" idx="12"/>
-          </p:nvPr>
-        </p:nvSpPr>
-        <p:spPr/>
-        <p:txBody>
-          <a:bodyPr/>
-          <a:lstStyle/>
-          <a:p>
-            <a:fld id="{F057AEC9-9E52-4782-943C-911A5C934F5E}" type="slidenum">
-              <a:rPr lang="ru-RU" sz="3200" smtClean="0">
-                <a:latin typeface="Times New Roman" panose="02020603050405020304" pitchFamily="18" charset="0"/>
-                <a:cs typeface="Times New Roman" panose="02020603050405020304" pitchFamily="18" charset="0"/>
-              </a:rPr>
               <a:t>7</a:t>
             </a:fld>
             <a:endParaRPr lang="ru-RU" sz="3200" dirty="0">
@@ -5955,7 +6113,7 @@
     </p:spTree>
     <p:extLst>
       <p:ext uri="{BB962C8B-B14F-4D97-AF65-F5344CB8AC3E}">
-        <p14:creationId xmlns:p14="http://schemas.microsoft.com/office/powerpoint/2010/main" val="3646887962"/>
+        <p14:creationId xmlns:p14="http://schemas.microsoft.com/office/powerpoint/2010/main" val="4167707269"/>
       </p:ext>
     </p:extLst>
   </p:cSld>
@@ -6051,7 +6209,34 @@
                 <a:latin typeface="Times New Roman" panose="02020603050405020304" pitchFamily="18" charset="0"/>
                 <a:cs typeface="Times New Roman" panose="02020603050405020304" pitchFamily="18" charset="0"/>
               </a:rPr>
-              <a:t>Поиск чата</a:t>
+              <a:t>Система регистрации/авторизации</a:t>
+            </a:r>
+          </a:p>
+          <a:p>
+            <a:r>
+              <a:rPr lang="ru-RU" sz="3200" dirty="0" smtClean="0">
+                <a:latin typeface="Times New Roman" panose="02020603050405020304" pitchFamily="18" charset="0"/>
+                <a:cs typeface="Times New Roman" panose="02020603050405020304" pitchFamily="18" charset="0"/>
+              </a:rPr>
+              <a:t>Подтверждение электронной почты</a:t>
+            </a:r>
+          </a:p>
+          <a:p>
+            <a:r>
+              <a:rPr lang="ru-RU" sz="3200" dirty="0" smtClean="0">
+                <a:latin typeface="Times New Roman" panose="02020603050405020304" pitchFamily="18" charset="0"/>
+                <a:cs typeface="Times New Roman" panose="02020603050405020304" pitchFamily="18" charset="0"/>
+              </a:rPr>
+              <a:t>Настройка аккаунта пользователя</a:t>
+            </a:r>
+          </a:p>
+          <a:p>
+            <a:r>
+              <a:rPr lang="ru-RU" sz="3200" dirty="0" smtClean="0">
+                <a:latin typeface="Times New Roman" panose="02020603050405020304" pitchFamily="18" charset="0"/>
+                <a:cs typeface="Times New Roman" panose="02020603050405020304" pitchFamily="18" charset="0"/>
+              </a:rPr>
+              <a:t>Создание чата</a:t>
             </a:r>
             <a:r>
               <a:rPr lang="en-US" sz="3200" dirty="0" smtClean="0">
@@ -6067,33 +6252,10 @@
               </a:rPr>
               <a:t>канала</a:t>
             </a:r>
-          </a:p>
-          <a:p>
-            <a:r>
-              <a:rPr lang="ru-RU" sz="3200" dirty="0" smtClean="0">
-                <a:latin typeface="Times New Roman" panose="02020603050405020304" pitchFamily="18" charset="0"/>
-                <a:cs typeface="Times New Roman" panose="02020603050405020304" pitchFamily="18" charset="0"/>
-              </a:rPr>
-              <a:t>Настройка канала</a:t>
-            </a:r>
-          </a:p>
-          <a:p>
-            <a:r>
-              <a:rPr lang="ru-RU" sz="3200" dirty="0" smtClean="0">
-                <a:latin typeface="Times New Roman" panose="02020603050405020304" pitchFamily="18" charset="0"/>
-                <a:cs typeface="Times New Roman" panose="02020603050405020304" pitchFamily="18" charset="0"/>
-              </a:rPr>
-              <a:t>Обмен текстовыми сообщениями</a:t>
-            </a:r>
-          </a:p>
-          <a:p>
-            <a:r>
-              <a:rPr lang="ru-RU" sz="3200" dirty="0" smtClean="0">
-                <a:latin typeface="Times New Roman" panose="02020603050405020304" pitchFamily="18" charset="0"/>
-                <a:cs typeface="Times New Roman" panose="02020603050405020304" pitchFamily="18" charset="0"/>
-              </a:rPr>
-              <a:t>Раздел для избранных сообщений</a:t>
-            </a:r>
+            <a:endParaRPr lang="en-US" sz="3200" dirty="0" smtClean="0">
+              <a:latin typeface="Times New Roman" panose="02020603050405020304" pitchFamily="18" charset="0"/>
+              <a:cs typeface="Times New Roman" panose="02020603050405020304" pitchFamily="18" charset="0"/>
+            </a:endParaRPr>
           </a:p>
         </p:txBody>
       </p:sp>
@@ -6129,7 +6291,7 @@
     </p:spTree>
     <p:extLst>
       <p:ext uri="{BB962C8B-B14F-4D97-AF65-F5344CB8AC3E}">
-        <p14:creationId xmlns:p14="http://schemas.microsoft.com/office/powerpoint/2010/main" val="2639038472"/>
+        <p14:creationId xmlns:p14="http://schemas.microsoft.com/office/powerpoint/2010/main" val="3646887962"/>
       </p:ext>
     </p:extLst>
   </p:cSld>
@@ -6181,16 +6343,13 @@
           <a:lstStyle/>
           <a:p>
             <a:r>
-              <a:rPr lang="ru-RU" sz="6000" dirty="0" smtClean="0">
-                <a:latin typeface="Times New Roman" panose="02020603050405020304" pitchFamily="18" charset="0"/>
-                <a:cs typeface="Times New Roman" panose="02020603050405020304" pitchFamily="18" charset="0"/>
-              </a:rPr>
-              <a:t>Группы пользователей</a:t>
-            </a:r>
-            <a:endParaRPr lang="ru-RU" sz="6000" dirty="0">
-              <a:latin typeface="Times New Roman" panose="02020603050405020304" pitchFamily="18" charset="0"/>
-              <a:cs typeface="Times New Roman" panose="02020603050405020304" pitchFamily="18" charset="0"/>
-            </a:endParaRPr>
+              <a:rPr lang="ru-RU" sz="6000" dirty="0">
+                <a:latin typeface="Times New Roman" panose="02020603050405020304" pitchFamily="18" charset="0"/>
+                <a:cs typeface="Times New Roman" panose="02020603050405020304" pitchFamily="18" charset="0"/>
+              </a:rPr>
+              <a:t>Требования к приложению</a:t>
+            </a:r>
+            <a:endParaRPr lang="ru-RU" sz="6000" dirty="0"/>
           </a:p>
         </p:txBody>
       </p:sp>
@@ -6211,61 +6370,91 @@
           </a:bodyPr>
           <a:lstStyle/>
           <a:p>
+            <a:pPr marL="0" indent="0">
+              <a:buNone/>
+            </a:pPr>
+            <a:r>
+              <a:rPr lang="ru-RU" sz="3200" i="1" dirty="0" smtClean="0">
+                <a:latin typeface="Times New Roman" panose="02020603050405020304" pitchFamily="18" charset="0"/>
+                <a:cs typeface="Times New Roman" panose="02020603050405020304" pitchFamily="18" charset="0"/>
+              </a:rPr>
+              <a:t>Функциональные требования</a:t>
+            </a:r>
+          </a:p>
+          <a:p>
             <a:r>
               <a:rPr lang="ru-RU" sz="3200" dirty="0" smtClean="0">
                 <a:latin typeface="Times New Roman" panose="02020603050405020304" pitchFamily="18" charset="0"/>
                 <a:cs typeface="Times New Roman" panose="02020603050405020304" pitchFamily="18" charset="0"/>
               </a:rPr>
-              <a:t>Неавторизованный пользователь</a:t>
-            </a:r>
-          </a:p>
-          <a:p>
+              <a:t>Поиск чата</a:t>
+            </a:r>
+            <a:r>
+              <a:rPr lang="en-US" sz="3200" dirty="0" smtClean="0">
+                <a:latin typeface="Times New Roman" panose="02020603050405020304" pitchFamily="18" charset="0"/>
+                <a:cs typeface="Times New Roman" panose="02020603050405020304" pitchFamily="18" charset="0"/>
+              </a:rPr>
+              <a:t>/</a:t>
+            </a:r>
             <a:r>
               <a:rPr lang="ru-RU" sz="3200" dirty="0" smtClean="0">
                 <a:latin typeface="Times New Roman" panose="02020603050405020304" pitchFamily="18" charset="0"/>
                 <a:cs typeface="Times New Roman" panose="02020603050405020304" pitchFamily="18" charset="0"/>
               </a:rPr>
-              <a:t>Авторизованный пользователь</a:t>
-            </a:r>
-          </a:p>
-          <a:p>
-            <a:pPr lvl="1">
-              <a:buFont typeface="Courier New" panose="02070309020205020404" pitchFamily="49" charset="0"/>
-              <a:buChar char="o"/>
-            </a:pPr>
+              <a:t>канала</a:t>
+            </a:r>
+          </a:p>
+          <a:p>
             <a:r>
               <a:rPr lang="ru-RU" sz="3200" dirty="0" smtClean="0">
                 <a:latin typeface="Times New Roman" panose="02020603050405020304" pitchFamily="18" charset="0"/>
                 <a:cs typeface="Times New Roman" panose="02020603050405020304" pitchFamily="18" charset="0"/>
               </a:rPr>
-              <a:t>Создатель канала</a:t>
-            </a:r>
-          </a:p>
-          <a:p>
-            <a:pPr lvl="1">
-              <a:buFont typeface="Courier New" panose="02070309020205020404" pitchFamily="49" charset="0"/>
-              <a:buChar char="o"/>
-            </a:pPr>
+              <a:t>Настройка канала</a:t>
+            </a:r>
+          </a:p>
+          <a:p>
             <a:r>
               <a:rPr lang="ru-RU" sz="3200" dirty="0" smtClean="0">
                 <a:latin typeface="Times New Roman" panose="02020603050405020304" pitchFamily="18" charset="0"/>
                 <a:cs typeface="Times New Roman" panose="02020603050405020304" pitchFamily="18" charset="0"/>
               </a:rPr>
-              <a:t>Администратор канала</a:t>
-            </a:r>
-          </a:p>
-          <a:p>
-            <a:pPr lvl="1">
-              <a:buFont typeface="Courier New" panose="02070309020205020404" pitchFamily="49" charset="0"/>
-              <a:buChar char="o"/>
-            </a:pPr>
+              <a:t>Обмен текстовыми сообщениями</a:t>
+            </a:r>
+          </a:p>
+          <a:p>
             <a:r>
               <a:rPr lang="ru-RU" sz="3200" dirty="0" smtClean="0">
                 <a:latin typeface="Times New Roman" panose="02020603050405020304" pitchFamily="18" charset="0"/>
                 <a:cs typeface="Times New Roman" panose="02020603050405020304" pitchFamily="18" charset="0"/>
               </a:rPr>
-              <a:t>Участника канала</a:t>
-            </a:r>
+              <a:t>Раздел для избранных сообщений</a:t>
+            </a:r>
+          </a:p>
+        </p:txBody>
+      </p:sp>
+      <p:sp>
+        <p:nvSpPr>
+          <p:cNvPr id="5" name="Номер слайда 4"/>
+          <p:cNvSpPr>
+            <a:spLocks noGrp="1"/>
+          </p:cNvSpPr>
+          <p:nvPr>
+            <p:ph type="sldNum" sz="quarter" idx="12"/>
+          </p:nvPr>
+        </p:nvSpPr>
+        <p:spPr/>
+        <p:txBody>
+          <a:bodyPr/>
+          <a:lstStyle/>
+          <a:p>
+            <a:fld id="{F057AEC9-9E52-4782-943C-911A5C934F5E}" type="slidenum">
+              <a:rPr lang="ru-RU" sz="3200" smtClean="0">
+                <a:latin typeface="Times New Roman" panose="02020603050405020304" pitchFamily="18" charset="0"/>
+                <a:cs typeface="Times New Roman" panose="02020603050405020304" pitchFamily="18" charset="0"/>
+              </a:rPr>
+              <a:t>9</a:t>
+            </a:fld>
             <a:endParaRPr lang="ru-RU" sz="3200" dirty="0">
               <a:latin typeface="Times New Roman" panose="02020603050405020304" pitchFamily="18" charset="0"/>
               <a:cs typeface="Times New Roman" panose="02020603050405020304" pitchFamily="18" charset="0"/>
@@ -6273,33 +6462,10 @@
           </a:p>
         </p:txBody>
       </p:sp>
-      <p:sp>
-        <p:nvSpPr>
-          <p:cNvPr id="4" name="Номер слайда 3"/>
-          <p:cNvSpPr>
-            <a:spLocks noGrp="1"/>
-          </p:cNvSpPr>
-          <p:nvPr>
-            <p:ph type="sldNum" sz="quarter" idx="12"/>
-          </p:nvPr>
-        </p:nvSpPr>
-        <p:spPr/>
-        <p:txBody>
-          <a:bodyPr/>
-          <a:lstStyle/>
-          <a:p>
-            <a:fld id="{F057AEC9-9E52-4782-943C-911A5C934F5E}" type="slidenum">
-              <a:rPr lang="ru-RU" smtClean="0"/>
-              <a:t>9</a:t>
-            </a:fld>
-            <a:endParaRPr lang="ru-RU"/>
-          </a:p>
-        </p:txBody>
-      </p:sp>
     </p:spTree>
     <p:extLst>
       <p:ext uri="{BB962C8B-B14F-4D97-AF65-F5344CB8AC3E}">
-        <p14:creationId xmlns:p14="http://schemas.microsoft.com/office/powerpoint/2010/main" val="2203334534"/>
+        <p14:creationId xmlns:p14="http://schemas.microsoft.com/office/powerpoint/2010/main" val="2639038472"/>
       </p:ext>
     </p:extLst>
   </p:cSld>
@@ -6571,7 +6737,7 @@
   <a:extraClrSchemeLst/>
   <a:extLst>
     <a:ext uri="{05A4C25C-085E-4340-85A3-A5531E510DB2}">
-      <thm15:themeFamily xmlns:thm15="http://schemas.microsoft.com/office/thememl/2012/main" xmlns="" name="Office Theme" id="{62F939B6-93AF-4DB8-9C6B-D6C7DFDC589F}" vid="{4A3C46E8-61CC-4603-A589-7422A47A8E4A}"/>
+      <thm15:themeFamily xmlns:thm15="http://schemas.microsoft.com/office/thememl/2012/main" name="Office Theme" id="{62F939B6-93AF-4DB8-9C6B-D6C7DFDC589F}" vid="{4A3C46E8-61CC-4603-A589-7422A47A8E4A}"/>
     </a:ext>
   </a:extLst>
 </a:theme>
@@ -6832,7 +6998,7 @@
   <a:extraClrSchemeLst/>
   <a:extLst>
     <a:ext uri="{05A4C25C-085E-4340-85A3-A5531E510DB2}">
-      <thm15:themeFamily xmlns:thm15="http://schemas.microsoft.com/office/thememl/2012/main" xmlns="" name="Office Theme" id="{62F939B6-93AF-4DB8-9C6B-D6C7DFDC589F}" vid="{4A3C46E8-61CC-4603-A589-7422A47A8E4A}"/>
+      <thm15:themeFamily xmlns:thm15="http://schemas.microsoft.com/office/thememl/2012/main" name="Office Theme" id="{62F939B6-93AF-4DB8-9C6B-D6C7DFDC589F}" vid="{4A3C46E8-61CC-4603-A589-7422A47A8E4A}"/>
     </a:ext>
   </a:extLst>
 </a:theme>

--- a/Documents/Презентация.pptx
+++ b/Documents/Презентация.pptx
@@ -5,21 +5,31 @@
     <p:sldMasterId id="2147483648" r:id="rId1"/>
   </p:sldMasterIdLst>
   <p:notesMasterIdLst>
-    <p:notesMasterId r:id="rId14"/>
+    <p:notesMasterId r:id="rId24"/>
   </p:notesMasterIdLst>
   <p:sldIdLst>
     <p:sldId id="256" r:id="rId2"/>
-    <p:sldId id="257" r:id="rId3"/>
-    <p:sldId id="267" r:id="rId4"/>
-    <p:sldId id="258" r:id="rId5"/>
+    <p:sldId id="268" r:id="rId3"/>
+    <p:sldId id="270" r:id="rId4"/>
+    <p:sldId id="267" r:id="rId5"/>
     <p:sldId id="259" r:id="rId6"/>
-    <p:sldId id="260" r:id="rId7"/>
-    <p:sldId id="261" r:id="rId8"/>
-    <p:sldId id="262" r:id="rId9"/>
-    <p:sldId id="265" r:id="rId10"/>
-    <p:sldId id="266" r:id="rId11"/>
-    <p:sldId id="263" r:id="rId12"/>
-    <p:sldId id="264" r:id="rId13"/>
+    <p:sldId id="261" r:id="rId7"/>
+    <p:sldId id="262" r:id="rId8"/>
+    <p:sldId id="265" r:id="rId9"/>
+    <p:sldId id="266" r:id="rId10"/>
+    <p:sldId id="271" r:id="rId11"/>
+    <p:sldId id="272" r:id="rId12"/>
+    <p:sldId id="273" r:id="rId13"/>
+    <p:sldId id="274" r:id="rId14"/>
+    <p:sldId id="275" r:id="rId15"/>
+    <p:sldId id="276" r:id="rId16"/>
+    <p:sldId id="277" r:id="rId17"/>
+    <p:sldId id="278" r:id="rId18"/>
+    <p:sldId id="279" r:id="rId19"/>
+    <p:sldId id="280" r:id="rId20"/>
+    <p:sldId id="263" r:id="rId21"/>
+    <p:sldId id="281" r:id="rId22"/>
+    <p:sldId id="264" r:id="rId23"/>
   </p:sldIdLst>
   <p:sldSz cx="12192000" cy="6858000"/>
   <p:notesSz cx="6858000" cy="9144000"/>
@@ -120,7 +130,7 @@
   </p:defaultTextStyle>
   <p:extLst>
     <p:ext uri="{EFAFB233-063F-42B5-8137-9DF3F51BA10A}">
-      <p15:sldGuideLst xmlns:p15="http://schemas.microsoft.com/office/powerpoint/2012/main">
+      <p15:sldGuideLst xmlns="" xmlns:p15="http://schemas.microsoft.com/office/powerpoint/2012/main">
         <p15:guide id="1" orient="horz" pos="2160">
           <p15:clr>
             <a:srgbClr val="A4A3A4"/>
@@ -219,7 +229,7 @@
           <a:p>
             <a:fld id="{3663DF09-AC2F-43C6-91CE-BE4504AB2E77}" type="datetimeFigureOut">
               <a:rPr lang="ru-RU" smtClean="0"/>
-              <a:t>22.05.2023</a:t>
+              <a:t>05.06.2023</a:t>
             </a:fld>
             <a:endParaRPr lang="ru-RU"/>
           </a:p>
@@ -487,6 +497,174 @@
 </p:notesMaster>
 </file>
 
+<file path=ppt/notesSlides/notesSlide1.xml><?xml version="1.0" encoding="utf-8"?>
+<p:notes xmlns:a="http://schemas.openxmlformats.org/drawingml/2006/main" xmlns:r="http://schemas.openxmlformats.org/officeDocument/2006/relationships" xmlns:p="http://schemas.openxmlformats.org/presentationml/2006/main">
+  <p:cSld>
+    <p:spTree>
+      <p:nvGrpSpPr>
+        <p:cNvPr id="1" name=""/>
+        <p:cNvGrpSpPr/>
+        <p:nvPr/>
+      </p:nvGrpSpPr>
+      <p:grpSpPr>
+        <a:xfrm>
+          <a:off x="0" y="0"/>
+          <a:ext cx="0" cy="0"/>
+          <a:chOff x="0" y="0"/>
+          <a:chExt cx="0" cy="0"/>
+        </a:xfrm>
+      </p:grpSpPr>
+      <p:sp>
+        <p:nvSpPr>
+          <p:cNvPr id="2" name="Образ слайда 1"/>
+          <p:cNvSpPr>
+            <a:spLocks noGrp="1" noRot="1" noChangeAspect="1"/>
+          </p:cNvSpPr>
+          <p:nvPr>
+            <p:ph type="sldImg"/>
+          </p:nvPr>
+        </p:nvSpPr>
+        <p:spPr/>
+      </p:sp>
+      <p:sp>
+        <p:nvSpPr>
+          <p:cNvPr id="3" name="Заметки 2"/>
+          <p:cNvSpPr>
+            <a:spLocks noGrp="1"/>
+          </p:cNvSpPr>
+          <p:nvPr>
+            <p:ph type="body" idx="1"/>
+          </p:nvPr>
+        </p:nvSpPr>
+        <p:spPr/>
+        <p:txBody>
+          <a:bodyPr/>
+          <a:lstStyle/>
+          <a:p>
+            <a:endParaRPr lang="ru-RU"/>
+          </a:p>
+        </p:txBody>
+      </p:sp>
+      <p:sp>
+        <p:nvSpPr>
+          <p:cNvPr id="4" name="Номер слайда 3"/>
+          <p:cNvSpPr>
+            <a:spLocks noGrp="1"/>
+          </p:cNvSpPr>
+          <p:nvPr>
+            <p:ph type="sldNum" sz="quarter" idx="10"/>
+          </p:nvPr>
+        </p:nvSpPr>
+        <p:spPr/>
+        <p:txBody>
+          <a:bodyPr/>
+          <a:lstStyle/>
+          <a:p>
+            <a:fld id="{7A8E77E2-15AD-4994-9C9B-43C172503CD4}" type="slidenum">
+              <a:rPr lang="ru-RU" smtClean="0"/>
+              <a:t>2</a:t>
+            </a:fld>
+            <a:endParaRPr lang="ru-RU"/>
+          </a:p>
+        </p:txBody>
+      </p:sp>
+    </p:spTree>
+    <p:extLst>
+      <p:ext uri="{BB962C8B-B14F-4D97-AF65-F5344CB8AC3E}">
+        <p14:creationId xmlns:p14="http://schemas.microsoft.com/office/powerpoint/2010/main" val="3635728555"/>
+      </p:ext>
+    </p:extLst>
+  </p:cSld>
+  <p:clrMapOvr>
+    <a:masterClrMapping/>
+  </p:clrMapOvr>
+</p:notes>
+</file>
+
+<file path=ppt/notesSlides/notesSlide2.xml><?xml version="1.0" encoding="utf-8"?>
+<p:notes xmlns:a="http://schemas.openxmlformats.org/drawingml/2006/main" xmlns:r="http://schemas.openxmlformats.org/officeDocument/2006/relationships" xmlns:p="http://schemas.openxmlformats.org/presentationml/2006/main">
+  <p:cSld>
+    <p:spTree>
+      <p:nvGrpSpPr>
+        <p:cNvPr id="1" name=""/>
+        <p:cNvGrpSpPr/>
+        <p:nvPr/>
+      </p:nvGrpSpPr>
+      <p:grpSpPr>
+        <a:xfrm>
+          <a:off x="0" y="0"/>
+          <a:ext cx="0" cy="0"/>
+          <a:chOff x="0" y="0"/>
+          <a:chExt cx="0" cy="0"/>
+        </a:xfrm>
+      </p:grpSpPr>
+      <p:sp>
+        <p:nvSpPr>
+          <p:cNvPr id="2" name="Образ слайда 1"/>
+          <p:cNvSpPr>
+            <a:spLocks noGrp="1" noRot="1" noChangeAspect="1"/>
+          </p:cNvSpPr>
+          <p:nvPr>
+            <p:ph type="sldImg"/>
+          </p:nvPr>
+        </p:nvSpPr>
+        <p:spPr/>
+      </p:sp>
+      <p:sp>
+        <p:nvSpPr>
+          <p:cNvPr id="3" name="Заметки 2"/>
+          <p:cNvSpPr>
+            <a:spLocks noGrp="1"/>
+          </p:cNvSpPr>
+          <p:nvPr>
+            <p:ph type="body" idx="1"/>
+          </p:nvPr>
+        </p:nvSpPr>
+        <p:spPr/>
+        <p:txBody>
+          <a:bodyPr/>
+          <a:lstStyle/>
+          <a:p>
+            <a:endParaRPr lang="ru-RU"/>
+          </a:p>
+        </p:txBody>
+      </p:sp>
+      <p:sp>
+        <p:nvSpPr>
+          <p:cNvPr id="4" name="Номер слайда 3"/>
+          <p:cNvSpPr>
+            <a:spLocks noGrp="1"/>
+          </p:cNvSpPr>
+          <p:nvPr>
+            <p:ph type="sldNum" sz="quarter" idx="10"/>
+          </p:nvPr>
+        </p:nvSpPr>
+        <p:spPr/>
+        <p:txBody>
+          <a:bodyPr/>
+          <a:lstStyle/>
+          <a:p>
+            <a:fld id="{7A8E77E2-15AD-4994-9C9B-43C172503CD4}" type="slidenum">
+              <a:rPr lang="ru-RU" smtClean="0"/>
+              <a:t>19</a:t>
+            </a:fld>
+            <a:endParaRPr lang="ru-RU"/>
+          </a:p>
+        </p:txBody>
+      </p:sp>
+    </p:spTree>
+    <p:extLst>
+      <p:ext uri="{BB962C8B-B14F-4D97-AF65-F5344CB8AC3E}">
+        <p14:creationId xmlns:p14="http://schemas.microsoft.com/office/powerpoint/2010/main" val="1223094072"/>
+      </p:ext>
+    </p:extLst>
+  </p:cSld>
+  <p:clrMapOvr>
+    <a:masterClrMapping/>
+  </p:clrMapOvr>
+</p:notes>
+</file>
+
 <file path=ppt/slideLayouts/slideLayout1.xml><?xml version="1.0" encoding="utf-8"?>
 <p:sldLayout xmlns:a="http://schemas.openxmlformats.org/drawingml/2006/main" xmlns:r="http://schemas.openxmlformats.org/officeDocument/2006/relationships" xmlns:p="http://schemas.openxmlformats.org/presentationml/2006/main" type="title" preserve="1">
   <p:cSld name="Титульный слайд">
@@ -618,7 +796,7 @@
           <a:p>
             <a:fld id="{431EBDBA-DF61-4264-B2E1-71F7D2D9639F}" type="datetime1">
               <a:rPr lang="ru-RU" smtClean="0"/>
-              <a:t>22.05.2023</a:t>
+              <a:t>05.06.2023</a:t>
             </a:fld>
             <a:endParaRPr lang="ru-RU"/>
           </a:p>
@@ -788,7 +966,7 @@
           <a:p>
             <a:fld id="{48D94E5C-DFBD-43D2-A4B2-35E0A1108B57}" type="datetime1">
               <a:rPr lang="ru-RU" smtClean="0"/>
-              <a:t>22.05.2023</a:t>
+              <a:t>05.06.2023</a:t>
             </a:fld>
             <a:endParaRPr lang="ru-RU"/>
           </a:p>
@@ -968,7 +1146,7 @@
           <a:p>
             <a:fld id="{9AA17FCD-6540-4295-AFC5-9AA2AE518C45}" type="datetime1">
               <a:rPr lang="ru-RU" smtClean="0"/>
-              <a:t>22.05.2023</a:t>
+              <a:t>05.06.2023</a:t>
             </a:fld>
             <a:endParaRPr lang="ru-RU"/>
           </a:p>
@@ -1138,7 +1316,7 @@
           <a:p>
             <a:fld id="{B3D25BAC-ACA9-4D44-A789-D821B02D7173}" type="datetime1">
               <a:rPr lang="ru-RU" smtClean="0"/>
-              <a:t>22.05.2023</a:t>
+              <a:t>05.06.2023</a:t>
             </a:fld>
             <a:endParaRPr lang="ru-RU"/>
           </a:p>
@@ -1196,6 +1374,13 @@
   <p:clrMapOvr>
     <a:masterClrMapping/>
   </p:clrMapOvr>
+  <p:timing>
+    <p:tnLst>
+      <p:par>
+        <p:cTn id="1" dur="indefinite" restart="never" nodeType="tmRoot"/>
+      </p:par>
+    </p:tnLst>
+  </p:timing>
 </p:sldLayout>
 </file>
 
@@ -1384,7 +1569,7 @@
           <a:p>
             <a:fld id="{F3A564F2-61EB-4DD9-81C9-C4B0D01ABAD2}" type="datetime1">
               <a:rPr lang="ru-RU" smtClean="0"/>
-              <a:t>22.05.2023</a:t>
+              <a:t>05.06.2023</a:t>
             </a:fld>
             <a:endParaRPr lang="ru-RU"/>
           </a:p>
@@ -1442,6 +1627,13 @@
   <p:clrMapOvr>
     <a:masterClrMapping/>
   </p:clrMapOvr>
+  <p:timing>
+    <p:tnLst>
+      <p:par>
+        <p:cTn id="1" dur="indefinite" restart="never" nodeType="tmRoot"/>
+      </p:par>
+    </p:tnLst>
+  </p:timing>
 </p:sldLayout>
 </file>
 
@@ -1616,7 +1808,7 @@
           <a:p>
             <a:fld id="{ABD8FF38-248C-44F7-A3F8-A258B043B3E7}" type="datetime1">
               <a:rPr lang="ru-RU" smtClean="0"/>
-              <a:t>22.05.2023</a:t>
+              <a:t>05.06.2023</a:t>
             </a:fld>
             <a:endParaRPr lang="ru-RU"/>
           </a:p>
@@ -1983,7 +2175,7 @@
           <a:p>
             <a:fld id="{309F663A-6E03-4C5E-97DD-D7C03F71AD57}" type="datetime1">
               <a:rPr lang="ru-RU" smtClean="0"/>
-              <a:t>22.05.2023</a:t>
+              <a:t>05.06.2023</a:t>
             </a:fld>
             <a:endParaRPr lang="ru-RU"/>
           </a:p>
@@ -2101,7 +2293,7 @@
           <a:p>
             <a:fld id="{94DDDD82-0DB0-4F88-A95F-BB701E23C299}" type="datetime1">
               <a:rPr lang="ru-RU" smtClean="0"/>
-              <a:t>22.05.2023</a:t>
+              <a:t>05.06.2023</a:t>
             </a:fld>
             <a:endParaRPr lang="ru-RU"/>
           </a:p>
@@ -2196,7 +2388,7 @@
           <a:p>
             <a:fld id="{41E2698E-89B6-43AD-A268-5A9E521EA8D4}" type="datetime1">
               <a:rPr lang="ru-RU" smtClean="0"/>
-              <a:t>22.05.2023</a:t>
+              <a:t>05.06.2023</a:t>
             </a:fld>
             <a:endParaRPr lang="ru-RU"/>
           </a:p>
@@ -2473,7 +2665,7 @@
           <a:p>
             <a:fld id="{69F71997-CD63-4DAC-96E1-DB79AE0C30D4}" type="datetime1">
               <a:rPr lang="ru-RU" smtClean="0"/>
-              <a:t>22.05.2023</a:t>
+              <a:t>05.06.2023</a:t>
             </a:fld>
             <a:endParaRPr lang="ru-RU"/>
           </a:p>
@@ -2726,7 +2918,7 @@
           <a:p>
             <a:fld id="{3C50BA6E-4F1D-4020-A6FF-CC9A0BFE9F99}" type="datetime1">
               <a:rPr lang="ru-RU" smtClean="0"/>
-              <a:t>22.05.2023</a:t>
+              <a:t>05.06.2023</a:t>
             </a:fld>
             <a:endParaRPr lang="ru-RU"/>
           </a:p>
@@ -2939,7 +3131,7 @@
           <a:p>
             <a:fld id="{B1A6BC79-F07E-40C3-940F-06024C055BA9}" type="datetime1">
               <a:rPr lang="ru-RU" smtClean="0"/>
-              <a:t>22.05.2023</a:t>
+              <a:t>05.06.2023</a:t>
             </a:fld>
             <a:endParaRPr lang="ru-RU"/>
           </a:p>
@@ -3345,30 +3537,6 @@
           <a:chExt cx="0" cy="0"/>
         </a:xfrm>
       </p:grpSpPr>
-      <p:pic>
-        <p:nvPicPr>
-          <p:cNvPr id="5" name="Рисунок 4"/>
-          <p:cNvPicPr>
-            <a:picLocks noChangeAspect="1"/>
-          </p:cNvPicPr>
-          <p:nvPr/>
-        </p:nvPicPr>
-        <p:blipFill>
-          <a:blip r:embed="rId2"/>
-          <a:stretch>
-            <a:fillRect/>
-          </a:stretch>
-        </p:blipFill>
-        <p:spPr>
-          <a:xfrm>
-            <a:off x="74907" y="180425"/>
-            <a:ext cx="7576723" cy="4762511"/>
-          </a:xfrm>
-          <a:prstGeom prst="rect">
-            <a:avLst/>
-          </a:prstGeom>
-        </p:spPr>
-      </p:pic>
       <p:sp>
         <p:nvSpPr>
           <p:cNvPr id="2" name="Заголовок 1"/>
@@ -3752,6 +3920,36 @@
           </a:p>
         </p:txBody>
       </p:sp>
+      <p:pic>
+        <p:nvPicPr>
+          <p:cNvPr id="6" name="Рисунок 5"/>
+          <p:cNvPicPr>
+            <a:picLocks noChangeAspect="1"/>
+          </p:cNvPicPr>
+          <p:nvPr/>
+        </p:nvPicPr>
+        <p:blipFill>
+          <a:blip r:embed="rId2">
+            <a:extLst>
+              <a:ext uri="{28A0092B-C50C-407E-A947-70E740481C1C}">
+                <a14:useLocalDpi xmlns:a14="http://schemas.microsoft.com/office/drawing/2010/main" val="0"/>
+              </a:ext>
+            </a:extLst>
+          </a:blip>
+          <a:stretch>
+            <a:fillRect/>
+          </a:stretch>
+        </p:blipFill>
+        <p:spPr>
+          <a:xfrm>
+            <a:off x="579472" y="1068035"/>
+            <a:ext cx="4361306" cy="2114125"/>
+          </a:xfrm>
+          <a:prstGeom prst="rect">
+            <a:avLst/>
+          </a:prstGeom>
+        </p:spPr>
+      </p:pic>
     </p:spTree>
     <p:extLst>
       <p:ext uri="{BB962C8B-B14F-4D97-AF65-F5344CB8AC3E}">
@@ -3807,13 +4005,44 @@
           <a:lstStyle/>
           <a:p>
             <a:r>
-              <a:rPr lang="ru-RU" sz="6000" dirty="0" smtClean="0">
-                <a:latin typeface="Times New Roman" panose="02020603050405020304" pitchFamily="18" charset="0"/>
-                <a:cs typeface="Times New Roman" panose="02020603050405020304" pitchFamily="18" charset="0"/>
-              </a:rPr>
-              <a:t>Группы пользователей</a:t>
-            </a:r>
-            <a:endParaRPr lang="ru-RU" sz="6000" dirty="0">
+              <a:rPr lang="ru-RU" sz="6000" dirty="0">
+                <a:latin typeface="Times New Roman" panose="02020603050405020304" pitchFamily="18" charset="0"/>
+                <a:cs typeface="Times New Roman" panose="02020603050405020304" pitchFamily="18" charset="0"/>
+              </a:rPr>
+              <a:t>Требования к приложению</a:t>
+            </a:r>
+            <a:endParaRPr lang="ru-RU" sz="6000" dirty="0"/>
+          </a:p>
+        </p:txBody>
+      </p:sp>
+      <p:sp>
+        <p:nvSpPr>
+          <p:cNvPr id="3" name="Объект 2"/>
+          <p:cNvSpPr>
+            <a:spLocks noGrp="1"/>
+          </p:cNvSpPr>
+          <p:nvPr>
+            <p:ph idx="1"/>
+          </p:nvPr>
+        </p:nvSpPr>
+        <p:spPr/>
+        <p:txBody>
+          <a:bodyPr>
+            <a:normAutofit/>
+          </a:bodyPr>
+          <a:lstStyle/>
+          <a:p>
+            <a:pPr marL="0" indent="0">
+              <a:buNone/>
+            </a:pPr>
+            <a:r>
+              <a:rPr lang="ru-RU" sz="3200" i="1" dirty="0" smtClean="0">
+                <a:latin typeface="Times New Roman" panose="02020603050405020304" pitchFamily="18" charset="0"/>
+                <a:cs typeface="Times New Roman" panose="02020603050405020304" pitchFamily="18" charset="0"/>
+              </a:rPr>
+              <a:t>Архитектура</a:t>
+            </a:r>
+            <a:endParaRPr lang="ru-RU" sz="3200" i="1" dirty="0">
               <a:latin typeface="Times New Roman" panose="02020603050405020304" pitchFamily="18" charset="0"/>
               <a:cs typeface="Times New Roman" panose="02020603050405020304" pitchFamily="18" charset="0"/>
             </a:endParaRPr>
@@ -3822,123 +4051,73 @@
       </p:sp>
       <p:sp>
         <p:nvSpPr>
-          <p:cNvPr id="3" name="Объект 2"/>
-          <p:cNvSpPr>
-            <a:spLocks noGrp="1"/>
-          </p:cNvSpPr>
-          <p:nvPr>
-            <p:ph idx="1"/>
+          <p:cNvPr id="4" name="Номер слайда 3"/>
+          <p:cNvSpPr>
+            <a:spLocks noGrp="1"/>
+          </p:cNvSpPr>
+          <p:nvPr>
+            <p:ph type="sldNum" sz="quarter" idx="12"/>
           </p:nvPr>
         </p:nvSpPr>
         <p:spPr/>
         <p:txBody>
-          <a:bodyPr>
-            <a:normAutofit/>
-          </a:bodyPr>
-          <a:lstStyle/>
-          <a:p>
-            <a:r>
-              <a:rPr lang="ru-RU" sz="3200" dirty="0" smtClean="0">
-                <a:latin typeface="Times New Roman" panose="02020603050405020304" pitchFamily="18" charset="0"/>
-                <a:cs typeface="Times New Roman" panose="02020603050405020304" pitchFamily="18" charset="0"/>
-              </a:rPr>
-              <a:t>Неавторизованный пользователь</a:t>
-            </a:r>
-          </a:p>
-          <a:p>
-            <a:r>
-              <a:rPr lang="ru-RU" sz="3200" dirty="0" smtClean="0">
-                <a:latin typeface="Times New Roman" panose="02020603050405020304" pitchFamily="18" charset="0"/>
-                <a:cs typeface="Times New Roman" panose="02020603050405020304" pitchFamily="18" charset="0"/>
-              </a:rPr>
-              <a:t>Авторизованный пользователь</a:t>
-            </a:r>
-          </a:p>
-          <a:p>
-            <a:pPr lvl="1">
-              <a:buFont typeface="Courier New" panose="02070309020205020404" pitchFamily="49" charset="0"/>
-              <a:buChar char="o"/>
-            </a:pPr>
-            <a:r>
-              <a:rPr lang="ru-RU" sz="3200" dirty="0" smtClean="0">
-                <a:latin typeface="Times New Roman" panose="02020603050405020304" pitchFamily="18" charset="0"/>
-                <a:cs typeface="Times New Roman" panose="02020603050405020304" pitchFamily="18" charset="0"/>
-              </a:rPr>
-              <a:t>Создатель канала</a:t>
-            </a:r>
-          </a:p>
-          <a:p>
-            <a:pPr lvl="1">
-              <a:buFont typeface="Courier New" panose="02070309020205020404" pitchFamily="49" charset="0"/>
-              <a:buChar char="o"/>
-            </a:pPr>
-            <a:r>
-              <a:rPr lang="ru-RU" sz="3200" dirty="0" smtClean="0">
-                <a:latin typeface="Times New Roman" panose="02020603050405020304" pitchFamily="18" charset="0"/>
-                <a:cs typeface="Times New Roman" panose="02020603050405020304" pitchFamily="18" charset="0"/>
-              </a:rPr>
-              <a:t>Администратор канала</a:t>
-            </a:r>
-          </a:p>
-          <a:p>
-            <a:pPr lvl="1">
-              <a:buFont typeface="Courier New" panose="02070309020205020404" pitchFamily="49" charset="0"/>
-              <a:buChar char="o"/>
-            </a:pPr>
-            <a:r>
-              <a:rPr lang="ru-RU" sz="3200" dirty="0" smtClean="0">
-                <a:latin typeface="Times New Roman" panose="02020603050405020304" pitchFamily="18" charset="0"/>
-                <a:cs typeface="Times New Roman" panose="02020603050405020304" pitchFamily="18" charset="0"/>
-              </a:rPr>
-              <a:t>Участника канала</a:t>
-            </a:r>
-            <a:endParaRPr lang="ru-RU" sz="3200" dirty="0">
+          <a:bodyPr/>
+          <a:lstStyle/>
+          <a:p>
+            <a:fld id="{F057AEC9-9E52-4782-943C-911A5C934F5E}" type="slidenum">
+              <a:rPr lang="ru-RU" sz="2000" smtClean="0">
+                <a:latin typeface="Times New Roman" panose="02020603050405020304" pitchFamily="18" charset="0"/>
+                <a:cs typeface="Times New Roman" panose="02020603050405020304" pitchFamily="18" charset="0"/>
+              </a:rPr>
+              <a:t>10</a:t>
+            </a:fld>
+            <a:endParaRPr lang="ru-RU" sz="2000" dirty="0">
               <a:latin typeface="Times New Roman" panose="02020603050405020304" pitchFamily="18" charset="0"/>
               <a:cs typeface="Times New Roman" panose="02020603050405020304" pitchFamily="18" charset="0"/>
             </a:endParaRPr>
           </a:p>
         </p:txBody>
       </p:sp>
-      <p:sp>
-        <p:nvSpPr>
-          <p:cNvPr id="4" name="Номер слайда 3"/>
-          <p:cNvSpPr>
-            <a:spLocks noGrp="1"/>
-          </p:cNvSpPr>
-          <p:nvPr>
-            <p:ph type="sldNum" sz="quarter" idx="12"/>
-          </p:nvPr>
-        </p:nvSpPr>
-        <p:spPr/>
-        <p:txBody>
-          <a:bodyPr/>
-          <a:lstStyle/>
-          <a:p>
-            <a:fld id="{F057AEC9-9E52-4782-943C-911A5C934F5E}" type="slidenum">
-              <a:rPr lang="ru-RU" smtClean="0"/>
-              <a:t>10</a:t>
-            </a:fld>
-            <a:endParaRPr lang="ru-RU"/>
-          </a:p>
-        </p:txBody>
-      </p:sp>
+      <p:pic>
+        <p:nvPicPr>
+          <p:cNvPr id="5" name="Рисунок 4"/>
+          <p:cNvPicPr>
+            <a:picLocks noChangeAspect="1"/>
+          </p:cNvPicPr>
+          <p:nvPr/>
+        </p:nvPicPr>
+        <p:blipFill>
+          <a:blip r:embed="rId2">
+            <a:extLst>
+              <a:ext uri="{28A0092B-C50C-407E-A947-70E740481C1C}">
+                <a14:useLocalDpi xmlns:a14="http://schemas.microsoft.com/office/drawing/2010/main" val="0"/>
+              </a:ext>
+            </a:extLst>
+          </a:blip>
+          <a:stretch>
+            <a:fillRect/>
+          </a:stretch>
+        </p:blipFill>
+        <p:spPr>
+          <a:xfrm>
+            <a:off x="1621766" y="2433212"/>
+            <a:ext cx="8436634" cy="3458630"/>
+          </a:xfrm>
+          <a:prstGeom prst="rect">
+            <a:avLst/>
+          </a:prstGeom>
+        </p:spPr>
+      </p:pic>
     </p:spTree>
     <p:extLst>
       <p:ext uri="{BB962C8B-B14F-4D97-AF65-F5344CB8AC3E}">
-        <p14:creationId xmlns:p14="http://schemas.microsoft.com/office/powerpoint/2010/main" val="2203334534"/>
+        <p14:creationId xmlns:p14="http://schemas.microsoft.com/office/powerpoint/2010/main" val="1998519757"/>
       </p:ext>
     </p:extLst>
   </p:cSld>
   <p:clrMapOvr>
     <a:masterClrMapping/>
   </p:clrMapOvr>
-  <p:timing>
-    <p:tnLst>
-      <p:par>
-        <p:cTn id="1" dur="indefinite" restart="never" nodeType="tmRoot"/>
-      </p:par>
-    </p:tnLst>
-  </p:timing>
 </p:sld>
 </file>
 
@@ -3959,6 +4138,60 @@
           <a:chExt cx="0" cy="0"/>
         </a:xfrm>
       </p:grpSpPr>
+      <p:pic>
+        <p:nvPicPr>
+          <p:cNvPr id="2052" name="Picture 4"/>
+          <p:cNvPicPr>
+            <a:picLocks noChangeAspect="1" noChangeArrowheads="1"/>
+          </p:cNvPicPr>
+          <p:nvPr/>
+        </p:nvPicPr>
+        <p:blipFill>
+          <a:blip r:embed="rId2">
+            <a:extLst>
+              <a:ext uri="{28A0092B-C50C-407E-A947-70E740481C1C}">
+                <a14:useLocalDpi xmlns:a14="http://schemas.microsoft.com/office/drawing/2010/main" val="0"/>
+              </a:ext>
+            </a:extLst>
+          </a:blip>
+          <a:srcRect/>
+          <a:stretch>
+            <a:fillRect/>
+          </a:stretch>
+        </p:blipFill>
+        <p:spPr bwMode="auto">
+          <a:xfrm>
+            <a:off x="3057526" y="2264057"/>
+            <a:ext cx="6353174" cy="4138352"/>
+          </a:xfrm>
+          <a:prstGeom prst="rect">
+            <a:avLst/>
+          </a:prstGeom>
+          <a:noFill/>
+          <a:ln>
+            <a:noFill/>
+          </a:ln>
+          <a:extLst>
+            <a:ext uri="{909E8E84-426E-40DD-AFC4-6F175D3DCCD1}">
+              <a14:hiddenFill xmlns:a14="http://schemas.microsoft.com/office/drawing/2010/main">
+                <a:solidFill>
+                  <a:schemeClr val="accent1"/>
+                </a:solidFill>
+              </a14:hiddenFill>
+            </a:ext>
+            <a:ext uri="{91240B29-F687-4F45-9708-019B960494DF}">
+              <a14:hiddenLine xmlns:a14="http://schemas.microsoft.com/office/drawing/2010/main" w="9525">
+                <a:solidFill>
+                  <a:schemeClr val="tx1"/>
+                </a:solidFill>
+                <a:miter lim="800000"/>
+                <a:headEnd/>
+                <a:tailEnd/>
+              </a14:hiddenLine>
+            </a:ext>
+          </a:extLst>
+        </p:spPr>
+      </p:pic>
       <p:sp>
         <p:nvSpPr>
           <p:cNvPr id="2" name="Заголовок 1"/>
@@ -3969,15 +4202,10 @@
             <p:ph type="title"/>
           </p:nvPr>
         </p:nvSpPr>
-        <p:spPr>
-          <a:xfrm>
-            <a:off x="258792" y="227103"/>
-            <a:ext cx="11809563" cy="1325563"/>
-          </a:xfrm>
-        </p:spPr>
+        <p:spPr/>
         <p:txBody>
           <a:bodyPr>
-            <a:noAutofit/>
+            <a:normAutofit/>
           </a:bodyPr>
           <a:lstStyle/>
           <a:p>
@@ -3986,7 +4214,7 @@
                 <a:latin typeface="Times New Roman" panose="02020603050405020304" pitchFamily="18" charset="0"/>
                 <a:cs typeface="Times New Roman" panose="02020603050405020304" pitchFamily="18" charset="0"/>
               </a:rPr>
-              <a:t>Перспективы развития приложения</a:t>
+              <a:t>Реализация</a:t>
             </a:r>
             <a:endParaRPr lang="ru-RU" sz="6000" dirty="0">
               <a:latin typeface="Times New Roman" panose="02020603050405020304" pitchFamily="18" charset="0"/>
@@ -4007,8 +4235,8 @@
         </p:nvSpPr>
         <p:spPr>
           <a:xfrm>
-            <a:off x="258792" y="1975360"/>
-            <a:ext cx="11933208" cy="4351338"/>
+            <a:off x="838200" y="1825625"/>
+            <a:ext cx="10515600" cy="4718050"/>
           </a:xfrm>
         </p:spPr>
         <p:txBody>
@@ -4017,76 +4245,22 @@
           </a:bodyPr>
           <a:lstStyle/>
           <a:p>
-            <a:r>
-              <a:rPr lang="ru-RU" sz="3200" dirty="0">
-                <a:latin typeface="Times New Roman" panose="02020603050405020304" pitchFamily="18" charset="0"/>
-                <a:cs typeface="Times New Roman" panose="02020603050405020304" pitchFamily="18" charset="0"/>
-              </a:rPr>
-              <a:t>Д</a:t>
-            </a:r>
-            <a:r>
-              <a:rPr lang="ru-RU" sz="3200" dirty="0" smtClean="0">
-                <a:latin typeface="Times New Roman" panose="02020603050405020304" pitchFamily="18" charset="0"/>
-                <a:cs typeface="Times New Roman" panose="02020603050405020304" pitchFamily="18" charset="0"/>
-              </a:rPr>
-              <a:t>обавление функций </a:t>
-            </a:r>
-            <a:r>
-              <a:rPr lang="ru-RU" sz="3200" dirty="0">
-                <a:latin typeface="Times New Roman" panose="02020603050405020304" pitchFamily="18" charset="0"/>
-                <a:cs typeface="Times New Roman" panose="02020603050405020304" pitchFamily="18" charset="0"/>
-              </a:rPr>
-              <a:t>для поиска и фильтрации </a:t>
-            </a:r>
-            <a:r>
-              <a:rPr lang="ru-RU" sz="3200" dirty="0" smtClean="0">
-                <a:latin typeface="Times New Roman" panose="02020603050405020304" pitchFamily="18" charset="0"/>
-                <a:cs typeface="Times New Roman" panose="02020603050405020304" pitchFamily="18" charset="0"/>
-              </a:rPr>
-              <a:t>сообщений</a:t>
-            </a:r>
-          </a:p>
-          <a:p>
-            <a:r>
-              <a:rPr lang="ru-RU" sz="3200" dirty="0" smtClean="0">
-                <a:latin typeface="Times New Roman" panose="02020603050405020304" pitchFamily="18" charset="0"/>
-                <a:cs typeface="Times New Roman" panose="02020603050405020304" pitchFamily="18" charset="0"/>
-              </a:rPr>
-              <a:t>Внедрения локальной </a:t>
-            </a:r>
-            <a:r>
-              <a:rPr lang="ru-RU" sz="3200" dirty="0" err="1" smtClean="0">
-                <a:latin typeface="Times New Roman" panose="02020603050405020304" pitchFamily="18" charset="0"/>
-                <a:cs typeface="Times New Roman" panose="02020603050405020304" pitchFamily="18" charset="0"/>
-              </a:rPr>
-              <a:t>модерации</a:t>
-            </a:r>
-            <a:r>
-              <a:rPr lang="ru-RU" sz="3200" dirty="0" smtClean="0">
-                <a:latin typeface="Times New Roman" panose="02020603050405020304" pitchFamily="18" charset="0"/>
-                <a:cs typeface="Times New Roman" panose="02020603050405020304" pitchFamily="18" charset="0"/>
-              </a:rPr>
-              <a:t> контента и системы репортов для каналов</a:t>
-            </a:r>
-          </a:p>
-          <a:p>
-            <a:r>
-              <a:rPr lang="ru-RU" sz="3200" dirty="0" smtClean="0">
-                <a:latin typeface="Times New Roman" panose="02020603050405020304" pitchFamily="18" charset="0"/>
-                <a:cs typeface="Times New Roman" panose="02020603050405020304" pitchFamily="18" charset="0"/>
-              </a:rPr>
-              <a:t>Внедрение системы обмена медиа-файлами</a:t>
-            </a:r>
-          </a:p>
-          <a:p>
-            <a:r>
-              <a:rPr lang="ru-RU" sz="3200" dirty="0" smtClean="0">
-                <a:latin typeface="Times New Roman" panose="02020603050405020304" pitchFamily="18" charset="0"/>
-                <a:cs typeface="Times New Roman" panose="02020603050405020304" pitchFamily="18" charset="0"/>
-              </a:rPr>
-              <a:t>Перенос веб-архитектуры на мобильное устройство</a:t>
-            </a:r>
-            <a:endParaRPr lang="ru-RU" sz="3200" dirty="0">
+            <a:pPr marL="0" indent="0">
+              <a:buNone/>
+            </a:pPr>
+            <a:r>
+              <a:rPr lang="ru-RU" sz="3200" i="1" dirty="0" smtClean="0">
+                <a:latin typeface="Times New Roman" panose="02020603050405020304" pitchFamily="18" charset="0"/>
+                <a:cs typeface="Times New Roman" panose="02020603050405020304" pitchFamily="18" charset="0"/>
+              </a:rPr>
+              <a:t>Главная экран авторизованного пользователя</a:t>
+            </a:r>
+          </a:p>
+          <a:p>
+            <a:pPr marL="0" indent="0">
+              <a:buNone/>
+            </a:pPr>
+            <a:endParaRPr lang="ru-RU" sz="3200" i="1" dirty="0">
               <a:latin typeface="Times New Roman" panose="02020603050405020304" pitchFamily="18" charset="0"/>
               <a:cs typeface="Times New Roman" panose="02020603050405020304" pitchFamily="18" charset="0"/>
             </a:endParaRPr>
@@ -4095,7 +4269,7 @@
       </p:sp>
       <p:sp>
         <p:nvSpPr>
-          <p:cNvPr id="5" name="Номер слайда 4"/>
+          <p:cNvPr id="4" name="Номер слайда 3"/>
           <p:cNvSpPr>
             <a:spLocks noGrp="1"/>
           </p:cNvSpPr>
@@ -4109,13 +4283,13 @@
           <a:lstStyle/>
           <a:p>
             <a:fld id="{F057AEC9-9E52-4782-943C-911A5C934F5E}" type="slidenum">
-              <a:rPr lang="ru-RU" sz="3200" smtClean="0">
+              <a:rPr lang="ru-RU" sz="2000" smtClean="0">
                 <a:latin typeface="Times New Roman" panose="02020603050405020304" pitchFamily="18" charset="0"/>
                 <a:cs typeface="Times New Roman" panose="02020603050405020304" pitchFamily="18" charset="0"/>
               </a:rPr>
               <a:t>11</a:t>
             </a:fld>
-            <a:endParaRPr lang="ru-RU" sz="3200" dirty="0">
+            <a:endParaRPr lang="ru-RU" sz="2000" dirty="0">
               <a:latin typeface="Times New Roman" panose="02020603050405020304" pitchFamily="18" charset="0"/>
               <a:cs typeface="Times New Roman" panose="02020603050405020304" pitchFamily="18" charset="0"/>
             </a:endParaRPr>
@@ -4125,7 +4299,7 @@
     </p:spTree>
     <p:extLst>
       <p:ext uri="{BB962C8B-B14F-4D97-AF65-F5344CB8AC3E}">
-        <p14:creationId xmlns:p14="http://schemas.microsoft.com/office/powerpoint/2010/main" val="1634404106"/>
+        <p14:creationId xmlns:p14="http://schemas.microsoft.com/office/powerpoint/2010/main" val="2402106762"/>
       </p:ext>
     </p:extLst>
   </p:cSld>
@@ -4177,13 +4351,44 @@
           <a:lstStyle/>
           <a:p>
             <a:r>
-              <a:rPr lang="ru-RU" sz="6000" dirty="0" smtClean="0">
-                <a:latin typeface="Times New Roman" panose="02020603050405020304" pitchFamily="18" charset="0"/>
-                <a:cs typeface="Times New Roman" panose="02020603050405020304" pitchFamily="18" charset="0"/>
-              </a:rPr>
-              <a:t>Контактная информация</a:t>
-            </a:r>
-            <a:endParaRPr lang="ru-RU" sz="6000" dirty="0">
+              <a:rPr lang="ru-RU" sz="6000" dirty="0">
+                <a:latin typeface="Times New Roman" panose="02020603050405020304" pitchFamily="18" charset="0"/>
+                <a:cs typeface="Times New Roman" panose="02020603050405020304" pitchFamily="18" charset="0"/>
+              </a:rPr>
+              <a:t>Реализация</a:t>
+            </a:r>
+            <a:endParaRPr lang="ru-RU" sz="6000" dirty="0"/>
+          </a:p>
+        </p:txBody>
+      </p:sp>
+      <p:sp>
+        <p:nvSpPr>
+          <p:cNvPr id="3" name="Объект 2"/>
+          <p:cNvSpPr>
+            <a:spLocks noGrp="1"/>
+          </p:cNvSpPr>
+          <p:nvPr>
+            <p:ph idx="1"/>
+          </p:nvPr>
+        </p:nvSpPr>
+        <p:spPr/>
+        <p:txBody>
+          <a:bodyPr>
+            <a:normAutofit/>
+          </a:bodyPr>
+          <a:lstStyle/>
+          <a:p>
+            <a:pPr marL="0" indent="0">
+              <a:buNone/>
+            </a:pPr>
+            <a:r>
+              <a:rPr lang="ru-RU" sz="3200" i="1" dirty="0" smtClean="0">
+                <a:latin typeface="Times New Roman" panose="02020603050405020304" pitchFamily="18" charset="0"/>
+                <a:cs typeface="Times New Roman" panose="02020603050405020304" pitchFamily="18" charset="0"/>
+              </a:rPr>
+              <a:t>Экран профиля</a:t>
+            </a:r>
+            <a:endParaRPr lang="ru-RU" sz="3200" i="1" dirty="0">
               <a:latin typeface="Times New Roman" panose="02020603050405020304" pitchFamily="18" charset="0"/>
               <a:cs typeface="Times New Roman" panose="02020603050405020304" pitchFamily="18" charset="0"/>
             </a:endParaRPr>
@@ -4192,139 +4397,91 @@
       </p:sp>
       <p:sp>
         <p:nvSpPr>
-          <p:cNvPr id="3" name="Объект 2"/>
-          <p:cNvSpPr>
-            <a:spLocks noGrp="1"/>
-          </p:cNvSpPr>
-          <p:nvPr>
-            <p:ph idx="1"/>
-          </p:nvPr>
-        </p:nvSpPr>
-        <p:spPr>
-          <a:xfrm>
-            <a:off x="838200" y="2153429"/>
-            <a:ext cx="11057626" cy="4351338"/>
-          </a:xfrm>
-        </p:spPr>
-        <p:txBody>
-          <a:bodyPr>
-            <a:normAutofit/>
-          </a:bodyPr>
-          <a:lstStyle/>
-          <a:p>
-            <a:r>
-              <a:rPr lang="ru-RU" sz="3200" dirty="0" smtClean="0">
-                <a:latin typeface="Times New Roman" panose="02020603050405020304" pitchFamily="18" charset="0"/>
-                <a:cs typeface="Times New Roman" panose="02020603050405020304" pitchFamily="18" charset="0"/>
-              </a:rPr>
-              <a:t>Ставер Илья Владимирович – </a:t>
-            </a:r>
-            <a:r>
-              <a:rPr lang="en-US" sz="3200" u="sng" dirty="0" smtClean="0">
-                <a:solidFill>
-                  <a:schemeClr val="accent1">
-                    <a:lumMod val="75000"/>
-                  </a:schemeClr>
-                </a:solidFill>
-                <a:latin typeface="Times New Roman" panose="02020603050405020304" pitchFamily="18" charset="0"/>
-                <a:cs typeface="Times New Roman" panose="02020603050405020304" pitchFamily="18" charset="0"/>
-              </a:rPr>
-              <a:t>ilia.stavier@mail.ru</a:t>
-            </a:r>
-            <a:endParaRPr lang="ru-RU" sz="3200" u="sng" dirty="0" smtClean="0">
-              <a:solidFill>
-                <a:schemeClr val="accent1">
-                  <a:lumMod val="75000"/>
-                </a:schemeClr>
-              </a:solidFill>
+          <p:cNvPr id="4" name="Номер слайда 3"/>
+          <p:cNvSpPr>
+            <a:spLocks noGrp="1"/>
+          </p:cNvSpPr>
+          <p:nvPr>
+            <p:ph type="sldNum" sz="quarter" idx="12"/>
+          </p:nvPr>
+        </p:nvSpPr>
+        <p:spPr/>
+        <p:txBody>
+          <a:bodyPr/>
+          <a:lstStyle/>
+          <a:p>
+            <a:fld id="{F057AEC9-9E52-4782-943C-911A5C934F5E}" type="slidenum">
+              <a:rPr lang="ru-RU" sz="2000" smtClean="0">
+                <a:latin typeface="Times New Roman" panose="02020603050405020304" pitchFamily="18" charset="0"/>
+                <a:cs typeface="Times New Roman" panose="02020603050405020304" pitchFamily="18" charset="0"/>
+              </a:rPr>
+              <a:t>12</a:t>
+            </a:fld>
+            <a:endParaRPr lang="ru-RU" sz="2000" dirty="0">
               <a:latin typeface="Times New Roman" panose="02020603050405020304" pitchFamily="18" charset="0"/>
               <a:cs typeface="Times New Roman" panose="02020603050405020304" pitchFamily="18" charset="0"/>
             </a:endParaRPr>
           </a:p>
-          <a:p>
-            <a:r>
-              <a:rPr lang="ru-RU" sz="3200" dirty="0" err="1" smtClean="0">
-                <a:latin typeface="Times New Roman" panose="02020603050405020304" pitchFamily="18" charset="0"/>
-                <a:cs typeface="Times New Roman" panose="02020603050405020304" pitchFamily="18" charset="0"/>
-              </a:rPr>
-              <a:t>Шеменев</a:t>
-            </a:r>
-            <a:r>
-              <a:rPr lang="ru-RU" sz="3200" dirty="0" smtClean="0">
-                <a:latin typeface="Times New Roman" panose="02020603050405020304" pitchFamily="18" charset="0"/>
-                <a:cs typeface="Times New Roman" panose="02020603050405020304" pitchFamily="18" charset="0"/>
-              </a:rPr>
-              <a:t> Михаил Денисович - </a:t>
-            </a:r>
-            <a:r>
-              <a:rPr lang="en-US" sz="3200" dirty="0">
-                <a:latin typeface="Times New Roman" panose="02020603050405020304" pitchFamily="18" charset="0"/>
-                <a:cs typeface="Times New Roman" panose="02020603050405020304" pitchFamily="18" charset="0"/>
-                <a:hlinkClick r:id="rId2"/>
-              </a:rPr>
-              <a:t>Fiz-mat228@yandex.ru</a:t>
-            </a:r>
-            <a:endParaRPr lang="ru-RU" sz="3200" dirty="0" smtClean="0">
-              <a:latin typeface="Times New Roman" panose="02020603050405020304" pitchFamily="18" charset="0"/>
-              <a:cs typeface="Times New Roman" panose="02020603050405020304" pitchFamily="18" charset="0"/>
-            </a:endParaRPr>
-          </a:p>
-          <a:p>
-            <a:r>
-              <a:rPr lang="ru-RU" sz="3200" dirty="0" smtClean="0">
-                <a:latin typeface="Times New Roman" panose="02020603050405020304" pitchFamily="18" charset="0"/>
-                <a:cs typeface="Times New Roman" panose="02020603050405020304" pitchFamily="18" charset="0"/>
-              </a:rPr>
-              <a:t>Попов Максим Романович - </a:t>
-            </a:r>
-            <a:r>
-              <a:rPr lang="en-US" sz="3200" dirty="0">
-                <a:latin typeface="Times New Roman" panose="02020603050405020304" pitchFamily="18" charset="0"/>
-                <a:cs typeface="Times New Roman" panose="02020603050405020304" pitchFamily="18" charset="0"/>
-                <a:hlinkClick r:id="rId3"/>
-              </a:rPr>
-              <a:t>maxim.popov1234@mail.ru</a:t>
-            </a:r>
-            <a:endParaRPr lang="ru-RU" sz="3200" dirty="0">
-              <a:latin typeface="Times New Roman" panose="02020603050405020304" pitchFamily="18" charset="0"/>
-              <a:cs typeface="Times New Roman" panose="02020603050405020304" pitchFamily="18" charset="0"/>
-            </a:endParaRPr>
-          </a:p>
-        </p:txBody>
-      </p:sp>
-      <p:sp>
-        <p:nvSpPr>
-          <p:cNvPr id="5" name="Номер слайда 4"/>
-          <p:cNvSpPr>
-            <a:spLocks noGrp="1"/>
-          </p:cNvSpPr>
-          <p:nvPr>
-            <p:ph type="sldNum" sz="quarter" idx="12"/>
-          </p:nvPr>
-        </p:nvSpPr>
-        <p:spPr/>
-        <p:txBody>
-          <a:bodyPr/>
-          <a:lstStyle/>
-          <a:p>
-            <a:fld id="{F057AEC9-9E52-4782-943C-911A5C934F5E}" type="slidenum">
-              <a:rPr lang="ru-RU" sz="3200" smtClean="0">
-                <a:latin typeface="Times New Roman" panose="02020603050405020304" pitchFamily="18" charset="0"/>
-                <a:cs typeface="Times New Roman" panose="02020603050405020304" pitchFamily="18" charset="0"/>
-              </a:rPr>
-              <a:t>12</a:t>
-            </a:fld>
-            <a:endParaRPr lang="ru-RU" sz="3200" dirty="0">
-              <a:latin typeface="Times New Roman" panose="02020603050405020304" pitchFamily="18" charset="0"/>
-              <a:cs typeface="Times New Roman" panose="02020603050405020304" pitchFamily="18" charset="0"/>
-            </a:endParaRPr>
-          </a:p>
-        </p:txBody>
-      </p:sp>
+        </p:txBody>
+      </p:sp>
+      <p:pic>
+        <p:nvPicPr>
+          <p:cNvPr id="3074" name="Picture 2"/>
+          <p:cNvPicPr>
+            <a:picLocks noChangeAspect="1" noChangeArrowheads="1"/>
+          </p:cNvPicPr>
+          <p:nvPr/>
+        </p:nvPicPr>
+        <p:blipFill>
+          <a:blip r:embed="rId2">
+            <a:extLst>
+              <a:ext uri="{28A0092B-C50C-407E-A947-70E740481C1C}">
+                <a14:useLocalDpi xmlns:a14="http://schemas.microsoft.com/office/drawing/2010/main" val="0"/>
+              </a:ext>
+            </a:extLst>
+          </a:blip>
+          <a:srcRect/>
+          <a:stretch>
+            <a:fillRect/>
+          </a:stretch>
+        </p:blipFill>
+        <p:spPr bwMode="auto">
+          <a:xfrm>
+            <a:off x="3181350" y="2315000"/>
+            <a:ext cx="6415088" cy="4178682"/>
+          </a:xfrm>
+          <a:prstGeom prst="rect">
+            <a:avLst/>
+          </a:prstGeom>
+          <a:noFill/>
+          <a:ln>
+            <a:noFill/>
+          </a:ln>
+          <a:extLst>
+            <a:ext uri="{909E8E84-426E-40DD-AFC4-6F175D3DCCD1}">
+              <a14:hiddenFill xmlns:a14="http://schemas.microsoft.com/office/drawing/2010/main">
+                <a:solidFill>
+                  <a:schemeClr val="accent1"/>
+                </a:solidFill>
+              </a14:hiddenFill>
+            </a:ext>
+            <a:ext uri="{91240B29-F687-4F45-9708-019B960494DF}">
+              <a14:hiddenLine xmlns:a14="http://schemas.microsoft.com/office/drawing/2010/main" w="9525">
+                <a:solidFill>
+                  <a:schemeClr val="tx1"/>
+                </a:solidFill>
+                <a:miter lim="800000"/>
+                <a:headEnd/>
+                <a:tailEnd/>
+              </a14:hiddenLine>
+            </a:ext>
+          </a:extLst>
+        </p:spPr>
+      </p:pic>
     </p:spTree>
     <p:extLst>
       <p:ext uri="{BB962C8B-B14F-4D97-AF65-F5344CB8AC3E}">
-        <p14:creationId xmlns:p14="http://schemas.microsoft.com/office/powerpoint/2010/main" val="1868998855"/>
+        <p14:creationId xmlns:p14="http://schemas.microsoft.com/office/powerpoint/2010/main" val="436050047"/>
       </p:ext>
     </p:extLst>
   </p:cSld>
@@ -4338,6 +4495,1675 @@
       </p:par>
     </p:tnLst>
   </p:timing>
+</p:sld>
+</file>
+
+<file path=ppt/slides/slide13.xml><?xml version="1.0" encoding="utf-8"?>
+<p:sld xmlns:a="http://schemas.openxmlformats.org/drawingml/2006/main" xmlns:r="http://schemas.openxmlformats.org/officeDocument/2006/relationships" xmlns:p="http://schemas.openxmlformats.org/presentationml/2006/main">
+  <p:cSld>
+    <p:spTree>
+      <p:nvGrpSpPr>
+        <p:cNvPr id="1" name=""/>
+        <p:cNvGrpSpPr/>
+        <p:nvPr/>
+      </p:nvGrpSpPr>
+      <p:grpSpPr>
+        <a:xfrm>
+          <a:off x="0" y="0"/>
+          <a:ext cx="0" cy="0"/>
+          <a:chOff x="0" y="0"/>
+          <a:chExt cx="0" cy="0"/>
+        </a:xfrm>
+      </p:grpSpPr>
+      <p:sp>
+        <p:nvSpPr>
+          <p:cNvPr id="2" name="Заголовок 1"/>
+          <p:cNvSpPr>
+            <a:spLocks noGrp="1"/>
+          </p:cNvSpPr>
+          <p:nvPr>
+            <p:ph type="title"/>
+          </p:nvPr>
+        </p:nvSpPr>
+        <p:spPr/>
+        <p:txBody>
+          <a:bodyPr>
+            <a:normAutofit/>
+          </a:bodyPr>
+          <a:lstStyle/>
+          <a:p>
+            <a:r>
+              <a:rPr lang="ru-RU" sz="6000" dirty="0" smtClean="0">
+                <a:latin typeface="Times New Roman" panose="02020603050405020304" pitchFamily="18" charset="0"/>
+                <a:cs typeface="Times New Roman" panose="02020603050405020304" pitchFamily="18" charset="0"/>
+              </a:rPr>
+              <a:t>Реализация</a:t>
+            </a:r>
+            <a:endParaRPr lang="ru-RU" sz="6000" dirty="0">
+              <a:latin typeface="Times New Roman" panose="02020603050405020304" pitchFamily="18" charset="0"/>
+              <a:cs typeface="Times New Roman" panose="02020603050405020304" pitchFamily="18" charset="0"/>
+            </a:endParaRPr>
+          </a:p>
+        </p:txBody>
+      </p:sp>
+      <p:sp>
+        <p:nvSpPr>
+          <p:cNvPr id="3" name="Объект 2"/>
+          <p:cNvSpPr>
+            <a:spLocks noGrp="1"/>
+          </p:cNvSpPr>
+          <p:nvPr>
+            <p:ph idx="1"/>
+          </p:nvPr>
+        </p:nvSpPr>
+        <p:spPr/>
+        <p:txBody>
+          <a:bodyPr>
+            <a:normAutofit/>
+          </a:bodyPr>
+          <a:lstStyle/>
+          <a:p>
+            <a:pPr marL="0" indent="0">
+              <a:buNone/>
+            </a:pPr>
+            <a:r>
+              <a:rPr lang="ru-RU" sz="3200" i="1" dirty="0" smtClean="0">
+                <a:latin typeface="Times New Roman" panose="02020603050405020304" pitchFamily="18" charset="0"/>
+                <a:cs typeface="Times New Roman" panose="02020603050405020304" pitchFamily="18" charset="0"/>
+              </a:rPr>
+              <a:t>Экран канала</a:t>
+            </a:r>
+          </a:p>
+          <a:p>
+            <a:pPr marL="0" indent="0">
+              <a:buNone/>
+            </a:pPr>
+            <a:endParaRPr lang="ru-RU" sz="3200" i="1" dirty="0">
+              <a:latin typeface="Times New Roman" panose="02020603050405020304" pitchFamily="18" charset="0"/>
+              <a:cs typeface="Times New Roman" panose="02020603050405020304" pitchFamily="18" charset="0"/>
+            </a:endParaRPr>
+          </a:p>
+        </p:txBody>
+      </p:sp>
+      <p:sp>
+        <p:nvSpPr>
+          <p:cNvPr id="4" name="Номер слайда 3"/>
+          <p:cNvSpPr>
+            <a:spLocks noGrp="1"/>
+          </p:cNvSpPr>
+          <p:nvPr>
+            <p:ph type="sldNum" sz="quarter" idx="12"/>
+          </p:nvPr>
+        </p:nvSpPr>
+        <p:spPr/>
+        <p:txBody>
+          <a:bodyPr/>
+          <a:lstStyle/>
+          <a:p>
+            <a:fld id="{F057AEC9-9E52-4782-943C-911A5C934F5E}" type="slidenum">
+              <a:rPr lang="ru-RU" sz="2000" smtClean="0">
+                <a:latin typeface="Times New Roman" panose="02020603050405020304" pitchFamily="18" charset="0"/>
+                <a:cs typeface="Times New Roman" panose="02020603050405020304" pitchFamily="18" charset="0"/>
+              </a:rPr>
+              <a:t>13</a:t>
+            </a:fld>
+            <a:endParaRPr lang="ru-RU" sz="2000" dirty="0">
+              <a:latin typeface="Times New Roman" panose="02020603050405020304" pitchFamily="18" charset="0"/>
+              <a:cs typeface="Times New Roman" panose="02020603050405020304" pitchFamily="18" charset="0"/>
+            </a:endParaRPr>
+          </a:p>
+        </p:txBody>
+      </p:sp>
+      <p:pic>
+        <p:nvPicPr>
+          <p:cNvPr id="4098" name="Picture 2"/>
+          <p:cNvPicPr>
+            <a:picLocks noChangeAspect="1" noChangeArrowheads="1"/>
+          </p:cNvPicPr>
+          <p:nvPr/>
+        </p:nvPicPr>
+        <p:blipFill>
+          <a:blip r:embed="rId2">
+            <a:extLst>
+              <a:ext uri="{28A0092B-C50C-407E-A947-70E740481C1C}">
+                <a14:useLocalDpi xmlns:a14="http://schemas.microsoft.com/office/drawing/2010/main" val="0"/>
+              </a:ext>
+            </a:extLst>
+          </a:blip>
+          <a:srcRect/>
+          <a:stretch>
+            <a:fillRect/>
+          </a:stretch>
+        </p:blipFill>
+        <p:spPr bwMode="auto">
+          <a:xfrm>
+            <a:off x="3257550" y="2310322"/>
+            <a:ext cx="6376988" cy="4195253"/>
+          </a:xfrm>
+          <a:prstGeom prst="rect">
+            <a:avLst/>
+          </a:prstGeom>
+          <a:noFill/>
+          <a:ln>
+            <a:noFill/>
+          </a:ln>
+          <a:extLst>
+            <a:ext uri="{909E8E84-426E-40DD-AFC4-6F175D3DCCD1}">
+              <a14:hiddenFill xmlns:a14="http://schemas.microsoft.com/office/drawing/2010/main">
+                <a:solidFill>
+                  <a:schemeClr val="accent1"/>
+                </a:solidFill>
+              </a14:hiddenFill>
+            </a:ext>
+            <a:ext uri="{91240B29-F687-4F45-9708-019B960494DF}">
+              <a14:hiddenLine xmlns:a14="http://schemas.microsoft.com/office/drawing/2010/main" w="9525">
+                <a:solidFill>
+                  <a:schemeClr val="tx1"/>
+                </a:solidFill>
+                <a:miter lim="800000"/>
+                <a:headEnd/>
+                <a:tailEnd/>
+              </a14:hiddenLine>
+            </a:ext>
+          </a:extLst>
+        </p:spPr>
+      </p:pic>
+    </p:spTree>
+    <p:extLst>
+      <p:ext uri="{BB962C8B-B14F-4D97-AF65-F5344CB8AC3E}">
+        <p14:creationId xmlns:p14="http://schemas.microsoft.com/office/powerpoint/2010/main" val="3175403171"/>
+      </p:ext>
+    </p:extLst>
+  </p:cSld>
+  <p:clrMapOvr>
+    <a:masterClrMapping/>
+  </p:clrMapOvr>
+</p:sld>
+</file>
+
+<file path=ppt/slides/slide14.xml><?xml version="1.0" encoding="utf-8"?>
+<p:sld xmlns:a="http://schemas.openxmlformats.org/drawingml/2006/main" xmlns:r="http://schemas.openxmlformats.org/officeDocument/2006/relationships" xmlns:p="http://schemas.openxmlformats.org/presentationml/2006/main">
+  <p:cSld>
+    <p:spTree>
+      <p:nvGrpSpPr>
+        <p:cNvPr id="1" name=""/>
+        <p:cNvGrpSpPr/>
+        <p:nvPr/>
+      </p:nvGrpSpPr>
+      <p:grpSpPr>
+        <a:xfrm>
+          <a:off x="0" y="0"/>
+          <a:ext cx="0" cy="0"/>
+          <a:chOff x="0" y="0"/>
+          <a:chExt cx="0" cy="0"/>
+        </a:xfrm>
+      </p:grpSpPr>
+      <p:sp>
+        <p:nvSpPr>
+          <p:cNvPr id="2" name="Заголовок 1"/>
+          <p:cNvSpPr>
+            <a:spLocks noGrp="1"/>
+          </p:cNvSpPr>
+          <p:nvPr>
+            <p:ph type="title"/>
+          </p:nvPr>
+        </p:nvSpPr>
+        <p:spPr/>
+        <p:txBody>
+          <a:bodyPr>
+            <a:normAutofit/>
+          </a:bodyPr>
+          <a:lstStyle/>
+          <a:p>
+            <a:r>
+              <a:rPr lang="ru-RU" sz="6000" dirty="0" smtClean="0">
+                <a:latin typeface="Times New Roman" panose="02020603050405020304" pitchFamily="18" charset="0"/>
+                <a:cs typeface="Times New Roman" panose="02020603050405020304" pitchFamily="18" charset="0"/>
+              </a:rPr>
+              <a:t>Реализация</a:t>
+            </a:r>
+            <a:endParaRPr lang="ru-RU" sz="6000" dirty="0">
+              <a:latin typeface="Times New Roman" panose="02020603050405020304" pitchFamily="18" charset="0"/>
+              <a:cs typeface="Times New Roman" panose="02020603050405020304" pitchFamily="18" charset="0"/>
+            </a:endParaRPr>
+          </a:p>
+        </p:txBody>
+      </p:sp>
+      <p:sp>
+        <p:nvSpPr>
+          <p:cNvPr id="3" name="Объект 2"/>
+          <p:cNvSpPr>
+            <a:spLocks noGrp="1"/>
+          </p:cNvSpPr>
+          <p:nvPr>
+            <p:ph idx="1"/>
+          </p:nvPr>
+        </p:nvSpPr>
+        <p:spPr/>
+        <p:txBody>
+          <a:bodyPr>
+            <a:normAutofit/>
+          </a:bodyPr>
+          <a:lstStyle/>
+          <a:p>
+            <a:pPr marL="0" indent="0">
+              <a:buNone/>
+            </a:pPr>
+            <a:r>
+              <a:rPr lang="ru-RU" sz="3200" i="1" dirty="0" smtClean="0">
+                <a:latin typeface="Times New Roman" panose="02020603050405020304" pitchFamily="18" charset="0"/>
+                <a:cs typeface="Times New Roman" panose="02020603050405020304" pitchFamily="18" charset="0"/>
+              </a:rPr>
+              <a:t>Экран настроек канала</a:t>
+            </a:r>
+            <a:endParaRPr lang="ru-RU" sz="3200" i="1" dirty="0">
+              <a:latin typeface="Times New Roman" panose="02020603050405020304" pitchFamily="18" charset="0"/>
+              <a:cs typeface="Times New Roman" panose="02020603050405020304" pitchFamily="18" charset="0"/>
+            </a:endParaRPr>
+          </a:p>
+        </p:txBody>
+      </p:sp>
+      <p:sp>
+        <p:nvSpPr>
+          <p:cNvPr id="4" name="Номер слайда 3"/>
+          <p:cNvSpPr>
+            <a:spLocks noGrp="1"/>
+          </p:cNvSpPr>
+          <p:nvPr>
+            <p:ph type="sldNum" sz="quarter" idx="12"/>
+          </p:nvPr>
+        </p:nvSpPr>
+        <p:spPr/>
+        <p:txBody>
+          <a:bodyPr/>
+          <a:lstStyle/>
+          <a:p>
+            <a:fld id="{F057AEC9-9E52-4782-943C-911A5C934F5E}" type="slidenum">
+              <a:rPr lang="ru-RU" sz="2000" smtClean="0">
+                <a:latin typeface="Times New Roman" panose="02020603050405020304" pitchFamily="18" charset="0"/>
+                <a:cs typeface="Times New Roman" panose="02020603050405020304" pitchFamily="18" charset="0"/>
+              </a:rPr>
+              <a:t>14</a:t>
+            </a:fld>
+            <a:endParaRPr lang="ru-RU" sz="2000" dirty="0">
+              <a:latin typeface="Times New Roman" panose="02020603050405020304" pitchFamily="18" charset="0"/>
+              <a:cs typeface="Times New Roman" panose="02020603050405020304" pitchFamily="18" charset="0"/>
+            </a:endParaRPr>
+          </a:p>
+        </p:txBody>
+      </p:sp>
+      <p:pic>
+        <p:nvPicPr>
+          <p:cNvPr id="5122" name="Picture 2"/>
+          <p:cNvPicPr>
+            <a:picLocks noChangeAspect="1" noChangeArrowheads="1"/>
+          </p:cNvPicPr>
+          <p:nvPr/>
+        </p:nvPicPr>
+        <p:blipFill>
+          <a:blip r:embed="rId2">
+            <a:extLst>
+              <a:ext uri="{28A0092B-C50C-407E-A947-70E740481C1C}">
+                <a14:useLocalDpi xmlns:a14="http://schemas.microsoft.com/office/drawing/2010/main" val="0"/>
+              </a:ext>
+            </a:extLst>
+          </a:blip>
+          <a:srcRect/>
+          <a:stretch>
+            <a:fillRect/>
+          </a:stretch>
+        </p:blipFill>
+        <p:spPr bwMode="auto">
+          <a:xfrm>
+            <a:off x="3162300" y="2290063"/>
+            <a:ext cx="6286499" cy="4091686"/>
+          </a:xfrm>
+          <a:prstGeom prst="rect">
+            <a:avLst/>
+          </a:prstGeom>
+          <a:noFill/>
+          <a:ln>
+            <a:noFill/>
+          </a:ln>
+          <a:extLst>
+            <a:ext uri="{909E8E84-426E-40DD-AFC4-6F175D3DCCD1}">
+              <a14:hiddenFill xmlns:a14="http://schemas.microsoft.com/office/drawing/2010/main">
+                <a:solidFill>
+                  <a:schemeClr val="accent1"/>
+                </a:solidFill>
+              </a14:hiddenFill>
+            </a:ext>
+            <a:ext uri="{91240B29-F687-4F45-9708-019B960494DF}">
+              <a14:hiddenLine xmlns:a14="http://schemas.microsoft.com/office/drawing/2010/main" w="9525">
+                <a:solidFill>
+                  <a:schemeClr val="tx1"/>
+                </a:solidFill>
+                <a:miter lim="800000"/>
+                <a:headEnd/>
+                <a:tailEnd/>
+              </a14:hiddenLine>
+            </a:ext>
+          </a:extLst>
+        </p:spPr>
+      </p:pic>
+    </p:spTree>
+    <p:extLst>
+      <p:ext uri="{BB962C8B-B14F-4D97-AF65-F5344CB8AC3E}">
+        <p14:creationId xmlns:p14="http://schemas.microsoft.com/office/powerpoint/2010/main" val="2159924398"/>
+      </p:ext>
+    </p:extLst>
+  </p:cSld>
+  <p:clrMapOvr>
+    <a:masterClrMapping/>
+  </p:clrMapOvr>
+</p:sld>
+</file>
+
+<file path=ppt/slides/slide15.xml><?xml version="1.0" encoding="utf-8"?>
+<p:sld xmlns:a="http://schemas.openxmlformats.org/drawingml/2006/main" xmlns:r="http://schemas.openxmlformats.org/officeDocument/2006/relationships" xmlns:p="http://schemas.openxmlformats.org/presentationml/2006/main">
+  <p:cSld>
+    <p:spTree>
+      <p:nvGrpSpPr>
+        <p:cNvPr id="1" name=""/>
+        <p:cNvGrpSpPr/>
+        <p:nvPr/>
+      </p:nvGrpSpPr>
+      <p:grpSpPr>
+        <a:xfrm>
+          <a:off x="0" y="0"/>
+          <a:ext cx="0" cy="0"/>
+          <a:chOff x="0" y="0"/>
+          <a:chExt cx="0" cy="0"/>
+        </a:xfrm>
+      </p:grpSpPr>
+      <p:sp>
+        <p:nvSpPr>
+          <p:cNvPr id="2" name="Заголовок 1"/>
+          <p:cNvSpPr>
+            <a:spLocks noGrp="1"/>
+          </p:cNvSpPr>
+          <p:nvPr>
+            <p:ph type="title"/>
+          </p:nvPr>
+        </p:nvSpPr>
+        <p:spPr/>
+        <p:txBody>
+          <a:bodyPr>
+            <a:normAutofit/>
+          </a:bodyPr>
+          <a:lstStyle/>
+          <a:p>
+            <a:r>
+              <a:rPr lang="ru-RU" sz="6000" dirty="0" smtClean="0">
+                <a:latin typeface="Times New Roman" panose="02020603050405020304" pitchFamily="18" charset="0"/>
+                <a:cs typeface="Times New Roman" panose="02020603050405020304" pitchFamily="18" charset="0"/>
+              </a:rPr>
+              <a:t>Реализация</a:t>
+            </a:r>
+            <a:endParaRPr lang="ru-RU" sz="6000" dirty="0">
+              <a:latin typeface="Times New Roman" panose="02020603050405020304" pitchFamily="18" charset="0"/>
+              <a:cs typeface="Times New Roman" panose="02020603050405020304" pitchFamily="18" charset="0"/>
+            </a:endParaRPr>
+          </a:p>
+        </p:txBody>
+      </p:sp>
+      <p:sp>
+        <p:nvSpPr>
+          <p:cNvPr id="3" name="Объект 2"/>
+          <p:cNvSpPr>
+            <a:spLocks noGrp="1"/>
+          </p:cNvSpPr>
+          <p:nvPr>
+            <p:ph idx="1"/>
+          </p:nvPr>
+        </p:nvSpPr>
+        <p:spPr/>
+        <p:txBody>
+          <a:bodyPr>
+            <a:normAutofit/>
+          </a:bodyPr>
+          <a:lstStyle/>
+          <a:p>
+            <a:pPr marL="0" indent="0">
+              <a:buNone/>
+            </a:pPr>
+            <a:r>
+              <a:rPr lang="ru-RU" sz="3200" i="1" dirty="0" smtClean="0">
+                <a:latin typeface="Times New Roman" panose="02020603050405020304" pitchFamily="18" charset="0"/>
+                <a:cs typeface="Times New Roman" panose="02020603050405020304" pitchFamily="18" charset="0"/>
+              </a:rPr>
+              <a:t>Экран чата</a:t>
+            </a:r>
+          </a:p>
+          <a:p>
+            <a:pPr marL="0" indent="0">
+              <a:buNone/>
+            </a:pPr>
+            <a:endParaRPr lang="ru-RU" sz="3200" i="1" dirty="0" smtClean="0">
+              <a:latin typeface="Times New Roman" panose="02020603050405020304" pitchFamily="18" charset="0"/>
+              <a:cs typeface="Times New Roman" panose="02020603050405020304" pitchFamily="18" charset="0"/>
+            </a:endParaRPr>
+          </a:p>
+          <a:p>
+            <a:pPr marL="0" indent="0">
+              <a:buNone/>
+            </a:pPr>
+            <a:endParaRPr lang="ru-RU" sz="3200" i="1" dirty="0"/>
+          </a:p>
+        </p:txBody>
+      </p:sp>
+      <p:sp>
+        <p:nvSpPr>
+          <p:cNvPr id="4" name="Номер слайда 3"/>
+          <p:cNvSpPr>
+            <a:spLocks noGrp="1"/>
+          </p:cNvSpPr>
+          <p:nvPr>
+            <p:ph type="sldNum" sz="quarter" idx="12"/>
+          </p:nvPr>
+        </p:nvSpPr>
+        <p:spPr/>
+        <p:txBody>
+          <a:bodyPr/>
+          <a:lstStyle/>
+          <a:p>
+            <a:fld id="{F057AEC9-9E52-4782-943C-911A5C934F5E}" type="slidenum">
+              <a:rPr lang="ru-RU" sz="2000" smtClean="0">
+                <a:latin typeface="Times New Roman" panose="02020603050405020304" pitchFamily="18" charset="0"/>
+                <a:cs typeface="Times New Roman" panose="02020603050405020304" pitchFamily="18" charset="0"/>
+              </a:rPr>
+              <a:t>15</a:t>
+            </a:fld>
+            <a:endParaRPr lang="ru-RU" sz="2000" dirty="0">
+              <a:latin typeface="Times New Roman" panose="02020603050405020304" pitchFamily="18" charset="0"/>
+              <a:cs typeface="Times New Roman" panose="02020603050405020304" pitchFamily="18" charset="0"/>
+            </a:endParaRPr>
+          </a:p>
+        </p:txBody>
+      </p:sp>
+      <p:pic>
+        <p:nvPicPr>
+          <p:cNvPr id="6146" name="Picture 2"/>
+          <p:cNvPicPr>
+            <a:picLocks noChangeAspect="1" noChangeArrowheads="1"/>
+          </p:cNvPicPr>
+          <p:nvPr/>
+        </p:nvPicPr>
+        <p:blipFill>
+          <a:blip r:embed="rId2">
+            <a:extLst>
+              <a:ext uri="{28A0092B-C50C-407E-A947-70E740481C1C}">
+                <a14:useLocalDpi xmlns:a14="http://schemas.microsoft.com/office/drawing/2010/main" val="0"/>
+              </a:ext>
+            </a:extLst>
+          </a:blip>
+          <a:srcRect/>
+          <a:stretch>
+            <a:fillRect/>
+          </a:stretch>
+        </p:blipFill>
+        <p:spPr bwMode="auto">
+          <a:xfrm>
+            <a:off x="3124197" y="2288514"/>
+            <a:ext cx="6257925" cy="4121807"/>
+          </a:xfrm>
+          <a:prstGeom prst="rect">
+            <a:avLst/>
+          </a:prstGeom>
+          <a:noFill/>
+          <a:ln>
+            <a:noFill/>
+          </a:ln>
+          <a:extLst>
+            <a:ext uri="{909E8E84-426E-40DD-AFC4-6F175D3DCCD1}">
+              <a14:hiddenFill xmlns:a14="http://schemas.microsoft.com/office/drawing/2010/main">
+                <a:solidFill>
+                  <a:schemeClr val="accent1"/>
+                </a:solidFill>
+              </a14:hiddenFill>
+            </a:ext>
+            <a:ext uri="{91240B29-F687-4F45-9708-019B960494DF}">
+              <a14:hiddenLine xmlns:a14="http://schemas.microsoft.com/office/drawing/2010/main" w="9525">
+                <a:solidFill>
+                  <a:schemeClr val="tx1"/>
+                </a:solidFill>
+                <a:miter lim="800000"/>
+                <a:headEnd/>
+                <a:tailEnd/>
+              </a14:hiddenLine>
+            </a:ext>
+          </a:extLst>
+        </p:spPr>
+      </p:pic>
+    </p:spTree>
+    <p:extLst>
+      <p:ext uri="{BB962C8B-B14F-4D97-AF65-F5344CB8AC3E}">
+        <p14:creationId xmlns:p14="http://schemas.microsoft.com/office/powerpoint/2010/main" val="2883743030"/>
+      </p:ext>
+    </p:extLst>
+  </p:cSld>
+  <p:clrMapOvr>
+    <a:masterClrMapping/>
+  </p:clrMapOvr>
+</p:sld>
+</file>
+
+<file path=ppt/slides/slide16.xml><?xml version="1.0" encoding="utf-8"?>
+<p:sld xmlns:a="http://schemas.openxmlformats.org/drawingml/2006/main" xmlns:r="http://schemas.openxmlformats.org/officeDocument/2006/relationships" xmlns:p="http://schemas.openxmlformats.org/presentationml/2006/main">
+  <p:cSld>
+    <p:spTree>
+      <p:nvGrpSpPr>
+        <p:cNvPr id="1" name=""/>
+        <p:cNvGrpSpPr/>
+        <p:nvPr/>
+      </p:nvGrpSpPr>
+      <p:grpSpPr>
+        <a:xfrm>
+          <a:off x="0" y="0"/>
+          <a:ext cx="0" cy="0"/>
+          <a:chOff x="0" y="0"/>
+          <a:chExt cx="0" cy="0"/>
+        </a:xfrm>
+      </p:grpSpPr>
+      <p:sp>
+        <p:nvSpPr>
+          <p:cNvPr id="2" name="Заголовок 1"/>
+          <p:cNvSpPr>
+            <a:spLocks noGrp="1"/>
+          </p:cNvSpPr>
+          <p:nvPr>
+            <p:ph type="title"/>
+          </p:nvPr>
+        </p:nvSpPr>
+        <p:spPr/>
+        <p:txBody>
+          <a:bodyPr>
+            <a:normAutofit/>
+          </a:bodyPr>
+          <a:lstStyle/>
+          <a:p>
+            <a:r>
+              <a:rPr lang="ru-RU" sz="6000" dirty="0" smtClean="0">
+                <a:latin typeface="Times New Roman" panose="02020603050405020304" pitchFamily="18" charset="0"/>
+                <a:cs typeface="Times New Roman" panose="02020603050405020304" pitchFamily="18" charset="0"/>
+              </a:rPr>
+              <a:t>Реализация</a:t>
+            </a:r>
+            <a:endParaRPr lang="ru-RU" sz="6000" dirty="0">
+              <a:latin typeface="Times New Roman" panose="02020603050405020304" pitchFamily="18" charset="0"/>
+              <a:cs typeface="Times New Roman" panose="02020603050405020304" pitchFamily="18" charset="0"/>
+            </a:endParaRPr>
+          </a:p>
+        </p:txBody>
+      </p:sp>
+      <p:sp>
+        <p:nvSpPr>
+          <p:cNvPr id="3" name="Объект 2"/>
+          <p:cNvSpPr>
+            <a:spLocks noGrp="1"/>
+          </p:cNvSpPr>
+          <p:nvPr>
+            <p:ph idx="1"/>
+          </p:nvPr>
+        </p:nvSpPr>
+        <p:spPr/>
+        <p:txBody>
+          <a:bodyPr>
+            <a:normAutofit/>
+          </a:bodyPr>
+          <a:lstStyle/>
+          <a:p>
+            <a:pPr marL="0" indent="0">
+              <a:buNone/>
+            </a:pPr>
+            <a:r>
+              <a:rPr lang="ru-RU" sz="3200" i="1" dirty="0" smtClean="0">
+                <a:latin typeface="Times New Roman" panose="02020603050405020304" pitchFamily="18" charset="0"/>
+                <a:cs typeface="Times New Roman" panose="02020603050405020304" pitchFamily="18" charset="0"/>
+              </a:rPr>
+              <a:t>Выпадающий список поиска</a:t>
+            </a:r>
+          </a:p>
+          <a:p>
+            <a:pPr marL="0" indent="0">
+              <a:buNone/>
+            </a:pPr>
+            <a:endParaRPr lang="ru-RU" sz="3200" i="1" dirty="0">
+              <a:latin typeface="Times New Roman" panose="02020603050405020304" pitchFamily="18" charset="0"/>
+              <a:cs typeface="Times New Roman" panose="02020603050405020304" pitchFamily="18" charset="0"/>
+            </a:endParaRPr>
+          </a:p>
+        </p:txBody>
+      </p:sp>
+      <p:sp>
+        <p:nvSpPr>
+          <p:cNvPr id="4" name="Номер слайда 3"/>
+          <p:cNvSpPr>
+            <a:spLocks noGrp="1"/>
+          </p:cNvSpPr>
+          <p:nvPr>
+            <p:ph type="sldNum" sz="quarter" idx="12"/>
+          </p:nvPr>
+        </p:nvSpPr>
+        <p:spPr/>
+        <p:txBody>
+          <a:bodyPr/>
+          <a:lstStyle/>
+          <a:p>
+            <a:fld id="{F057AEC9-9E52-4782-943C-911A5C934F5E}" type="slidenum">
+              <a:rPr lang="ru-RU" sz="2000" smtClean="0">
+                <a:latin typeface="Times New Roman" panose="02020603050405020304" pitchFamily="18" charset="0"/>
+                <a:cs typeface="Times New Roman" panose="02020603050405020304" pitchFamily="18" charset="0"/>
+              </a:rPr>
+              <a:t>16</a:t>
+            </a:fld>
+            <a:endParaRPr lang="ru-RU" sz="2000" dirty="0">
+              <a:latin typeface="Times New Roman" panose="02020603050405020304" pitchFamily="18" charset="0"/>
+              <a:cs typeface="Times New Roman" panose="02020603050405020304" pitchFamily="18" charset="0"/>
+            </a:endParaRPr>
+          </a:p>
+        </p:txBody>
+      </p:sp>
+      <p:pic>
+        <p:nvPicPr>
+          <p:cNvPr id="7170" name="Picture 2"/>
+          <p:cNvPicPr>
+            <a:picLocks noChangeAspect="1" noChangeArrowheads="1"/>
+          </p:cNvPicPr>
+          <p:nvPr/>
+        </p:nvPicPr>
+        <p:blipFill>
+          <a:blip r:embed="rId2">
+            <a:extLst>
+              <a:ext uri="{28A0092B-C50C-407E-A947-70E740481C1C}">
+                <a14:useLocalDpi xmlns:a14="http://schemas.microsoft.com/office/drawing/2010/main" val="0"/>
+              </a:ext>
+            </a:extLst>
+          </a:blip>
+          <a:srcRect/>
+          <a:stretch>
+            <a:fillRect/>
+          </a:stretch>
+        </p:blipFill>
+        <p:spPr bwMode="auto">
+          <a:xfrm>
+            <a:off x="3000375" y="2284205"/>
+            <a:ext cx="6386513" cy="4203134"/>
+          </a:xfrm>
+          <a:prstGeom prst="rect">
+            <a:avLst/>
+          </a:prstGeom>
+          <a:noFill/>
+          <a:ln>
+            <a:noFill/>
+          </a:ln>
+          <a:extLst>
+            <a:ext uri="{909E8E84-426E-40DD-AFC4-6F175D3DCCD1}">
+              <a14:hiddenFill xmlns:a14="http://schemas.microsoft.com/office/drawing/2010/main">
+                <a:solidFill>
+                  <a:schemeClr val="accent1"/>
+                </a:solidFill>
+              </a14:hiddenFill>
+            </a:ext>
+            <a:ext uri="{91240B29-F687-4F45-9708-019B960494DF}">
+              <a14:hiddenLine xmlns:a14="http://schemas.microsoft.com/office/drawing/2010/main" w="9525">
+                <a:solidFill>
+                  <a:schemeClr val="tx1"/>
+                </a:solidFill>
+                <a:miter lim="800000"/>
+                <a:headEnd/>
+                <a:tailEnd/>
+              </a14:hiddenLine>
+            </a:ext>
+          </a:extLst>
+        </p:spPr>
+      </p:pic>
+    </p:spTree>
+    <p:extLst>
+      <p:ext uri="{BB962C8B-B14F-4D97-AF65-F5344CB8AC3E}">
+        <p14:creationId xmlns:p14="http://schemas.microsoft.com/office/powerpoint/2010/main" val="2829992079"/>
+      </p:ext>
+    </p:extLst>
+  </p:cSld>
+  <p:clrMapOvr>
+    <a:masterClrMapping/>
+  </p:clrMapOvr>
+  <p:timing>
+    <p:tnLst>
+      <p:par>
+        <p:cTn id="1" dur="indefinite" restart="never" nodeType="tmRoot"/>
+      </p:par>
+    </p:tnLst>
+  </p:timing>
+</p:sld>
+</file>
+
+<file path=ppt/slides/slide17.xml><?xml version="1.0" encoding="utf-8"?>
+<p:sld xmlns:a="http://schemas.openxmlformats.org/drawingml/2006/main" xmlns:r="http://schemas.openxmlformats.org/officeDocument/2006/relationships" xmlns:p="http://schemas.openxmlformats.org/presentationml/2006/main">
+  <p:cSld>
+    <p:spTree>
+      <p:nvGrpSpPr>
+        <p:cNvPr id="1" name=""/>
+        <p:cNvGrpSpPr/>
+        <p:nvPr/>
+      </p:nvGrpSpPr>
+      <p:grpSpPr>
+        <a:xfrm>
+          <a:off x="0" y="0"/>
+          <a:ext cx="0" cy="0"/>
+          <a:chOff x="0" y="0"/>
+          <a:chExt cx="0" cy="0"/>
+        </a:xfrm>
+      </p:grpSpPr>
+      <p:sp>
+        <p:nvSpPr>
+          <p:cNvPr id="2" name="Заголовок 1"/>
+          <p:cNvSpPr>
+            <a:spLocks noGrp="1"/>
+          </p:cNvSpPr>
+          <p:nvPr>
+            <p:ph type="title"/>
+          </p:nvPr>
+        </p:nvSpPr>
+        <p:spPr/>
+        <p:txBody>
+          <a:bodyPr>
+            <a:normAutofit/>
+          </a:bodyPr>
+          <a:lstStyle/>
+          <a:p>
+            <a:r>
+              <a:rPr lang="ru-RU" sz="6000" dirty="0" smtClean="0">
+                <a:latin typeface="Times New Roman" panose="02020603050405020304" pitchFamily="18" charset="0"/>
+                <a:cs typeface="Times New Roman" panose="02020603050405020304" pitchFamily="18" charset="0"/>
+              </a:rPr>
+              <a:t>Реализация</a:t>
+            </a:r>
+            <a:endParaRPr lang="ru-RU" sz="6000" dirty="0">
+              <a:latin typeface="Times New Roman" panose="02020603050405020304" pitchFamily="18" charset="0"/>
+              <a:cs typeface="Times New Roman" panose="02020603050405020304" pitchFamily="18" charset="0"/>
+            </a:endParaRPr>
+          </a:p>
+        </p:txBody>
+      </p:sp>
+      <p:sp>
+        <p:nvSpPr>
+          <p:cNvPr id="3" name="Объект 2"/>
+          <p:cNvSpPr>
+            <a:spLocks noGrp="1"/>
+          </p:cNvSpPr>
+          <p:nvPr>
+            <p:ph idx="1"/>
+          </p:nvPr>
+        </p:nvSpPr>
+        <p:spPr/>
+        <p:txBody>
+          <a:bodyPr>
+            <a:normAutofit/>
+          </a:bodyPr>
+          <a:lstStyle/>
+          <a:p>
+            <a:pPr marL="0" indent="0">
+              <a:buNone/>
+            </a:pPr>
+            <a:r>
+              <a:rPr lang="ru-RU" sz="3200" i="1" dirty="0" smtClean="0">
+                <a:latin typeface="Times New Roman" panose="02020603050405020304" pitchFamily="18" charset="0"/>
+                <a:cs typeface="Times New Roman" panose="02020603050405020304" pitchFamily="18" charset="0"/>
+              </a:rPr>
+              <a:t>Экран канала для неавторизованного пользователя</a:t>
+            </a:r>
+          </a:p>
+          <a:p>
+            <a:pPr marL="0" indent="0">
+              <a:buNone/>
+            </a:pPr>
+            <a:endParaRPr lang="ru-RU" sz="3200" i="1" dirty="0">
+              <a:latin typeface="Times New Roman" panose="02020603050405020304" pitchFamily="18" charset="0"/>
+              <a:cs typeface="Times New Roman" panose="02020603050405020304" pitchFamily="18" charset="0"/>
+            </a:endParaRPr>
+          </a:p>
+        </p:txBody>
+      </p:sp>
+      <p:sp>
+        <p:nvSpPr>
+          <p:cNvPr id="4" name="Номер слайда 3"/>
+          <p:cNvSpPr>
+            <a:spLocks noGrp="1"/>
+          </p:cNvSpPr>
+          <p:nvPr>
+            <p:ph type="sldNum" sz="quarter" idx="12"/>
+          </p:nvPr>
+        </p:nvSpPr>
+        <p:spPr/>
+        <p:txBody>
+          <a:bodyPr/>
+          <a:lstStyle/>
+          <a:p>
+            <a:fld id="{F057AEC9-9E52-4782-943C-911A5C934F5E}" type="slidenum">
+              <a:rPr lang="ru-RU" sz="2000" smtClean="0">
+                <a:latin typeface="Times New Roman" panose="02020603050405020304" pitchFamily="18" charset="0"/>
+                <a:cs typeface="Times New Roman" panose="02020603050405020304" pitchFamily="18" charset="0"/>
+              </a:rPr>
+              <a:t>17</a:t>
+            </a:fld>
+            <a:endParaRPr lang="ru-RU" sz="2000" dirty="0">
+              <a:latin typeface="Times New Roman" panose="02020603050405020304" pitchFamily="18" charset="0"/>
+              <a:cs typeface="Times New Roman" panose="02020603050405020304" pitchFamily="18" charset="0"/>
+            </a:endParaRPr>
+          </a:p>
+        </p:txBody>
+      </p:sp>
+      <p:pic>
+        <p:nvPicPr>
+          <p:cNvPr id="8194" name="Picture 2"/>
+          <p:cNvPicPr>
+            <a:picLocks noChangeAspect="1" noChangeArrowheads="1"/>
+          </p:cNvPicPr>
+          <p:nvPr/>
+        </p:nvPicPr>
+        <p:blipFill>
+          <a:blip r:embed="rId2">
+            <a:extLst>
+              <a:ext uri="{28A0092B-C50C-407E-A947-70E740481C1C}">
+                <a14:useLocalDpi xmlns:a14="http://schemas.microsoft.com/office/drawing/2010/main" val="0"/>
+              </a:ext>
+            </a:extLst>
+          </a:blip>
+          <a:srcRect/>
+          <a:stretch>
+            <a:fillRect/>
+          </a:stretch>
+        </p:blipFill>
+        <p:spPr bwMode="auto">
+          <a:xfrm>
+            <a:off x="2905126" y="2324100"/>
+            <a:ext cx="6404754" cy="4171950"/>
+          </a:xfrm>
+          <a:prstGeom prst="rect">
+            <a:avLst/>
+          </a:prstGeom>
+          <a:noFill/>
+          <a:ln>
+            <a:noFill/>
+          </a:ln>
+          <a:extLst>
+            <a:ext uri="{909E8E84-426E-40DD-AFC4-6F175D3DCCD1}">
+              <a14:hiddenFill xmlns:a14="http://schemas.microsoft.com/office/drawing/2010/main">
+                <a:solidFill>
+                  <a:schemeClr val="accent1"/>
+                </a:solidFill>
+              </a14:hiddenFill>
+            </a:ext>
+            <a:ext uri="{91240B29-F687-4F45-9708-019B960494DF}">
+              <a14:hiddenLine xmlns:a14="http://schemas.microsoft.com/office/drawing/2010/main" w="9525">
+                <a:solidFill>
+                  <a:schemeClr val="tx1"/>
+                </a:solidFill>
+                <a:miter lim="800000"/>
+                <a:headEnd/>
+                <a:tailEnd/>
+              </a14:hiddenLine>
+            </a:ext>
+          </a:extLst>
+        </p:spPr>
+      </p:pic>
+    </p:spTree>
+    <p:extLst>
+      <p:ext uri="{BB962C8B-B14F-4D97-AF65-F5344CB8AC3E}">
+        <p14:creationId xmlns:p14="http://schemas.microsoft.com/office/powerpoint/2010/main" val="2658904310"/>
+      </p:ext>
+    </p:extLst>
+  </p:cSld>
+  <p:clrMapOvr>
+    <a:masterClrMapping/>
+  </p:clrMapOvr>
+</p:sld>
+</file>
+
+<file path=ppt/slides/slide18.xml><?xml version="1.0" encoding="utf-8"?>
+<p:sld xmlns:a="http://schemas.openxmlformats.org/drawingml/2006/main" xmlns:r="http://schemas.openxmlformats.org/officeDocument/2006/relationships" xmlns:p="http://schemas.openxmlformats.org/presentationml/2006/main">
+  <p:cSld>
+    <p:spTree>
+      <p:nvGrpSpPr>
+        <p:cNvPr id="1" name=""/>
+        <p:cNvGrpSpPr/>
+        <p:nvPr/>
+      </p:nvGrpSpPr>
+      <p:grpSpPr>
+        <a:xfrm>
+          <a:off x="0" y="0"/>
+          <a:ext cx="0" cy="0"/>
+          <a:chOff x="0" y="0"/>
+          <a:chExt cx="0" cy="0"/>
+        </a:xfrm>
+      </p:grpSpPr>
+      <p:sp>
+        <p:nvSpPr>
+          <p:cNvPr id="2" name="Заголовок 1"/>
+          <p:cNvSpPr>
+            <a:spLocks noGrp="1"/>
+          </p:cNvSpPr>
+          <p:nvPr>
+            <p:ph type="title"/>
+          </p:nvPr>
+        </p:nvSpPr>
+        <p:spPr/>
+        <p:txBody>
+          <a:bodyPr>
+            <a:normAutofit/>
+          </a:bodyPr>
+          <a:lstStyle/>
+          <a:p>
+            <a:r>
+              <a:rPr lang="ru-RU" sz="6000" dirty="0" smtClean="0">
+                <a:latin typeface="Times New Roman" panose="02020603050405020304" pitchFamily="18" charset="0"/>
+                <a:cs typeface="Times New Roman" panose="02020603050405020304" pitchFamily="18" charset="0"/>
+              </a:rPr>
+              <a:t>Реализация</a:t>
+            </a:r>
+            <a:endParaRPr lang="ru-RU" sz="6000" dirty="0">
+              <a:latin typeface="Times New Roman" panose="02020603050405020304" pitchFamily="18" charset="0"/>
+              <a:cs typeface="Times New Roman" panose="02020603050405020304" pitchFamily="18" charset="0"/>
+            </a:endParaRPr>
+          </a:p>
+        </p:txBody>
+      </p:sp>
+      <p:sp>
+        <p:nvSpPr>
+          <p:cNvPr id="3" name="Объект 2"/>
+          <p:cNvSpPr>
+            <a:spLocks noGrp="1"/>
+          </p:cNvSpPr>
+          <p:nvPr>
+            <p:ph idx="1"/>
+          </p:nvPr>
+        </p:nvSpPr>
+        <p:spPr/>
+        <p:txBody>
+          <a:bodyPr>
+            <a:normAutofit/>
+          </a:bodyPr>
+          <a:lstStyle/>
+          <a:p>
+            <a:pPr marL="0" indent="0">
+              <a:buNone/>
+            </a:pPr>
+            <a:r>
+              <a:rPr lang="ru-RU" sz="3200" i="1" dirty="0" smtClean="0">
+                <a:latin typeface="Times New Roman" panose="02020603050405020304" pitchFamily="18" charset="0"/>
+                <a:cs typeface="Times New Roman" panose="02020603050405020304" pitchFamily="18" charset="0"/>
+              </a:rPr>
+              <a:t>Тестирование</a:t>
+            </a:r>
+          </a:p>
+          <a:p>
+            <a:r>
+              <a:rPr lang="en-US" sz="3200" dirty="0">
+                <a:latin typeface="Times New Roman" panose="02020603050405020304" pitchFamily="18" charset="0"/>
+                <a:cs typeface="Times New Roman" panose="02020603050405020304" pitchFamily="18" charset="0"/>
+              </a:rPr>
+              <a:t>Unit</a:t>
+            </a:r>
+            <a:r>
+              <a:rPr lang="ru-RU" sz="3200" dirty="0">
+                <a:latin typeface="Times New Roman" panose="02020603050405020304" pitchFamily="18" charset="0"/>
+                <a:cs typeface="Times New Roman" panose="02020603050405020304" pitchFamily="18" charset="0"/>
+              </a:rPr>
+              <a:t> тестирование</a:t>
+            </a:r>
+            <a:r>
+              <a:rPr lang="en-US" sz="3200" dirty="0">
+                <a:latin typeface="Times New Roman" panose="02020603050405020304" pitchFamily="18" charset="0"/>
+                <a:cs typeface="Times New Roman" panose="02020603050405020304" pitchFamily="18" charset="0"/>
+              </a:rPr>
+              <a:t>;</a:t>
+            </a:r>
+            <a:endParaRPr lang="ru-RU" sz="3200" dirty="0">
+              <a:latin typeface="Times New Roman" panose="02020603050405020304" pitchFamily="18" charset="0"/>
+              <a:cs typeface="Times New Roman" panose="02020603050405020304" pitchFamily="18" charset="0"/>
+            </a:endParaRPr>
+          </a:p>
+          <a:p>
+            <a:r>
+              <a:rPr lang="en-US" sz="3200" dirty="0">
+                <a:latin typeface="Times New Roman" panose="02020603050405020304" pitchFamily="18" charset="0"/>
+                <a:cs typeface="Times New Roman" panose="02020603050405020304" pitchFamily="18" charset="0"/>
+              </a:rPr>
+              <a:t>Smoke</a:t>
+            </a:r>
+            <a:r>
+              <a:rPr lang="ru-RU" sz="3200" dirty="0">
+                <a:latin typeface="Times New Roman" panose="02020603050405020304" pitchFamily="18" charset="0"/>
+                <a:cs typeface="Times New Roman" panose="02020603050405020304" pitchFamily="18" charset="0"/>
+              </a:rPr>
+              <a:t> тестирование</a:t>
+            </a:r>
+            <a:r>
+              <a:rPr lang="en-US" sz="3200" dirty="0">
+                <a:latin typeface="Times New Roman" panose="02020603050405020304" pitchFamily="18" charset="0"/>
+                <a:cs typeface="Times New Roman" panose="02020603050405020304" pitchFamily="18" charset="0"/>
+              </a:rPr>
+              <a:t>;</a:t>
+            </a:r>
+            <a:endParaRPr lang="ru-RU" sz="3200" dirty="0">
+              <a:latin typeface="Times New Roman" panose="02020603050405020304" pitchFamily="18" charset="0"/>
+              <a:cs typeface="Times New Roman" panose="02020603050405020304" pitchFamily="18" charset="0"/>
+            </a:endParaRPr>
+          </a:p>
+          <a:p>
+            <a:r>
+              <a:rPr lang="en-US" sz="3200" dirty="0">
+                <a:latin typeface="Times New Roman" panose="02020603050405020304" pitchFamily="18" charset="0"/>
+                <a:cs typeface="Times New Roman" panose="02020603050405020304" pitchFamily="18" charset="0"/>
+              </a:rPr>
+              <a:t>GUI-</a:t>
+            </a:r>
+            <a:r>
+              <a:rPr lang="ru-RU" sz="3200" dirty="0">
+                <a:latin typeface="Times New Roman" panose="02020603050405020304" pitchFamily="18" charset="0"/>
+                <a:cs typeface="Times New Roman" panose="02020603050405020304" pitchFamily="18" charset="0"/>
+              </a:rPr>
+              <a:t>тестирование</a:t>
+            </a:r>
+            <a:r>
+              <a:rPr lang="en-US" sz="3200" dirty="0">
+                <a:latin typeface="Times New Roman" panose="02020603050405020304" pitchFamily="18" charset="0"/>
+                <a:cs typeface="Times New Roman" panose="02020603050405020304" pitchFamily="18" charset="0"/>
+              </a:rPr>
+              <a:t>.</a:t>
+            </a:r>
+            <a:endParaRPr lang="ru-RU" sz="3200" dirty="0">
+              <a:latin typeface="Times New Roman" panose="02020603050405020304" pitchFamily="18" charset="0"/>
+              <a:cs typeface="Times New Roman" panose="02020603050405020304" pitchFamily="18" charset="0"/>
+            </a:endParaRPr>
+          </a:p>
+          <a:p>
+            <a:pPr marL="0" indent="0">
+              <a:buNone/>
+            </a:pPr>
+            <a:endParaRPr lang="ru-RU" sz="3200" i="1" dirty="0">
+              <a:latin typeface="Times New Roman" panose="02020603050405020304" pitchFamily="18" charset="0"/>
+              <a:cs typeface="Times New Roman" panose="02020603050405020304" pitchFamily="18" charset="0"/>
+            </a:endParaRPr>
+          </a:p>
+        </p:txBody>
+      </p:sp>
+      <p:sp>
+        <p:nvSpPr>
+          <p:cNvPr id="4" name="Номер слайда 3"/>
+          <p:cNvSpPr>
+            <a:spLocks noGrp="1"/>
+          </p:cNvSpPr>
+          <p:nvPr>
+            <p:ph type="sldNum" sz="quarter" idx="12"/>
+          </p:nvPr>
+        </p:nvSpPr>
+        <p:spPr/>
+        <p:txBody>
+          <a:bodyPr/>
+          <a:lstStyle/>
+          <a:p>
+            <a:fld id="{F057AEC9-9E52-4782-943C-911A5C934F5E}" type="slidenum">
+              <a:rPr lang="ru-RU" sz="2000" smtClean="0">
+                <a:latin typeface="Times New Roman" panose="02020603050405020304" pitchFamily="18" charset="0"/>
+                <a:cs typeface="Times New Roman" panose="02020603050405020304" pitchFamily="18" charset="0"/>
+              </a:rPr>
+              <a:t>18</a:t>
+            </a:fld>
+            <a:endParaRPr lang="ru-RU" sz="2000" dirty="0">
+              <a:latin typeface="Times New Roman" panose="02020603050405020304" pitchFamily="18" charset="0"/>
+              <a:cs typeface="Times New Roman" panose="02020603050405020304" pitchFamily="18" charset="0"/>
+            </a:endParaRPr>
+          </a:p>
+        </p:txBody>
+      </p:sp>
+    </p:spTree>
+    <p:extLst>
+      <p:ext uri="{BB962C8B-B14F-4D97-AF65-F5344CB8AC3E}">
+        <p14:creationId xmlns:p14="http://schemas.microsoft.com/office/powerpoint/2010/main" val="3716917771"/>
+      </p:ext>
+    </p:extLst>
+  </p:cSld>
+  <p:clrMapOvr>
+    <a:masterClrMapping/>
+  </p:clrMapOvr>
+</p:sld>
+</file>
+
+<file path=ppt/slides/slide19.xml><?xml version="1.0" encoding="utf-8"?>
+<p:sld xmlns:a="http://schemas.openxmlformats.org/drawingml/2006/main" xmlns:r="http://schemas.openxmlformats.org/officeDocument/2006/relationships" xmlns:p="http://schemas.openxmlformats.org/presentationml/2006/main">
+  <p:cSld>
+    <p:spTree>
+      <p:nvGrpSpPr>
+        <p:cNvPr id="1" name=""/>
+        <p:cNvGrpSpPr/>
+        <p:nvPr/>
+      </p:nvGrpSpPr>
+      <p:grpSpPr>
+        <a:xfrm>
+          <a:off x="0" y="0"/>
+          <a:ext cx="0" cy="0"/>
+          <a:chOff x="0" y="0"/>
+          <a:chExt cx="0" cy="0"/>
+        </a:xfrm>
+      </p:grpSpPr>
+      <p:sp>
+        <p:nvSpPr>
+          <p:cNvPr id="2" name="Заголовок 1"/>
+          <p:cNvSpPr>
+            <a:spLocks noGrp="1"/>
+          </p:cNvSpPr>
+          <p:nvPr>
+            <p:ph type="title"/>
+          </p:nvPr>
+        </p:nvSpPr>
+        <p:spPr/>
+        <p:txBody>
+          <a:bodyPr>
+            <a:normAutofit/>
+          </a:bodyPr>
+          <a:lstStyle/>
+          <a:p>
+            <a:r>
+              <a:rPr lang="ru-RU" sz="6000" dirty="0" smtClean="0">
+                <a:latin typeface="Times New Roman" panose="02020603050405020304" pitchFamily="18" charset="0"/>
+                <a:cs typeface="Times New Roman" panose="02020603050405020304" pitchFamily="18" charset="0"/>
+              </a:rPr>
+              <a:t>Отчёт по ролям</a:t>
+            </a:r>
+            <a:endParaRPr lang="ru-RU" sz="6000" dirty="0">
+              <a:latin typeface="Times New Roman" panose="02020603050405020304" pitchFamily="18" charset="0"/>
+              <a:cs typeface="Times New Roman" panose="02020603050405020304" pitchFamily="18" charset="0"/>
+            </a:endParaRPr>
+          </a:p>
+        </p:txBody>
+      </p:sp>
+      <p:graphicFrame>
+        <p:nvGraphicFramePr>
+          <p:cNvPr id="5" name="Объект 4"/>
+          <p:cNvGraphicFramePr>
+            <a:graphicFrameLocks noGrp="1"/>
+          </p:cNvGraphicFramePr>
+          <p:nvPr>
+            <p:ph idx="1"/>
+            <p:extLst>
+              <p:ext uri="{D42A27DB-BD31-4B8C-83A1-F6EECF244321}">
+                <p14:modId xmlns:p14="http://schemas.microsoft.com/office/powerpoint/2010/main" val="2907455068"/>
+              </p:ext>
+            </p:extLst>
+          </p:nvPr>
+        </p:nvGraphicFramePr>
+        <p:xfrm>
+          <a:off x="2809875" y="1663700"/>
+          <a:ext cx="6800850" cy="4912044"/>
+        </p:xfrm>
+        <a:graphic>
+          <a:graphicData uri="http://schemas.openxmlformats.org/drawingml/2006/table">
+            <a:tbl>
+              <a:tblPr firstRow="1" bandRow="1">
+                <a:tableStyleId>{5C22544A-7EE6-4342-B048-85BDC9FD1C3A}</a:tableStyleId>
+              </a:tblPr>
+              <a:tblGrid>
+                <a:gridCol w="3400425"/>
+                <a:gridCol w="3400425"/>
+              </a:tblGrid>
+              <a:tr h="584994">
+                <a:tc>
+                  <a:txBody>
+                    <a:bodyPr/>
+                    <a:lstStyle/>
+                    <a:p>
+                      <a:pPr algn="ctr"/>
+                      <a:r>
+                        <a:rPr lang="ru-RU" sz="2000" dirty="0" smtClean="0">
+                          <a:solidFill>
+                            <a:schemeClr val="tx1"/>
+                          </a:solidFill>
+                          <a:latin typeface="Times New Roman" panose="02020603050405020304" pitchFamily="18" charset="0"/>
+                          <a:cs typeface="Times New Roman" panose="02020603050405020304" pitchFamily="18" charset="0"/>
+                        </a:rPr>
+                        <a:t>Задача</a:t>
+                      </a:r>
+                      <a:endParaRPr lang="ru-RU" sz="2000" dirty="0">
+                        <a:solidFill>
+                          <a:schemeClr val="tx1"/>
+                        </a:solidFill>
+                        <a:latin typeface="Times New Roman" panose="02020603050405020304" pitchFamily="18" charset="0"/>
+                        <a:cs typeface="Times New Roman" panose="02020603050405020304" pitchFamily="18" charset="0"/>
+                      </a:endParaRPr>
+                    </a:p>
+                  </a:txBody>
+                  <a:tcPr/>
+                </a:tc>
+                <a:tc>
+                  <a:txBody>
+                    <a:bodyPr/>
+                    <a:lstStyle/>
+                    <a:p>
+                      <a:pPr algn="ctr"/>
+                      <a:r>
+                        <a:rPr lang="ru-RU" sz="2000" dirty="0" smtClean="0">
+                          <a:solidFill>
+                            <a:schemeClr val="tx1"/>
+                          </a:solidFill>
+                          <a:latin typeface="Times New Roman" panose="02020603050405020304" pitchFamily="18" charset="0"/>
+                          <a:cs typeface="Times New Roman" panose="02020603050405020304" pitchFamily="18" charset="0"/>
+                        </a:rPr>
+                        <a:t>Ответственный</a:t>
+                      </a:r>
+                      <a:endParaRPr lang="ru-RU" sz="2000" dirty="0">
+                        <a:solidFill>
+                          <a:schemeClr val="tx1"/>
+                        </a:solidFill>
+                        <a:latin typeface="Times New Roman" panose="02020603050405020304" pitchFamily="18" charset="0"/>
+                        <a:cs typeface="Times New Roman" panose="02020603050405020304" pitchFamily="18" charset="0"/>
+                      </a:endParaRPr>
+                    </a:p>
+                  </a:txBody>
+                  <a:tcPr/>
+                </a:tc>
+              </a:tr>
+              <a:tr h="584994">
+                <a:tc>
+                  <a:txBody>
+                    <a:bodyPr/>
+                    <a:lstStyle/>
+                    <a:p>
+                      <a:r>
+                        <a:rPr lang="ru-RU" sz="2000" dirty="0" smtClean="0">
+                          <a:latin typeface="Times New Roman" panose="02020603050405020304" pitchFamily="18" charset="0"/>
+                          <a:cs typeface="Times New Roman" panose="02020603050405020304" pitchFamily="18" charset="0"/>
+                        </a:rPr>
+                        <a:t>Техническое</a:t>
+                      </a:r>
+                      <a:r>
+                        <a:rPr lang="ru-RU" sz="2000" baseline="0" dirty="0" smtClean="0">
+                          <a:latin typeface="Times New Roman" panose="02020603050405020304" pitchFamily="18" charset="0"/>
+                          <a:cs typeface="Times New Roman" panose="02020603050405020304" pitchFamily="18" charset="0"/>
+                        </a:rPr>
+                        <a:t> задание</a:t>
+                      </a:r>
+                      <a:endParaRPr lang="ru-RU" sz="2000" dirty="0">
+                        <a:latin typeface="Times New Roman" panose="02020603050405020304" pitchFamily="18" charset="0"/>
+                        <a:cs typeface="Times New Roman" panose="02020603050405020304" pitchFamily="18" charset="0"/>
+                      </a:endParaRPr>
+                    </a:p>
+                  </a:txBody>
+                  <a:tcPr/>
+                </a:tc>
+                <a:tc>
+                  <a:txBody>
+                    <a:bodyPr/>
+                    <a:lstStyle/>
+                    <a:p>
+                      <a:r>
+                        <a:rPr lang="ru-RU" sz="2000" dirty="0" smtClean="0">
+                          <a:latin typeface="Times New Roman" panose="02020603050405020304" pitchFamily="18" charset="0"/>
+                          <a:cs typeface="Times New Roman" panose="02020603050405020304" pitchFamily="18" charset="0"/>
+                        </a:rPr>
+                        <a:t>Ставер Илья</a:t>
+                      </a:r>
+                      <a:endParaRPr lang="ru-RU" sz="2000" dirty="0">
+                        <a:latin typeface="Times New Roman" panose="02020603050405020304" pitchFamily="18" charset="0"/>
+                        <a:cs typeface="Times New Roman" panose="02020603050405020304" pitchFamily="18" charset="0"/>
+                      </a:endParaRPr>
+                    </a:p>
+                  </a:txBody>
+                  <a:tcPr/>
+                </a:tc>
+              </a:tr>
+              <a:tr h="584994">
+                <a:tc>
+                  <a:txBody>
+                    <a:bodyPr/>
+                    <a:lstStyle/>
+                    <a:p>
+                      <a:r>
+                        <a:rPr lang="ru-RU" sz="2000" dirty="0" smtClean="0">
+                          <a:latin typeface="Times New Roman" panose="02020603050405020304" pitchFamily="18" charset="0"/>
+                          <a:cs typeface="Times New Roman" panose="02020603050405020304" pitchFamily="18" charset="0"/>
+                        </a:rPr>
+                        <a:t>Курсовой проект</a:t>
+                      </a:r>
+                      <a:endParaRPr lang="ru-RU" sz="2000" dirty="0">
+                        <a:latin typeface="Times New Roman" panose="02020603050405020304" pitchFamily="18" charset="0"/>
+                        <a:cs typeface="Times New Roman" panose="02020603050405020304" pitchFamily="18" charset="0"/>
+                      </a:endParaRPr>
+                    </a:p>
+                  </a:txBody>
+                  <a:tcPr/>
+                </a:tc>
+                <a:tc>
+                  <a:txBody>
+                    <a:bodyPr/>
+                    <a:lstStyle/>
+                    <a:p>
+                      <a:r>
+                        <a:rPr lang="ru-RU" sz="2000" dirty="0" smtClean="0">
+                          <a:latin typeface="Times New Roman" panose="02020603050405020304" pitchFamily="18" charset="0"/>
+                          <a:cs typeface="Times New Roman" panose="02020603050405020304" pitchFamily="18" charset="0"/>
+                        </a:rPr>
+                        <a:t>Ставер Илья, </a:t>
+                      </a:r>
+                      <a:r>
+                        <a:rPr lang="ru-RU" sz="2000" dirty="0" err="1" smtClean="0">
+                          <a:latin typeface="Times New Roman" panose="02020603050405020304" pitchFamily="18" charset="0"/>
+                          <a:cs typeface="Times New Roman" panose="02020603050405020304" pitchFamily="18" charset="0"/>
+                        </a:rPr>
+                        <a:t>Шеменев</a:t>
+                      </a:r>
+                      <a:r>
+                        <a:rPr lang="ru-RU" sz="2000" dirty="0" smtClean="0">
+                          <a:latin typeface="Times New Roman" panose="02020603050405020304" pitchFamily="18" charset="0"/>
+                          <a:cs typeface="Times New Roman" panose="02020603050405020304" pitchFamily="18" charset="0"/>
+                        </a:rPr>
+                        <a:t> Михаил, Попов Максим</a:t>
+                      </a:r>
+                      <a:endParaRPr lang="ru-RU" sz="2000" dirty="0">
+                        <a:latin typeface="Times New Roman" panose="02020603050405020304" pitchFamily="18" charset="0"/>
+                        <a:cs typeface="Times New Roman" panose="02020603050405020304" pitchFamily="18" charset="0"/>
+                      </a:endParaRPr>
+                    </a:p>
+                  </a:txBody>
+                  <a:tcPr/>
+                </a:tc>
+              </a:tr>
+              <a:tr h="584994">
+                <a:tc>
+                  <a:txBody>
+                    <a:bodyPr/>
+                    <a:lstStyle/>
+                    <a:p>
+                      <a:r>
+                        <a:rPr lang="ru-RU" sz="2000" dirty="0" smtClean="0">
+                          <a:latin typeface="Times New Roman" panose="02020603050405020304" pitchFamily="18" charset="0"/>
+                          <a:cs typeface="Times New Roman" panose="02020603050405020304" pitchFamily="18" charset="0"/>
+                        </a:rPr>
+                        <a:t>Дизайн, макет страниц</a:t>
+                      </a:r>
+                      <a:endParaRPr lang="ru-RU" sz="2000" dirty="0">
+                        <a:latin typeface="Times New Roman" panose="02020603050405020304" pitchFamily="18" charset="0"/>
+                        <a:cs typeface="Times New Roman" panose="02020603050405020304" pitchFamily="18" charset="0"/>
+                      </a:endParaRPr>
+                    </a:p>
+                  </a:txBody>
+                  <a:tcPr/>
+                </a:tc>
+                <a:tc>
+                  <a:txBody>
+                    <a:bodyPr/>
+                    <a:lstStyle/>
+                    <a:p>
+                      <a:r>
+                        <a:rPr lang="ru-RU" sz="2000" dirty="0" smtClean="0">
+                          <a:latin typeface="Times New Roman" panose="02020603050405020304" pitchFamily="18" charset="0"/>
+                          <a:cs typeface="Times New Roman" panose="02020603050405020304" pitchFamily="18" charset="0"/>
+                        </a:rPr>
+                        <a:t>Ставер Илья, </a:t>
+                      </a:r>
+                      <a:r>
+                        <a:rPr lang="ru-RU" sz="2000" dirty="0" err="1" smtClean="0">
+                          <a:latin typeface="Times New Roman" panose="02020603050405020304" pitchFamily="18" charset="0"/>
+                          <a:cs typeface="Times New Roman" panose="02020603050405020304" pitchFamily="18" charset="0"/>
+                        </a:rPr>
+                        <a:t>Шеменев</a:t>
+                      </a:r>
+                      <a:r>
+                        <a:rPr lang="ru-RU" sz="2000" dirty="0" smtClean="0">
+                          <a:latin typeface="Times New Roman" panose="02020603050405020304" pitchFamily="18" charset="0"/>
+                          <a:cs typeface="Times New Roman" panose="02020603050405020304" pitchFamily="18" charset="0"/>
+                        </a:rPr>
+                        <a:t> Михаил</a:t>
+                      </a:r>
+                      <a:endParaRPr lang="ru-RU" sz="2000" dirty="0">
+                        <a:latin typeface="Times New Roman" panose="02020603050405020304" pitchFamily="18" charset="0"/>
+                        <a:cs typeface="Times New Roman" panose="02020603050405020304" pitchFamily="18" charset="0"/>
+                      </a:endParaRPr>
+                    </a:p>
+                  </a:txBody>
+                  <a:tcPr/>
+                </a:tc>
+              </a:tr>
+              <a:tr h="584994">
+                <a:tc>
+                  <a:txBody>
+                    <a:bodyPr/>
+                    <a:lstStyle/>
+                    <a:p>
+                      <a:r>
+                        <a:rPr lang="ru-RU" sz="2000" dirty="0" smtClean="0">
+                          <a:latin typeface="Times New Roman" panose="02020603050405020304" pitchFamily="18" charset="0"/>
+                          <a:cs typeface="Times New Roman" panose="02020603050405020304" pitchFamily="18" charset="0"/>
+                        </a:rPr>
+                        <a:t>Верстка страниц</a:t>
+                      </a:r>
+                      <a:endParaRPr lang="ru-RU" sz="2000" dirty="0">
+                        <a:latin typeface="Times New Roman" panose="02020603050405020304" pitchFamily="18" charset="0"/>
+                        <a:cs typeface="Times New Roman" panose="02020603050405020304" pitchFamily="18" charset="0"/>
+                      </a:endParaRPr>
+                    </a:p>
+                  </a:txBody>
+                  <a:tcPr/>
+                </a:tc>
+                <a:tc>
+                  <a:txBody>
+                    <a:bodyPr/>
+                    <a:lstStyle/>
+                    <a:p>
+                      <a:r>
+                        <a:rPr lang="ru-RU" sz="2000" dirty="0" smtClean="0">
+                          <a:latin typeface="Times New Roman" panose="02020603050405020304" pitchFamily="18" charset="0"/>
+                          <a:cs typeface="Times New Roman" panose="02020603050405020304" pitchFamily="18" charset="0"/>
+                        </a:rPr>
+                        <a:t>Ставер Илья</a:t>
+                      </a:r>
+                      <a:endParaRPr lang="ru-RU" sz="2000" dirty="0">
+                        <a:latin typeface="Times New Roman" panose="02020603050405020304" pitchFamily="18" charset="0"/>
+                        <a:cs typeface="Times New Roman" panose="02020603050405020304" pitchFamily="18" charset="0"/>
+                      </a:endParaRPr>
+                    </a:p>
+                  </a:txBody>
+                  <a:tcPr/>
+                </a:tc>
+              </a:tr>
+              <a:tr h="584994">
+                <a:tc>
+                  <a:txBody>
+                    <a:bodyPr/>
+                    <a:lstStyle/>
+                    <a:p>
+                      <a:r>
+                        <a:rPr lang="en-US" sz="2000" dirty="0" smtClean="0">
+                          <a:latin typeface="Times New Roman" panose="02020603050405020304" pitchFamily="18" charset="0"/>
+                          <a:cs typeface="Times New Roman" panose="02020603050405020304" pitchFamily="18" charset="0"/>
+                        </a:rPr>
+                        <a:t>React</a:t>
+                      </a:r>
+                      <a:r>
+                        <a:rPr lang="en-US" sz="2000" baseline="0" dirty="0" smtClean="0">
+                          <a:latin typeface="Times New Roman" panose="02020603050405020304" pitchFamily="18" charset="0"/>
+                          <a:cs typeface="Times New Roman" panose="02020603050405020304" pitchFamily="18" charset="0"/>
+                        </a:rPr>
+                        <a:t> Native </a:t>
+                      </a:r>
+                      <a:r>
+                        <a:rPr lang="ru-RU" sz="2000" baseline="0" dirty="0" smtClean="0">
+                          <a:latin typeface="Times New Roman" panose="02020603050405020304" pitchFamily="18" charset="0"/>
+                          <a:cs typeface="Times New Roman" panose="02020603050405020304" pitchFamily="18" charset="0"/>
+                        </a:rPr>
+                        <a:t>приложение</a:t>
+                      </a:r>
+                      <a:endParaRPr lang="ru-RU" sz="2000" dirty="0">
+                        <a:latin typeface="Times New Roman" panose="02020603050405020304" pitchFamily="18" charset="0"/>
+                        <a:cs typeface="Times New Roman" panose="02020603050405020304" pitchFamily="18" charset="0"/>
+                      </a:endParaRPr>
+                    </a:p>
+                  </a:txBody>
+                  <a:tcPr/>
+                </a:tc>
+                <a:tc>
+                  <a:txBody>
+                    <a:bodyPr/>
+                    <a:lstStyle/>
+                    <a:p>
+                      <a:r>
+                        <a:rPr lang="ru-RU" sz="2000" dirty="0" smtClean="0">
+                          <a:latin typeface="Times New Roman" panose="02020603050405020304" pitchFamily="18" charset="0"/>
+                          <a:cs typeface="Times New Roman" panose="02020603050405020304" pitchFamily="18" charset="0"/>
+                        </a:rPr>
+                        <a:t>Ставер</a:t>
+                      </a:r>
+                      <a:r>
+                        <a:rPr lang="ru-RU" sz="2000" baseline="0" dirty="0" smtClean="0">
+                          <a:latin typeface="Times New Roman" panose="02020603050405020304" pitchFamily="18" charset="0"/>
+                          <a:cs typeface="Times New Roman" panose="02020603050405020304" pitchFamily="18" charset="0"/>
+                        </a:rPr>
+                        <a:t> Илья</a:t>
+                      </a:r>
+                      <a:endParaRPr lang="ru-RU" sz="2000" dirty="0">
+                        <a:latin typeface="Times New Roman" panose="02020603050405020304" pitchFamily="18" charset="0"/>
+                        <a:cs typeface="Times New Roman" panose="02020603050405020304" pitchFamily="18" charset="0"/>
+                      </a:endParaRPr>
+                    </a:p>
+                  </a:txBody>
+                  <a:tcPr/>
+                </a:tc>
+              </a:tr>
+              <a:tr h="584994">
+                <a:tc>
+                  <a:txBody>
+                    <a:bodyPr/>
+                    <a:lstStyle/>
+                    <a:p>
+                      <a:r>
+                        <a:rPr lang="ru-RU" sz="2000" dirty="0" err="1" smtClean="0">
+                          <a:latin typeface="Times New Roman" panose="02020603050405020304" pitchFamily="18" charset="0"/>
+                          <a:cs typeface="Times New Roman" panose="02020603050405020304" pitchFamily="18" charset="0"/>
+                        </a:rPr>
+                        <a:t>Бекэнд</a:t>
+                      </a:r>
+                      <a:endParaRPr lang="ru-RU" sz="2000" dirty="0">
+                        <a:latin typeface="Times New Roman" panose="02020603050405020304" pitchFamily="18" charset="0"/>
+                        <a:cs typeface="Times New Roman" panose="02020603050405020304" pitchFamily="18" charset="0"/>
+                      </a:endParaRPr>
+                    </a:p>
+                  </a:txBody>
+                  <a:tcPr/>
+                </a:tc>
+                <a:tc>
+                  <a:txBody>
+                    <a:bodyPr/>
+                    <a:lstStyle/>
+                    <a:p>
+                      <a:r>
+                        <a:rPr lang="ru-RU" sz="2000" dirty="0" err="1" smtClean="0">
+                          <a:latin typeface="Times New Roman" panose="02020603050405020304" pitchFamily="18" charset="0"/>
+                          <a:cs typeface="Times New Roman" panose="02020603050405020304" pitchFamily="18" charset="0"/>
+                        </a:rPr>
+                        <a:t>Шеменев</a:t>
+                      </a:r>
+                      <a:r>
+                        <a:rPr lang="ru-RU" sz="2000" dirty="0" smtClean="0">
+                          <a:latin typeface="Times New Roman" panose="02020603050405020304" pitchFamily="18" charset="0"/>
+                          <a:cs typeface="Times New Roman" panose="02020603050405020304" pitchFamily="18" charset="0"/>
+                        </a:rPr>
+                        <a:t> Михаил</a:t>
+                      </a:r>
+                      <a:endParaRPr lang="ru-RU" sz="2000" dirty="0">
+                        <a:latin typeface="Times New Roman" panose="02020603050405020304" pitchFamily="18" charset="0"/>
+                        <a:cs typeface="Times New Roman" panose="02020603050405020304" pitchFamily="18" charset="0"/>
+                      </a:endParaRPr>
+                    </a:p>
+                  </a:txBody>
+                  <a:tcPr/>
+                </a:tc>
+              </a:tr>
+              <a:tr h="584994">
+                <a:tc>
+                  <a:txBody>
+                    <a:bodyPr/>
+                    <a:lstStyle/>
+                    <a:p>
+                      <a:r>
+                        <a:rPr lang="ru-RU" sz="2000" dirty="0" smtClean="0">
+                          <a:latin typeface="Times New Roman" panose="02020603050405020304" pitchFamily="18" charset="0"/>
+                          <a:cs typeface="Times New Roman" panose="02020603050405020304" pitchFamily="18" charset="0"/>
+                        </a:rPr>
+                        <a:t>Аналитика</a:t>
+                      </a:r>
+                      <a:endParaRPr lang="ru-RU" sz="2000" dirty="0">
+                        <a:latin typeface="Times New Roman" panose="02020603050405020304" pitchFamily="18" charset="0"/>
+                        <a:cs typeface="Times New Roman" panose="02020603050405020304" pitchFamily="18" charset="0"/>
+                      </a:endParaRPr>
+                    </a:p>
+                  </a:txBody>
+                  <a:tcPr/>
+                </a:tc>
+                <a:tc>
+                  <a:txBody>
+                    <a:bodyPr/>
+                    <a:lstStyle/>
+                    <a:p>
+                      <a:r>
+                        <a:rPr lang="ru-RU" sz="2000" dirty="0" smtClean="0">
+                          <a:latin typeface="Times New Roman" panose="02020603050405020304" pitchFamily="18" charset="0"/>
+                          <a:cs typeface="Times New Roman" panose="02020603050405020304" pitchFamily="18" charset="0"/>
+                        </a:rPr>
+                        <a:t>Ставер Илья</a:t>
+                      </a:r>
+                      <a:endParaRPr lang="ru-RU" sz="2000" dirty="0">
+                        <a:latin typeface="Times New Roman" panose="02020603050405020304" pitchFamily="18" charset="0"/>
+                        <a:cs typeface="Times New Roman" panose="02020603050405020304" pitchFamily="18" charset="0"/>
+                      </a:endParaRPr>
+                    </a:p>
+                  </a:txBody>
+                  <a:tcPr/>
+                </a:tc>
+              </a:tr>
+            </a:tbl>
+          </a:graphicData>
+        </a:graphic>
+      </p:graphicFrame>
+      <p:sp>
+        <p:nvSpPr>
+          <p:cNvPr id="4" name="Номер слайда 3"/>
+          <p:cNvSpPr>
+            <a:spLocks noGrp="1"/>
+          </p:cNvSpPr>
+          <p:nvPr>
+            <p:ph type="sldNum" sz="quarter" idx="12"/>
+          </p:nvPr>
+        </p:nvSpPr>
+        <p:spPr/>
+        <p:txBody>
+          <a:bodyPr/>
+          <a:lstStyle/>
+          <a:p>
+            <a:fld id="{C2F9D202-99AC-4AF2-9D53-28C46CAF399E}" type="slidenum">
+              <a:rPr lang="ru-RU" sz="2000" smtClean="0">
+                <a:latin typeface="Times New Roman" panose="02020603050405020304" pitchFamily="18" charset="0"/>
+                <a:cs typeface="Times New Roman" panose="02020603050405020304" pitchFamily="18" charset="0"/>
+              </a:rPr>
+              <a:t>19</a:t>
+            </a:fld>
+            <a:endParaRPr lang="ru-RU" sz="2000" dirty="0">
+              <a:latin typeface="Times New Roman" panose="02020603050405020304" pitchFamily="18" charset="0"/>
+              <a:cs typeface="Times New Roman" panose="02020603050405020304" pitchFamily="18" charset="0"/>
+            </a:endParaRPr>
+          </a:p>
+        </p:txBody>
+      </p:sp>
+    </p:spTree>
+    <p:extLst>
+      <p:ext uri="{BB962C8B-B14F-4D97-AF65-F5344CB8AC3E}">
+        <p14:creationId xmlns:p14="http://schemas.microsoft.com/office/powerpoint/2010/main" val="3625971258"/>
+      </p:ext>
+    </p:extLst>
+  </p:cSld>
+  <p:clrMapOvr>
+    <a:masterClrMapping/>
+  </p:clrMapOvr>
 </p:sld>
 </file>
 
@@ -4368,12 +6194,7 @@
             <p:ph type="title"/>
           </p:nvPr>
         </p:nvSpPr>
-        <p:spPr>
-          <a:xfrm>
-            <a:off x="838200" y="270235"/>
-            <a:ext cx="10515600" cy="1325563"/>
-          </a:xfrm>
-        </p:spPr>
+        <p:spPr/>
         <p:txBody>
           <a:bodyPr>
             <a:normAutofit/>
@@ -4381,11 +6202,240 @@
           <a:lstStyle/>
           <a:p>
             <a:r>
+              <a:rPr lang="ru-RU" sz="6000" dirty="0">
+                <a:latin typeface="Times New Roman" panose="02020603050405020304" pitchFamily="18" charset="0"/>
+                <a:cs typeface="Times New Roman" panose="02020603050405020304" pitchFamily="18" charset="0"/>
+              </a:rPr>
+              <a:t>Структура презентации</a:t>
+            </a:r>
+          </a:p>
+        </p:txBody>
+      </p:sp>
+      <p:sp>
+        <p:nvSpPr>
+          <p:cNvPr id="3" name="Объект 2"/>
+          <p:cNvSpPr>
+            <a:spLocks noGrp="1"/>
+          </p:cNvSpPr>
+          <p:nvPr>
+            <p:ph idx="1"/>
+          </p:nvPr>
+        </p:nvSpPr>
+        <p:spPr/>
+        <p:txBody>
+          <a:bodyPr>
+            <a:normAutofit lnSpcReduction="10000"/>
+          </a:bodyPr>
+          <a:lstStyle/>
+          <a:p>
+            <a:r>
+              <a:rPr lang="ru-RU" sz="3200" dirty="0" smtClean="0">
+                <a:latin typeface="Times New Roman" panose="02020603050405020304" pitchFamily="18" charset="0"/>
+                <a:cs typeface="Times New Roman" panose="02020603050405020304" pitchFamily="18" charset="0"/>
+              </a:rPr>
+              <a:t>Проблематика предметной области</a:t>
+            </a:r>
+          </a:p>
+          <a:p>
+            <a:r>
+              <a:rPr lang="ru-RU" sz="3200" dirty="0" smtClean="0">
+                <a:latin typeface="Times New Roman" panose="02020603050405020304" pitchFamily="18" charset="0"/>
+                <a:cs typeface="Times New Roman" panose="02020603050405020304" pitchFamily="18" charset="0"/>
+              </a:rPr>
+              <a:t>Обзор аналогов</a:t>
+            </a:r>
+            <a:endParaRPr lang="ru-RU" sz="3200" dirty="0">
+              <a:latin typeface="Times New Roman" panose="02020603050405020304" pitchFamily="18" charset="0"/>
+              <a:cs typeface="Times New Roman" panose="02020603050405020304" pitchFamily="18" charset="0"/>
+            </a:endParaRPr>
+          </a:p>
+          <a:p>
+            <a:r>
+              <a:rPr lang="ru-RU" sz="3200" dirty="0">
+                <a:latin typeface="Times New Roman" panose="02020603050405020304" pitchFamily="18" charset="0"/>
+                <a:cs typeface="Times New Roman" panose="02020603050405020304" pitchFamily="18" charset="0"/>
+              </a:rPr>
+              <a:t>Назначения приложения</a:t>
+            </a:r>
+          </a:p>
+          <a:p>
+            <a:r>
+              <a:rPr lang="ru-RU" sz="3200" dirty="0">
+                <a:latin typeface="Times New Roman" panose="02020603050405020304" pitchFamily="18" charset="0"/>
+                <a:cs typeface="Times New Roman" panose="02020603050405020304" pitchFamily="18" charset="0"/>
+              </a:rPr>
+              <a:t>Требования к </a:t>
+            </a:r>
+            <a:r>
+              <a:rPr lang="ru-RU" sz="3200" dirty="0" smtClean="0">
+                <a:latin typeface="Times New Roman" panose="02020603050405020304" pitchFamily="18" charset="0"/>
+                <a:cs typeface="Times New Roman" panose="02020603050405020304" pitchFamily="18" charset="0"/>
+              </a:rPr>
+              <a:t>приложению</a:t>
+            </a:r>
+          </a:p>
+          <a:p>
+            <a:r>
+              <a:rPr lang="ru-RU" sz="3200" dirty="0" smtClean="0">
+                <a:latin typeface="Times New Roman" panose="02020603050405020304" pitchFamily="18" charset="0"/>
+                <a:cs typeface="Times New Roman" panose="02020603050405020304" pitchFamily="18" charset="0"/>
+              </a:rPr>
+              <a:t>Реализация</a:t>
+            </a:r>
+            <a:endParaRPr lang="en-US" sz="3200" dirty="0" smtClean="0">
+              <a:latin typeface="Times New Roman" panose="02020603050405020304" pitchFamily="18" charset="0"/>
+              <a:cs typeface="Times New Roman" panose="02020603050405020304" pitchFamily="18" charset="0"/>
+            </a:endParaRPr>
+          </a:p>
+          <a:p>
+            <a:r>
+              <a:rPr lang="ru-RU" sz="3200" dirty="0">
+                <a:latin typeface="Times New Roman" panose="02020603050405020304" pitchFamily="18" charset="0"/>
+                <a:cs typeface="Times New Roman" panose="02020603050405020304" pitchFamily="18" charset="0"/>
+              </a:rPr>
+              <a:t>Отчёт по </a:t>
+            </a:r>
+            <a:r>
+              <a:rPr lang="ru-RU" sz="3200" dirty="0" smtClean="0">
+                <a:latin typeface="Times New Roman" panose="02020603050405020304" pitchFamily="18" charset="0"/>
+                <a:cs typeface="Times New Roman" panose="02020603050405020304" pitchFamily="18" charset="0"/>
+              </a:rPr>
+              <a:t>ролям</a:t>
+            </a:r>
+            <a:endParaRPr lang="ru-RU" sz="3200" dirty="0">
+              <a:latin typeface="Times New Roman" panose="02020603050405020304" pitchFamily="18" charset="0"/>
+              <a:cs typeface="Times New Roman" panose="02020603050405020304" pitchFamily="18" charset="0"/>
+            </a:endParaRPr>
+          </a:p>
+          <a:p>
+            <a:r>
+              <a:rPr lang="ru-RU" sz="3200" dirty="0">
+                <a:latin typeface="Times New Roman" panose="02020603050405020304" pitchFamily="18" charset="0"/>
+                <a:cs typeface="Times New Roman" panose="02020603050405020304" pitchFamily="18" charset="0"/>
+              </a:rPr>
+              <a:t>Перспективы развития </a:t>
+            </a:r>
+            <a:r>
+              <a:rPr lang="ru-RU" sz="3200" dirty="0" smtClean="0">
+                <a:latin typeface="Times New Roman" panose="02020603050405020304" pitchFamily="18" charset="0"/>
+                <a:cs typeface="Times New Roman" panose="02020603050405020304" pitchFamily="18" charset="0"/>
+              </a:rPr>
+              <a:t>приложения</a:t>
+            </a:r>
+            <a:endParaRPr lang="en-US" sz="3200" dirty="0" smtClean="0">
+              <a:latin typeface="Times New Roman" panose="02020603050405020304" pitchFamily="18" charset="0"/>
+              <a:cs typeface="Times New Roman" panose="02020603050405020304" pitchFamily="18" charset="0"/>
+            </a:endParaRPr>
+          </a:p>
+          <a:p>
+            <a:r>
+              <a:rPr lang="ru-RU" sz="3200" smtClean="0">
+                <a:latin typeface="Times New Roman" panose="02020603050405020304" pitchFamily="18" charset="0"/>
+                <a:cs typeface="Times New Roman" panose="02020603050405020304" pitchFamily="18" charset="0"/>
+              </a:rPr>
+              <a:t>Заключение</a:t>
+            </a:r>
+            <a:endParaRPr lang="ru-RU" sz="3200" dirty="0" smtClean="0">
+              <a:latin typeface="Times New Roman" panose="02020603050405020304" pitchFamily="18" charset="0"/>
+              <a:cs typeface="Times New Roman" panose="02020603050405020304" pitchFamily="18" charset="0"/>
+            </a:endParaRPr>
+          </a:p>
+        </p:txBody>
+      </p:sp>
+      <p:sp>
+        <p:nvSpPr>
+          <p:cNvPr id="4" name="Номер слайда 3"/>
+          <p:cNvSpPr>
+            <a:spLocks noGrp="1"/>
+          </p:cNvSpPr>
+          <p:nvPr>
+            <p:ph type="sldNum" sz="quarter" idx="12"/>
+          </p:nvPr>
+        </p:nvSpPr>
+        <p:spPr/>
+        <p:txBody>
+          <a:bodyPr/>
+          <a:lstStyle/>
+          <a:p>
+            <a:fld id="{B1531C2E-F26F-4A1B-AFB5-A313119C521B}" type="slidenum">
+              <a:rPr lang="ru-RU" sz="2000" smtClean="0">
+                <a:latin typeface="Times New Roman" panose="02020603050405020304" pitchFamily="18" charset="0"/>
+                <a:cs typeface="Times New Roman" panose="02020603050405020304" pitchFamily="18" charset="0"/>
+              </a:rPr>
+              <a:t>2</a:t>
+            </a:fld>
+            <a:endParaRPr lang="ru-RU" sz="2000" dirty="0">
+              <a:latin typeface="Times New Roman" panose="02020603050405020304" pitchFamily="18" charset="0"/>
+              <a:cs typeface="Times New Roman" panose="02020603050405020304" pitchFamily="18" charset="0"/>
+            </a:endParaRPr>
+          </a:p>
+        </p:txBody>
+      </p:sp>
+    </p:spTree>
+    <p:extLst>
+      <p:ext uri="{BB962C8B-B14F-4D97-AF65-F5344CB8AC3E}">
+        <p14:creationId xmlns:p14="http://schemas.microsoft.com/office/powerpoint/2010/main" val="3952765872"/>
+      </p:ext>
+    </p:extLst>
+  </p:cSld>
+  <p:clrMapOvr>
+    <a:masterClrMapping/>
+  </p:clrMapOvr>
+  <p:timing>
+    <p:tnLst>
+      <p:par>
+        <p:cTn id="1" dur="indefinite" restart="never" nodeType="tmRoot"/>
+      </p:par>
+    </p:tnLst>
+  </p:timing>
+</p:sld>
+</file>
+
+<file path=ppt/slides/slide20.xml><?xml version="1.0" encoding="utf-8"?>
+<p:sld xmlns:a="http://schemas.openxmlformats.org/drawingml/2006/main" xmlns:r="http://schemas.openxmlformats.org/officeDocument/2006/relationships" xmlns:p="http://schemas.openxmlformats.org/presentationml/2006/main">
+  <p:cSld>
+    <p:spTree>
+      <p:nvGrpSpPr>
+        <p:cNvPr id="1" name=""/>
+        <p:cNvGrpSpPr/>
+        <p:nvPr/>
+      </p:nvGrpSpPr>
+      <p:grpSpPr>
+        <a:xfrm>
+          <a:off x="0" y="0"/>
+          <a:ext cx="0" cy="0"/>
+          <a:chOff x="0" y="0"/>
+          <a:chExt cx="0" cy="0"/>
+        </a:xfrm>
+      </p:grpSpPr>
+      <p:sp>
+        <p:nvSpPr>
+          <p:cNvPr id="2" name="Заголовок 1"/>
+          <p:cNvSpPr>
+            <a:spLocks noGrp="1"/>
+          </p:cNvSpPr>
+          <p:nvPr>
+            <p:ph type="title"/>
+          </p:nvPr>
+        </p:nvSpPr>
+        <p:spPr>
+          <a:xfrm>
+            <a:off x="258792" y="227103"/>
+            <a:ext cx="11809563" cy="1325563"/>
+          </a:xfrm>
+        </p:spPr>
+        <p:txBody>
+          <a:bodyPr>
+            <a:noAutofit/>
+          </a:bodyPr>
+          <a:lstStyle/>
+          <a:p>
+            <a:r>
               <a:rPr lang="ru-RU" sz="6000" dirty="0" smtClean="0">
                 <a:latin typeface="Times New Roman" panose="02020603050405020304" pitchFamily="18" charset="0"/>
                 <a:cs typeface="Times New Roman" panose="02020603050405020304" pitchFamily="18" charset="0"/>
               </a:rPr>
-              <a:t>Структура презентации</a:t>
+              <a:t>Перспективы развития приложения</a:t>
             </a:r>
             <a:endParaRPr lang="ru-RU" sz="6000" dirty="0">
               <a:latin typeface="Times New Roman" panose="02020603050405020304" pitchFamily="18" charset="0"/>
@@ -4406,8 +6456,8 @@
         </p:nvSpPr>
         <p:spPr>
           <a:xfrm>
-            <a:off x="838200" y="1963647"/>
-            <a:ext cx="10515600" cy="4351338"/>
+            <a:off x="258792" y="1975360"/>
+            <a:ext cx="11933208" cy="4351338"/>
           </a:xfrm>
         </p:spPr>
         <p:txBody>
@@ -4417,21 +6467,44 @@
           <a:lstStyle/>
           <a:p>
             <a:r>
+              <a:rPr lang="ru-RU" sz="3200" dirty="0">
+                <a:latin typeface="Times New Roman" panose="02020603050405020304" pitchFamily="18" charset="0"/>
+                <a:cs typeface="Times New Roman" panose="02020603050405020304" pitchFamily="18" charset="0"/>
+              </a:rPr>
+              <a:t>Д</a:t>
+            </a:r>
+            <a:r>
               <a:rPr lang="ru-RU" sz="3200" dirty="0" smtClean="0">
                 <a:latin typeface="Times New Roman" panose="02020603050405020304" pitchFamily="18" charset="0"/>
                 <a:cs typeface="Times New Roman" panose="02020603050405020304" pitchFamily="18" charset="0"/>
               </a:rPr>
-              <a:t>Общие сведения</a:t>
-            </a:r>
-          </a:p>
-          <a:p>
+              <a:t>обавление функций </a:t>
+            </a:r>
+            <a:r>
+              <a:rPr lang="ru-RU" sz="3200" dirty="0">
+                <a:latin typeface="Times New Roman" panose="02020603050405020304" pitchFamily="18" charset="0"/>
+                <a:cs typeface="Times New Roman" panose="02020603050405020304" pitchFamily="18" charset="0"/>
+              </a:rPr>
+              <a:t>для поиска и фильтрации </a:t>
+            </a:r>
             <a:r>
               <a:rPr lang="ru-RU" sz="3200" dirty="0" smtClean="0">
                 <a:latin typeface="Times New Roman" panose="02020603050405020304" pitchFamily="18" charset="0"/>
                 <a:cs typeface="Times New Roman" panose="02020603050405020304" pitchFamily="18" charset="0"/>
               </a:rPr>
-              <a:t>Назначения приложения</a:t>
-            </a:r>
+              <a:t>сообщений</a:t>
+            </a:r>
+            <a:r>
+              <a:rPr lang="en-US" sz="3200" dirty="0" smtClean="0">
+                <a:latin typeface="Times New Roman" panose="02020603050405020304" pitchFamily="18" charset="0"/>
+                <a:cs typeface="Times New Roman" panose="02020603050405020304" pitchFamily="18" charset="0"/>
+              </a:rPr>
+              <a:t>;</a:t>
+            </a:r>
+            <a:endParaRPr lang="ru-RU" sz="3200" dirty="0" smtClean="0">
+              <a:latin typeface="Times New Roman" panose="02020603050405020304" pitchFamily="18" charset="0"/>
+              <a:cs typeface="Times New Roman" panose="02020603050405020304" pitchFamily="18" charset="0"/>
+            </a:endParaRPr>
           </a:p>
           <a:p>
             <a:r>
@@ -4439,16 +6512,68 @@
                 <a:latin typeface="Times New Roman" panose="02020603050405020304" pitchFamily="18" charset="0"/>
                 <a:cs typeface="Times New Roman" panose="02020603050405020304" pitchFamily="18" charset="0"/>
               </a:rPr>
-              <a:t>Требования к приложению</a:t>
-            </a:r>
-          </a:p>
-          <a:p>
+              <a:t>Внедрения локальной </a:t>
+            </a:r>
+            <a:r>
+              <a:rPr lang="ru-RU" sz="3200" dirty="0" err="1" smtClean="0">
+                <a:latin typeface="Times New Roman" panose="02020603050405020304" pitchFamily="18" charset="0"/>
+                <a:cs typeface="Times New Roman" panose="02020603050405020304" pitchFamily="18" charset="0"/>
+              </a:rPr>
+              <a:t>модерации</a:t>
+            </a:r>
             <a:r>
               <a:rPr lang="ru-RU" sz="3200" dirty="0" smtClean="0">
                 <a:latin typeface="Times New Roman" panose="02020603050405020304" pitchFamily="18" charset="0"/>
                 <a:cs typeface="Times New Roman" panose="02020603050405020304" pitchFamily="18" charset="0"/>
               </a:rPr>
-              <a:t>Перспективы развития приложения</a:t>
+              <a:t> контента и системы репортов для каналов</a:t>
+            </a:r>
+            <a:r>
+              <a:rPr lang="en-US" sz="3200" dirty="0" smtClean="0">
+                <a:latin typeface="Times New Roman" panose="02020603050405020304" pitchFamily="18" charset="0"/>
+                <a:cs typeface="Times New Roman" panose="02020603050405020304" pitchFamily="18" charset="0"/>
+              </a:rPr>
+              <a:t>;</a:t>
+            </a:r>
+            <a:endParaRPr lang="ru-RU" sz="3200" dirty="0" smtClean="0">
+              <a:latin typeface="Times New Roman" panose="02020603050405020304" pitchFamily="18" charset="0"/>
+              <a:cs typeface="Times New Roman" panose="02020603050405020304" pitchFamily="18" charset="0"/>
+            </a:endParaRPr>
+          </a:p>
+          <a:p>
+            <a:r>
+              <a:rPr lang="ru-RU" sz="3200" dirty="0" smtClean="0">
+                <a:latin typeface="Times New Roman" panose="02020603050405020304" pitchFamily="18" charset="0"/>
+                <a:cs typeface="Times New Roman" panose="02020603050405020304" pitchFamily="18" charset="0"/>
+              </a:rPr>
+              <a:t>Внедрение системы обмена медиа-файлами</a:t>
+            </a:r>
+            <a:r>
+              <a:rPr lang="en-US" sz="3200" dirty="0" smtClean="0">
+                <a:latin typeface="Times New Roman" panose="02020603050405020304" pitchFamily="18" charset="0"/>
+                <a:cs typeface="Times New Roman" panose="02020603050405020304" pitchFamily="18" charset="0"/>
+              </a:rPr>
+              <a:t>;</a:t>
+            </a:r>
+            <a:endParaRPr lang="ru-RU" sz="3200" dirty="0" smtClean="0">
+              <a:latin typeface="Times New Roman" panose="02020603050405020304" pitchFamily="18" charset="0"/>
+              <a:cs typeface="Times New Roman" panose="02020603050405020304" pitchFamily="18" charset="0"/>
+            </a:endParaRPr>
+          </a:p>
+          <a:p>
+            <a:r>
+              <a:rPr lang="ru-RU" sz="3200" dirty="0" smtClean="0">
+                <a:latin typeface="Times New Roman" panose="02020603050405020304" pitchFamily="18" charset="0"/>
+                <a:cs typeface="Times New Roman" panose="02020603050405020304" pitchFamily="18" charset="0"/>
+              </a:rPr>
+              <a:t>Перенос веб-архитектуры на мобильное устройство</a:t>
+            </a:r>
+            <a:r>
+              <a:rPr lang="en-US" sz="3200" dirty="0" smtClean="0">
+                <a:latin typeface="Times New Roman" panose="02020603050405020304" pitchFamily="18" charset="0"/>
+                <a:cs typeface="Times New Roman" panose="02020603050405020304" pitchFamily="18" charset="0"/>
+              </a:rPr>
+              <a:t>.</a:t>
             </a:r>
             <a:endParaRPr lang="ru-RU" sz="3200" dirty="0">
               <a:latin typeface="Times New Roman" panose="02020603050405020304" pitchFamily="18" charset="0"/>
@@ -4467,23 +6592,242 @@
             <p:ph type="sldNum" sz="quarter" idx="12"/>
           </p:nvPr>
         </p:nvSpPr>
-        <p:spPr>
-          <a:xfrm>
-            <a:off x="8610600" y="6409945"/>
-            <a:ext cx="2743200" cy="257936"/>
-          </a:xfrm>
-        </p:spPr>
+        <p:spPr/>
         <p:txBody>
           <a:bodyPr/>
           <a:lstStyle/>
           <a:p>
             <a:fld id="{F057AEC9-9E52-4782-943C-911A5C934F5E}" type="slidenum">
-              <a:rPr lang="ru-RU" sz="3200" smtClean="0">
-                <a:latin typeface="Times New Roman" panose="02020603050405020304" pitchFamily="18" charset="0"/>
-                <a:cs typeface="Times New Roman" panose="02020603050405020304" pitchFamily="18" charset="0"/>
-              </a:rPr>
-              <a:t>2</a:t>
+              <a:rPr lang="ru-RU" sz="2000" smtClean="0">
+                <a:latin typeface="Times New Roman" panose="02020603050405020304" pitchFamily="18" charset="0"/>
+                <a:cs typeface="Times New Roman" panose="02020603050405020304" pitchFamily="18" charset="0"/>
+              </a:rPr>
+              <a:t>20</a:t>
             </a:fld>
+            <a:endParaRPr lang="ru-RU" sz="2000" dirty="0">
+              <a:latin typeface="Times New Roman" panose="02020603050405020304" pitchFamily="18" charset="0"/>
+              <a:cs typeface="Times New Roman" panose="02020603050405020304" pitchFamily="18" charset="0"/>
+            </a:endParaRPr>
+          </a:p>
+        </p:txBody>
+      </p:sp>
+    </p:spTree>
+    <p:extLst>
+      <p:ext uri="{BB962C8B-B14F-4D97-AF65-F5344CB8AC3E}">
+        <p14:creationId xmlns:p14="http://schemas.microsoft.com/office/powerpoint/2010/main" val="1634404106"/>
+      </p:ext>
+    </p:extLst>
+  </p:cSld>
+  <p:clrMapOvr>
+    <a:masterClrMapping/>
+  </p:clrMapOvr>
+  <p:timing>
+    <p:tnLst>
+      <p:par>
+        <p:cTn id="1" dur="indefinite" restart="never" nodeType="tmRoot"/>
+      </p:par>
+    </p:tnLst>
+  </p:timing>
+</p:sld>
+</file>
+
+<file path=ppt/slides/slide21.xml><?xml version="1.0" encoding="utf-8"?>
+<p:sld xmlns:a="http://schemas.openxmlformats.org/drawingml/2006/main" xmlns:r="http://schemas.openxmlformats.org/officeDocument/2006/relationships" xmlns:p="http://schemas.openxmlformats.org/presentationml/2006/main">
+  <p:cSld>
+    <p:spTree>
+      <p:nvGrpSpPr>
+        <p:cNvPr id="1" name=""/>
+        <p:cNvGrpSpPr/>
+        <p:nvPr/>
+      </p:nvGrpSpPr>
+      <p:grpSpPr>
+        <a:xfrm>
+          <a:off x="0" y="0"/>
+          <a:ext cx="0" cy="0"/>
+          <a:chOff x="0" y="0"/>
+          <a:chExt cx="0" cy="0"/>
+        </a:xfrm>
+      </p:grpSpPr>
+      <p:sp>
+        <p:nvSpPr>
+          <p:cNvPr id="2" name="Заголовок 1"/>
+          <p:cNvSpPr>
+            <a:spLocks noGrp="1"/>
+          </p:cNvSpPr>
+          <p:nvPr>
+            <p:ph type="title"/>
+          </p:nvPr>
+        </p:nvSpPr>
+        <p:spPr/>
+        <p:txBody>
+          <a:bodyPr>
+            <a:normAutofit/>
+          </a:bodyPr>
+          <a:lstStyle/>
+          <a:p>
+            <a:r>
+              <a:rPr lang="ru-RU" sz="6000" dirty="0" smtClean="0">
+                <a:latin typeface="Times New Roman" panose="02020603050405020304" pitchFamily="18" charset="0"/>
+                <a:cs typeface="Times New Roman" panose="02020603050405020304" pitchFamily="18" charset="0"/>
+              </a:rPr>
+              <a:t>Заключение</a:t>
+            </a:r>
+            <a:endParaRPr lang="ru-RU" sz="6000" dirty="0">
+              <a:latin typeface="Times New Roman" panose="02020603050405020304" pitchFamily="18" charset="0"/>
+              <a:cs typeface="Times New Roman" panose="02020603050405020304" pitchFamily="18" charset="0"/>
+            </a:endParaRPr>
+          </a:p>
+        </p:txBody>
+      </p:sp>
+      <p:sp>
+        <p:nvSpPr>
+          <p:cNvPr id="3" name="Объект 2"/>
+          <p:cNvSpPr>
+            <a:spLocks noGrp="1"/>
+          </p:cNvSpPr>
+          <p:nvPr>
+            <p:ph idx="1"/>
+          </p:nvPr>
+        </p:nvSpPr>
+        <p:spPr/>
+        <p:txBody>
+          <a:bodyPr>
+            <a:normAutofit fontScale="92500" lnSpcReduction="20000"/>
+          </a:bodyPr>
+          <a:lstStyle/>
+          <a:p>
+            <a:pPr marL="0" indent="0">
+              <a:buNone/>
+            </a:pPr>
+            <a:r>
+              <a:rPr lang="ru-RU" sz="3500" dirty="0">
+                <a:latin typeface="Times New Roman" panose="02020603050405020304" pitchFamily="18" charset="0"/>
+                <a:cs typeface="Times New Roman" panose="02020603050405020304" pitchFamily="18" charset="0"/>
+              </a:rPr>
+              <a:t>В разработанном веб-приложении реализованы</a:t>
+            </a:r>
+            <a:r>
+              <a:rPr lang="ru-RU" sz="3500" dirty="0" smtClean="0">
+                <a:latin typeface="Times New Roman" panose="02020603050405020304" pitchFamily="18" charset="0"/>
+                <a:cs typeface="Times New Roman" panose="02020603050405020304" pitchFamily="18" charset="0"/>
+              </a:rPr>
+              <a:t>:</a:t>
+            </a:r>
+          </a:p>
+          <a:p>
+            <a:r>
+              <a:rPr lang="ru-RU" sz="3500" dirty="0" smtClean="0">
+                <a:latin typeface="Times New Roman" panose="02020603050405020304" pitchFamily="18" charset="0"/>
+                <a:cs typeface="Times New Roman" panose="02020603050405020304" pitchFamily="18" charset="0"/>
+              </a:rPr>
+              <a:t>Организация </a:t>
+            </a:r>
+            <a:r>
+              <a:rPr lang="ru-RU" sz="3500" dirty="0">
+                <a:latin typeface="Times New Roman" panose="02020603050405020304" pitchFamily="18" charset="0"/>
+                <a:cs typeface="Times New Roman" panose="02020603050405020304" pitchFamily="18" charset="0"/>
+              </a:rPr>
+              <a:t>обмена сообщениями</a:t>
+            </a:r>
+            <a:r>
+              <a:rPr lang="ru-RU" sz="3500" dirty="0" smtClean="0">
+                <a:latin typeface="Times New Roman" panose="02020603050405020304" pitchFamily="18" charset="0"/>
+                <a:cs typeface="Times New Roman" panose="02020603050405020304" pitchFamily="18" charset="0"/>
+              </a:rPr>
+              <a:t>;</a:t>
+            </a:r>
+          </a:p>
+          <a:p>
+            <a:r>
+              <a:rPr lang="ru-RU" sz="3500" dirty="0">
+                <a:latin typeface="Times New Roman" panose="02020603050405020304" pitchFamily="18" charset="0"/>
+                <a:cs typeface="Times New Roman" panose="02020603050405020304" pitchFamily="18" charset="0"/>
+              </a:rPr>
+              <a:t>Возможность просмотра истории сообщений канала без регистрации</a:t>
+            </a:r>
+            <a:r>
+              <a:rPr lang="ru-RU" sz="3500" dirty="0" smtClean="0">
+                <a:latin typeface="Times New Roman" panose="02020603050405020304" pitchFamily="18" charset="0"/>
+                <a:cs typeface="Times New Roman" panose="02020603050405020304" pitchFamily="18" charset="0"/>
+              </a:rPr>
+              <a:t>;</a:t>
+            </a:r>
+          </a:p>
+          <a:p>
+            <a:r>
+              <a:rPr lang="ru-RU" sz="3500" dirty="0">
+                <a:latin typeface="Times New Roman" panose="02020603050405020304" pitchFamily="18" charset="0"/>
+                <a:cs typeface="Times New Roman" panose="02020603050405020304" pitchFamily="18" charset="0"/>
+              </a:rPr>
+              <a:t>Создание чатов/каналов;</a:t>
+            </a:r>
+            <a:endParaRPr lang="ru-RU" sz="3500" dirty="0" smtClean="0">
+              <a:latin typeface="Times New Roman" panose="02020603050405020304" pitchFamily="18" charset="0"/>
+              <a:cs typeface="Times New Roman" panose="02020603050405020304" pitchFamily="18" charset="0"/>
+            </a:endParaRPr>
+          </a:p>
+          <a:p>
+            <a:r>
+              <a:rPr lang="ru-RU" sz="3500" dirty="0" err="1">
+                <a:latin typeface="Times New Roman" panose="02020603050405020304" pitchFamily="18" charset="0"/>
+                <a:cs typeface="Times New Roman" panose="02020603050405020304" pitchFamily="18" charset="0"/>
+              </a:rPr>
+              <a:t>Кастомизация</a:t>
+            </a:r>
+            <a:r>
+              <a:rPr lang="ru-RU" sz="3500" dirty="0">
+                <a:latin typeface="Times New Roman" panose="02020603050405020304" pitchFamily="18" charset="0"/>
+                <a:cs typeface="Times New Roman" panose="02020603050405020304" pitchFamily="18" charset="0"/>
+              </a:rPr>
+              <a:t> канала (добавление различных ролей для участников</a:t>
+            </a:r>
+            <a:r>
+              <a:rPr lang="ru-RU" sz="3500" dirty="0" smtClean="0">
+                <a:latin typeface="Times New Roman" panose="02020603050405020304" pitchFamily="18" charset="0"/>
+                <a:cs typeface="Times New Roman" panose="02020603050405020304" pitchFamily="18" charset="0"/>
+              </a:rPr>
+              <a:t>)</a:t>
+            </a:r>
+            <a:r>
+              <a:rPr lang="en-US" sz="3500" dirty="0" smtClean="0">
+                <a:latin typeface="Times New Roman" panose="02020603050405020304" pitchFamily="18" charset="0"/>
+                <a:cs typeface="Times New Roman" panose="02020603050405020304" pitchFamily="18" charset="0"/>
+              </a:rPr>
+              <a:t>;</a:t>
+            </a:r>
+            <a:endParaRPr lang="ru-RU" sz="3500" dirty="0" smtClean="0">
+              <a:latin typeface="Times New Roman" panose="02020603050405020304" pitchFamily="18" charset="0"/>
+              <a:cs typeface="Times New Roman" panose="02020603050405020304" pitchFamily="18" charset="0"/>
+            </a:endParaRPr>
+          </a:p>
+          <a:p>
+            <a:r>
+              <a:rPr lang="ru-RU" sz="3500" dirty="0" smtClean="0">
+                <a:latin typeface="Times New Roman" panose="02020603050405020304" pitchFamily="18" charset="0"/>
+                <a:cs typeface="Times New Roman" panose="02020603050405020304" pitchFamily="18" charset="0"/>
+              </a:rPr>
+              <a:t>Возможность </a:t>
+            </a:r>
+            <a:r>
+              <a:rPr lang="ru-RU" sz="3500" dirty="0">
+                <a:latin typeface="Times New Roman" panose="02020603050405020304" pitchFamily="18" charset="0"/>
+                <a:cs typeface="Times New Roman" panose="02020603050405020304" pitchFamily="18" charset="0"/>
+              </a:rPr>
+              <a:t>добавить важные сообщения в раздел «Избранное» в один клик.</a:t>
+            </a:r>
+            <a:r>
+              <a:rPr lang="ru-RU" sz="3200" dirty="0">
+                <a:latin typeface="Times New Roman" panose="02020603050405020304" pitchFamily="18" charset="0"/>
+                <a:cs typeface="Times New Roman" panose="02020603050405020304" pitchFamily="18" charset="0"/>
+              </a:rPr>
+              <a:t/>
+            </a:r>
+            <a:br>
+              <a:rPr lang="ru-RU" sz="3200" dirty="0">
+                <a:latin typeface="Times New Roman" panose="02020603050405020304" pitchFamily="18" charset="0"/>
+                <a:cs typeface="Times New Roman" panose="02020603050405020304" pitchFamily="18" charset="0"/>
+              </a:rPr>
+            </a:br>
             <a:endParaRPr lang="ru-RU" sz="3200" dirty="0">
               <a:latin typeface="Times New Roman" panose="02020603050405020304" pitchFamily="18" charset="0"/>
               <a:cs typeface="Times New Roman" panose="02020603050405020304" pitchFamily="18" charset="0"/>
@@ -4491,10 +6835,349 @@
           </a:p>
         </p:txBody>
       </p:sp>
+      <p:sp>
+        <p:nvSpPr>
+          <p:cNvPr id="4" name="Номер слайда 3"/>
+          <p:cNvSpPr>
+            <a:spLocks noGrp="1"/>
+          </p:cNvSpPr>
+          <p:nvPr>
+            <p:ph type="sldNum" sz="quarter" idx="12"/>
+          </p:nvPr>
+        </p:nvSpPr>
+        <p:spPr/>
+        <p:txBody>
+          <a:bodyPr/>
+          <a:lstStyle/>
+          <a:p>
+            <a:fld id="{F057AEC9-9E52-4782-943C-911A5C934F5E}" type="slidenum">
+              <a:rPr lang="ru-RU" sz="2000" smtClean="0">
+                <a:latin typeface="Times New Roman" panose="02020603050405020304" pitchFamily="18" charset="0"/>
+                <a:cs typeface="Times New Roman" panose="02020603050405020304" pitchFamily="18" charset="0"/>
+              </a:rPr>
+              <a:t>21</a:t>
+            </a:fld>
+            <a:endParaRPr lang="ru-RU" sz="2000" dirty="0">
+              <a:latin typeface="Times New Roman" panose="02020603050405020304" pitchFamily="18" charset="0"/>
+              <a:cs typeface="Times New Roman" panose="02020603050405020304" pitchFamily="18" charset="0"/>
+            </a:endParaRPr>
+          </a:p>
+        </p:txBody>
+      </p:sp>
     </p:spTree>
     <p:extLst>
       <p:ext uri="{BB962C8B-B14F-4D97-AF65-F5344CB8AC3E}">
-        <p14:creationId xmlns:p14="http://schemas.microsoft.com/office/powerpoint/2010/main" val="622605548"/>
+        <p14:creationId xmlns:p14="http://schemas.microsoft.com/office/powerpoint/2010/main" val="2097602485"/>
+      </p:ext>
+    </p:extLst>
+  </p:cSld>
+  <p:clrMapOvr>
+    <a:masterClrMapping/>
+  </p:clrMapOvr>
+</p:sld>
+</file>
+
+<file path=ppt/slides/slide22.xml><?xml version="1.0" encoding="utf-8"?>
+<p:sld xmlns:a="http://schemas.openxmlformats.org/drawingml/2006/main" xmlns:r="http://schemas.openxmlformats.org/officeDocument/2006/relationships" xmlns:p="http://schemas.openxmlformats.org/presentationml/2006/main">
+  <p:cSld>
+    <p:spTree>
+      <p:nvGrpSpPr>
+        <p:cNvPr id="1" name=""/>
+        <p:cNvGrpSpPr/>
+        <p:nvPr/>
+      </p:nvGrpSpPr>
+      <p:grpSpPr>
+        <a:xfrm>
+          <a:off x="0" y="0"/>
+          <a:ext cx="0" cy="0"/>
+          <a:chOff x="0" y="0"/>
+          <a:chExt cx="0" cy="0"/>
+        </a:xfrm>
+      </p:grpSpPr>
+      <p:sp>
+        <p:nvSpPr>
+          <p:cNvPr id="2" name="Заголовок 1"/>
+          <p:cNvSpPr>
+            <a:spLocks noGrp="1"/>
+          </p:cNvSpPr>
+          <p:nvPr>
+            <p:ph type="title"/>
+          </p:nvPr>
+        </p:nvSpPr>
+        <p:spPr/>
+        <p:txBody>
+          <a:bodyPr>
+            <a:normAutofit/>
+          </a:bodyPr>
+          <a:lstStyle/>
+          <a:p>
+            <a:r>
+              <a:rPr lang="ru-RU" sz="6000" dirty="0" smtClean="0">
+                <a:latin typeface="Times New Roman" panose="02020603050405020304" pitchFamily="18" charset="0"/>
+                <a:cs typeface="Times New Roman" panose="02020603050405020304" pitchFamily="18" charset="0"/>
+              </a:rPr>
+              <a:t>Контактная информация</a:t>
+            </a:r>
+            <a:endParaRPr lang="ru-RU" sz="6000" dirty="0">
+              <a:latin typeface="Times New Roman" panose="02020603050405020304" pitchFamily="18" charset="0"/>
+              <a:cs typeface="Times New Roman" panose="02020603050405020304" pitchFamily="18" charset="0"/>
+            </a:endParaRPr>
+          </a:p>
+        </p:txBody>
+      </p:sp>
+      <p:sp>
+        <p:nvSpPr>
+          <p:cNvPr id="3" name="Объект 2"/>
+          <p:cNvSpPr>
+            <a:spLocks noGrp="1"/>
+          </p:cNvSpPr>
+          <p:nvPr>
+            <p:ph idx="1"/>
+          </p:nvPr>
+        </p:nvSpPr>
+        <p:spPr>
+          <a:xfrm>
+            <a:off x="838200" y="2153429"/>
+            <a:ext cx="11057626" cy="4351338"/>
+          </a:xfrm>
+        </p:spPr>
+        <p:txBody>
+          <a:bodyPr>
+            <a:normAutofit/>
+          </a:bodyPr>
+          <a:lstStyle/>
+          <a:p>
+            <a:r>
+              <a:rPr lang="ru-RU" sz="3200" dirty="0" smtClean="0">
+                <a:latin typeface="Times New Roman" panose="02020603050405020304" pitchFamily="18" charset="0"/>
+                <a:cs typeface="Times New Roman" panose="02020603050405020304" pitchFamily="18" charset="0"/>
+              </a:rPr>
+              <a:t>Ставер Илья Владимирович – </a:t>
+            </a:r>
+            <a:r>
+              <a:rPr lang="en-US" sz="3200" u="sng" dirty="0" smtClean="0">
+                <a:solidFill>
+                  <a:schemeClr val="accent1">
+                    <a:lumMod val="75000"/>
+                  </a:schemeClr>
+                </a:solidFill>
+                <a:latin typeface="Times New Roman" panose="02020603050405020304" pitchFamily="18" charset="0"/>
+                <a:cs typeface="Times New Roman" panose="02020603050405020304" pitchFamily="18" charset="0"/>
+              </a:rPr>
+              <a:t>ilia.stavier@mail.ru</a:t>
+            </a:r>
+            <a:endParaRPr lang="ru-RU" sz="3200" u="sng" dirty="0" smtClean="0">
+              <a:solidFill>
+                <a:schemeClr val="accent1">
+                  <a:lumMod val="75000"/>
+                </a:schemeClr>
+              </a:solidFill>
+              <a:latin typeface="Times New Roman" panose="02020603050405020304" pitchFamily="18" charset="0"/>
+              <a:cs typeface="Times New Roman" panose="02020603050405020304" pitchFamily="18" charset="0"/>
+            </a:endParaRPr>
+          </a:p>
+          <a:p>
+            <a:r>
+              <a:rPr lang="ru-RU" sz="3200" dirty="0" err="1" smtClean="0">
+                <a:latin typeface="Times New Roman" panose="02020603050405020304" pitchFamily="18" charset="0"/>
+                <a:cs typeface="Times New Roman" panose="02020603050405020304" pitchFamily="18" charset="0"/>
+              </a:rPr>
+              <a:t>Шеменев</a:t>
+            </a:r>
+            <a:r>
+              <a:rPr lang="ru-RU" sz="3200" dirty="0" smtClean="0">
+                <a:latin typeface="Times New Roman" panose="02020603050405020304" pitchFamily="18" charset="0"/>
+                <a:cs typeface="Times New Roman" panose="02020603050405020304" pitchFamily="18" charset="0"/>
+              </a:rPr>
+              <a:t> Михаил Денисович - </a:t>
+            </a:r>
+            <a:r>
+              <a:rPr lang="en-US" sz="3200" dirty="0">
+                <a:latin typeface="Times New Roman" panose="02020603050405020304" pitchFamily="18" charset="0"/>
+                <a:cs typeface="Times New Roman" panose="02020603050405020304" pitchFamily="18" charset="0"/>
+                <a:hlinkClick r:id="rId2"/>
+              </a:rPr>
+              <a:t>Fiz-mat228@yandex.ru</a:t>
+            </a:r>
+            <a:endParaRPr lang="ru-RU" sz="3200" dirty="0" smtClean="0">
+              <a:latin typeface="Times New Roman" panose="02020603050405020304" pitchFamily="18" charset="0"/>
+              <a:cs typeface="Times New Roman" panose="02020603050405020304" pitchFamily="18" charset="0"/>
+            </a:endParaRPr>
+          </a:p>
+          <a:p>
+            <a:r>
+              <a:rPr lang="ru-RU" sz="3200" dirty="0" smtClean="0">
+                <a:latin typeface="Times New Roman" panose="02020603050405020304" pitchFamily="18" charset="0"/>
+                <a:cs typeface="Times New Roman" panose="02020603050405020304" pitchFamily="18" charset="0"/>
+              </a:rPr>
+              <a:t>Попов Максим Романович - </a:t>
+            </a:r>
+            <a:r>
+              <a:rPr lang="en-US" sz="3200" dirty="0" smtClean="0">
+                <a:latin typeface="Times New Roman" panose="02020603050405020304" pitchFamily="18" charset="0"/>
+                <a:cs typeface="Times New Roman" panose="02020603050405020304" pitchFamily="18" charset="0"/>
+                <a:hlinkClick r:id="rId3"/>
+              </a:rPr>
+              <a:t>maxim.popov1234@mail.ru</a:t>
+            </a:r>
+            <a:endParaRPr lang="ru-RU" sz="3200" dirty="0" smtClean="0">
+              <a:latin typeface="Times New Roman" panose="02020603050405020304" pitchFamily="18" charset="0"/>
+              <a:cs typeface="Times New Roman" panose="02020603050405020304" pitchFamily="18" charset="0"/>
+            </a:endParaRPr>
+          </a:p>
+          <a:p>
+            <a:endParaRPr lang="ru-RU" sz="3200" dirty="0">
+              <a:latin typeface="Times New Roman" panose="02020603050405020304" pitchFamily="18" charset="0"/>
+              <a:cs typeface="Times New Roman" panose="02020603050405020304" pitchFamily="18" charset="0"/>
+            </a:endParaRPr>
+          </a:p>
+          <a:p>
+            <a:r>
+              <a:rPr lang="en-US" sz="3200" dirty="0" smtClean="0">
+                <a:latin typeface="Times New Roman" panose="02020603050405020304" pitchFamily="18" charset="0"/>
+                <a:cs typeface="Times New Roman" panose="02020603050405020304" pitchFamily="18" charset="0"/>
+              </a:rPr>
+              <a:t>QR</a:t>
+            </a:r>
+            <a:r>
+              <a:rPr lang="ru-RU" sz="3200" dirty="0" smtClean="0">
+                <a:latin typeface="Times New Roman" panose="02020603050405020304" pitchFamily="18" charset="0"/>
+                <a:cs typeface="Times New Roman" panose="02020603050405020304" pitchFamily="18" charset="0"/>
+              </a:rPr>
+              <a:t> – код </a:t>
+            </a:r>
+            <a:r>
+              <a:rPr lang="en-US" sz="3200" dirty="0" err="1" smtClean="0">
+                <a:latin typeface="Times New Roman" panose="02020603050405020304" pitchFamily="18" charset="0"/>
+                <a:cs typeface="Times New Roman" panose="02020603050405020304" pitchFamily="18" charset="0"/>
+              </a:rPr>
+              <a:t>Git</a:t>
+            </a:r>
+            <a:r>
+              <a:rPr lang="ru-RU" sz="3200" dirty="0" smtClean="0">
+                <a:latin typeface="Times New Roman" panose="02020603050405020304" pitchFamily="18" charset="0"/>
+                <a:cs typeface="Times New Roman" panose="02020603050405020304" pitchFamily="18" charset="0"/>
+              </a:rPr>
+              <a:t> </a:t>
+            </a:r>
+            <a:r>
+              <a:rPr lang="ru-RU" sz="3200" dirty="0" err="1" smtClean="0">
+                <a:latin typeface="Times New Roman" panose="02020603050405020304" pitchFamily="18" charset="0"/>
+                <a:cs typeface="Times New Roman" panose="02020603050405020304" pitchFamily="18" charset="0"/>
+              </a:rPr>
+              <a:t>репозитория</a:t>
+            </a:r>
+            <a:r>
+              <a:rPr lang="ru-RU" sz="3200" dirty="0" smtClean="0">
+                <a:latin typeface="Times New Roman" panose="02020603050405020304" pitchFamily="18" charset="0"/>
+                <a:cs typeface="Times New Roman" panose="02020603050405020304" pitchFamily="18" charset="0"/>
+              </a:rPr>
+              <a:t>:</a:t>
+            </a:r>
+            <a:endParaRPr lang="ru-RU" sz="3200" dirty="0">
+              <a:latin typeface="Times New Roman" panose="02020603050405020304" pitchFamily="18" charset="0"/>
+              <a:cs typeface="Times New Roman" panose="02020603050405020304" pitchFamily="18" charset="0"/>
+            </a:endParaRPr>
+          </a:p>
+        </p:txBody>
+      </p:sp>
+      <p:sp>
+        <p:nvSpPr>
+          <p:cNvPr id="5" name="Номер слайда 4"/>
+          <p:cNvSpPr>
+            <a:spLocks noGrp="1"/>
+          </p:cNvSpPr>
+          <p:nvPr>
+            <p:ph type="sldNum" sz="quarter" idx="12"/>
+          </p:nvPr>
+        </p:nvSpPr>
+        <p:spPr/>
+        <p:txBody>
+          <a:bodyPr/>
+          <a:lstStyle/>
+          <a:p>
+            <a:fld id="{F057AEC9-9E52-4782-943C-911A5C934F5E}" type="slidenum">
+              <a:rPr lang="ru-RU" sz="2000" smtClean="0">
+                <a:latin typeface="Times New Roman" panose="02020603050405020304" pitchFamily="18" charset="0"/>
+                <a:cs typeface="Times New Roman" panose="02020603050405020304" pitchFamily="18" charset="0"/>
+              </a:rPr>
+              <a:t>22</a:t>
+            </a:fld>
+            <a:endParaRPr lang="ru-RU" sz="2000" dirty="0">
+              <a:latin typeface="Times New Roman" panose="02020603050405020304" pitchFamily="18" charset="0"/>
+              <a:cs typeface="Times New Roman" panose="02020603050405020304" pitchFamily="18" charset="0"/>
+            </a:endParaRPr>
+          </a:p>
+        </p:txBody>
+      </p:sp>
+      <p:pic>
+        <p:nvPicPr>
+          <p:cNvPr id="9218" name="Picture 2"/>
+          <p:cNvPicPr>
+            <a:picLocks noChangeAspect="1" noChangeArrowheads="1"/>
+          </p:cNvPicPr>
+          <p:nvPr/>
+        </p:nvPicPr>
+        <p:blipFill>
+          <a:blip r:embed="rId4">
+            <a:extLst>
+              <a:ext uri="{28A0092B-C50C-407E-A947-70E740481C1C}">
+                <a14:useLocalDpi xmlns:a14="http://schemas.microsoft.com/office/drawing/2010/main" val="0"/>
+              </a:ext>
+            </a:extLst>
+          </a:blip>
+          <a:srcRect/>
+          <a:stretch>
+            <a:fillRect/>
+          </a:stretch>
+        </p:blipFill>
+        <p:spPr bwMode="auto">
+          <a:xfrm>
+            <a:off x="6010275" y="3990977"/>
+            <a:ext cx="2600322" cy="2600322"/>
+          </a:xfrm>
+          <a:prstGeom prst="rect">
+            <a:avLst/>
+          </a:prstGeom>
+          <a:noFill/>
+          <a:ln>
+            <a:noFill/>
+          </a:ln>
+          <a:effectLst/>
+          <a:extLst>
+            <a:ext uri="{909E8E84-426E-40DD-AFC4-6F175D3DCCD1}">
+              <a14:hiddenFill xmlns:a14="http://schemas.microsoft.com/office/drawing/2010/main">
+                <a:solidFill>
+                  <a:schemeClr val="accent1"/>
+                </a:solidFill>
+              </a14:hiddenFill>
+            </a:ext>
+            <a:ext uri="{91240B29-F687-4F45-9708-019B960494DF}">
+              <a14:hiddenLine xmlns:a14="http://schemas.microsoft.com/office/drawing/2010/main" w="9525">
+                <a:solidFill>
+                  <a:schemeClr val="tx1"/>
+                </a:solidFill>
+                <a:miter lim="800000"/>
+                <a:headEnd/>
+                <a:tailEnd/>
+              </a14:hiddenLine>
+            </a:ext>
+            <a:ext uri="{AF507438-7753-43E0-B8FC-AC1667EBCBE1}">
+              <a14:hiddenEffects xmlns:a14="http://schemas.microsoft.com/office/drawing/2010/main">
+                <a:effectLst>
+                  <a:outerShdw dist="35921" dir="2700000" algn="ctr" rotWithShape="0">
+                    <a:schemeClr val="bg2"/>
+                  </a:outerShdw>
+                </a:effectLst>
+              </a14:hiddenEffects>
+            </a:ext>
+          </a:extLst>
+        </p:spPr>
+      </p:pic>
+    </p:spTree>
+    <p:extLst>
+      <p:ext uri="{BB962C8B-B14F-4D97-AF65-F5344CB8AC3E}">
+        <p14:creationId xmlns:p14="http://schemas.microsoft.com/office/powerpoint/2010/main" val="1868998855"/>
       </p:ext>
     </p:extLst>
   </p:cSld>
@@ -4540,19 +7223,62 @@
         </p:nvSpPr>
         <p:spPr/>
         <p:txBody>
+          <a:bodyPr/>
+          <a:lstStyle/>
+          <a:p>
+            <a:r>
+              <a:rPr lang="ru-RU" dirty="0" smtClean="0">
+                <a:latin typeface="Times New Roman" panose="02020603050405020304" pitchFamily="18" charset="0"/>
+                <a:cs typeface="Times New Roman" panose="02020603050405020304" pitchFamily="18" charset="0"/>
+              </a:rPr>
+              <a:t>Проблематика предметной области</a:t>
+            </a:r>
+            <a:endParaRPr lang="ru-RU" dirty="0"/>
+          </a:p>
+        </p:txBody>
+      </p:sp>
+      <p:sp>
+        <p:nvSpPr>
+          <p:cNvPr id="3" name="Объект 2"/>
+          <p:cNvSpPr>
+            <a:spLocks noGrp="1"/>
+          </p:cNvSpPr>
+          <p:nvPr>
+            <p:ph idx="1"/>
+          </p:nvPr>
+        </p:nvSpPr>
+        <p:spPr/>
+        <p:txBody>
           <a:bodyPr>
             <a:normAutofit/>
           </a:bodyPr>
           <a:lstStyle/>
           <a:p>
-            <a:r>
-              <a:rPr lang="ru-RU" sz="6000" dirty="0" smtClean="0">
-                <a:latin typeface="Times New Roman" panose="02020603050405020304" pitchFamily="18" charset="0"/>
-                <a:cs typeface="Times New Roman" panose="02020603050405020304" pitchFamily="18" charset="0"/>
-              </a:rPr>
-              <a:t>Цель и задачи</a:t>
-            </a:r>
-            <a:endParaRPr lang="ru-RU" sz="6000" dirty="0">
+            <a:pPr marL="0" indent="0">
+              <a:buNone/>
+            </a:pPr>
+            <a:r>
+              <a:rPr lang="ru-RU" sz="3200" dirty="0" smtClean="0">
+                <a:latin typeface="Times New Roman" panose="02020603050405020304" pitchFamily="18" charset="0"/>
+                <a:cs typeface="Times New Roman" panose="02020603050405020304" pitchFamily="18" charset="0"/>
+              </a:rPr>
+              <a:t>	Мессенджеры </a:t>
+            </a:r>
+            <a:r>
+              <a:rPr lang="ru-RU" sz="3200" dirty="0">
+                <a:latin typeface="Times New Roman" panose="02020603050405020304" pitchFamily="18" charset="0"/>
+                <a:cs typeface="Times New Roman" panose="02020603050405020304" pitchFamily="18" charset="0"/>
+              </a:rPr>
+              <a:t>являются одним из наиболее востребованных инструментов для общения и передачи данных. Однако, существующие мессенджеры не всегда удовлетворяют потребности пользователей в </a:t>
+            </a:r>
+            <a:r>
+              <a:rPr lang="ru-RU" sz="3200" dirty="0" smtClean="0">
+                <a:latin typeface="Times New Roman" panose="02020603050405020304" pitchFamily="18" charset="0"/>
+                <a:cs typeface="Times New Roman" panose="02020603050405020304" pitchFamily="18" charset="0"/>
+              </a:rPr>
+              <a:t>функциональности.</a:t>
+            </a:r>
+            <a:endParaRPr lang="ru-RU" sz="3200" dirty="0">
               <a:latin typeface="Times New Roman" panose="02020603050405020304" pitchFamily="18" charset="0"/>
               <a:cs typeface="Times New Roman" panose="02020603050405020304" pitchFamily="18" charset="0"/>
             </a:endParaRPr>
@@ -4561,151 +7287,50 @@
       </p:sp>
       <p:sp>
         <p:nvSpPr>
-          <p:cNvPr id="3" name="Объект 2"/>
-          <p:cNvSpPr>
-            <a:spLocks noGrp="1"/>
-          </p:cNvSpPr>
-          <p:nvPr>
-            <p:ph idx="1"/>
+          <p:cNvPr id="4" name="Номер слайда 3"/>
+          <p:cNvSpPr>
+            <a:spLocks noGrp="1"/>
+          </p:cNvSpPr>
+          <p:nvPr>
+            <p:ph type="sldNum" sz="quarter" idx="12"/>
           </p:nvPr>
         </p:nvSpPr>
         <p:spPr/>
         <p:txBody>
-          <a:bodyPr>
-            <a:normAutofit fontScale="92500"/>
-          </a:bodyPr>
-          <a:lstStyle/>
-          <a:p>
-            <a:r>
-              <a:rPr lang="ru-RU" sz="3500" dirty="0" smtClean="0">
-                <a:latin typeface="Times New Roman" panose="02020603050405020304" pitchFamily="18" charset="0"/>
-                <a:cs typeface="Times New Roman" panose="02020603050405020304" pitchFamily="18" charset="0"/>
-              </a:rPr>
-              <a:t>Цель - разработка </a:t>
-            </a:r>
-            <a:r>
-              <a:rPr lang="ru-RU" sz="3500" dirty="0">
-                <a:latin typeface="Times New Roman" panose="02020603050405020304" pitchFamily="18" charset="0"/>
-                <a:cs typeface="Times New Roman" panose="02020603050405020304" pitchFamily="18" charset="0"/>
-              </a:rPr>
-              <a:t>веб-приложения мессенджера для обеспечения удобной коммуникации пользователей.  </a:t>
-            </a:r>
-          </a:p>
-          <a:p>
-            <a:r>
-              <a:rPr lang="ru-RU" sz="3500" dirty="0" smtClean="0">
-                <a:latin typeface="Times New Roman" panose="02020603050405020304" pitchFamily="18" charset="0"/>
-                <a:cs typeface="Times New Roman" panose="02020603050405020304" pitchFamily="18" charset="0"/>
-              </a:rPr>
-              <a:t>Основные задачи</a:t>
-            </a:r>
-            <a:r>
-              <a:rPr lang="ru-RU" sz="3500" dirty="0">
-                <a:latin typeface="Times New Roman" panose="02020603050405020304" pitchFamily="18" charset="0"/>
-                <a:cs typeface="Times New Roman" panose="02020603050405020304" pitchFamily="18" charset="0"/>
-              </a:rPr>
-              <a:t>: </a:t>
-            </a:r>
-          </a:p>
-          <a:p>
-            <a:pPr lvl="0" fontAlgn="base"/>
-            <a:r>
-              <a:rPr lang="ru-RU" sz="3500" dirty="0">
-                <a:latin typeface="Times New Roman" panose="02020603050405020304" pitchFamily="18" charset="0"/>
-                <a:cs typeface="Times New Roman" panose="02020603050405020304" pitchFamily="18" charset="0"/>
-              </a:rPr>
-              <a:t>Изучить </a:t>
-            </a:r>
-            <a:r>
-              <a:rPr lang="ru-RU" sz="3500" dirty="0" smtClean="0">
-                <a:latin typeface="Times New Roman" panose="02020603050405020304" pitchFamily="18" charset="0"/>
-                <a:cs typeface="Times New Roman" panose="02020603050405020304" pitchFamily="18" charset="0"/>
-              </a:rPr>
-              <a:t>имеющиеся </a:t>
-            </a:r>
-            <a:r>
-              <a:rPr lang="ru-RU" sz="3500" dirty="0">
-                <a:latin typeface="Times New Roman" panose="02020603050405020304" pitchFamily="18" charset="0"/>
-                <a:cs typeface="Times New Roman" panose="02020603050405020304" pitchFamily="18" charset="0"/>
-              </a:rPr>
-              <a:t>наиболее популярные мессенджеры, выявить их достоинства и недостатки; </a:t>
-            </a:r>
-          </a:p>
-          <a:p>
-            <a:pPr lvl="0" fontAlgn="base"/>
-            <a:r>
-              <a:rPr lang="ru-RU" sz="3500" dirty="0">
-                <a:latin typeface="Times New Roman" panose="02020603050405020304" pitchFamily="18" charset="0"/>
-                <a:cs typeface="Times New Roman" panose="02020603050405020304" pitchFamily="18" charset="0"/>
-              </a:rPr>
-              <a:t>Определить требования к веб-приложению мессенджера; </a:t>
-            </a:r>
-          </a:p>
-          <a:p>
-            <a:pPr lvl="0" fontAlgn="base"/>
-            <a:r>
-              <a:rPr lang="ru-RU" sz="3500" dirty="0">
-                <a:latin typeface="Times New Roman" panose="02020603050405020304" pitchFamily="18" charset="0"/>
-                <a:cs typeface="Times New Roman" panose="02020603050405020304" pitchFamily="18" charset="0"/>
-              </a:rPr>
-              <a:t>Разработать мессенджер с визуальным интерфейсом; </a:t>
-            </a:r>
-          </a:p>
-          <a:p>
-            <a:pPr lvl="0" fontAlgn="base"/>
-            <a:r>
-              <a:rPr lang="ru-RU" sz="3500" dirty="0" smtClean="0">
-                <a:latin typeface="Times New Roman" panose="02020603050405020304" pitchFamily="18" charset="0"/>
-                <a:cs typeface="Times New Roman" panose="02020603050405020304" pitchFamily="18" charset="0"/>
-              </a:rPr>
-              <a:t>Произвести реализацию </a:t>
-            </a:r>
-            <a:r>
-              <a:rPr lang="ru-RU" sz="3500" dirty="0">
-                <a:latin typeface="Times New Roman" panose="02020603050405020304" pitchFamily="18" charset="0"/>
-                <a:cs typeface="Times New Roman" panose="02020603050405020304" pitchFamily="18" charset="0"/>
-              </a:rPr>
-              <a:t>мессенджера. </a:t>
-            </a:r>
-          </a:p>
-          <a:p>
-            <a:endParaRPr lang="ru-RU" dirty="0"/>
-          </a:p>
-        </p:txBody>
-      </p:sp>
-      <p:sp>
-        <p:nvSpPr>
-          <p:cNvPr id="4" name="Номер слайда 3"/>
-          <p:cNvSpPr>
-            <a:spLocks noGrp="1"/>
-          </p:cNvSpPr>
-          <p:nvPr>
-            <p:ph type="sldNum" sz="quarter" idx="12"/>
-          </p:nvPr>
-        </p:nvSpPr>
-        <p:spPr/>
-        <p:txBody>
           <a:bodyPr/>
           <a:lstStyle/>
           <a:p>
             <a:fld id="{F057AEC9-9E52-4782-943C-911A5C934F5E}" type="slidenum">
-              <a:rPr lang="ru-RU" smtClean="0"/>
+              <a:rPr lang="ru-RU" sz="2000" smtClean="0">
+                <a:latin typeface="Times New Roman" panose="02020603050405020304" pitchFamily="18" charset="0"/>
+                <a:cs typeface="Times New Roman" panose="02020603050405020304" pitchFamily="18" charset="0"/>
+              </a:rPr>
               <a:t>3</a:t>
             </a:fld>
-            <a:endParaRPr lang="ru-RU"/>
+            <a:endParaRPr lang="ru-RU" sz="2000" dirty="0">
+              <a:latin typeface="Times New Roman" panose="02020603050405020304" pitchFamily="18" charset="0"/>
+              <a:cs typeface="Times New Roman" panose="02020603050405020304" pitchFamily="18" charset="0"/>
+            </a:endParaRPr>
           </a:p>
         </p:txBody>
       </p:sp>
     </p:spTree>
     <p:extLst>
       <p:ext uri="{BB962C8B-B14F-4D97-AF65-F5344CB8AC3E}">
-        <p14:creationId xmlns:p14="http://schemas.microsoft.com/office/powerpoint/2010/main" val="2236269782"/>
+        <p14:creationId xmlns:p14="http://schemas.microsoft.com/office/powerpoint/2010/main" val="3902772801"/>
       </p:ext>
     </p:extLst>
   </p:cSld>
   <p:clrMapOvr>
     <a:masterClrMapping/>
   </p:clrMapOvr>
+  <p:timing>
+    <p:tnLst>
+      <p:par>
+        <p:cTn id="1" dur="indefinite" restart="never" nodeType="tmRoot"/>
+      </p:par>
+    </p:tnLst>
+  </p:timing>
 </p:sld>
 </file>
 
@@ -4736,12 +7361,7 @@
             <p:ph type="title"/>
           </p:nvPr>
         </p:nvSpPr>
-        <p:spPr>
-          <a:xfrm>
-            <a:off x="838200" y="391004"/>
-            <a:ext cx="10515600" cy="1325563"/>
-          </a:xfrm>
-        </p:spPr>
+        <p:spPr/>
         <p:txBody>
           <a:bodyPr>
             <a:normAutofit/>
@@ -4753,7 +7373,7 @@
                 <a:latin typeface="Times New Roman" panose="02020603050405020304" pitchFamily="18" charset="0"/>
                 <a:cs typeface="Times New Roman" panose="02020603050405020304" pitchFamily="18" charset="0"/>
               </a:rPr>
-              <a:t>Общие сведения</a:t>
+              <a:t>Обзор аналогов</a:t>
             </a:r>
             <a:endParaRPr lang="ru-RU" sz="6000" dirty="0">
               <a:latin typeface="Times New Roman" panose="02020603050405020304" pitchFamily="18" charset="0"/>
@@ -4764,99 +7384,586 @@
       </p:sp>
       <p:sp>
         <p:nvSpPr>
-          <p:cNvPr id="3" name="Объект 2"/>
-          <p:cNvSpPr>
-            <a:spLocks noGrp="1"/>
-          </p:cNvSpPr>
-          <p:nvPr>
-            <p:ph idx="1"/>
+          <p:cNvPr id="4" name="Номер слайда 3"/>
+          <p:cNvSpPr>
+            <a:spLocks noGrp="1"/>
+          </p:cNvSpPr>
+          <p:nvPr>
+            <p:ph type="sldNum" sz="quarter" idx="12"/>
           </p:nvPr>
         </p:nvSpPr>
         <p:spPr/>
         <p:txBody>
-          <a:bodyPr>
-            <a:normAutofit/>
-          </a:bodyPr>
-          <a:lstStyle/>
-          <a:p>
-            <a:pPr marL="0" indent="0">
-              <a:buNone/>
-            </a:pPr>
-            <a:r>
-              <a:rPr lang="ru-RU" sz="3200" dirty="0" smtClean="0">
-                <a:latin typeface="Times New Roman" panose="02020603050405020304" pitchFamily="18" charset="0"/>
-                <a:cs typeface="Times New Roman" panose="02020603050405020304" pitchFamily="18" charset="0"/>
-              </a:rPr>
-              <a:t>«</a:t>
-            </a:r>
-            <a:r>
-              <a:rPr lang="en-US" sz="3200" dirty="0" smtClean="0">
-                <a:latin typeface="Times New Roman" panose="02020603050405020304" pitchFamily="18" charset="0"/>
-                <a:cs typeface="Times New Roman" panose="02020603050405020304" pitchFamily="18" charset="0"/>
-              </a:rPr>
-              <a:t>Linking</a:t>
-            </a:r>
-            <a:r>
-              <a:rPr lang="ru-RU" sz="3200" dirty="0" smtClean="0">
-                <a:latin typeface="Times New Roman" panose="02020603050405020304" pitchFamily="18" charset="0"/>
-                <a:cs typeface="Times New Roman" panose="02020603050405020304" pitchFamily="18" charset="0"/>
-              </a:rPr>
-              <a:t>»</a:t>
-            </a:r>
-            <a:r>
-              <a:rPr lang="en-US" sz="3200" dirty="0" smtClean="0">
-                <a:latin typeface="Times New Roman" panose="02020603050405020304" pitchFamily="18" charset="0"/>
-                <a:cs typeface="Times New Roman" panose="02020603050405020304" pitchFamily="18" charset="0"/>
-              </a:rPr>
-              <a:t>  -</a:t>
-            </a:r>
-            <a:r>
-              <a:rPr lang="ru-RU" sz="3200" dirty="0" smtClean="0">
-                <a:latin typeface="Times New Roman" panose="02020603050405020304" pitchFamily="18" charset="0"/>
-                <a:cs typeface="Times New Roman" panose="02020603050405020304" pitchFamily="18" charset="0"/>
-              </a:rPr>
-              <a:t> бесплатный веб-мессенджер для общения между друзьями и коллегами.</a:t>
-            </a:r>
-            <a:endParaRPr lang="ru-RU" sz="3200" dirty="0">
+          <a:bodyPr/>
+          <a:lstStyle/>
+          <a:p>
+            <a:fld id="{F057AEC9-9E52-4782-943C-911A5C934F5E}" type="slidenum">
+              <a:rPr lang="ru-RU" sz="2000" smtClean="0">
+                <a:latin typeface="Times New Roman" panose="02020603050405020304" pitchFamily="18" charset="0"/>
+                <a:cs typeface="Times New Roman" panose="02020603050405020304" pitchFamily="18" charset="0"/>
+              </a:rPr>
+              <a:t>4</a:t>
+            </a:fld>
+            <a:endParaRPr lang="ru-RU" sz="2000" dirty="0">
               <a:latin typeface="Times New Roman" panose="02020603050405020304" pitchFamily="18" charset="0"/>
               <a:cs typeface="Times New Roman" panose="02020603050405020304" pitchFamily="18" charset="0"/>
             </a:endParaRPr>
           </a:p>
         </p:txBody>
       </p:sp>
-      <p:sp>
-        <p:nvSpPr>
-          <p:cNvPr id="5" name="Номер слайда 4"/>
-          <p:cNvSpPr>
-            <a:spLocks noGrp="1"/>
-          </p:cNvSpPr>
-          <p:nvPr>
-            <p:ph type="sldNum" sz="quarter" idx="12"/>
-          </p:nvPr>
-        </p:nvSpPr>
-        <p:spPr/>
-        <p:txBody>
-          <a:bodyPr/>
-          <a:lstStyle/>
-          <a:p>
-            <a:fld id="{F057AEC9-9E52-4782-943C-911A5C934F5E}" type="slidenum">
-              <a:rPr lang="ru-RU" sz="3200" smtClean="0">
-                <a:latin typeface="Times New Roman" panose="02020603050405020304" pitchFamily="18" charset="0"/>
-                <a:cs typeface="Times New Roman" panose="02020603050405020304" pitchFamily="18" charset="0"/>
-              </a:rPr>
-              <a:t>4</a:t>
-            </a:fld>
-            <a:endParaRPr lang="ru-RU" sz="3200" dirty="0">
-              <a:latin typeface="Times New Roman" panose="02020603050405020304" pitchFamily="18" charset="0"/>
-              <a:cs typeface="Times New Roman" panose="02020603050405020304" pitchFamily="18" charset="0"/>
-            </a:endParaRPr>
-          </a:p>
-        </p:txBody>
-      </p:sp>
+      <p:graphicFrame>
+        <p:nvGraphicFramePr>
+          <p:cNvPr id="7" name="Объект 6"/>
+          <p:cNvGraphicFramePr>
+            <a:graphicFrameLocks noGrp="1"/>
+          </p:cNvGraphicFramePr>
+          <p:nvPr>
+            <p:ph idx="1"/>
+            <p:extLst>
+              <p:ext uri="{D42A27DB-BD31-4B8C-83A1-F6EECF244321}">
+                <p14:modId xmlns:p14="http://schemas.microsoft.com/office/powerpoint/2010/main" val="443660998"/>
+              </p:ext>
+            </p:extLst>
+          </p:nvPr>
+        </p:nvGraphicFramePr>
+        <p:xfrm>
+          <a:off x="1694579" y="1656147"/>
+          <a:ext cx="8908233" cy="4709428"/>
+        </p:xfrm>
+        <a:graphic>
+          <a:graphicData uri="http://schemas.openxmlformats.org/drawingml/2006/table">
+            <a:tbl>
+              <a:tblPr firstRow="1" bandRow="1">
+                <a:tableStyleId>{5C22544A-7EE6-4342-B048-85BDC9FD1C3A}</a:tableStyleId>
+              </a:tblPr>
+              <a:tblGrid>
+                <a:gridCol w="2969411"/>
+                <a:gridCol w="2969411"/>
+                <a:gridCol w="2969411"/>
+              </a:tblGrid>
+              <a:tr h="340326">
+                <a:tc>
+                  <a:txBody>
+                    <a:bodyPr/>
+                    <a:lstStyle/>
+                    <a:p>
+                      <a:pPr algn="ctr"/>
+                      <a:r>
+                        <a:rPr lang="ru-RU" sz="2000" dirty="0" smtClean="0">
+                          <a:solidFill>
+                            <a:schemeClr val="tx1"/>
+                          </a:solidFill>
+                          <a:latin typeface="Times New Roman" panose="02020603050405020304" pitchFamily="18" charset="0"/>
+                          <a:cs typeface="Times New Roman" panose="02020603050405020304" pitchFamily="18" charset="0"/>
+                        </a:rPr>
+                        <a:t>Функция</a:t>
+                      </a:r>
+                      <a:endParaRPr lang="ru-RU" sz="2000" dirty="0">
+                        <a:solidFill>
+                          <a:schemeClr val="tx1"/>
+                        </a:solidFill>
+                        <a:latin typeface="Times New Roman" panose="02020603050405020304" pitchFamily="18" charset="0"/>
+                        <a:cs typeface="Times New Roman" panose="02020603050405020304" pitchFamily="18" charset="0"/>
+                      </a:endParaRPr>
+                    </a:p>
+                  </a:txBody>
+                  <a:tcPr/>
+                </a:tc>
+                <a:tc>
+                  <a:txBody>
+                    <a:bodyPr/>
+                    <a:lstStyle/>
+                    <a:p>
+                      <a:pPr algn="ctr"/>
+                      <a:r>
+                        <a:rPr lang="en-US" sz="2000" dirty="0" smtClean="0">
+                          <a:solidFill>
+                            <a:schemeClr val="tx1"/>
+                          </a:solidFill>
+                          <a:latin typeface="Times New Roman" panose="02020603050405020304" pitchFamily="18" charset="0"/>
+                          <a:cs typeface="Times New Roman" panose="02020603050405020304" pitchFamily="18" charset="0"/>
+                        </a:rPr>
+                        <a:t>Telegram</a:t>
+                      </a:r>
+                      <a:endParaRPr lang="ru-RU" sz="2000" dirty="0">
+                        <a:solidFill>
+                          <a:schemeClr val="tx1"/>
+                        </a:solidFill>
+                        <a:latin typeface="Times New Roman" panose="02020603050405020304" pitchFamily="18" charset="0"/>
+                        <a:cs typeface="Times New Roman" panose="02020603050405020304" pitchFamily="18" charset="0"/>
+                      </a:endParaRPr>
+                    </a:p>
+                  </a:txBody>
+                  <a:tcPr/>
+                </a:tc>
+                <a:tc>
+                  <a:txBody>
+                    <a:bodyPr/>
+                    <a:lstStyle/>
+                    <a:p>
+                      <a:pPr algn="ctr"/>
+                      <a:r>
+                        <a:rPr lang="en-US" sz="2000" dirty="0" err="1" smtClean="0">
+                          <a:solidFill>
+                            <a:schemeClr val="tx1"/>
+                          </a:solidFill>
+                          <a:latin typeface="Times New Roman" panose="02020603050405020304" pitchFamily="18" charset="0"/>
+                          <a:cs typeface="Times New Roman" panose="02020603050405020304" pitchFamily="18" charset="0"/>
+                        </a:rPr>
+                        <a:t>WhatsApp</a:t>
+                      </a:r>
+                      <a:endParaRPr lang="ru-RU" sz="2000" dirty="0">
+                        <a:solidFill>
+                          <a:schemeClr val="tx1"/>
+                        </a:solidFill>
+                        <a:latin typeface="Times New Roman" panose="02020603050405020304" pitchFamily="18" charset="0"/>
+                        <a:cs typeface="Times New Roman" panose="02020603050405020304" pitchFamily="18" charset="0"/>
+                      </a:endParaRPr>
+                    </a:p>
+                  </a:txBody>
+                  <a:tcPr/>
+                </a:tc>
+              </a:tr>
+              <a:tr h="718506">
+                <a:tc>
+                  <a:txBody>
+                    <a:bodyPr/>
+                    <a:lstStyle/>
+                    <a:p>
+                      <a:pPr algn="ctr"/>
+                      <a:r>
+                        <a:rPr lang="ru-RU" sz="2000" dirty="0" smtClean="0">
+                          <a:latin typeface="Times New Roman" panose="02020603050405020304" pitchFamily="18" charset="0"/>
+                          <a:cs typeface="Times New Roman" panose="02020603050405020304" pitchFamily="18" charset="0"/>
+                        </a:rPr>
+                        <a:t>Просмотр</a:t>
+                      </a:r>
+                      <a:r>
+                        <a:rPr lang="ru-RU" sz="2000" baseline="0" dirty="0" smtClean="0">
+                          <a:latin typeface="Times New Roman" panose="02020603050405020304" pitchFamily="18" charset="0"/>
+                          <a:cs typeface="Times New Roman" panose="02020603050405020304" pitchFamily="18" charset="0"/>
+                        </a:rPr>
+                        <a:t> каналов неавторизованным пользователем</a:t>
+                      </a:r>
+                      <a:endParaRPr lang="ru-RU" sz="2000" dirty="0">
+                        <a:latin typeface="Times New Roman" panose="02020603050405020304" pitchFamily="18" charset="0"/>
+                        <a:cs typeface="Times New Roman" panose="02020603050405020304" pitchFamily="18" charset="0"/>
+                      </a:endParaRPr>
+                    </a:p>
+                  </a:txBody>
+                  <a:tcPr/>
+                </a:tc>
+                <a:tc>
+                  <a:txBody>
+                    <a:bodyPr/>
+                    <a:lstStyle/>
+                    <a:p>
+                      <a:pPr algn="ctr"/>
+                      <a:r>
+                        <a:rPr lang="ru-RU" sz="2000" b="1" dirty="0" smtClean="0">
+                          <a:latin typeface="Times New Roman" panose="02020603050405020304" pitchFamily="18" charset="0"/>
+                          <a:cs typeface="Times New Roman" panose="02020603050405020304" pitchFamily="18" charset="0"/>
+                        </a:rPr>
+                        <a:t>-</a:t>
+                      </a:r>
+                      <a:endParaRPr lang="ru-RU" sz="2000" b="1" dirty="0">
+                        <a:latin typeface="Times New Roman" panose="02020603050405020304" pitchFamily="18" charset="0"/>
+                        <a:cs typeface="Times New Roman" panose="02020603050405020304" pitchFamily="18" charset="0"/>
+                      </a:endParaRPr>
+                    </a:p>
+                  </a:txBody>
+                  <a:tcPr/>
+                </a:tc>
+                <a:tc>
+                  <a:txBody>
+                    <a:bodyPr/>
+                    <a:lstStyle/>
+                    <a:p>
+                      <a:pPr algn="ctr"/>
+                      <a:r>
+                        <a:rPr lang="ru-RU" sz="2000" b="1" dirty="0" smtClean="0">
+                          <a:latin typeface="Times New Roman" panose="02020603050405020304" pitchFamily="18" charset="0"/>
+                          <a:cs typeface="Times New Roman" panose="02020603050405020304" pitchFamily="18" charset="0"/>
+                        </a:rPr>
+                        <a:t>-</a:t>
+                      </a:r>
+                      <a:endParaRPr lang="ru-RU" sz="2000" b="1" dirty="0">
+                        <a:latin typeface="Times New Roman" panose="02020603050405020304" pitchFamily="18" charset="0"/>
+                        <a:cs typeface="Times New Roman" panose="02020603050405020304" pitchFamily="18" charset="0"/>
+                      </a:endParaRPr>
+                    </a:p>
+                  </a:txBody>
+                  <a:tcPr/>
+                </a:tc>
+              </a:tr>
+              <a:tr h="500777">
+                <a:tc>
+                  <a:txBody>
+                    <a:bodyPr/>
+                    <a:lstStyle/>
+                    <a:p>
+                      <a:pPr algn="ctr"/>
+                      <a:r>
+                        <a:rPr lang="ru-RU" sz="2000" dirty="0" smtClean="0">
+                          <a:latin typeface="Times New Roman" panose="02020603050405020304" pitchFamily="18" charset="0"/>
+                          <a:cs typeface="Times New Roman" panose="02020603050405020304" pitchFamily="18" charset="0"/>
+                        </a:rPr>
+                        <a:t>Создание</a:t>
+                      </a:r>
+                      <a:r>
+                        <a:rPr lang="ru-RU" sz="2000" baseline="0" dirty="0" smtClean="0">
+                          <a:latin typeface="Times New Roman" panose="02020603050405020304" pitchFamily="18" charset="0"/>
+                          <a:cs typeface="Times New Roman" panose="02020603050405020304" pitchFamily="18" charset="0"/>
+                        </a:rPr>
+                        <a:t> </a:t>
+                      </a:r>
+                      <a:r>
+                        <a:rPr lang="ru-RU" sz="2000" baseline="0" dirty="0" err="1" smtClean="0">
+                          <a:latin typeface="Times New Roman" panose="02020603050405020304" pitchFamily="18" charset="0"/>
+                          <a:cs typeface="Times New Roman" panose="02020603050405020304" pitchFamily="18" charset="0"/>
+                        </a:rPr>
+                        <a:t>кастомных</a:t>
+                      </a:r>
+                      <a:r>
+                        <a:rPr lang="ru-RU" sz="2000" baseline="0" dirty="0" smtClean="0">
+                          <a:latin typeface="Times New Roman" panose="02020603050405020304" pitchFamily="18" charset="0"/>
+                          <a:cs typeface="Times New Roman" panose="02020603050405020304" pitchFamily="18" charset="0"/>
+                        </a:rPr>
+                        <a:t> ролей для каналов</a:t>
+                      </a:r>
+                      <a:endParaRPr lang="ru-RU" sz="2000" dirty="0">
+                        <a:latin typeface="Times New Roman" panose="02020603050405020304" pitchFamily="18" charset="0"/>
+                        <a:cs typeface="Times New Roman" panose="02020603050405020304" pitchFamily="18" charset="0"/>
+                      </a:endParaRPr>
+                    </a:p>
+                  </a:txBody>
+                  <a:tcPr/>
+                </a:tc>
+                <a:tc>
+                  <a:txBody>
+                    <a:bodyPr/>
+                    <a:lstStyle/>
+                    <a:p>
+                      <a:pPr algn="ctr"/>
+                      <a:r>
+                        <a:rPr lang="ru-RU" sz="2000" b="1" dirty="0" smtClean="0">
+                          <a:latin typeface="Times New Roman" panose="02020603050405020304" pitchFamily="18" charset="0"/>
+                          <a:cs typeface="Times New Roman" panose="02020603050405020304" pitchFamily="18" charset="0"/>
+                        </a:rPr>
+                        <a:t>-</a:t>
+                      </a:r>
+                      <a:endParaRPr lang="ru-RU" sz="2000" b="1" dirty="0">
+                        <a:latin typeface="Times New Roman" panose="02020603050405020304" pitchFamily="18" charset="0"/>
+                        <a:cs typeface="Times New Roman" panose="02020603050405020304" pitchFamily="18" charset="0"/>
+                      </a:endParaRPr>
+                    </a:p>
+                  </a:txBody>
+                  <a:tcPr/>
+                </a:tc>
+                <a:tc>
+                  <a:txBody>
+                    <a:bodyPr/>
+                    <a:lstStyle/>
+                    <a:p>
+                      <a:pPr algn="ctr"/>
+                      <a:r>
+                        <a:rPr lang="ru-RU" sz="2000" b="1" dirty="0" smtClean="0">
+                          <a:latin typeface="Times New Roman" panose="02020603050405020304" pitchFamily="18" charset="0"/>
+                          <a:cs typeface="Times New Roman" panose="02020603050405020304" pitchFamily="18" charset="0"/>
+                        </a:rPr>
+                        <a:t>-</a:t>
+                      </a:r>
+                      <a:endParaRPr lang="ru-RU" sz="2000" b="1" dirty="0">
+                        <a:latin typeface="Times New Roman" panose="02020603050405020304" pitchFamily="18" charset="0"/>
+                        <a:cs typeface="Times New Roman" panose="02020603050405020304" pitchFamily="18" charset="0"/>
+                      </a:endParaRPr>
+                    </a:p>
+                  </a:txBody>
+                  <a:tcPr/>
+                </a:tc>
+              </a:tr>
+              <a:tr h="602114">
+                <a:tc>
+                  <a:txBody>
+                    <a:bodyPr/>
+                    <a:lstStyle/>
+                    <a:p>
+                      <a:pPr algn="ctr"/>
+                      <a:r>
+                        <a:rPr lang="ru-RU" sz="2000" dirty="0" smtClean="0">
+                          <a:latin typeface="Times New Roman" panose="02020603050405020304" pitchFamily="18" charset="0"/>
+                          <a:cs typeface="Times New Roman" panose="02020603050405020304" pitchFamily="18" charset="0"/>
+                        </a:rPr>
+                        <a:t>Сохранение</a:t>
+                      </a:r>
+                      <a:r>
+                        <a:rPr lang="ru-RU" sz="2000" baseline="0" dirty="0" smtClean="0">
+                          <a:latin typeface="Times New Roman" panose="02020603050405020304" pitchFamily="18" charset="0"/>
+                          <a:cs typeface="Times New Roman" panose="02020603050405020304" pitchFamily="18" charset="0"/>
+                        </a:rPr>
+                        <a:t> сообщений в избранное в один клик</a:t>
+                      </a:r>
+                      <a:endParaRPr lang="ru-RU" sz="2000" dirty="0">
+                        <a:latin typeface="Times New Roman" panose="02020603050405020304" pitchFamily="18" charset="0"/>
+                        <a:cs typeface="Times New Roman" panose="02020603050405020304" pitchFamily="18" charset="0"/>
+                      </a:endParaRPr>
+                    </a:p>
+                  </a:txBody>
+                  <a:tcPr/>
+                </a:tc>
+                <a:tc>
+                  <a:txBody>
+                    <a:bodyPr/>
+                    <a:lstStyle/>
+                    <a:p>
+                      <a:pPr algn="ctr"/>
+                      <a:r>
+                        <a:rPr lang="ru-RU" sz="2000" b="1" dirty="0" smtClean="0">
+                          <a:latin typeface="Times New Roman" panose="02020603050405020304" pitchFamily="18" charset="0"/>
+                          <a:cs typeface="Times New Roman" panose="02020603050405020304" pitchFamily="18" charset="0"/>
+                        </a:rPr>
+                        <a:t>-</a:t>
+                      </a:r>
+                      <a:endParaRPr lang="ru-RU" sz="2000" b="1" dirty="0">
+                        <a:latin typeface="Times New Roman" panose="02020603050405020304" pitchFamily="18" charset="0"/>
+                        <a:cs typeface="Times New Roman" panose="02020603050405020304" pitchFamily="18" charset="0"/>
+                      </a:endParaRPr>
+                    </a:p>
+                  </a:txBody>
+                  <a:tcPr/>
+                </a:tc>
+                <a:tc>
+                  <a:txBody>
+                    <a:bodyPr/>
+                    <a:lstStyle/>
+                    <a:p>
+                      <a:pPr algn="ctr"/>
+                      <a:r>
+                        <a:rPr lang="ru-RU" sz="2000" b="1" dirty="0" smtClean="0">
+                          <a:latin typeface="Times New Roman" panose="02020603050405020304" pitchFamily="18" charset="0"/>
+                          <a:cs typeface="Times New Roman" panose="02020603050405020304" pitchFamily="18" charset="0"/>
+                        </a:rPr>
+                        <a:t>-</a:t>
+                      </a:r>
+                      <a:endParaRPr lang="ru-RU" sz="2000" b="1" dirty="0">
+                        <a:latin typeface="Times New Roman" panose="02020603050405020304" pitchFamily="18" charset="0"/>
+                        <a:cs typeface="Times New Roman" panose="02020603050405020304" pitchFamily="18" charset="0"/>
+                      </a:endParaRPr>
+                    </a:p>
+                  </a:txBody>
+                  <a:tcPr/>
+                </a:tc>
+              </a:tr>
+              <a:tr h="602114">
+                <a:tc>
+                  <a:txBody>
+                    <a:bodyPr/>
+                    <a:lstStyle/>
+                    <a:p>
+                      <a:pPr algn="ctr"/>
+                      <a:r>
+                        <a:rPr lang="ru-RU" sz="2000" dirty="0" smtClean="0">
+                          <a:latin typeface="Times New Roman" panose="02020603050405020304" pitchFamily="18" charset="0"/>
+                          <a:cs typeface="Times New Roman" panose="02020603050405020304" pitchFamily="18" charset="0"/>
+                        </a:rPr>
+                        <a:t>Отправка текстовых</a:t>
+                      </a:r>
+                      <a:r>
+                        <a:rPr lang="ru-RU" sz="2000" baseline="0" dirty="0" smtClean="0">
+                          <a:latin typeface="Times New Roman" panose="02020603050405020304" pitchFamily="18" charset="0"/>
+                          <a:cs typeface="Times New Roman" panose="02020603050405020304" pitchFamily="18" charset="0"/>
+                        </a:rPr>
+                        <a:t> сообщений </a:t>
+                      </a:r>
+                      <a:endParaRPr lang="ru-RU" sz="2000" dirty="0">
+                        <a:latin typeface="Times New Roman" panose="02020603050405020304" pitchFamily="18" charset="0"/>
+                        <a:cs typeface="Times New Roman" panose="02020603050405020304" pitchFamily="18" charset="0"/>
+                      </a:endParaRPr>
+                    </a:p>
+                  </a:txBody>
+                  <a:tcPr/>
+                </a:tc>
+                <a:tc>
+                  <a:txBody>
+                    <a:bodyPr/>
+                    <a:lstStyle/>
+                    <a:p>
+                      <a:pPr algn="ctr"/>
+                      <a:r>
+                        <a:rPr lang="ru-RU" sz="2000" b="1" dirty="0" smtClean="0">
+                          <a:latin typeface="Times New Roman" panose="02020603050405020304" pitchFamily="18" charset="0"/>
+                          <a:cs typeface="Times New Roman" panose="02020603050405020304" pitchFamily="18" charset="0"/>
+                        </a:rPr>
+                        <a:t>+</a:t>
+                      </a:r>
+                      <a:endParaRPr lang="ru-RU" sz="2000" b="1" dirty="0">
+                        <a:latin typeface="Times New Roman" panose="02020603050405020304" pitchFamily="18" charset="0"/>
+                        <a:cs typeface="Times New Roman" panose="02020603050405020304" pitchFamily="18" charset="0"/>
+                      </a:endParaRPr>
+                    </a:p>
+                  </a:txBody>
+                  <a:tcPr/>
+                </a:tc>
+                <a:tc>
+                  <a:txBody>
+                    <a:bodyPr/>
+                    <a:lstStyle/>
+                    <a:p>
+                      <a:pPr algn="ctr"/>
+                      <a:r>
+                        <a:rPr lang="ru-RU" sz="2000" b="1" dirty="0" smtClean="0">
+                          <a:latin typeface="Times New Roman" panose="02020603050405020304" pitchFamily="18" charset="0"/>
+                          <a:cs typeface="Times New Roman" panose="02020603050405020304" pitchFamily="18" charset="0"/>
+                        </a:rPr>
+                        <a:t>+</a:t>
+                      </a:r>
+                      <a:endParaRPr lang="ru-RU" sz="2000" b="1" dirty="0">
+                        <a:latin typeface="Times New Roman" panose="02020603050405020304" pitchFamily="18" charset="0"/>
+                        <a:cs typeface="Times New Roman" panose="02020603050405020304" pitchFamily="18" charset="0"/>
+                      </a:endParaRPr>
+                    </a:p>
+                  </a:txBody>
+                  <a:tcPr/>
+                </a:tc>
+              </a:tr>
+              <a:tr h="602114">
+                <a:tc>
+                  <a:txBody>
+                    <a:bodyPr/>
+                    <a:lstStyle/>
+                    <a:p>
+                      <a:pPr algn="ctr"/>
+                      <a:r>
+                        <a:rPr lang="ru-RU" sz="2000" dirty="0" smtClean="0">
+                          <a:latin typeface="Times New Roman" panose="02020603050405020304" pitchFamily="18" charset="0"/>
+                          <a:cs typeface="Times New Roman" panose="02020603050405020304" pitchFamily="18" charset="0"/>
+                        </a:rPr>
+                        <a:t>Отправка файлов</a:t>
+                      </a:r>
+                      <a:endParaRPr lang="ru-RU" sz="2000" dirty="0">
+                        <a:latin typeface="Times New Roman" panose="02020603050405020304" pitchFamily="18" charset="0"/>
+                        <a:cs typeface="Times New Roman" panose="02020603050405020304" pitchFamily="18" charset="0"/>
+                      </a:endParaRPr>
+                    </a:p>
+                  </a:txBody>
+                  <a:tcPr/>
+                </a:tc>
+                <a:tc>
+                  <a:txBody>
+                    <a:bodyPr/>
+                    <a:lstStyle/>
+                    <a:p>
+                      <a:pPr algn="ctr"/>
+                      <a:r>
+                        <a:rPr lang="ru-RU" sz="2000" b="1" dirty="0" smtClean="0">
+                          <a:latin typeface="Times New Roman" panose="02020603050405020304" pitchFamily="18" charset="0"/>
+                          <a:cs typeface="Times New Roman" panose="02020603050405020304" pitchFamily="18" charset="0"/>
+                        </a:rPr>
+                        <a:t>+</a:t>
+                      </a:r>
+                      <a:endParaRPr lang="ru-RU" sz="2000" b="1" dirty="0">
+                        <a:latin typeface="Times New Roman" panose="02020603050405020304" pitchFamily="18" charset="0"/>
+                        <a:cs typeface="Times New Roman" panose="02020603050405020304" pitchFamily="18" charset="0"/>
+                      </a:endParaRPr>
+                    </a:p>
+                  </a:txBody>
+                  <a:tcPr/>
+                </a:tc>
+                <a:tc>
+                  <a:txBody>
+                    <a:bodyPr/>
+                    <a:lstStyle/>
+                    <a:p>
+                      <a:pPr algn="ctr"/>
+                      <a:r>
+                        <a:rPr lang="ru-RU" sz="2000" b="1" dirty="0" smtClean="0">
+                          <a:latin typeface="Times New Roman" panose="02020603050405020304" pitchFamily="18" charset="0"/>
+                          <a:cs typeface="Times New Roman" panose="02020603050405020304" pitchFamily="18" charset="0"/>
+                        </a:rPr>
+                        <a:t>+</a:t>
+                      </a:r>
+                      <a:endParaRPr lang="ru-RU" sz="2000" b="1" dirty="0">
+                        <a:latin typeface="Times New Roman" panose="02020603050405020304" pitchFamily="18" charset="0"/>
+                        <a:cs typeface="Times New Roman" panose="02020603050405020304" pitchFamily="18" charset="0"/>
+                      </a:endParaRPr>
+                    </a:p>
+                  </a:txBody>
+                  <a:tcPr/>
+                </a:tc>
+              </a:tr>
+              <a:tr h="602114">
+                <a:tc>
+                  <a:txBody>
+                    <a:bodyPr/>
+                    <a:lstStyle/>
+                    <a:p>
+                      <a:pPr algn="ctr"/>
+                      <a:r>
+                        <a:rPr lang="ru-RU" sz="2000" dirty="0" smtClean="0">
+                          <a:latin typeface="Times New Roman" panose="02020603050405020304" pitchFamily="18" charset="0"/>
+                          <a:cs typeface="Times New Roman" panose="02020603050405020304" pitchFamily="18" charset="0"/>
+                        </a:rPr>
+                        <a:t>Авторизация</a:t>
+                      </a:r>
+                      <a:endParaRPr lang="ru-RU" sz="2000" dirty="0">
+                        <a:latin typeface="Times New Roman" panose="02020603050405020304" pitchFamily="18" charset="0"/>
+                        <a:cs typeface="Times New Roman" panose="02020603050405020304" pitchFamily="18" charset="0"/>
+                      </a:endParaRPr>
+                    </a:p>
+                  </a:txBody>
+                  <a:tcPr/>
+                </a:tc>
+                <a:tc>
+                  <a:txBody>
+                    <a:bodyPr/>
+                    <a:lstStyle/>
+                    <a:p>
+                      <a:pPr algn="ctr"/>
+                      <a:r>
+                        <a:rPr lang="ru-RU" sz="2000" b="1" dirty="0" smtClean="0">
+                          <a:latin typeface="Times New Roman" panose="02020603050405020304" pitchFamily="18" charset="0"/>
+                          <a:cs typeface="Times New Roman" panose="02020603050405020304" pitchFamily="18" charset="0"/>
+                        </a:rPr>
+                        <a:t>+</a:t>
+                      </a:r>
+                      <a:endParaRPr lang="ru-RU" sz="2000" b="1" dirty="0">
+                        <a:latin typeface="Times New Roman" panose="02020603050405020304" pitchFamily="18" charset="0"/>
+                        <a:cs typeface="Times New Roman" panose="02020603050405020304" pitchFamily="18" charset="0"/>
+                      </a:endParaRPr>
+                    </a:p>
+                  </a:txBody>
+                  <a:tcPr/>
+                </a:tc>
+                <a:tc>
+                  <a:txBody>
+                    <a:bodyPr/>
+                    <a:lstStyle/>
+                    <a:p>
+                      <a:pPr algn="ctr"/>
+                      <a:r>
+                        <a:rPr lang="ru-RU" sz="2000" b="1" dirty="0" smtClean="0">
+                          <a:latin typeface="Times New Roman" panose="02020603050405020304" pitchFamily="18" charset="0"/>
+                          <a:cs typeface="Times New Roman" panose="02020603050405020304" pitchFamily="18" charset="0"/>
+                        </a:rPr>
+                        <a:t>+</a:t>
+                      </a:r>
+                      <a:endParaRPr lang="ru-RU" sz="2000" b="1" dirty="0">
+                        <a:latin typeface="Times New Roman" panose="02020603050405020304" pitchFamily="18" charset="0"/>
+                        <a:cs typeface="Times New Roman" panose="02020603050405020304" pitchFamily="18" charset="0"/>
+                      </a:endParaRPr>
+                    </a:p>
+                  </a:txBody>
+                  <a:tcPr/>
+                </a:tc>
+              </a:tr>
+            </a:tbl>
+          </a:graphicData>
+        </a:graphic>
+      </p:graphicFrame>
     </p:spTree>
     <p:extLst>
       <p:ext uri="{BB962C8B-B14F-4D97-AF65-F5344CB8AC3E}">
-        <p14:creationId xmlns:p14="http://schemas.microsoft.com/office/powerpoint/2010/main" val="2894799530"/>
+        <p14:creationId xmlns:p14="http://schemas.microsoft.com/office/powerpoint/2010/main" val="415044868"/>
       </p:ext>
     </p:extLst>
   </p:cSld>
@@ -4902,8 +8009,8 @@
         </p:nvSpPr>
         <p:spPr>
           <a:xfrm>
-            <a:off x="189781" y="278861"/>
-            <a:ext cx="10515600" cy="1325563"/>
+            <a:off x="520117" y="278861"/>
+            <a:ext cx="10185264" cy="1325563"/>
           </a:xfrm>
         </p:spPr>
         <p:txBody>
@@ -4917,21 +8024,7 @@
                 <a:latin typeface="Times New Roman" panose="02020603050405020304" pitchFamily="18" charset="0"/>
                 <a:cs typeface="Times New Roman" panose="02020603050405020304" pitchFamily="18" charset="0"/>
               </a:rPr>
-              <a:t>Назначение</a:t>
-            </a:r>
-            <a:r>
-              <a:rPr lang="ru-RU" sz="6000" dirty="0" smtClean="0">
-                <a:latin typeface="Times New Roman" panose="02020603050405020304" pitchFamily="18" charset="0"/>
-                <a:cs typeface="Times New Roman" panose="02020603050405020304" pitchFamily="18" charset="0"/>
-              </a:rPr>
-              <a:t> </a:t>
-            </a:r>
-            <a:r>
-              <a:rPr lang="ru-RU" sz="6000" dirty="0" smtClean="0">
-                <a:latin typeface="Times New Roman" panose="02020603050405020304" pitchFamily="18" charset="0"/>
-                <a:cs typeface="Times New Roman" panose="02020603050405020304" pitchFamily="18" charset="0"/>
-              </a:rPr>
-              <a:t>приложения</a:t>
+              <a:t>Назначения приложения</a:t>
             </a:r>
             <a:endParaRPr lang="ru-RU" sz="6000" dirty="0">
               <a:latin typeface="Times New Roman" panose="02020603050405020304" pitchFamily="18" charset="0"/>
@@ -4952,8 +8045,8 @@
         </p:nvSpPr>
         <p:spPr>
           <a:xfrm>
-            <a:off x="189781" y="1877382"/>
-            <a:ext cx="11812438" cy="4351338"/>
+            <a:off x="536895" y="1877382"/>
+            <a:ext cx="11465323" cy="4351338"/>
           </a:xfrm>
         </p:spPr>
         <p:txBody>
@@ -4969,6 +8062,17 @@
               </a:rPr>
               <a:t>Создание чатов/каналов</a:t>
             </a:r>
+            <a:r>
+              <a:rPr lang="en-US" sz="3200" dirty="0" smtClean="0">
+                <a:latin typeface="Times New Roman" panose="02020603050405020304" pitchFamily="18" charset="0"/>
+                <a:cs typeface="Times New Roman" panose="02020603050405020304" pitchFamily="18" charset="0"/>
+              </a:rPr>
+              <a:t>;</a:t>
+            </a:r>
+            <a:endParaRPr lang="ru-RU" sz="3200" dirty="0" smtClean="0">
+              <a:latin typeface="Times New Roman" panose="02020603050405020304" pitchFamily="18" charset="0"/>
+              <a:cs typeface="Times New Roman" panose="02020603050405020304" pitchFamily="18" charset="0"/>
+            </a:endParaRPr>
           </a:p>
           <a:p>
             <a:r>
@@ -4976,8 +8080,19 @@
                 <a:latin typeface="Times New Roman" panose="02020603050405020304" pitchFamily="18" charset="0"/>
                 <a:cs typeface="Times New Roman" panose="02020603050405020304" pitchFamily="18" charset="0"/>
               </a:rPr>
-              <a:t>Обмен сообщениями </a:t>
-            </a:r>
+              <a:t>Обмен сообщениями</a:t>
+            </a:r>
+            <a:r>
+              <a:rPr lang="en-US" sz="3200" dirty="0" smtClean="0">
+                <a:latin typeface="Times New Roman" panose="02020603050405020304" pitchFamily="18" charset="0"/>
+                <a:cs typeface="Times New Roman" panose="02020603050405020304" pitchFamily="18" charset="0"/>
+              </a:rPr>
+              <a:t>;</a:t>
+            </a:r>
+            <a:endParaRPr lang="ru-RU" sz="3200" dirty="0" smtClean="0">
+              <a:latin typeface="Times New Roman" panose="02020603050405020304" pitchFamily="18" charset="0"/>
+              <a:cs typeface="Times New Roman" panose="02020603050405020304" pitchFamily="18" charset="0"/>
+            </a:endParaRPr>
           </a:p>
           <a:p>
             <a:r>
@@ -5001,6 +8116,17 @@
               </a:rPr>
               <a:t>канала (добавление различных ролей для участников)</a:t>
             </a:r>
+            <a:r>
+              <a:rPr lang="en-US" sz="3200" dirty="0" smtClean="0">
+                <a:latin typeface="Times New Roman" panose="02020603050405020304" pitchFamily="18" charset="0"/>
+                <a:cs typeface="Times New Roman" panose="02020603050405020304" pitchFamily="18" charset="0"/>
+              </a:rPr>
+              <a:t>;</a:t>
+            </a:r>
+            <a:endParaRPr lang="ru-RU" sz="3200" dirty="0" smtClean="0">
+              <a:latin typeface="Times New Roman" panose="02020603050405020304" pitchFamily="18" charset="0"/>
+              <a:cs typeface="Times New Roman" panose="02020603050405020304" pitchFamily="18" charset="0"/>
+            </a:endParaRPr>
           </a:p>
           <a:p>
             <a:r>
@@ -5010,6 +8136,17 @@
               </a:rPr>
               <a:t>Возможность добавить сообщение в раздел «Избранное» в один клик</a:t>
             </a:r>
+            <a:r>
+              <a:rPr lang="en-US" sz="3200" dirty="0" smtClean="0">
+                <a:latin typeface="Times New Roman" panose="02020603050405020304" pitchFamily="18" charset="0"/>
+                <a:cs typeface="Times New Roman" panose="02020603050405020304" pitchFamily="18" charset="0"/>
+              </a:rPr>
+              <a:t>;</a:t>
+            </a:r>
+            <a:endParaRPr lang="ru-RU" sz="3200" dirty="0" smtClean="0">
+              <a:latin typeface="Times New Roman" panose="02020603050405020304" pitchFamily="18" charset="0"/>
+              <a:cs typeface="Times New Roman" panose="02020603050405020304" pitchFamily="18" charset="0"/>
+            </a:endParaRPr>
           </a:p>
           <a:p>
             <a:r>
@@ -5017,7 +8154,21 @@
                 <a:latin typeface="Times New Roman" panose="02020603050405020304" pitchFamily="18" charset="0"/>
                 <a:cs typeface="Times New Roman" panose="02020603050405020304" pitchFamily="18" charset="0"/>
               </a:rPr>
-              <a:t>Возможность просматривать историю сообщений канала без регистрации </a:t>
+              <a:t>Возможность просматривать историю сообщений канала без регистрации</a:t>
+            </a:r>
+            <a:r>
+              <a:rPr lang="en-US" sz="3200" dirty="0" smtClean="0">
+                <a:latin typeface="Times New Roman" panose="02020603050405020304" pitchFamily="18" charset="0"/>
+                <a:cs typeface="Times New Roman" panose="02020603050405020304" pitchFamily="18" charset="0"/>
+              </a:rPr>
+              <a:t>.</a:t>
+            </a:r>
+            <a:r>
+              <a:rPr lang="ru-RU" sz="3200" dirty="0" smtClean="0">
+                <a:latin typeface="Times New Roman" panose="02020603050405020304" pitchFamily="18" charset="0"/>
+                <a:cs typeface="Times New Roman" panose="02020603050405020304" pitchFamily="18" charset="0"/>
+              </a:rPr>
+              <a:t> </a:t>
             </a:r>
             <a:endParaRPr lang="ru-RU" sz="3200" dirty="0">
               <a:latin typeface="Times New Roman" panose="02020603050405020304" pitchFamily="18" charset="0"/>
@@ -5042,13 +8193,13 @@
           <a:lstStyle/>
           <a:p>
             <a:fld id="{F057AEC9-9E52-4782-943C-911A5C934F5E}" type="slidenum">
-              <a:rPr lang="ru-RU" sz="3200" smtClean="0">
+              <a:rPr lang="ru-RU" sz="2000" smtClean="0">
                 <a:latin typeface="Times New Roman" panose="02020603050405020304" pitchFamily="18" charset="0"/>
                 <a:cs typeface="Times New Roman" panose="02020603050405020304" pitchFamily="18" charset="0"/>
               </a:rPr>
               <a:t>5</a:t>
             </a:fld>
-            <a:endParaRPr lang="ru-RU" sz="3200" dirty="0">
+            <a:endParaRPr lang="ru-RU" sz="2000" dirty="0">
               <a:latin typeface="Times New Roman" panose="02020603050405020304" pitchFamily="18" charset="0"/>
               <a:cs typeface="Times New Roman" panose="02020603050405020304" pitchFamily="18" charset="0"/>
             </a:endParaRPr>
@@ -5076,169 +8227,6 @@
 </file>
 
 <file path=ppt/slides/slide6.xml><?xml version="1.0" encoding="utf-8"?>
-<p:sld xmlns:a="http://schemas.openxmlformats.org/drawingml/2006/main" xmlns:r="http://schemas.openxmlformats.org/officeDocument/2006/relationships" xmlns:p="http://schemas.openxmlformats.org/presentationml/2006/main">
-  <p:cSld>
-    <p:spTree>
-      <p:nvGrpSpPr>
-        <p:cNvPr id="1" name=""/>
-        <p:cNvGrpSpPr/>
-        <p:nvPr/>
-      </p:nvGrpSpPr>
-      <p:grpSpPr>
-        <a:xfrm>
-          <a:off x="0" y="0"/>
-          <a:ext cx="0" cy="0"/>
-          <a:chOff x="0" y="0"/>
-          <a:chExt cx="0" cy="0"/>
-        </a:xfrm>
-      </p:grpSpPr>
-      <p:sp>
-        <p:nvSpPr>
-          <p:cNvPr id="2" name="Заголовок 1"/>
-          <p:cNvSpPr>
-            <a:spLocks noGrp="1"/>
-          </p:cNvSpPr>
-          <p:nvPr>
-            <p:ph type="title"/>
-          </p:nvPr>
-        </p:nvSpPr>
-        <p:spPr>
-          <a:xfrm>
-            <a:off x="838200" y="416884"/>
-            <a:ext cx="10515600" cy="1325563"/>
-          </a:xfrm>
-        </p:spPr>
-        <p:txBody>
-          <a:bodyPr>
-            <a:normAutofit/>
-          </a:bodyPr>
-          <a:lstStyle/>
-          <a:p>
-            <a:r>
-              <a:rPr lang="ru-RU" sz="6000" dirty="0" smtClean="0">
-                <a:latin typeface="Times New Roman" panose="02020603050405020304" pitchFamily="18" charset="0"/>
-                <a:cs typeface="Times New Roman" panose="02020603050405020304" pitchFamily="18" charset="0"/>
-              </a:rPr>
-              <a:t>Требования к приложени</a:t>
-            </a:r>
-            <a:r>
-              <a:rPr lang="ru-RU" sz="6000" dirty="0">
-                <a:latin typeface="Times New Roman" panose="02020603050405020304" pitchFamily="18" charset="0"/>
-                <a:cs typeface="Times New Roman" panose="02020603050405020304" pitchFamily="18" charset="0"/>
-              </a:rPr>
-              <a:t>ю</a:t>
-            </a:r>
-          </a:p>
-        </p:txBody>
-      </p:sp>
-      <p:sp>
-        <p:nvSpPr>
-          <p:cNvPr id="3" name="Объект 2"/>
-          <p:cNvSpPr>
-            <a:spLocks noGrp="1"/>
-          </p:cNvSpPr>
-          <p:nvPr>
-            <p:ph idx="1"/>
-          </p:nvPr>
-        </p:nvSpPr>
-        <p:spPr/>
-        <p:txBody>
-          <a:bodyPr>
-            <a:normAutofit/>
-          </a:bodyPr>
-          <a:lstStyle/>
-          <a:p>
-            <a:r>
-              <a:rPr lang="ru-RU" sz="3200" dirty="0" smtClean="0">
-                <a:latin typeface="Times New Roman" panose="02020603050405020304" pitchFamily="18" charset="0"/>
-                <a:cs typeface="Times New Roman" panose="02020603050405020304" pitchFamily="18" charset="0"/>
-              </a:rPr>
-              <a:t>Требования к архитектуре</a:t>
-            </a:r>
-          </a:p>
-          <a:p>
-            <a:r>
-              <a:rPr lang="ru-RU" sz="3200" dirty="0" smtClean="0">
-                <a:latin typeface="Times New Roman" panose="02020603050405020304" pitchFamily="18" charset="0"/>
-                <a:cs typeface="Times New Roman" panose="02020603050405020304" pitchFamily="18" charset="0"/>
-              </a:rPr>
-              <a:t>Требования к эргономике и технической эстетике</a:t>
-            </a:r>
-          </a:p>
-          <a:p>
-            <a:r>
-              <a:rPr lang="ru-RU" sz="3200" dirty="0" smtClean="0">
-                <a:latin typeface="Times New Roman" panose="02020603050405020304" pitchFamily="18" charset="0"/>
-                <a:cs typeface="Times New Roman" panose="02020603050405020304" pitchFamily="18" charset="0"/>
-              </a:rPr>
-              <a:t>Требования к защите информации</a:t>
-            </a:r>
-          </a:p>
-          <a:p>
-            <a:r>
-              <a:rPr lang="ru-RU" sz="3200" dirty="0" smtClean="0">
-                <a:latin typeface="Times New Roman" panose="02020603050405020304" pitchFamily="18" charset="0"/>
-                <a:cs typeface="Times New Roman" panose="02020603050405020304" pitchFamily="18" charset="0"/>
-              </a:rPr>
-              <a:t>Требования по патентной части</a:t>
-            </a:r>
-            <a:endParaRPr lang="ru-RU" sz="3200" dirty="0">
-              <a:latin typeface="Times New Roman" panose="02020603050405020304" pitchFamily="18" charset="0"/>
-              <a:cs typeface="Times New Roman" panose="02020603050405020304" pitchFamily="18" charset="0"/>
-            </a:endParaRPr>
-          </a:p>
-        </p:txBody>
-      </p:sp>
-      <p:sp>
-        <p:nvSpPr>
-          <p:cNvPr id="5" name="Номер слайда 4"/>
-          <p:cNvSpPr>
-            <a:spLocks noGrp="1"/>
-          </p:cNvSpPr>
-          <p:nvPr>
-            <p:ph type="sldNum" sz="quarter" idx="12"/>
-          </p:nvPr>
-        </p:nvSpPr>
-        <p:spPr/>
-        <p:txBody>
-          <a:bodyPr/>
-          <a:lstStyle/>
-          <a:p>
-            <a:fld id="{F057AEC9-9E52-4782-943C-911A5C934F5E}" type="slidenum">
-              <a:rPr lang="ru-RU" sz="3200" smtClean="0">
-                <a:latin typeface="Times New Roman" panose="02020603050405020304" pitchFamily="18" charset="0"/>
-                <a:cs typeface="Times New Roman" panose="02020603050405020304" pitchFamily="18" charset="0"/>
-              </a:rPr>
-              <a:t>6</a:t>
-            </a:fld>
-            <a:endParaRPr lang="ru-RU" sz="3200" dirty="0">
-              <a:latin typeface="Times New Roman" panose="02020603050405020304" pitchFamily="18" charset="0"/>
-              <a:cs typeface="Times New Roman" panose="02020603050405020304" pitchFamily="18" charset="0"/>
-            </a:endParaRPr>
-          </a:p>
-        </p:txBody>
-      </p:sp>
-    </p:spTree>
-    <p:extLst>
-      <p:ext uri="{BB962C8B-B14F-4D97-AF65-F5344CB8AC3E}">
-        <p14:creationId xmlns:p14="http://schemas.microsoft.com/office/powerpoint/2010/main" val="976764219"/>
-      </p:ext>
-    </p:extLst>
-  </p:cSld>
-  <p:clrMapOvr>
-    <a:masterClrMapping/>
-  </p:clrMapOvr>
-  <p:timing>
-    <p:tnLst>
-      <p:par>
-        <p:cTn id="1" dur="indefinite" restart="never" nodeType="tmRoot"/>
-      </p:par>
-    </p:tnLst>
-  </p:timing>
-</p:sld>
-</file>
-
-<file path=ppt/slides/slide7.xml><?xml version="1.0" encoding="utf-8"?>
 <p:sld xmlns:a="http://schemas.openxmlformats.org/drawingml/2006/main" xmlns:r="http://schemas.openxmlformats.org/officeDocument/2006/relationships" xmlns:p="http://schemas.openxmlformats.org/presentationml/2006/main">
   <p:cSld>
     <p:spTree>
@@ -5534,7 +8522,7 @@
                 <a:latin typeface="Times New Roman" panose="02020603050405020304" pitchFamily="18" charset="0"/>
                 <a:cs typeface="Times New Roman" panose="02020603050405020304" pitchFamily="18" charset="0"/>
               </a:rPr>
-              <a:t>Java</a:t>
+              <a:t>Java;</a:t>
             </a:r>
           </a:p>
           <a:p>
@@ -5543,25 +8531,39 @@
                 <a:latin typeface="Times New Roman" panose="02020603050405020304" pitchFamily="18" charset="0"/>
                 <a:cs typeface="Times New Roman" panose="02020603050405020304" pitchFamily="18" charset="0"/>
               </a:rPr>
-              <a:t>Spring Framework</a:t>
-            </a:r>
-          </a:p>
-          <a:p>
+              <a:t>Spring Framework;</a:t>
+            </a:r>
+          </a:p>
+          <a:p>
+            <a:r>
+              <a:rPr lang="en-US" sz="3200" dirty="0" err="1" smtClean="0">
+                <a:latin typeface="Times New Roman" panose="02020603050405020304" pitchFamily="18" charset="0"/>
+                <a:cs typeface="Times New Roman" panose="02020603050405020304" pitchFamily="18" charset="0"/>
+              </a:rPr>
+              <a:t>PostgreSQL</a:t>
+            </a:r>
             <a:r>
               <a:rPr lang="en-US" sz="3200" dirty="0" smtClean="0">
                 <a:latin typeface="Times New Roman" panose="02020603050405020304" pitchFamily="18" charset="0"/>
                 <a:cs typeface="Times New Roman" panose="02020603050405020304" pitchFamily="18" charset="0"/>
               </a:rPr>
-              <a:t>PostgreSQL</a:t>
-            </a:r>
-          </a:p>
-          <a:p>
+              <a:t>;</a:t>
+            </a:r>
+          </a:p>
+          <a:p>
+            <a:r>
+              <a:rPr lang="en-US" sz="3200" dirty="0" err="1" smtClean="0">
+                <a:latin typeface="Times New Roman" panose="02020603050405020304" pitchFamily="18" charset="0"/>
+                <a:cs typeface="Times New Roman" panose="02020603050405020304" pitchFamily="18" charset="0"/>
+              </a:rPr>
+              <a:t>Docker</a:t>
+            </a:r>
             <a:r>
               <a:rPr lang="en-US" sz="3200" dirty="0" smtClean="0">
                 <a:latin typeface="Times New Roman" panose="02020603050405020304" pitchFamily="18" charset="0"/>
                 <a:cs typeface="Times New Roman" panose="02020603050405020304" pitchFamily="18" charset="0"/>
               </a:rPr>
-              <a:t>Docker</a:t>
+              <a:t>;</a:t>
             </a:r>
           </a:p>
           <a:p>
@@ -5570,7 +8572,7 @@
                 <a:latin typeface="Times New Roman" panose="02020603050405020304" pitchFamily="18" charset="0"/>
                 <a:cs typeface="Times New Roman" panose="02020603050405020304" pitchFamily="18" charset="0"/>
               </a:rPr>
-              <a:t>Flyway</a:t>
+              <a:t>Flyway.</a:t>
             </a:r>
             <a:endParaRPr lang="ru-RU" sz="3200" dirty="0">
               <a:latin typeface="Times New Roman" panose="02020603050405020304" pitchFamily="18" charset="0"/>
@@ -5783,7 +8785,7 @@
                 <a:latin typeface="Times New Roman" panose="02020603050405020304" pitchFamily="18" charset="0"/>
                 <a:cs typeface="Times New Roman" panose="02020603050405020304" pitchFamily="18" charset="0"/>
               </a:rPr>
-              <a:t>JavaScript</a:t>
+              <a:t>JavaScript;</a:t>
             </a:r>
           </a:p>
           <a:p>
@@ -5792,7 +8794,7 @@
                 <a:latin typeface="Times New Roman" panose="02020603050405020304" pitchFamily="18" charset="0"/>
                 <a:cs typeface="Times New Roman" panose="02020603050405020304" pitchFamily="18" charset="0"/>
               </a:rPr>
-              <a:t>React Native Framework</a:t>
+              <a:t>React Native Framework.</a:t>
             </a:r>
           </a:p>
         </p:txBody>
@@ -5997,11 +8999,18 @@
           </a:p>
           <a:p>
             <a:r>
+              <a:rPr lang="en-US" sz="3200" dirty="0" err="1" smtClean="0">
+                <a:latin typeface="Times New Roman" panose="02020603050405020304" pitchFamily="18" charset="0"/>
+                <a:cs typeface="Times New Roman" panose="02020603050405020304" pitchFamily="18" charset="0"/>
+              </a:rPr>
+              <a:t>Miro</a:t>
+            </a:r>
+            <a:r>
               <a:rPr lang="en-US" sz="3200" dirty="0" smtClean="0">
                 <a:latin typeface="Times New Roman" panose="02020603050405020304" pitchFamily="18" charset="0"/>
                 <a:cs typeface="Times New Roman" panose="02020603050405020304" pitchFamily="18" charset="0"/>
               </a:rPr>
-              <a:t>Miro</a:t>
+              <a:t>;</a:t>
             </a:r>
           </a:p>
           <a:p>
@@ -6010,7 +9019,7 @@
                 <a:latin typeface="Times New Roman" panose="02020603050405020304" pitchFamily="18" charset="0"/>
                 <a:cs typeface="Times New Roman" panose="02020603050405020304" pitchFamily="18" charset="0"/>
               </a:rPr>
-              <a:t>Swagger</a:t>
+              <a:t>Swagger;</a:t>
             </a:r>
           </a:p>
           <a:p>
@@ -6019,7 +9028,7 @@
                 <a:latin typeface="Times New Roman" panose="02020603050405020304" pitchFamily="18" charset="0"/>
                 <a:cs typeface="Times New Roman" panose="02020603050405020304" pitchFamily="18" charset="0"/>
               </a:rPr>
-              <a:t>Draw.io</a:t>
+              <a:t>Draw.io;</a:t>
             </a:r>
           </a:p>
           <a:p>
@@ -6028,12 +9037,15 @@
                 <a:latin typeface="Times New Roman" panose="02020603050405020304" pitchFamily="18" charset="0"/>
                 <a:cs typeface="Times New Roman" panose="02020603050405020304" pitchFamily="18" charset="0"/>
               </a:rPr>
-              <a:t>BPwin</a:t>
-            </a:r>
-            <a:endParaRPr lang="en-US" sz="3200" dirty="0" smtClean="0">
-              <a:latin typeface="Times New Roman" panose="02020603050405020304" pitchFamily="18" charset="0"/>
-              <a:cs typeface="Times New Roman" panose="02020603050405020304" pitchFamily="18" charset="0"/>
-            </a:endParaRPr>
+              <a:t>Bpwin</a:t>
+            </a:r>
+            <a:r>
+              <a:rPr lang="en-US" sz="3200" dirty="0" smtClean="0">
+                <a:latin typeface="Times New Roman" panose="02020603050405020304" pitchFamily="18" charset="0"/>
+                <a:cs typeface="Times New Roman" panose="02020603050405020304" pitchFamily="18" charset="0"/>
+              </a:rPr>
+              <a:t>;</a:t>
+            </a:r>
           </a:p>
           <a:p>
             <a:r>
@@ -6043,10 +9055,13 @@
               </a:rPr>
               <a:t>Github</a:t>
             </a:r>
-            <a:endParaRPr lang="en-US" sz="3200" dirty="0" smtClean="0">
-              <a:latin typeface="Times New Roman" panose="02020603050405020304" pitchFamily="18" charset="0"/>
-              <a:cs typeface="Times New Roman" panose="02020603050405020304" pitchFamily="18" charset="0"/>
-            </a:endParaRPr>
+            <a:r>
+              <a:rPr lang="en-US" sz="3200" dirty="0" smtClean="0">
+                <a:latin typeface="Times New Roman" panose="02020603050405020304" pitchFamily="18" charset="0"/>
+                <a:cs typeface="Times New Roman" panose="02020603050405020304" pitchFamily="18" charset="0"/>
+              </a:rPr>
+              <a:t>;</a:t>
+            </a:r>
           </a:p>
           <a:p>
             <a:r>
@@ -6056,18 +9071,28 @@
               </a:rPr>
               <a:t>Figma</a:t>
             </a:r>
-            <a:endParaRPr lang="en-US" sz="3200" dirty="0" smtClean="0">
-              <a:latin typeface="Times New Roman" panose="02020603050405020304" pitchFamily="18" charset="0"/>
-              <a:cs typeface="Times New Roman" panose="02020603050405020304" pitchFamily="18" charset="0"/>
-            </a:endParaRPr>
-          </a:p>
-          <a:p>
             <a:r>
               <a:rPr lang="en-US" sz="3200" dirty="0" smtClean="0">
                 <a:latin typeface="Times New Roman" panose="02020603050405020304" pitchFamily="18" charset="0"/>
                 <a:cs typeface="Times New Roman" panose="02020603050405020304" pitchFamily="18" charset="0"/>
               </a:rPr>
+              <a:t>;</a:t>
+            </a:r>
+          </a:p>
+          <a:p>
+            <a:r>
+              <a:rPr lang="en-US" sz="3200" dirty="0" err="1" smtClean="0">
+                <a:latin typeface="Times New Roman" panose="02020603050405020304" pitchFamily="18" charset="0"/>
+                <a:cs typeface="Times New Roman" panose="02020603050405020304" pitchFamily="18" charset="0"/>
+              </a:rPr>
               <a:t>Trello</a:t>
+            </a:r>
+            <a:r>
+              <a:rPr lang="en-US" sz="3200" dirty="0" smtClean="0">
+                <a:latin typeface="Times New Roman" panose="02020603050405020304" pitchFamily="18" charset="0"/>
+                <a:cs typeface="Times New Roman" panose="02020603050405020304" pitchFamily="18" charset="0"/>
+              </a:rPr>
+              <a:t>.</a:t>
             </a:r>
             <a:endParaRPr lang="ru-RU" sz="3200" dirty="0">
               <a:latin typeface="Times New Roman" panose="02020603050405020304" pitchFamily="18" charset="0"/>
@@ -6097,13 +9122,13 @@
           <a:lstStyle/>
           <a:p>
             <a:fld id="{F057AEC9-9E52-4782-943C-911A5C934F5E}" type="slidenum">
-              <a:rPr lang="ru-RU" sz="3200" smtClean="0">
-                <a:latin typeface="Times New Roman" panose="02020603050405020304" pitchFamily="18" charset="0"/>
-                <a:cs typeface="Times New Roman" panose="02020603050405020304" pitchFamily="18" charset="0"/>
-              </a:rPr>
-              <a:t>7</a:t>
+              <a:rPr lang="ru-RU" sz="2000" smtClean="0">
+                <a:latin typeface="Times New Roman" panose="02020603050405020304" pitchFamily="18" charset="0"/>
+                <a:cs typeface="Times New Roman" panose="02020603050405020304" pitchFamily="18" charset="0"/>
+              </a:rPr>
+              <a:t>6</a:t>
             </a:fld>
-            <a:endParaRPr lang="ru-RU" sz="3200" dirty="0">
+            <a:endParaRPr lang="ru-RU" sz="2000" dirty="0">
               <a:latin typeface="Times New Roman" panose="02020603050405020304" pitchFamily="18" charset="0"/>
               <a:cs typeface="Times New Roman" panose="02020603050405020304" pitchFamily="18" charset="0"/>
             </a:endParaRPr>
@@ -6114,6 +9139,220 @@
     <p:extLst>
       <p:ext uri="{BB962C8B-B14F-4D97-AF65-F5344CB8AC3E}">
         <p14:creationId xmlns:p14="http://schemas.microsoft.com/office/powerpoint/2010/main" val="4167707269"/>
+      </p:ext>
+    </p:extLst>
+  </p:cSld>
+  <p:clrMapOvr>
+    <a:masterClrMapping/>
+  </p:clrMapOvr>
+  <p:timing>
+    <p:tnLst>
+      <p:par>
+        <p:cTn id="1" dur="indefinite" restart="never" nodeType="tmRoot"/>
+      </p:par>
+    </p:tnLst>
+  </p:timing>
+</p:sld>
+</file>
+
+<file path=ppt/slides/slide7.xml><?xml version="1.0" encoding="utf-8"?>
+<p:sld xmlns:a="http://schemas.openxmlformats.org/drawingml/2006/main" xmlns:r="http://schemas.openxmlformats.org/officeDocument/2006/relationships" xmlns:p="http://schemas.openxmlformats.org/presentationml/2006/main">
+  <p:cSld>
+    <p:spTree>
+      <p:nvGrpSpPr>
+        <p:cNvPr id="1" name=""/>
+        <p:cNvGrpSpPr/>
+        <p:nvPr/>
+      </p:nvGrpSpPr>
+      <p:grpSpPr>
+        <a:xfrm>
+          <a:off x="0" y="0"/>
+          <a:ext cx="0" cy="0"/>
+          <a:chOff x="0" y="0"/>
+          <a:chExt cx="0" cy="0"/>
+        </a:xfrm>
+      </p:grpSpPr>
+      <p:sp>
+        <p:nvSpPr>
+          <p:cNvPr id="2" name="Заголовок 1"/>
+          <p:cNvSpPr>
+            <a:spLocks noGrp="1"/>
+          </p:cNvSpPr>
+          <p:nvPr>
+            <p:ph type="title"/>
+          </p:nvPr>
+        </p:nvSpPr>
+        <p:spPr/>
+        <p:txBody>
+          <a:bodyPr>
+            <a:normAutofit/>
+          </a:bodyPr>
+          <a:lstStyle/>
+          <a:p>
+            <a:r>
+              <a:rPr lang="ru-RU" sz="6000" dirty="0">
+                <a:latin typeface="Times New Roman" panose="02020603050405020304" pitchFamily="18" charset="0"/>
+                <a:cs typeface="Times New Roman" panose="02020603050405020304" pitchFamily="18" charset="0"/>
+              </a:rPr>
+              <a:t>Требования к приложению</a:t>
+            </a:r>
+            <a:endParaRPr lang="ru-RU" sz="6000" dirty="0"/>
+          </a:p>
+        </p:txBody>
+      </p:sp>
+      <p:sp>
+        <p:nvSpPr>
+          <p:cNvPr id="3" name="Объект 2"/>
+          <p:cNvSpPr>
+            <a:spLocks noGrp="1"/>
+          </p:cNvSpPr>
+          <p:nvPr>
+            <p:ph idx="1"/>
+          </p:nvPr>
+        </p:nvSpPr>
+        <p:spPr/>
+        <p:txBody>
+          <a:bodyPr>
+            <a:normAutofit/>
+          </a:bodyPr>
+          <a:lstStyle/>
+          <a:p>
+            <a:pPr marL="0" indent="0">
+              <a:buNone/>
+            </a:pPr>
+            <a:r>
+              <a:rPr lang="ru-RU" sz="3200" i="1" dirty="0" smtClean="0">
+                <a:latin typeface="Times New Roman" panose="02020603050405020304" pitchFamily="18" charset="0"/>
+                <a:cs typeface="Times New Roman" panose="02020603050405020304" pitchFamily="18" charset="0"/>
+              </a:rPr>
+              <a:t>Функциональные требования</a:t>
+            </a:r>
+          </a:p>
+          <a:p>
+            <a:r>
+              <a:rPr lang="ru-RU" sz="3200" dirty="0" smtClean="0">
+                <a:latin typeface="Times New Roman" panose="02020603050405020304" pitchFamily="18" charset="0"/>
+                <a:cs typeface="Times New Roman" panose="02020603050405020304" pitchFamily="18" charset="0"/>
+              </a:rPr>
+              <a:t>Система регистрации/авторизации</a:t>
+            </a:r>
+            <a:r>
+              <a:rPr lang="en-US" sz="3200" dirty="0" smtClean="0">
+                <a:latin typeface="Times New Roman" panose="02020603050405020304" pitchFamily="18" charset="0"/>
+                <a:cs typeface="Times New Roman" panose="02020603050405020304" pitchFamily="18" charset="0"/>
+              </a:rPr>
+              <a:t>;</a:t>
+            </a:r>
+            <a:endParaRPr lang="ru-RU" sz="3200" dirty="0" smtClean="0">
+              <a:latin typeface="Times New Roman" panose="02020603050405020304" pitchFamily="18" charset="0"/>
+              <a:cs typeface="Times New Roman" panose="02020603050405020304" pitchFamily="18" charset="0"/>
+            </a:endParaRPr>
+          </a:p>
+          <a:p>
+            <a:r>
+              <a:rPr lang="ru-RU" sz="3200" dirty="0" smtClean="0">
+                <a:latin typeface="Times New Roman" panose="02020603050405020304" pitchFamily="18" charset="0"/>
+                <a:cs typeface="Times New Roman" panose="02020603050405020304" pitchFamily="18" charset="0"/>
+              </a:rPr>
+              <a:t>Подтверждение электронной почты</a:t>
+            </a:r>
+            <a:r>
+              <a:rPr lang="en-US" sz="3200" dirty="0" smtClean="0">
+                <a:latin typeface="Times New Roman" panose="02020603050405020304" pitchFamily="18" charset="0"/>
+                <a:cs typeface="Times New Roman" panose="02020603050405020304" pitchFamily="18" charset="0"/>
+              </a:rPr>
+              <a:t>;</a:t>
+            </a:r>
+            <a:endParaRPr lang="ru-RU" sz="3200" dirty="0" smtClean="0">
+              <a:latin typeface="Times New Roman" panose="02020603050405020304" pitchFamily="18" charset="0"/>
+              <a:cs typeface="Times New Roman" panose="02020603050405020304" pitchFamily="18" charset="0"/>
+            </a:endParaRPr>
+          </a:p>
+          <a:p>
+            <a:r>
+              <a:rPr lang="ru-RU" sz="3200" dirty="0" smtClean="0">
+                <a:latin typeface="Times New Roman" panose="02020603050405020304" pitchFamily="18" charset="0"/>
+                <a:cs typeface="Times New Roman" panose="02020603050405020304" pitchFamily="18" charset="0"/>
+              </a:rPr>
+              <a:t>Настройка аккаунта пользователя</a:t>
+            </a:r>
+            <a:r>
+              <a:rPr lang="en-US" sz="3200" dirty="0" smtClean="0">
+                <a:latin typeface="Times New Roman" panose="02020603050405020304" pitchFamily="18" charset="0"/>
+                <a:cs typeface="Times New Roman" panose="02020603050405020304" pitchFamily="18" charset="0"/>
+              </a:rPr>
+              <a:t>;</a:t>
+            </a:r>
+            <a:endParaRPr lang="ru-RU" sz="3200" dirty="0" smtClean="0">
+              <a:latin typeface="Times New Roman" panose="02020603050405020304" pitchFamily="18" charset="0"/>
+              <a:cs typeface="Times New Roman" panose="02020603050405020304" pitchFamily="18" charset="0"/>
+            </a:endParaRPr>
+          </a:p>
+          <a:p>
+            <a:r>
+              <a:rPr lang="ru-RU" sz="3200" dirty="0" smtClean="0">
+                <a:latin typeface="Times New Roman" panose="02020603050405020304" pitchFamily="18" charset="0"/>
+                <a:cs typeface="Times New Roman" panose="02020603050405020304" pitchFamily="18" charset="0"/>
+              </a:rPr>
+              <a:t>Создание чата</a:t>
+            </a:r>
+            <a:r>
+              <a:rPr lang="en-US" sz="3200" dirty="0" smtClean="0">
+                <a:latin typeface="Times New Roman" panose="02020603050405020304" pitchFamily="18" charset="0"/>
+                <a:cs typeface="Times New Roman" panose="02020603050405020304" pitchFamily="18" charset="0"/>
+              </a:rPr>
+              <a:t>/</a:t>
+            </a:r>
+            <a:r>
+              <a:rPr lang="ru-RU" sz="3200" dirty="0" smtClean="0">
+                <a:latin typeface="Times New Roman" panose="02020603050405020304" pitchFamily="18" charset="0"/>
+                <a:cs typeface="Times New Roman" panose="02020603050405020304" pitchFamily="18" charset="0"/>
+              </a:rPr>
+              <a:t>канала</a:t>
+            </a:r>
+            <a:r>
+              <a:rPr lang="en-US" sz="3200" dirty="0" smtClean="0">
+                <a:latin typeface="Times New Roman" panose="02020603050405020304" pitchFamily="18" charset="0"/>
+                <a:cs typeface="Times New Roman" panose="02020603050405020304" pitchFamily="18" charset="0"/>
+              </a:rPr>
+              <a:t>.</a:t>
+            </a:r>
+          </a:p>
+        </p:txBody>
+      </p:sp>
+      <p:sp>
+        <p:nvSpPr>
+          <p:cNvPr id="5" name="Номер слайда 4"/>
+          <p:cNvSpPr>
+            <a:spLocks noGrp="1"/>
+          </p:cNvSpPr>
+          <p:nvPr>
+            <p:ph type="sldNum" sz="quarter" idx="12"/>
+          </p:nvPr>
+        </p:nvSpPr>
+        <p:spPr/>
+        <p:txBody>
+          <a:bodyPr/>
+          <a:lstStyle/>
+          <a:p>
+            <a:fld id="{F057AEC9-9E52-4782-943C-911A5C934F5E}" type="slidenum">
+              <a:rPr lang="ru-RU" sz="2000" smtClean="0">
+                <a:latin typeface="Times New Roman" panose="02020603050405020304" pitchFamily="18" charset="0"/>
+                <a:cs typeface="Times New Roman" panose="02020603050405020304" pitchFamily="18" charset="0"/>
+              </a:rPr>
+              <a:t>7</a:t>
+            </a:fld>
+            <a:endParaRPr lang="ru-RU" sz="2000" dirty="0">
+              <a:latin typeface="Times New Roman" panose="02020603050405020304" pitchFamily="18" charset="0"/>
+              <a:cs typeface="Times New Roman" panose="02020603050405020304" pitchFamily="18" charset="0"/>
+            </a:endParaRPr>
+          </a:p>
+        </p:txBody>
+      </p:sp>
+    </p:spTree>
+    <p:extLst>
+      <p:ext uri="{BB962C8B-B14F-4D97-AF65-F5344CB8AC3E}">
+        <p14:creationId xmlns:p14="http://schemas.microsoft.com/office/powerpoint/2010/main" val="3646887962"/>
       </p:ext>
     </p:extLst>
   </p:cSld>
@@ -6209,89 +9448,129 @@
                 <a:latin typeface="Times New Roman" panose="02020603050405020304" pitchFamily="18" charset="0"/>
                 <a:cs typeface="Times New Roman" panose="02020603050405020304" pitchFamily="18" charset="0"/>
               </a:rPr>
-              <a:t>Система регистрации/авторизации</a:t>
-            </a:r>
-          </a:p>
-          <a:p>
+              <a:t>Поиск чата</a:t>
+            </a:r>
+            <a:r>
+              <a:rPr lang="en-US" sz="3200" dirty="0" smtClean="0">
+                <a:latin typeface="Times New Roman" panose="02020603050405020304" pitchFamily="18" charset="0"/>
+                <a:cs typeface="Times New Roman" panose="02020603050405020304" pitchFamily="18" charset="0"/>
+              </a:rPr>
+              <a:t>/</a:t>
+            </a:r>
             <a:r>
               <a:rPr lang="ru-RU" sz="3200" dirty="0" smtClean="0">
                 <a:latin typeface="Times New Roman" panose="02020603050405020304" pitchFamily="18" charset="0"/>
                 <a:cs typeface="Times New Roman" panose="02020603050405020304" pitchFamily="18" charset="0"/>
               </a:rPr>
-              <a:t>Подтверждение электронной почты</a:t>
-            </a:r>
-          </a:p>
-          <a:p>
-            <a:r>
-              <a:rPr lang="ru-RU" sz="3200" dirty="0" smtClean="0">
-                <a:latin typeface="Times New Roman" panose="02020603050405020304" pitchFamily="18" charset="0"/>
-                <a:cs typeface="Times New Roman" panose="02020603050405020304" pitchFamily="18" charset="0"/>
-              </a:rPr>
-              <a:t>Настройка аккаунта пользователя</a:t>
-            </a:r>
-          </a:p>
-          <a:p>
-            <a:r>
-              <a:rPr lang="ru-RU" sz="3200" dirty="0" smtClean="0">
-                <a:latin typeface="Times New Roman" panose="02020603050405020304" pitchFamily="18" charset="0"/>
-                <a:cs typeface="Times New Roman" panose="02020603050405020304" pitchFamily="18" charset="0"/>
-              </a:rPr>
-              <a:t>Создание чата</a:t>
+              <a:t>канала</a:t>
             </a:r>
             <a:r>
               <a:rPr lang="en-US" sz="3200" dirty="0" smtClean="0">
                 <a:latin typeface="Times New Roman" panose="02020603050405020304" pitchFamily="18" charset="0"/>
                 <a:cs typeface="Times New Roman" panose="02020603050405020304" pitchFamily="18" charset="0"/>
               </a:rPr>
-              <a:t>/</a:t>
-            </a:r>
-            <a:r>
-              <a:rPr lang="ru-RU" sz="3200" dirty="0" smtClean="0">
-                <a:latin typeface="Times New Roman" panose="02020603050405020304" pitchFamily="18" charset="0"/>
-                <a:cs typeface="Times New Roman" panose="02020603050405020304" pitchFamily="18" charset="0"/>
-              </a:rPr>
-              <a:t>канала</a:t>
-            </a:r>
-            <a:endParaRPr lang="en-US" sz="3200" dirty="0" smtClean="0">
+              <a:t>;</a:t>
+            </a:r>
+            <a:endParaRPr lang="ru-RU" sz="3200" dirty="0" smtClean="0">
               <a:latin typeface="Times New Roman" panose="02020603050405020304" pitchFamily="18" charset="0"/>
               <a:cs typeface="Times New Roman" panose="02020603050405020304" pitchFamily="18" charset="0"/>
             </a:endParaRPr>
           </a:p>
-        </p:txBody>
-      </p:sp>
-      <p:sp>
-        <p:nvSpPr>
-          <p:cNvPr id="5" name="Номер слайда 4"/>
-          <p:cNvSpPr>
-            <a:spLocks noGrp="1"/>
-          </p:cNvSpPr>
-          <p:nvPr>
-            <p:ph type="sldNum" sz="quarter" idx="12"/>
-          </p:nvPr>
-        </p:nvSpPr>
-        <p:spPr/>
-        <p:txBody>
-          <a:bodyPr/>
-          <a:lstStyle/>
-          <a:p>
-            <a:fld id="{F057AEC9-9E52-4782-943C-911A5C934F5E}" type="slidenum">
-              <a:rPr lang="ru-RU" sz="3200" smtClean="0">
-                <a:latin typeface="Times New Roman" panose="02020603050405020304" pitchFamily="18" charset="0"/>
-                <a:cs typeface="Times New Roman" panose="02020603050405020304" pitchFamily="18" charset="0"/>
-              </a:rPr>
-              <a:t>8</a:t>
-            </a:fld>
-            <a:endParaRPr lang="ru-RU" sz="3200" dirty="0">
+          <a:p>
+            <a:r>
+              <a:rPr lang="ru-RU" sz="3200" dirty="0" smtClean="0">
+                <a:latin typeface="Times New Roman" panose="02020603050405020304" pitchFamily="18" charset="0"/>
+                <a:cs typeface="Times New Roman" panose="02020603050405020304" pitchFamily="18" charset="0"/>
+              </a:rPr>
+              <a:t>Настройка канала</a:t>
+            </a:r>
+            <a:r>
+              <a:rPr lang="en-US" sz="3200" dirty="0" smtClean="0">
+                <a:latin typeface="Times New Roman" panose="02020603050405020304" pitchFamily="18" charset="0"/>
+                <a:cs typeface="Times New Roman" panose="02020603050405020304" pitchFamily="18" charset="0"/>
+              </a:rPr>
+              <a:t>;</a:t>
+            </a:r>
+            <a:endParaRPr lang="ru-RU" sz="3200" dirty="0" smtClean="0">
               <a:latin typeface="Times New Roman" panose="02020603050405020304" pitchFamily="18" charset="0"/>
               <a:cs typeface="Times New Roman" panose="02020603050405020304" pitchFamily="18" charset="0"/>
             </a:endParaRPr>
           </a:p>
+          <a:p>
+            <a:r>
+              <a:rPr lang="ru-RU" sz="3200" dirty="0" smtClean="0">
+                <a:latin typeface="Times New Roman" panose="02020603050405020304" pitchFamily="18" charset="0"/>
+                <a:cs typeface="Times New Roman" panose="02020603050405020304" pitchFamily="18" charset="0"/>
+              </a:rPr>
+              <a:t>Обмен текстовыми сообщениями</a:t>
+            </a:r>
+            <a:r>
+              <a:rPr lang="en-US" sz="3200" dirty="0" smtClean="0">
+                <a:latin typeface="Times New Roman" panose="02020603050405020304" pitchFamily="18" charset="0"/>
+                <a:cs typeface="Times New Roman" panose="02020603050405020304" pitchFamily="18" charset="0"/>
+              </a:rPr>
+              <a:t>;</a:t>
+            </a:r>
+            <a:endParaRPr lang="ru-RU" sz="3200" dirty="0" smtClean="0">
+              <a:latin typeface="Times New Roman" panose="02020603050405020304" pitchFamily="18" charset="0"/>
+              <a:cs typeface="Times New Roman" panose="02020603050405020304" pitchFamily="18" charset="0"/>
+            </a:endParaRPr>
+          </a:p>
+          <a:p>
+            <a:r>
+              <a:rPr lang="ru-RU" sz="3200" dirty="0" smtClean="0">
+                <a:latin typeface="Times New Roman" panose="02020603050405020304" pitchFamily="18" charset="0"/>
+                <a:cs typeface="Times New Roman" panose="02020603050405020304" pitchFamily="18" charset="0"/>
+              </a:rPr>
+              <a:t>Раздел для избранных сообщений</a:t>
+            </a:r>
+            <a:r>
+              <a:rPr lang="en-US" sz="3200" dirty="0">
+                <a:latin typeface="Times New Roman" panose="02020603050405020304" pitchFamily="18" charset="0"/>
+                <a:cs typeface="Times New Roman" panose="02020603050405020304" pitchFamily="18" charset="0"/>
+              </a:rPr>
+              <a:t>.</a:t>
+            </a:r>
+            <a:endParaRPr lang="ru-RU" sz="3200" dirty="0" smtClean="0">
+              <a:latin typeface="Times New Roman" panose="02020603050405020304" pitchFamily="18" charset="0"/>
+              <a:cs typeface="Times New Roman" panose="02020603050405020304" pitchFamily="18" charset="0"/>
+            </a:endParaRPr>
+          </a:p>
+        </p:txBody>
+      </p:sp>
+      <p:sp>
+        <p:nvSpPr>
+          <p:cNvPr id="5" name="Номер слайда 4"/>
+          <p:cNvSpPr>
+            <a:spLocks noGrp="1"/>
+          </p:cNvSpPr>
+          <p:nvPr>
+            <p:ph type="sldNum" sz="quarter" idx="12"/>
+          </p:nvPr>
+        </p:nvSpPr>
+        <p:spPr/>
+        <p:txBody>
+          <a:bodyPr/>
+          <a:lstStyle/>
+          <a:p>
+            <a:fld id="{F057AEC9-9E52-4782-943C-911A5C934F5E}" type="slidenum">
+              <a:rPr lang="ru-RU" sz="2000" smtClean="0">
+                <a:latin typeface="Times New Roman" panose="02020603050405020304" pitchFamily="18" charset="0"/>
+                <a:cs typeface="Times New Roman" panose="02020603050405020304" pitchFamily="18" charset="0"/>
+              </a:rPr>
+              <a:t>8</a:t>
+            </a:fld>
+            <a:endParaRPr lang="ru-RU" sz="2000" dirty="0">
+              <a:latin typeface="Times New Roman" panose="02020603050405020304" pitchFamily="18" charset="0"/>
+              <a:cs typeface="Times New Roman" panose="02020603050405020304" pitchFamily="18" charset="0"/>
+            </a:endParaRPr>
+          </a:p>
         </p:txBody>
       </p:sp>
     </p:spTree>
     <p:extLst>
       <p:ext uri="{BB962C8B-B14F-4D97-AF65-F5344CB8AC3E}">
-        <p14:creationId xmlns:p14="http://schemas.microsoft.com/office/powerpoint/2010/main" val="3646887962"/>
+        <p14:creationId xmlns:p14="http://schemas.microsoft.com/office/powerpoint/2010/main" val="2639038472"/>
       </p:ext>
     </p:extLst>
   </p:cSld>
@@ -6343,13 +9622,16 @@
           <a:lstStyle/>
           <a:p>
             <a:r>
-              <a:rPr lang="ru-RU" sz="6000" dirty="0">
+              <a:rPr lang="ru-RU" sz="6000" dirty="0" smtClean="0">
                 <a:latin typeface="Times New Roman" panose="02020603050405020304" pitchFamily="18" charset="0"/>
                 <a:cs typeface="Times New Roman" panose="02020603050405020304" pitchFamily="18" charset="0"/>
               </a:rPr>
               <a:t>Требования к приложению</a:t>
             </a:r>
-            <a:endParaRPr lang="ru-RU" sz="6000" dirty="0"/>
+            <a:endParaRPr lang="ru-RU" sz="6000" dirty="0">
+              <a:latin typeface="Times New Roman" panose="02020603050405020304" pitchFamily="18" charset="0"/>
+              <a:cs typeface="Times New Roman" panose="02020603050405020304" pitchFamily="18" charset="0"/>
+            </a:endParaRPr>
           </a:p>
         </p:txBody>
       </p:sp>
@@ -6378,7 +9660,7 @@
                 <a:latin typeface="Times New Roman" panose="02020603050405020304" pitchFamily="18" charset="0"/>
                 <a:cs typeface="Times New Roman" panose="02020603050405020304" pitchFamily="18" charset="0"/>
               </a:rPr>
-              <a:t>Функциональные требования</a:t>
+              <a:t>Группы пользователей</a:t>
             </a:r>
           </a:p>
           <a:p>
@@ -6387,74 +9669,107 @@
                 <a:latin typeface="Times New Roman" panose="02020603050405020304" pitchFamily="18" charset="0"/>
                 <a:cs typeface="Times New Roman" panose="02020603050405020304" pitchFamily="18" charset="0"/>
               </a:rPr>
-              <a:t>Поиск чата</a:t>
+              <a:t>Неавторизованный пользователь</a:t>
             </a:r>
             <a:r>
               <a:rPr lang="en-US" sz="3200" dirty="0" smtClean="0">
                 <a:latin typeface="Times New Roman" panose="02020603050405020304" pitchFamily="18" charset="0"/>
                 <a:cs typeface="Times New Roman" panose="02020603050405020304" pitchFamily="18" charset="0"/>
               </a:rPr>
-              <a:t>/</a:t>
-            </a:r>
+              <a:t>;</a:t>
+            </a:r>
+            <a:endParaRPr lang="ru-RU" sz="3200" dirty="0" smtClean="0">
+              <a:latin typeface="Times New Roman" panose="02020603050405020304" pitchFamily="18" charset="0"/>
+              <a:cs typeface="Times New Roman" panose="02020603050405020304" pitchFamily="18" charset="0"/>
+            </a:endParaRPr>
+          </a:p>
+          <a:p>
             <a:r>
               <a:rPr lang="ru-RU" sz="3200" dirty="0" smtClean="0">
                 <a:latin typeface="Times New Roman" panose="02020603050405020304" pitchFamily="18" charset="0"/>
                 <a:cs typeface="Times New Roman" panose="02020603050405020304" pitchFamily="18" charset="0"/>
               </a:rPr>
-              <a:t>канала</a:t>
-            </a:r>
-          </a:p>
-          <a:p>
+              <a:t>Авторизованный пользователь</a:t>
+            </a:r>
+            <a:r>
+              <a:rPr lang="en-US" sz="3200" dirty="0" smtClean="0">
+                <a:latin typeface="Times New Roman" panose="02020603050405020304" pitchFamily="18" charset="0"/>
+                <a:cs typeface="Times New Roman" panose="02020603050405020304" pitchFamily="18" charset="0"/>
+              </a:rPr>
+              <a:t>:</a:t>
+            </a:r>
+            <a:endParaRPr lang="ru-RU" sz="3200" dirty="0" smtClean="0">
+              <a:latin typeface="Times New Roman" panose="02020603050405020304" pitchFamily="18" charset="0"/>
+              <a:cs typeface="Times New Roman" panose="02020603050405020304" pitchFamily="18" charset="0"/>
+            </a:endParaRPr>
+          </a:p>
+          <a:p>
+            <a:pPr lvl="1">
+              <a:buFont typeface="Wingdings" panose="05000000000000000000" pitchFamily="2" charset="2"/>
+              <a:buChar char="Ø"/>
+            </a:pPr>
             <a:r>
               <a:rPr lang="ru-RU" sz="3200" dirty="0" smtClean="0">
                 <a:latin typeface="Times New Roman" panose="02020603050405020304" pitchFamily="18" charset="0"/>
                 <a:cs typeface="Times New Roman" panose="02020603050405020304" pitchFamily="18" charset="0"/>
               </a:rPr>
-              <a:t>Настройка канала</a:t>
-            </a:r>
-          </a:p>
-          <a:p>
+              <a:t>Создатель канала</a:t>
+            </a:r>
+            <a:r>
+              <a:rPr lang="en-US" sz="3200" dirty="0" smtClean="0">
+                <a:latin typeface="Times New Roman" panose="02020603050405020304" pitchFamily="18" charset="0"/>
+                <a:cs typeface="Times New Roman" panose="02020603050405020304" pitchFamily="18" charset="0"/>
+              </a:rPr>
+              <a:t>;</a:t>
+            </a:r>
+            <a:endParaRPr lang="ru-RU" sz="3200" dirty="0" smtClean="0">
+              <a:latin typeface="Times New Roman" panose="02020603050405020304" pitchFamily="18" charset="0"/>
+              <a:cs typeface="Times New Roman" panose="02020603050405020304" pitchFamily="18" charset="0"/>
+            </a:endParaRPr>
+          </a:p>
+          <a:p>
+            <a:pPr lvl="1">
+              <a:buFont typeface="Wingdings" panose="05000000000000000000" pitchFamily="2" charset="2"/>
+              <a:buChar char="Ø"/>
+            </a:pPr>
             <a:r>
               <a:rPr lang="ru-RU" sz="3200" dirty="0" smtClean="0">
                 <a:latin typeface="Times New Roman" panose="02020603050405020304" pitchFamily="18" charset="0"/>
                 <a:cs typeface="Times New Roman" panose="02020603050405020304" pitchFamily="18" charset="0"/>
               </a:rPr>
-              <a:t>Обмен текстовыми сообщениями</a:t>
-            </a:r>
-          </a:p>
-          <a:p>
+              <a:t>Администратор канала</a:t>
+            </a:r>
+            <a:r>
+              <a:rPr lang="en-US" sz="3200" dirty="0" smtClean="0">
+                <a:latin typeface="Times New Roman" panose="02020603050405020304" pitchFamily="18" charset="0"/>
+                <a:cs typeface="Times New Roman" panose="02020603050405020304" pitchFamily="18" charset="0"/>
+              </a:rPr>
+              <a:t>;</a:t>
+            </a:r>
+            <a:endParaRPr lang="ru-RU" sz="3200" dirty="0" smtClean="0">
+              <a:latin typeface="Times New Roman" panose="02020603050405020304" pitchFamily="18" charset="0"/>
+              <a:cs typeface="Times New Roman" panose="02020603050405020304" pitchFamily="18" charset="0"/>
+            </a:endParaRPr>
+          </a:p>
+          <a:p>
+            <a:pPr lvl="1">
+              <a:buFont typeface="Wingdings" panose="05000000000000000000" pitchFamily="2" charset="2"/>
+              <a:buChar char="Ø"/>
+            </a:pPr>
             <a:r>
               <a:rPr lang="ru-RU" sz="3200" dirty="0" smtClean="0">
                 <a:latin typeface="Times New Roman" panose="02020603050405020304" pitchFamily="18" charset="0"/>
                 <a:cs typeface="Times New Roman" panose="02020603050405020304" pitchFamily="18" charset="0"/>
               </a:rPr>
-              <a:t>Раздел для избранных сообщений</a:t>
-            </a:r>
-          </a:p>
-        </p:txBody>
-      </p:sp>
-      <p:sp>
-        <p:nvSpPr>
-          <p:cNvPr id="5" name="Номер слайда 4"/>
-          <p:cNvSpPr>
-            <a:spLocks noGrp="1"/>
-          </p:cNvSpPr>
-          <p:nvPr>
-            <p:ph type="sldNum" sz="quarter" idx="12"/>
-          </p:nvPr>
-        </p:nvSpPr>
-        <p:spPr/>
-        <p:txBody>
-          <a:bodyPr/>
-          <a:lstStyle/>
-          <a:p>
-            <a:fld id="{F057AEC9-9E52-4782-943C-911A5C934F5E}" type="slidenum">
-              <a:rPr lang="ru-RU" sz="3200" smtClean="0">
-                <a:latin typeface="Times New Roman" panose="02020603050405020304" pitchFamily="18" charset="0"/>
-                <a:cs typeface="Times New Roman" panose="02020603050405020304" pitchFamily="18" charset="0"/>
-              </a:rPr>
-              <a:t>9</a:t>
-            </a:fld>
+              <a:t>Участника канала</a:t>
+            </a:r>
+            <a:r>
+              <a:rPr lang="en-US" sz="3200" dirty="0" smtClean="0">
+                <a:latin typeface="Times New Roman" panose="02020603050405020304" pitchFamily="18" charset="0"/>
+                <a:cs typeface="Times New Roman" panose="02020603050405020304" pitchFamily="18" charset="0"/>
+              </a:rPr>
+              <a:t>.</a:t>
+            </a:r>
             <a:endParaRPr lang="ru-RU" sz="3200" dirty="0">
               <a:latin typeface="Times New Roman" panose="02020603050405020304" pitchFamily="18" charset="0"/>
               <a:cs typeface="Times New Roman" panose="02020603050405020304" pitchFamily="18" charset="0"/>
@@ -6462,10 +9777,39 @@
           </a:p>
         </p:txBody>
       </p:sp>
+      <p:sp>
+        <p:nvSpPr>
+          <p:cNvPr id="4" name="Номер слайда 3"/>
+          <p:cNvSpPr>
+            <a:spLocks noGrp="1"/>
+          </p:cNvSpPr>
+          <p:nvPr>
+            <p:ph type="sldNum" sz="quarter" idx="12"/>
+          </p:nvPr>
+        </p:nvSpPr>
+        <p:spPr/>
+        <p:txBody>
+          <a:bodyPr/>
+          <a:lstStyle/>
+          <a:p>
+            <a:fld id="{F057AEC9-9E52-4782-943C-911A5C934F5E}" type="slidenum">
+              <a:rPr lang="ru-RU" sz="2000" smtClean="0">
+                <a:latin typeface="Times New Roman" panose="02020603050405020304" pitchFamily="18" charset="0"/>
+                <a:cs typeface="Times New Roman" panose="02020603050405020304" pitchFamily="18" charset="0"/>
+              </a:rPr>
+              <a:t>9</a:t>
+            </a:fld>
+            <a:endParaRPr lang="ru-RU" sz="2000" dirty="0">
+              <a:latin typeface="Times New Roman" panose="02020603050405020304" pitchFamily="18" charset="0"/>
+              <a:cs typeface="Times New Roman" panose="02020603050405020304" pitchFamily="18" charset="0"/>
+            </a:endParaRPr>
+          </a:p>
+        </p:txBody>
+      </p:sp>
     </p:spTree>
     <p:extLst>
       <p:ext uri="{BB962C8B-B14F-4D97-AF65-F5344CB8AC3E}">
-        <p14:creationId xmlns:p14="http://schemas.microsoft.com/office/powerpoint/2010/main" val="2639038472"/>
+        <p14:creationId xmlns:p14="http://schemas.microsoft.com/office/powerpoint/2010/main" val="2203334534"/>
       </p:ext>
     </p:extLst>
   </p:cSld>
@@ -6737,7 +10081,7 @@
   <a:extraClrSchemeLst/>
   <a:extLst>
     <a:ext uri="{05A4C25C-085E-4340-85A3-A5531E510DB2}">
-      <thm15:themeFamily xmlns:thm15="http://schemas.microsoft.com/office/thememl/2012/main" name="Office Theme" id="{62F939B6-93AF-4DB8-9C6B-D6C7DFDC589F}" vid="{4A3C46E8-61CC-4603-A589-7422A47A8E4A}"/>
+      <thm15:themeFamily xmlns="" xmlns:thm15="http://schemas.microsoft.com/office/thememl/2012/main" name="Office Theme" id="{62F939B6-93AF-4DB8-9C6B-D6C7DFDC589F}" vid="{4A3C46E8-61CC-4603-A589-7422A47A8E4A}"/>
     </a:ext>
   </a:extLst>
 </a:theme>
@@ -6998,7 +10342,7 @@
   <a:extraClrSchemeLst/>
   <a:extLst>
     <a:ext uri="{05A4C25C-085E-4340-85A3-A5531E510DB2}">
-      <thm15:themeFamily xmlns:thm15="http://schemas.microsoft.com/office/thememl/2012/main" name="Office Theme" id="{62F939B6-93AF-4DB8-9C6B-D6C7DFDC589F}" vid="{4A3C46E8-61CC-4603-A589-7422A47A8E4A}"/>
+      <thm15:themeFamily xmlns="" xmlns:thm15="http://schemas.microsoft.com/office/thememl/2012/main" name="Office Theme" id="{62F939B6-93AF-4DB8-9C6B-D6C7DFDC589F}" vid="{4A3C46E8-61CC-4603-A589-7422A47A8E4A}"/>
     </a:ext>
   </a:extLst>
 </a:theme>

--- a/Documents/Презентация.pptx
+++ b/Documents/Презентация.pptx
@@ -130,7 +130,7 @@
   </p:defaultTextStyle>
   <p:extLst>
     <p:ext uri="{EFAFB233-063F-42B5-8137-9DF3F51BA10A}">
-      <p15:sldGuideLst xmlns="" xmlns:p15="http://schemas.microsoft.com/office/powerpoint/2012/main">
+      <p15:sldGuideLst xmlns:p15="http://schemas.microsoft.com/office/powerpoint/2012/main">
         <p15:guide id="1" orient="horz" pos="2160">
           <p15:clr>
             <a:srgbClr val="A4A3A4"/>
@@ -229,7 +229,7 @@
           <a:p>
             <a:fld id="{3663DF09-AC2F-43C6-91CE-BE4504AB2E77}" type="datetimeFigureOut">
               <a:rPr lang="ru-RU" smtClean="0"/>
-              <a:t>05.06.2023</a:t>
+              <a:t>14.06.2023</a:t>
             </a:fld>
             <a:endParaRPr lang="ru-RU"/>
           </a:p>
@@ -796,7 +796,7 @@
           <a:p>
             <a:fld id="{431EBDBA-DF61-4264-B2E1-71F7D2D9639F}" type="datetime1">
               <a:rPr lang="ru-RU" smtClean="0"/>
-              <a:t>05.06.2023</a:t>
+              <a:t>14.06.2023</a:t>
             </a:fld>
             <a:endParaRPr lang="ru-RU"/>
           </a:p>
@@ -966,7 +966,7 @@
           <a:p>
             <a:fld id="{48D94E5C-DFBD-43D2-A4B2-35E0A1108B57}" type="datetime1">
               <a:rPr lang="ru-RU" smtClean="0"/>
-              <a:t>05.06.2023</a:t>
+              <a:t>14.06.2023</a:t>
             </a:fld>
             <a:endParaRPr lang="ru-RU"/>
           </a:p>
@@ -1146,7 +1146,7 @@
           <a:p>
             <a:fld id="{9AA17FCD-6540-4295-AFC5-9AA2AE518C45}" type="datetime1">
               <a:rPr lang="ru-RU" smtClean="0"/>
-              <a:t>05.06.2023</a:t>
+              <a:t>14.06.2023</a:t>
             </a:fld>
             <a:endParaRPr lang="ru-RU"/>
           </a:p>
@@ -1316,7 +1316,7 @@
           <a:p>
             <a:fld id="{B3D25BAC-ACA9-4D44-A789-D821B02D7173}" type="datetime1">
               <a:rPr lang="ru-RU" smtClean="0"/>
-              <a:t>05.06.2023</a:t>
+              <a:t>14.06.2023</a:t>
             </a:fld>
             <a:endParaRPr lang="ru-RU"/>
           </a:p>
@@ -1569,7 +1569,7 @@
           <a:p>
             <a:fld id="{F3A564F2-61EB-4DD9-81C9-C4B0D01ABAD2}" type="datetime1">
               <a:rPr lang="ru-RU" smtClean="0"/>
-              <a:t>05.06.2023</a:t>
+              <a:t>14.06.2023</a:t>
             </a:fld>
             <a:endParaRPr lang="ru-RU"/>
           </a:p>
@@ -1808,7 +1808,7 @@
           <a:p>
             <a:fld id="{ABD8FF38-248C-44F7-A3F8-A258B043B3E7}" type="datetime1">
               <a:rPr lang="ru-RU" smtClean="0"/>
-              <a:t>05.06.2023</a:t>
+              <a:t>14.06.2023</a:t>
             </a:fld>
             <a:endParaRPr lang="ru-RU"/>
           </a:p>
@@ -2175,7 +2175,7 @@
           <a:p>
             <a:fld id="{309F663A-6E03-4C5E-97DD-D7C03F71AD57}" type="datetime1">
               <a:rPr lang="ru-RU" smtClean="0"/>
-              <a:t>05.06.2023</a:t>
+              <a:t>14.06.2023</a:t>
             </a:fld>
             <a:endParaRPr lang="ru-RU"/>
           </a:p>
@@ -2293,7 +2293,7 @@
           <a:p>
             <a:fld id="{94DDDD82-0DB0-4F88-A95F-BB701E23C299}" type="datetime1">
               <a:rPr lang="ru-RU" smtClean="0"/>
-              <a:t>05.06.2023</a:t>
+              <a:t>14.06.2023</a:t>
             </a:fld>
             <a:endParaRPr lang="ru-RU"/>
           </a:p>
@@ -2388,7 +2388,7 @@
           <a:p>
             <a:fld id="{41E2698E-89B6-43AD-A268-5A9E521EA8D4}" type="datetime1">
               <a:rPr lang="ru-RU" smtClean="0"/>
-              <a:t>05.06.2023</a:t>
+              <a:t>14.06.2023</a:t>
             </a:fld>
             <a:endParaRPr lang="ru-RU"/>
           </a:p>
@@ -2665,7 +2665,7 @@
           <a:p>
             <a:fld id="{69F71997-CD63-4DAC-96E1-DB79AE0C30D4}" type="datetime1">
               <a:rPr lang="ru-RU" smtClean="0"/>
-              <a:t>05.06.2023</a:t>
+              <a:t>14.06.2023</a:t>
             </a:fld>
             <a:endParaRPr lang="ru-RU"/>
           </a:p>
@@ -2918,7 +2918,7 @@
           <a:p>
             <a:fld id="{3C50BA6E-4F1D-4020-A6FF-CC9A0BFE9F99}" type="datetime1">
               <a:rPr lang="ru-RU" smtClean="0"/>
-              <a:t>05.06.2023</a:t>
+              <a:t>14.06.2023</a:t>
             </a:fld>
             <a:endParaRPr lang="ru-RU"/>
           </a:p>
@@ -3131,7 +3131,7 @@
           <a:p>
             <a:fld id="{B1A6BC79-F07E-40C3-940F-06024C055BA9}" type="datetime1">
               <a:rPr lang="ru-RU" smtClean="0"/>
-              <a:t>05.06.2023</a:t>
+              <a:t>14.06.2023</a:t>
             </a:fld>
             <a:endParaRPr lang="ru-RU"/>
           </a:p>
@@ -4138,60 +4138,6 @@
           <a:chExt cx="0" cy="0"/>
         </a:xfrm>
       </p:grpSpPr>
-      <p:pic>
-        <p:nvPicPr>
-          <p:cNvPr id="2052" name="Picture 4"/>
-          <p:cNvPicPr>
-            <a:picLocks noChangeAspect="1" noChangeArrowheads="1"/>
-          </p:cNvPicPr>
-          <p:nvPr/>
-        </p:nvPicPr>
-        <p:blipFill>
-          <a:blip r:embed="rId2">
-            <a:extLst>
-              <a:ext uri="{28A0092B-C50C-407E-A947-70E740481C1C}">
-                <a14:useLocalDpi xmlns:a14="http://schemas.microsoft.com/office/drawing/2010/main" val="0"/>
-              </a:ext>
-            </a:extLst>
-          </a:blip>
-          <a:srcRect/>
-          <a:stretch>
-            <a:fillRect/>
-          </a:stretch>
-        </p:blipFill>
-        <p:spPr bwMode="auto">
-          <a:xfrm>
-            <a:off x="3057526" y="2264057"/>
-            <a:ext cx="6353174" cy="4138352"/>
-          </a:xfrm>
-          <a:prstGeom prst="rect">
-            <a:avLst/>
-          </a:prstGeom>
-          <a:noFill/>
-          <a:ln>
-            <a:noFill/>
-          </a:ln>
-          <a:extLst>
-            <a:ext uri="{909E8E84-426E-40DD-AFC4-6F175D3DCCD1}">
-              <a14:hiddenFill xmlns:a14="http://schemas.microsoft.com/office/drawing/2010/main">
-                <a:solidFill>
-                  <a:schemeClr val="accent1"/>
-                </a:solidFill>
-              </a14:hiddenFill>
-            </a:ext>
-            <a:ext uri="{91240B29-F687-4F45-9708-019B960494DF}">
-              <a14:hiddenLine xmlns:a14="http://schemas.microsoft.com/office/drawing/2010/main" w="9525">
-                <a:solidFill>
-                  <a:schemeClr val="tx1"/>
-                </a:solidFill>
-                <a:miter lim="800000"/>
-                <a:headEnd/>
-                <a:tailEnd/>
-              </a14:hiddenLine>
-            </a:ext>
-          </a:extLst>
-        </p:spPr>
-      </p:pic>
       <p:sp>
         <p:nvSpPr>
           <p:cNvPr id="2" name="Заголовок 1"/>
@@ -4296,6 +4242,30 @@
           </a:p>
         </p:txBody>
       </p:sp>
+      <p:pic>
+        <p:nvPicPr>
+          <p:cNvPr id="5" name="Рисунок 4"/>
+          <p:cNvPicPr>
+            <a:picLocks noChangeAspect="1"/>
+          </p:cNvPicPr>
+          <p:nvPr/>
+        </p:nvPicPr>
+        <p:blipFill>
+          <a:blip r:embed="rId2"/>
+          <a:stretch>
+            <a:fillRect/>
+          </a:stretch>
+        </p:blipFill>
+        <p:spPr>
+          <a:xfrm>
+            <a:off x="1865376" y="2334729"/>
+            <a:ext cx="8461248" cy="4204183"/>
+          </a:xfrm>
+          <a:prstGeom prst="rect">
+            <a:avLst/>
+          </a:prstGeom>
+        </p:spPr>
+      </p:pic>
     </p:spTree>
     <p:extLst>
       <p:ext uri="{BB962C8B-B14F-4D97-AF65-F5344CB8AC3E}">
@@ -4426,56 +4396,26 @@
       </p:sp>
       <p:pic>
         <p:nvPicPr>
-          <p:cNvPr id="3074" name="Picture 2"/>
+          <p:cNvPr id="6" name="Рисунок 5"/>
           <p:cNvPicPr>
-            <a:picLocks noChangeAspect="1" noChangeArrowheads="1"/>
+            <a:picLocks noChangeAspect="1"/>
           </p:cNvPicPr>
           <p:nvPr/>
         </p:nvPicPr>
         <p:blipFill>
-          <a:blip r:embed="rId2">
-            <a:extLst>
-              <a:ext uri="{28A0092B-C50C-407E-A947-70E740481C1C}">
-                <a14:useLocalDpi xmlns:a14="http://schemas.microsoft.com/office/drawing/2010/main" val="0"/>
-              </a:ext>
-            </a:extLst>
-          </a:blip>
-          <a:srcRect/>
+          <a:blip r:embed="rId2"/>
           <a:stretch>
             <a:fillRect/>
           </a:stretch>
         </p:blipFill>
-        <p:spPr bwMode="auto">
+        <p:spPr>
           <a:xfrm>
-            <a:off x="3181350" y="2315000"/>
-            <a:ext cx="6415088" cy="4178682"/>
+            <a:off x="2102100" y="2382679"/>
+            <a:ext cx="7987799" cy="3973671"/>
           </a:xfrm>
           <a:prstGeom prst="rect">
             <a:avLst/>
           </a:prstGeom>
-          <a:noFill/>
-          <a:ln>
-            <a:noFill/>
-          </a:ln>
-          <a:extLst>
-            <a:ext uri="{909E8E84-426E-40DD-AFC4-6F175D3DCCD1}">
-              <a14:hiddenFill xmlns:a14="http://schemas.microsoft.com/office/drawing/2010/main">
-                <a:solidFill>
-                  <a:schemeClr val="accent1"/>
-                </a:solidFill>
-              </a14:hiddenFill>
-            </a:ext>
-            <a:ext uri="{91240B29-F687-4F45-9708-019B960494DF}">
-              <a14:hiddenLine xmlns:a14="http://schemas.microsoft.com/office/drawing/2010/main" w="9525">
-                <a:solidFill>
-                  <a:schemeClr val="tx1"/>
-                </a:solidFill>
-                <a:miter lim="800000"/>
-                <a:headEnd/>
-                <a:tailEnd/>
-              </a14:hiddenLine>
-            </a:ext>
-          </a:extLst>
         </p:spPr>
       </p:pic>
     </p:spTree>
@@ -4616,56 +4556,26 @@
       </p:sp>
       <p:pic>
         <p:nvPicPr>
-          <p:cNvPr id="4098" name="Picture 2"/>
+          <p:cNvPr id="5" name="Рисунок 4"/>
           <p:cNvPicPr>
-            <a:picLocks noChangeAspect="1" noChangeArrowheads="1"/>
+            <a:picLocks noChangeAspect="1"/>
           </p:cNvPicPr>
           <p:nvPr/>
         </p:nvPicPr>
         <p:blipFill>
-          <a:blip r:embed="rId2">
-            <a:extLst>
-              <a:ext uri="{28A0092B-C50C-407E-A947-70E740481C1C}">
-                <a14:useLocalDpi xmlns:a14="http://schemas.microsoft.com/office/drawing/2010/main" val="0"/>
-              </a:ext>
-            </a:extLst>
-          </a:blip>
-          <a:srcRect/>
+          <a:blip r:embed="rId2"/>
           <a:stretch>
             <a:fillRect/>
           </a:stretch>
         </p:blipFill>
-        <p:spPr bwMode="auto">
+        <p:spPr>
           <a:xfrm>
-            <a:off x="3257550" y="2310322"/>
-            <a:ext cx="6376988" cy="4195253"/>
+            <a:off x="2087989" y="2373389"/>
+            <a:ext cx="8016022" cy="3982961"/>
           </a:xfrm>
           <a:prstGeom prst="rect">
             <a:avLst/>
           </a:prstGeom>
-          <a:noFill/>
-          <a:ln>
-            <a:noFill/>
-          </a:ln>
-          <a:extLst>
-            <a:ext uri="{909E8E84-426E-40DD-AFC4-6F175D3DCCD1}">
-              <a14:hiddenFill xmlns:a14="http://schemas.microsoft.com/office/drawing/2010/main">
-                <a:solidFill>
-                  <a:schemeClr val="accent1"/>
-                </a:solidFill>
-              </a14:hiddenFill>
-            </a:ext>
-            <a:ext uri="{91240B29-F687-4F45-9708-019B960494DF}">
-              <a14:hiddenLine xmlns:a14="http://schemas.microsoft.com/office/drawing/2010/main" w="9525">
-                <a:solidFill>
-                  <a:schemeClr val="tx1"/>
-                </a:solidFill>
-                <a:miter lim="800000"/>
-                <a:headEnd/>
-                <a:tailEnd/>
-              </a14:hiddenLine>
-            </a:ext>
-          </a:extLst>
         </p:spPr>
       </p:pic>
     </p:spTree>
@@ -4794,56 +4704,26 @@
       </p:sp>
       <p:pic>
         <p:nvPicPr>
-          <p:cNvPr id="5122" name="Picture 2"/>
+          <p:cNvPr id="5" name="Рисунок 4"/>
           <p:cNvPicPr>
-            <a:picLocks noChangeAspect="1" noChangeArrowheads="1"/>
+            <a:picLocks noChangeAspect="1"/>
           </p:cNvPicPr>
           <p:nvPr/>
         </p:nvPicPr>
         <p:blipFill>
-          <a:blip r:embed="rId2">
-            <a:extLst>
-              <a:ext uri="{28A0092B-C50C-407E-A947-70E740481C1C}">
-                <a14:useLocalDpi xmlns:a14="http://schemas.microsoft.com/office/drawing/2010/main" val="0"/>
-              </a:ext>
-            </a:extLst>
-          </a:blip>
-          <a:srcRect/>
+          <a:blip r:embed="rId2"/>
           <a:stretch>
             <a:fillRect/>
           </a:stretch>
         </p:blipFill>
-        <p:spPr bwMode="auto">
+        <p:spPr>
           <a:xfrm>
-            <a:off x="3162300" y="2290063"/>
-            <a:ext cx="6286499" cy="4091686"/>
+            <a:off x="2087600" y="2518404"/>
+            <a:ext cx="8016800" cy="3929067"/>
           </a:xfrm>
           <a:prstGeom prst="rect">
             <a:avLst/>
           </a:prstGeom>
-          <a:noFill/>
-          <a:ln>
-            <a:noFill/>
-          </a:ln>
-          <a:extLst>
-            <a:ext uri="{909E8E84-426E-40DD-AFC4-6F175D3DCCD1}">
-              <a14:hiddenFill xmlns:a14="http://schemas.microsoft.com/office/drawing/2010/main">
-                <a:solidFill>
-                  <a:schemeClr val="accent1"/>
-                </a:solidFill>
-              </a14:hiddenFill>
-            </a:ext>
-            <a:ext uri="{91240B29-F687-4F45-9708-019B960494DF}">
-              <a14:hiddenLine xmlns:a14="http://schemas.microsoft.com/office/drawing/2010/main" w="9525">
-                <a:solidFill>
-                  <a:schemeClr val="tx1"/>
-                </a:solidFill>
-                <a:miter lim="800000"/>
-                <a:headEnd/>
-                <a:tailEnd/>
-              </a14:hiddenLine>
-            </a:ext>
-          </a:extLst>
         </p:spPr>
       </p:pic>
     </p:spTree>
@@ -4983,56 +4863,26 @@
       </p:sp>
       <p:pic>
         <p:nvPicPr>
-          <p:cNvPr id="6146" name="Picture 2"/>
+          <p:cNvPr id="5" name="Рисунок 4"/>
           <p:cNvPicPr>
-            <a:picLocks noChangeAspect="1" noChangeArrowheads="1"/>
+            <a:picLocks noChangeAspect="1"/>
           </p:cNvPicPr>
           <p:nvPr/>
         </p:nvPicPr>
         <p:blipFill>
-          <a:blip r:embed="rId2">
-            <a:extLst>
-              <a:ext uri="{28A0092B-C50C-407E-A947-70E740481C1C}">
-                <a14:useLocalDpi xmlns:a14="http://schemas.microsoft.com/office/drawing/2010/main" val="0"/>
-              </a:ext>
-            </a:extLst>
-          </a:blip>
-          <a:srcRect/>
+          <a:blip r:embed="rId2"/>
           <a:stretch>
             <a:fillRect/>
           </a:stretch>
         </p:blipFill>
-        <p:spPr bwMode="auto">
+        <p:spPr>
           <a:xfrm>
-            <a:off x="3124197" y="2288514"/>
-            <a:ext cx="6257925" cy="4121807"/>
+            <a:off x="2362568" y="2513534"/>
+            <a:ext cx="7466863" cy="3663429"/>
           </a:xfrm>
           <a:prstGeom prst="rect">
             <a:avLst/>
           </a:prstGeom>
-          <a:noFill/>
-          <a:ln>
-            <a:noFill/>
-          </a:ln>
-          <a:extLst>
-            <a:ext uri="{909E8E84-426E-40DD-AFC4-6F175D3DCCD1}">
-              <a14:hiddenFill xmlns:a14="http://schemas.microsoft.com/office/drawing/2010/main">
-                <a:solidFill>
-                  <a:schemeClr val="accent1"/>
-                </a:solidFill>
-              </a14:hiddenFill>
-            </a:ext>
-            <a:ext uri="{91240B29-F687-4F45-9708-019B960494DF}">
-              <a14:hiddenLine xmlns:a14="http://schemas.microsoft.com/office/drawing/2010/main" w="9525">
-                <a:solidFill>
-                  <a:schemeClr val="tx1"/>
-                </a:solidFill>
-                <a:miter lim="800000"/>
-                <a:headEnd/>
-                <a:tailEnd/>
-              </a14:hiddenLine>
-            </a:ext>
-          </a:extLst>
         </p:spPr>
       </p:pic>
     </p:spTree>
@@ -5166,56 +5016,26 @@
       </p:sp>
       <p:pic>
         <p:nvPicPr>
-          <p:cNvPr id="7170" name="Picture 2"/>
+          <p:cNvPr id="5" name="Рисунок 4"/>
           <p:cNvPicPr>
-            <a:picLocks noChangeAspect="1" noChangeArrowheads="1"/>
+            <a:picLocks noChangeAspect="1"/>
           </p:cNvPicPr>
           <p:nvPr/>
         </p:nvPicPr>
         <p:blipFill>
-          <a:blip r:embed="rId2">
-            <a:extLst>
-              <a:ext uri="{28A0092B-C50C-407E-A947-70E740481C1C}">
-                <a14:useLocalDpi xmlns:a14="http://schemas.microsoft.com/office/drawing/2010/main" val="0"/>
-              </a:ext>
-            </a:extLst>
-          </a:blip>
-          <a:srcRect/>
+          <a:blip r:embed="rId2"/>
           <a:stretch>
             <a:fillRect/>
           </a:stretch>
         </p:blipFill>
-        <p:spPr bwMode="auto">
+        <p:spPr>
           <a:xfrm>
-            <a:off x="3000375" y="2284205"/>
-            <a:ext cx="6386513" cy="4203134"/>
+            <a:off x="1952415" y="2460071"/>
+            <a:ext cx="8287169" cy="4078841"/>
           </a:xfrm>
           <a:prstGeom prst="rect">
             <a:avLst/>
           </a:prstGeom>
-          <a:noFill/>
-          <a:ln>
-            <a:noFill/>
-          </a:ln>
-          <a:extLst>
-            <a:ext uri="{909E8E84-426E-40DD-AFC4-6F175D3DCCD1}">
-              <a14:hiddenFill xmlns:a14="http://schemas.microsoft.com/office/drawing/2010/main">
-                <a:solidFill>
-                  <a:schemeClr val="accent1"/>
-                </a:solidFill>
-              </a14:hiddenFill>
-            </a:ext>
-            <a:ext uri="{91240B29-F687-4F45-9708-019B960494DF}">
-              <a14:hiddenLine xmlns:a14="http://schemas.microsoft.com/office/drawing/2010/main" w="9525">
-                <a:solidFill>
-                  <a:schemeClr val="tx1"/>
-                </a:solidFill>
-                <a:miter lim="800000"/>
-                <a:headEnd/>
-                <a:tailEnd/>
-              </a14:hiddenLine>
-            </a:ext>
-          </a:extLst>
         </p:spPr>
       </p:pic>
     </p:spTree>
@@ -5356,56 +5176,26 @@
       </p:sp>
       <p:pic>
         <p:nvPicPr>
-          <p:cNvPr id="8194" name="Picture 2"/>
+          <p:cNvPr id="5" name="Рисунок 4"/>
           <p:cNvPicPr>
-            <a:picLocks noChangeAspect="1" noChangeArrowheads="1"/>
+            <a:picLocks noChangeAspect="1"/>
           </p:cNvPicPr>
           <p:nvPr/>
         </p:nvPicPr>
         <p:blipFill>
-          <a:blip r:embed="rId2">
-            <a:extLst>
-              <a:ext uri="{28A0092B-C50C-407E-A947-70E740481C1C}">
-                <a14:useLocalDpi xmlns:a14="http://schemas.microsoft.com/office/drawing/2010/main" val="0"/>
-              </a:ext>
-            </a:extLst>
-          </a:blip>
-          <a:srcRect/>
+          <a:blip r:embed="rId2"/>
           <a:stretch>
             <a:fillRect/>
           </a:stretch>
         </p:blipFill>
-        <p:spPr bwMode="auto">
+        <p:spPr>
           <a:xfrm>
-            <a:off x="2905126" y="2324100"/>
-            <a:ext cx="6404754" cy="4171950"/>
+            <a:off x="2074395" y="2498933"/>
+            <a:ext cx="8043209" cy="3967145"/>
           </a:xfrm>
           <a:prstGeom prst="rect">
             <a:avLst/>
           </a:prstGeom>
-          <a:noFill/>
-          <a:ln>
-            <a:noFill/>
-          </a:ln>
-          <a:extLst>
-            <a:ext uri="{909E8E84-426E-40DD-AFC4-6F175D3DCCD1}">
-              <a14:hiddenFill xmlns:a14="http://schemas.microsoft.com/office/drawing/2010/main">
-                <a:solidFill>
-                  <a:schemeClr val="accent1"/>
-                </a:solidFill>
-              </a14:hiddenFill>
-            </a:ext>
-            <a:ext uri="{91240B29-F687-4F45-9708-019B960494DF}">
-              <a14:hiddenLine xmlns:a14="http://schemas.microsoft.com/office/drawing/2010/main" w="9525">
-                <a:solidFill>
-                  <a:schemeClr val="tx1"/>
-                </a:solidFill>
-                <a:miter lim="800000"/>
-                <a:headEnd/>
-                <a:tailEnd/>
-              </a14:hiddenLine>
-            </a:ext>
-          </a:extLst>
         </p:spPr>
       </p:pic>
     </p:spTree>
@@ -5705,8 +5495,20 @@
                 <a:tableStyleId>{5C22544A-7EE6-4342-B048-85BDC9FD1C3A}</a:tableStyleId>
               </a:tblPr>
               <a:tblGrid>
-                <a:gridCol w="3400425"/>
-                <a:gridCol w="3400425"/>
+                <a:gridCol w="3400425">
+                  <a:extLst>
+                    <a:ext uri="{9D8B030D-6E8A-4147-A177-3AD203B41FA5}">
+                      <a16:colId xmlns:a16="http://schemas.microsoft.com/office/drawing/2014/main" val="20000"/>
+                    </a:ext>
+                  </a:extLst>
+                </a:gridCol>
+                <a:gridCol w="3400425">
+                  <a:extLst>
+                    <a:ext uri="{9D8B030D-6E8A-4147-A177-3AD203B41FA5}">
+                      <a16:colId xmlns:a16="http://schemas.microsoft.com/office/drawing/2014/main" val="20001"/>
+                    </a:ext>
+                  </a:extLst>
+                </a:gridCol>
               </a:tblGrid>
               <a:tr h="584994">
                 <a:tc>
@@ -5763,6 +5565,11 @@
                   </a:txBody>
                   <a:tcPr/>
                 </a:tc>
+                <a:extLst>
+                  <a:ext uri="{0D108BD9-81ED-4DB2-BD59-A6C34878D82A}">
+                    <a16:rowId xmlns:a16="http://schemas.microsoft.com/office/drawing/2014/main" val="10000"/>
+                  </a:ext>
+                </a:extLst>
               </a:tr>
               <a:tr h="584994">
                 <a:tc>
@@ -5812,6 +5619,11 @@
                   </a:txBody>
                   <a:tcPr/>
                 </a:tc>
+                <a:extLst>
+                  <a:ext uri="{0D108BD9-81ED-4DB2-BD59-A6C34878D82A}">
+                    <a16:rowId xmlns:a16="http://schemas.microsoft.com/office/drawing/2014/main" val="10001"/>
+                  </a:ext>
+                </a:extLst>
               </a:tr>
               <a:tr h="584994">
                 <a:tc>
@@ -5868,6 +5680,11 @@
                   </a:txBody>
                   <a:tcPr/>
                 </a:tc>
+                <a:extLst>
+                  <a:ext uri="{0D108BD9-81ED-4DB2-BD59-A6C34878D82A}">
+                    <a16:rowId xmlns:a16="http://schemas.microsoft.com/office/drawing/2014/main" val="10002"/>
+                  </a:ext>
+                </a:extLst>
               </a:tr>
               <a:tr h="584994">
                 <a:tc>
@@ -5924,6 +5741,11 @@
                   </a:txBody>
                   <a:tcPr/>
                 </a:tc>
+                <a:extLst>
+                  <a:ext uri="{0D108BD9-81ED-4DB2-BD59-A6C34878D82A}">
+                    <a16:rowId xmlns:a16="http://schemas.microsoft.com/office/drawing/2014/main" val="10003"/>
+                  </a:ext>
+                </a:extLst>
               </a:tr>
               <a:tr h="584994">
                 <a:tc>
@@ -5966,6 +5788,11 @@
                   </a:txBody>
                   <a:tcPr/>
                 </a:tc>
+                <a:extLst>
+                  <a:ext uri="{0D108BD9-81ED-4DB2-BD59-A6C34878D82A}">
+                    <a16:rowId xmlns:a16="http://schemas.microsoft.com/office/drawing/2014/main" val="10004"/>
+                  </a:ext>
+                </a:extLst>
               </a:tr>
               <a:tr h="584994">
                 <a:tc>
@@ -6029,6 +5856,11 @@
                   </a:txBody>
                   <a:tcPr/>
                 </a:tc>
+                <a:extLst>
+                  <a:ext uri="{0D108BD9-81ED-4DB2-BD59-A6C34878D82A}">
+                    <a16:rowId xmlns:a16="http://schemas.microsoft.com/office/drawing/2014/main" val="10005"/>
+                  </a:ext>
+                </a:extLst>
               </a:tr>
               <a:tr h="584994">
                 <a:tc>
@@ -6078,6 +5910,11 @@
                   </a:txBody>
                   <a:tcPr/>
                 </a:tc>
+                <a:extLst>
+                  <a:ext uri="{0D108BD9-81ED-4DB2-BD59-A6C34878D82A}">
+                    <a16:rowId xmlns:a16="http://schemas.microsoft.com/office/drawing/2014/main" val="10006"/>
+                  </a:ext>
+                </a:extLst>
               </a:tr>
               <a:tr h="584994">
                 <a:tc>
@@ -6120,6 +5957,11 @@
                   </a:txBody>
                   <a:tcPr/>
                 </a:tc>
+                <a:extLst>
+                  <a:ext uri="{0D108BD9-81ED-4DB2-BD59-A6C34878D82A}">
+                    <a16:rowId xmlns:a16="http://schemas.microsoft.com/office/drawing/2014/main" val="10007"/>
+                  </a:ext>
+                </a:extLst>
               </a:tr>
             </a:tbl>
           </a:graphicData>
@@ -7437,9 +7279,27 @@
                 <a:tableStyleId>{5C22544A-7EE6-4342-B048-85BDC9FD1C3A}</a:tableStyleId>
               </a:tblPr>
               <a:tblGrid>
-                <a:gridCol w="2969411"/>
-                <a:gridCol w="2969411"/>
-                <a:gridCol w="2969411"/>
+                <a:gridCol w="2969411">
+                  <a:extLst>
+                    <a:ext uri="{9D8B030D-6E8A-4147-A177-3AD203B41FA5}">
+                      <a16:colId xmlns:a16="http://schemas.microsoft.com/office/drawing/2014/main" val="20000"/>
+                    </a:ext>
+                  </a:extLst>
+                </a:gridCol>
+                <a:gridCol w="2969411">
+                  <a:extLst>
+                    <a:ext uri="{9D8B030D-6E8A-4147-A177-3AD203B41FA5}">
+                      <a16:colId xmlns:a16="http://schemas.microsoft.com/office/drawing/2014/main" val="20001"/>
+                    </a:ext>
+                  </a:extLst>
+                </a:gridCol>
+                <a:gridCol w="2969411">
+                  <a:extLst>
+                    <a:ext uri="{9D8B030D-6E8A-4147-A177-3AD203B41FA5}">
+                      <a16:colId xmlns:a16="http://schemas.microsoft.com/office/drawing/2014/main" val="20002"/>
+                    </a:ext>
+                  </a:extLst>
+                </a:gridCol>
               </a:tblGrid>
               <a:tr h="340326">
                 <a:tc>
@@ -7523,6 +7383,11 @@
                   </a:txBody>
                   <a:tcPr/>
                 </a:tc>
+                <a:extLst>
+                  <a:ext uri="{0D108BD9-81ED-4DB2-BD59-A6C34878D82A}">
+                    <a16:rowId xmlns:a16="http://schemas.microsoft.com/office/drawing/2014/main" val="10000"/>
+                  </a:ext>
+                </a:extLst>
               </a:tr>
               <a:tr h="718506">
                 <a:tc>
@@ -7595,6 +7460,11 @@
                   </a:txBody>
                   <a:tcPr/>
                 </a:tc>
+                <a:extLst>
+                  <a:ext uri="{0D108BD9-81ED-4DB2-BD59-A6C34878D82A}">
+                    <a16:rowId xmlns:a16="http://schemas.microsoft.com/office/drawing/2014/main" val="10001"/>
+                  </a:ext>
+                </a:extLst>
               </a:tr>
               <a:tr h="500777">
                 <a:tc>
@@ -7681,6 +7551,11 @@
                   </a:txBody>
                   <a:tcPr/>
                 </a:tc>
+                <a:extLst>
+                  <a:ext uri="{0D108BD9-81ED-4DB2-BD59-A6C34878D82A}">
+                    <a16:rowId xmlns:a16="http://schemas.microsoft.com/office/drawing/2014/main" val="10002"/>
+                  </a:ext>
+                </a:extLst>
               </a:tr>
               <a:tr h="602114">
                 <a:tc>
@@ -7753,6 +7628,11 @@
                   </a:txBody>
                   <a:tcPr/>
                 </a:tc>
+                <a:extLst>
+                  <a:ext uri="{0D108BD9-81ED-4DB2-BD59-A6C34878D82A}">
+                    <a16:rowId xmlns:a16="http://schemas.microsoft.com/office/drawing/2014/main" val="10003"/>
+                  </a:ext>
+                </a:extLst>
               </a:tr>
               <a:tr h="602114">
                 <a:tc>
@@ -7825,6 +7705,11 @@
                   </a:txBody>
                   <a:tcPr/>
                 </a:tc>
+                <a:extLst>
+                  <a:ext uri="{0D108BD9-81ED-4DB2-BD59-A6C34878D82A}">
+                    <a16:rowId xmlns:a16="http://schemas.microsoft.com/office/drawing/2014/main" val="10004"/>
+                  </a:ext>
+                </a:extLst>
               </a:tr>
               <a:tr h="602114">
                 <a:tc>
@@ -7890,6 +7775,11 @@
                   </a:txBody>
                   <a:tcPr/>
                 </a:tc>
+                <a:extLst>
+                  <a:ext uri="{0D108BD9-81ED-4DB2-BD59-A6C34878D82A}">
+                    <a16:rowId xmlns:a16="http://schemas.microsoft.com/office/drawing/2014/main" val="10005"/>
+                  </a:ext>
+                </a:extLst>
               </a:tr>
               <a:tr h="602114">
                 <a:tc>
@@ -7955,6 +7845,11 @@
                   </a:txBody>
                   <a:tcPr/>
                 </a:tc>
+                <a:extLst>
+                  <a:ext uri="{0D108BD9-81ED-4DB2-BD59-A6C34878D82A}">
+                    <a16:rowId xmlns:a16="http://schemas.microsoft.com/office/drawing/2014/main" val="10006"/>
+                  </a:ext>
+                </a:extLst>
               </a:tr>
             </a:tbl>
           </a:graphicData>
@@ -10081,7 +9976,7 @@
   <a:extraClrSchemeLst/>
   <a:extLst>
     <a:ext uri="{05A4C25C-085E-4340-85A3-A5531E510DB2}">
-      <thm15:themeFamily xmlns="" xmlns:thm15="http://schemas.microsoft.com/office/thememl/2012/main" name="Office Theme" id="{62F939B6-93AF-4DB8-9C6B-D6C7DFDC589F}" vid="{4A3C46E8-61CC-4603-A589-7422A47A8E4A}"/>
+      <thm15:themeFamily xmlns:thm15="http://schemas.microsoft.com/office/thememl/2012/main" name="Office Theme" id="{62F939B6-93AF-4DB8-9C6B-D6C7DFDC589F}" vid="{4A3C46E8-61CC-4603-A589-7422A47A8E4A}"/>
     </a:ext>
   </a:extLst>
 </a:theme>
@@ -10342,7 +10237,7 @@
   <a:extraClrSchemeLst/>
   <a:extLst>
     <a:ext uri="{05A4C25C-085E-4340-85A3-A5531E510DB2}">
-      <thm15:themeFamily xmlns="" xmlns:thm15="http://schemas.microsoft.com/office/thememl/2012/main" name="Office Theme" id="{62F939B6-93AF-4DB8-9C6B-D6C7DFDC589F}" vid="{4A3C46E8-61CC-4603-A589-7422A47A8E4A}"/>
+      <thm15:themeFamily xmlns:thm15="http://schemas.microsoft.com/office/thememl/2012/main" name="Office Theme" id="{62F939B6-93AF-4DB8-9C6B-D6C7DFDC589F}" vid="{4A3C46E8-61CC-4603-A589-7422A47A8E4A}"/>
     </a:ext>
   </a:extLst>
 </a:theme>
